--- a/Courses/Software-Sciences/Module-1-OOP/08.1-Encapsulation-Basics/08.1-Encapsulation-Basics.pptx
+++ b/Courses/Software-Sciences/Module-1-OOP/08.1-Encapsulation-Basics/08.1-Encapsulation-Basics.pptx
@@ -305,7 +305,7 @@
           <a:p>
             <a:fld id="{4E087215-0C8F-4762-A664-737A353EC9A4}" type="datetimeFigureOut">
               <a:rPr lang="bg-BG" smtClean="0"/>
-              <a:t>21.01.23 г.</a:t>
+              <a:t>17.05.23 г.</a:t>
             </a:fld>
             <a:endParaRPr lang="bg-BG" dirty="0"/>
           </a:p>
@@ -496,7 +496,7 @@
           <a:p>
             <a:fld id="{72D84649-876A-46C9-8472-14CB09C070D8}" type="datetimeFigureOut">
               <a:rPr lang="en-US" smtClean="0"/>
-              <a:t>1/21/23</a:t>
+              <a:t>5/17/23</a:t>
             </a:fld>
             <a:endParaRPr lang="en-US" dirty="0"/>
           </a:p>
@@ -1054,7 +1054,7 @@
           <a:bodyPr/>
           <a:lstStyle/>
           <a:p>
-            <a:endParaRPr lang="en-BG" dirty="0"/>
+            <a:endParaRPr lang="en-BG"/>
           </a:p>
         </p:txBody>
       </p:sp>
@@ -1097,20 +1097,19 @@
           <a:lstStyle/>
           <a:p>
             <a:r>
-              <a:rPr lang="en-US"/>
+              <a:rPr lang="en-US" dirty="0"/>
               <a:t>© SoftUni – </a:t>
             </a:r>
             <a:r>
-              <a:rPr lang="en-US" u="sng">
+              <a:rPr lang="en-US" u="sng" dirty="0">
                 <a:hlinkClick r:id="rId3"/>
               </a:rPr>
               <a:t>https://softuni.org</a:t>
             </a:r>
             <a:r>
-              <a:rPr lang="en-US"/>
+              <a:rPr lang="en-US" dirty="0"/>
               <a:t>. Copyrighted document. Unauthorized copy or reproduction is not permitted.</a:t>
             </a:r>
-            <a:endParaRPr lang="en-US" dirty="0"/>
           </a:p>
         </p:txBody>
       </p:sp>
@@ -1230,7 +1229,7 @@
           <a:bodyPr/>
           <a:lstStyle/>
           <a:p>
-            <a:endParaRPr lang="bg-BG"/>
+            <a:endParaRPr lang="bg-BG" dirty="0"/>
           </a:p>
         </p:txBody>
       </p:sp>
@@ -1341,7 +1340,7 @@
           <a:bodyPr/>
           <a:lstStyle/>
           <a:p>
-            <a:endParaRPr lang="en-BG" dirty="0"/>
+            <a:endParaRPr lang="en-BG"/>
           </a:p>
         </p:txBody>
       </p:sp>
@@ -1384,20 +1383,19 @@
           <a:lstStyle/>
           <a:p>
             <a:r>
-              <a:rPr lang="en-US"/>
+              <a:rPr lang="en-US" dirty="0"/>
               <a:t>© SoftUni – </a:t>
             </a:r>
             <a:r>
-              <a:rPr lang="en-US" u="sng">
+              <a:rPr lang="en-US" u="sng" dirty="0">
                 <a:hlinkClick r:id="rId3"/>
               </a:rPr>
               <a:t>https://softuni.org</a:t>
             </a:r>
             <a:r>
-              <a:rPr lang="en-US"/>
+              <a:rPr lang="en-US" dirty="0"/>
               <a:t>. Copyrighted document. Unauthorized copy or reproduction is not permitted.</a:t>
             </a:r>
-            <a:endParaRPr lang="en-US" dirty="0"/>
           </a:p>
         </p:txBody>
       </p:sp>
@@ -1517,7 +1515,7 @@
           <a:bodyPr/>
           <a:lstStyle/>
           <a:p>
-            <a:endParaRPr lang="bg-BG"/>
+            <a:endParaRPr lang="bg-BG" dirty="0"/>
           </a:p>
         </p:txBody>
       </p:sp>
@@ -10464,11 +10462,7 @@
             </a:pPr>
             <a:r>
               <a:rPr lang="bg-BG" dirty="0"/>
-              <a:t>Ползи от </a:t>
-            </a:r>
-            <a:r>
-              <a:rPr lang="bg-BG" dirty="0" err="1"/>
-              <a:t>енкапсулацията</a:t>
+              <a:t>Ползи от енкапсулацията</a:t>
             </a:r>
             <a:endParaRPr lang="en-US" sz="3000" dirty="0"/>
           </a:p>
@@ -11237,7 +11231,7 @@
               <a:t> (</a:t>
             </a:r>
             <a:r>
-              <a:rPr lang="bg-BG" sz="2800" b="1" dirty="0" err="1"/>
+              <a:rPr lang="bg-BG" sz="2800" b="1" dirty="0"/>
               <a:t>стрингосване</a:t>
             </a:r>
             <a:r>
@@ -11250,16 +11244,6 @@
             <a:r>
               <a:rPr lang="bg-BG" sz="2800" dirty="0"/>
               <a:t> За тази цел пренаписваме метода </a:t>
-            </a:r>
-            <a:r>
-              <a:rPr lang="en-US" sz="2800" b="1" dirty="0" err="1">
-                <a:solidFill>
-                  <a:schemeClr val="bg1"/>
-                </a:solidFill>
-                <a:latin typeface="Consolas" panose="020B0609020204030204" pitchFamily="49" charset="0"/>
-                <a:cs typeface="Consolas" panose="020B0609020204030204" pitchFamily="49" charset="0"/>
-              </a:rPr>
-              <a:t>ToString</a:t>
             </a:r>
             <a:r>
               <a:rPr lang="en-US" sz="2800" b="1" dirty="0">
@@ -11269,7 +11253,7 @@
                 <a:latin typeface="Consolas" panose="020B0609020204030204" pitchFamily="49" charset="0"/>
                 <a:cs typeface="Consolas" panose="020B0609020204030204" pitchFamily="49" charset="0"/>
               </a:rPr>
-              <a:t>()</a:t>
+              <a:t>ToString()</a:t>
             </a:r>
             <a:r>
               <a:rPr lang="bg-BG" sz="2800" dirty="0"/>
@@ -11314,12 +11298,8 @@
               <a:t>Метод </a:t>
             </a:r>
             <a:r>
-              <a:rPr lang="en-US" dirty="0" err="1"/>
-              <a:t>ToString</a:t>
-            </a:r>
-            <a:r>
               <a:rPr lang="en-US" dirty="0"/>
-              <a:t>()</a:t>
+              <a:t>ToString()</a:t>
             </a:r>
           </a:p>
         </p:txBody>
@@ -11499,15 +11479,7 @@
             </a:r>
             <a:r>
               <a:rPr lang="en-US" sz="2400" dirty="0"/>
-              <a:t>{FirstName} {</a:t>
-            </a:r>
-            <a:r>
-              <a:rPr lang="en-US" sz="2400" dirty="0" err="1"/>
-              <a:t>LastName</a:t>
-            </a:r>
-            <a:r>
-              <a:rPr lang="en-US" sz="2400" dirty="0"/>
-              <a:t>}.</a:t>
+              <a:t>{FirstName} {LastName}.</a:t>
             </a:r>
             <a:r>
               <a:rPr lang="en-GB" sz="2400" dirty="0"/>
@@ -12908,7 +12880,7 @@
               <a:rPr lang="en-US" dirty="0">
                 <a:hlinkClick r:id="rId2"/>
               </a:rPr>
-              <a:t>https://judge.softuni.bg/Contests/Practice/Index/3163#1</a:t>
+              <a:t>https://judge.softuni.org/Contests/Practice/Index/4062#1</a:t>
             </a:r>
             <a:endParaRPr lang="en-US" dirty="0"/>
           </a:p>
@@ -15401,7 +15373,7 @@
           <a:p>
             <a:r>
               <a:rPr lang="bg-BG" sz="3799" dirty="0"/>
-              <a:t>Хвърляне на изключения - пример</a:t>
+              <a:t>Пример: Хвърляне на изключения</a:t>
             </a:r>
           </a:p>
         </p:txBody>
@@ -19210,7 +19182,7 @@
               <a:rPr lang="en-US" dirty="0">
                 <a:hlinkClick r:id="rId2"/>
               </a:rPr>
-              <a:t>https://judge.softuni.bg/Contests/Practice/Index/3163#2</a:t>
+              <a:t>https://judge.softuni.org/Contests/Practice/Index/4062#2</a:t>
             </a:r>
             <a:endParaRPr lang="en-US" dirty="0"/>
           </a:p>
@@ -22276,15 +22248,7 @@
           <a:p>
             <a:r>
               <a:rPr lang="bg-BG" dirty="0"/>
-              <a:t>Енкапсулация</a:t>
-            </a:r>
-            <a:r>
-              <a:rPr lang="en-US" dirty="0"/>
-              <a:t> – </a:t>
-            </a:r>
-            <a:r>
-              <a:rPr lang="bg-BG" dirty="0"/>
-              <a:t>пример</a:t>
+              <a:t>Пример: Енкапсулация</a:t>
             </a:r>
           </a:p>
         </p:txBody>

--- a/Courses/Software-Sciences/Module-1-OOP/08.1-Encapsulation-Basics/08.1-Encapsulation-Basics.pptx
+++ b/Courses/Software-Sciences/Module-1-OOP/08.1-Encapsulation-Basics/08.1-Encapsulation-Basics.pptx
@@ -144,7 +144,7 @@
             <p14:sldId id="292"/>
           </p14:sldIdLst>
         </p14:section>
-        <p14:section name="Какво е енкапсулация?" id="{B8F32016-7431-4DE3-B21E-2ABFDA04702D}">
+        <p14:section name="Какво е капсулация?" id="{B8F32016-7431-4DE3-B21E-2ABFDA04702D}">
           <p14:sldIdLst>
             <p14:sldId id="294"/>
             <p14:sldId id="295"/>
@@ -305,7 +305,7 @@
           <a:p>
             <a:fld id="{4E087215-0C8F-4762-A664-737A353EC9A4}" type="datetimeFigureOut">
               <a:rPr lang="bg-BG" smtClean="0"/>
-              <a:t>17.05.23 г.</a:t>
+              <a:t>2.7.2023 г.</a:t>
             </a:fld>
             <a:endParaRPr lang="bg-BG" dirty="0"/>
           </a:p>
@@ -496,7 +496,7 @@
           <a:p>
             <a:fld id="{72D84649-876A-46C9-8472-14CB09C070D8}" type="datetimeFigureOut">
               <a:rPr lang="en-US" smtClean="0"/>
-              <a:t>5/17/23</a:t>
+              <a:t>2-Jul-23</a:t>
             </a:fld>
             <a:endParaRPr lang="en-US" dirty="0"/>
           </a:p>
@@ -10324,7 +10324,12 @@
             <p:ph type="body" sz="quarter" idx="18"/>
           </p:nvPr>
         </p:nvSpPr>
-        <p:spPr/>
+        <p:spPr>
+          <a:xfrm>
+            <a:off x="8708505" y="6130863"/>
+            <a:ext cx="2951518" cy="341556"/>
+          </a:xfrm>
+        </p:spPr>
         <p:txBody>
           <a:bodyPr/>
           <a:lstStyle/>
@@ -10349,7 +10354,12 @@
             <p:ph type="body" sz="quarter" idx="17"/>
           </p:nvPr>
         </p:nvSpPr>
-        <p:spPr/>
+        <p:spPr>
+          <a:xfrm>
+            <a:off x="8708505" y="5756628"/>
+            <a:ext cx="2951518" cy="367080"/>
+          </a:xfrm>
+        </p:spPr>
         <p:txBody>
           <a:bodyPr/>
           <a:lstStyle/>
@@ -10373,25 +10383,18 @@
         </p:nvSpPr>
         <p:spPr>
           <a:xfrm>
-            <a:off x="0" y="5270641"/>
-            <a:ext cx="3187700" cy="444500"/>
+            <a:off x="553082" y="5344180"/>
+            <a:ext cx="2980696" cy="444793"/>
           </a:xfrm>
         </p:spPr>
         <p:txBody>
           <a:bodyPr>
-            <a:normAutofit fontScale="85000" lnSpcReduction="20000"/>
+            <a:normAutofit/>
           </a:bodyPr>
           <a:lstStyle/>
           <a:p>
-            <a:pPr marL="0" indent="0">
-              <a:buNone/>
-            </a:pPr>
-            <a:r>
-              <a:rPr lang="bg-BG" dirty="0"/>
-              <a:t>       </a:t>
-            </a:r>
-            <a:r>
-              <a:rPr lang="en-US" sz="3100" b="1" dirty="0"/>
+            <a:r>
+              <a:rPr lang="en-US" dirty="0"/>
               <a:t>Technical Trainers</a:t>
             </a:r>
           </a:p>
@@ -10409,25 +10412,18 @@
         </p:nvSpPr>
         <p:spPr>
           <a:xfrm>
-            <a:off x="0" y="4745178"/>
-            <a:ext cx="3465526" cy="525463"/>
+            <a:off x="553082" y="4851838"/>
+            <a:ext cx="2980696" cy="454398"/>
           </a:xfrm>
         </p:spPr>
         <p:txBody>
           <a:bodyPr>
-            <a:normAutofit/>
+            <a:normAutofit fontScale="92500" lnSpcReduction="10000"/>
           </a:bodyPr>
           <a:lstStyle/>
           <a:p>
-            <a:pPr marL="0" indent="0">
-              <a:buNone/>
-            </a:pPr>
-            <a:r>
-              <a:rPr lang="bg-BG" dirty="0"/>
-              <a:t>      </a:t>
-            </a:r>
-            <a:r>
-              <a:rPr lang="en-US" b="1" dirty="0"/>
+            <a:r>
+              <a:rPr lang="en-US" dirty="0"/>
               <a:t>SoftUni Team</a:t>
             </a:r>
           </a:p>
@@ -10445,8 +10441,8 @@
         </p:nvSpPr>
         <p:spPr>
           <a:xfrm>
-            <a:off x="2065254" y="1158163"/>
-            <a:ext cx="7294547" cy="882654"/>
+            <a:off x="554038" y="1376288"/>
+            <a:ext cx="11083925" cy="1422712"/>
           </a:xfrm>
         </p:spPr>
         <p:txBody>
@@ -10455,16 +10451,26 @@
           </a:bodyPr>
           <a:lstStyle/>
           <a:p>
-            <a:pPr>
-              <a:spcAft>
-                <a:spcPts val="0"/>
-              </a:spcAft>
-            </a:pPr>
             <a:r>
               <a:rPr lang="bg-BG" dirty="0"/>
-              <a:t>Ползи от енкапсулацията</a:t>
-            </a:r>
-            <a:endParaRPr lang="en-US" sz="3000" dirty="0"/>
+              <a:t>Ползи от капсулацията на данни в ООП,</a:t>
+            </a:r>
+            <a:br>
+              <a:rPr lang="bg-BG" dirty="0"/>
+            </a:br>
+            <a:r>
+              <a:rPr lang="bg-BG" dirty="0"/>
+              <a:t>скриване на детайлите в </a:t>
+            </a:r>
+            <a:r>
+              <a:rPr lang="en-US" dirty="0"/>
+              <a:t>private </a:t>
+            </a:r>
+            <a:r>
+              <a:rPr lang="bg-BG" dirty="0"/>
+              <a:t>полета и методи</a:t>
+            </a:r>
+            <a:endParaRPr lang="en-US" dirty="0"/>
           </a:p>
         </p:txBody>
       </p:sp>
@@ -10480,8 +10486,8 @@
         </p:nvSpPr>
         <p:spPr>
           <a:xfrm>
-            <a:off x="3162240" y="179602"/>
-            <a:ext cx="5100573" cy="882654"/>
+            <a:off x="554038" y="324000"/>
+            <a:ext cx="11083925" cy="970913"/>
           </a:xfrm>
         </p:spPr>
         <p:txBody>
@@ -10491,10 +10497,10 @@
           <a:lstStyle/>
           <a:p>
             <a:r>
-              <a:rPr lang="bg-BG" dirty="0"/>
-              <a:t>Енкапсулация</a:t>
-            </a:r>
-            <a:endParaRPr lang="en-US" dirty="0"/>
+              <a:rPr lang="bg-BG" sz="5400" dirty="0"/>
+              <a:t>Капсулация</a:t>
+            </a:r>
+            <a:endParaRPr lang="en-US" sz="4800" dirty="0"/>
           </a:p>
         </p:txBody>
       </p:sp>
@@ -10573,8 +10579,8 @@
         </p:blipFill>
         <p:spPr>
           <a:xfrm>
-            <a:off x="4611000" y="2214000"/>
-            <a:ext cx="1900365" cy="1900365"/>
+            <a:off x="4830981" y="2844000"/>
+            <a:ext cx="2090402" cy="2090402"/>
           </a:xfrm>
           <a:prstGeom prst="rect">
             <a:avLst/>
@@ -13302,12 +13308,9 @@
           <a:p>
             <a:r>
               <a:rPr lang="bg-BG" dirty="0"/>
-              <a:t>Какво представляват изключенията</a:t>
-            </a:r>
-            <a:r>
-              <a:rPr lang="en-US" dirty="0"/>
-              <a:t>?</a:t>
-            </a:r>
+              <a:t>Хвърляне и хващане на изключения</a:t>
+            </a:r>
+            <a:endParaRPr lang="en-US" dirty="0"/>
           </a:p>
         </p:txBody>
       </p:sp>
@@ -14112,7 +14115,15 @@
             </a:pPr>
             <a:r>
               <a:rPr lang="bg-BG" sz="3599" dirty="0"/>
-              <a:t>Изключения се хвърлят с ключовата дума </a:t>
+              <a:t>Изключения се </a:t>
+            </a:r>
+            <a:r>
+              <a:rPr lang="bg-BG" sz="3599" b="1" dirty="0"/>
+              <a:t>хвърлят</a:t>
+            </a:r>
+            <a:r>
+              <a:rPr lang="bg-BG" sz="3599" dirty="0"/>
+              <a:t> с ключовата дума </a:t>
             </a:r>
             <a:r>
               <a:rPr lang="en-US" sz="3599" b="1" dirty="0">
@@ -14137,7 +14148,15 @@
             </a:pPr>
             <a:r>
               <a:rPr lang="bg-BG" sz="3599" dirty="0"/>
-              <a:t>Когато е хвърлено изключение</a:t>
+              <a:t>Когато е </a:t>
+            </a:r>
+            <a:r>
+              <a:rPr lang="bg-BG" sz="3599" b="1" dirty="0"/>
+              <a:t>хвърлено</a:t>
+            </a:r>
+            <a:r>
+              <a:rPr lang="bg-BG" sz="3599" dirty="0"/>
+              <a:t> изключение</a:t>
             </a:r>
             <a:r>
               <a:rPr lang="en-US" sz="3599" dirty="0"/>
@@ -14155,7 +14174,7 @@
             </a:pPr>
             <a:r>
               <a:rPr lang="bg-BG" sz="3399" dirty="0"/>
-              <a:t>Изпълнението на програмата приключва</a:t>
+              <a:t>Изпълнението на програмата спира (временно)</a:t>
             </a:r>
             <a:endParaRPr lang="en-US" sz="3399" dirty="0"/>
           </a:p>
@@ -16271,6 +16290,44 @@
       </p:pic>
       <p:sp>
         <p:nvSpPr>
+          <p:cNvPr id="3" name="Subtitle 2">
+            <a:extLst>
+              <a:ext uri="{FF2B5EF4-FFF2-40B4-BE49-F238E27FC236}">
+                <a16:creationId xmlns:a16="http://schemas.microsoft.com/office/drawing/2014/main" id="{FE81687E-BEB0-D257-51AB-B99D4FA3572F}"/>
+              </a:ext>
+            </a:extLst>
+          </p:cNvPr>
+          <p:cNvSpPr>
+            <a:spLocks noGrp="1"/>
+          </p:cNvSpPr>
+          <p:nvPr>
+            <p:ph type="subTitle" sz="quarter" idx="11"/>
+          </p:nvPr>
+        </p:nvSpPr>
+        <p:spPr>
+          <a:xfrm>
+            <a:off x="615109" y="5675916"/>
+            <a:ext cx="10961783" cy="768084"/>
+          </a:xfrm>
+        </p:spPr>
+        <p:txBody>
+          <a:bodyPr/>
+          <a:lstStyle/>
+          <a:p>
+            <a:r>
+              <a:rPr lang="bg-BG" dirty="0"/>
+              <a:t>Пазене на коректно </a:t>
+            </a:r>
+            <a:r>
+              <a:rPr lang="bg-BG"/>
+              <a:t>вътрешно състояние</a:t>
+            </a:r>
+            <a:endParaRPr lang="en-US" dirty="0"/>
+          </a:p>
+        </p:txBody>
+      </p:sp>
+      <p:sp>
+        <p:nvSpPr>
           <p:cNvPr id="4" name="Title 3">
             <a:extLst>
               <a:ext uri="{FF2B5EF4-FFF2-40B4-BE49-F238E27FC236}">
@@ -16285,7 +16342,12 @@
             <p:ph type="title" sz="quarter" idx="10"/>
           </p:nvPr>
         </p:nvSpPr>
-        <p:spPr/>
+        <p:spPr>
+          <a:xfrm>
+            <a:off x="614363" y="4795350"/>
+            <a:ext cx="10963275" cy="768350"/>
+          </a:xfrm>
+        </p:spPr>
         <p:txBody>
           <a:bodyPr/>
           <a:lstStyle/>
@@ -16296,15 +16358,7 @@
             </a:r>
             <a:r>
               <a:rPr lang="en-GB" dirty="0"/>
-              <a:t>Getter</a:t>
-            </a:r>
-            <a:r>
-              <a:rPr lang="bg-BG" dirty="0"/>
-              <a:t>-и</a:t>
-            </a:r>
-            <a:r>
-              <a:rPr lang="en-GB" dirty="0"/>
-              <a:t> </a:t>
+              <a:t>getters </a:t>
             </a:r>
             <a:r>
               <a:rPr lang="bg-BG" dirty="0"/>
@@ -16312,11 +16366,7 @@
             </a:r>
             <a:r>
               <a:rPr lang="en-GB" dirty="0"/>
-              <a:t> Setter</a:t>
-            </a:r>
-            <a:r>
-              <a:rPr lang="bg-BG" dirty="0"/>
-              <a:t>-и</a:t>
+              <a:t> setters</a:t>
             </a:r>
             <a:endParaRPr lang="en-US" dirty="0"/>
           </a:p>
@@ -16372,27 +16422,29 @@
         </p:nvSpPr>
         <p:spPr>
           <a:xfrm>
-            <a:off x="190406" y="664617"/>
-            <a:ext cx="11818096" cy="5528766"/>
+            <a:off x="190406" y="1359000"/>
+            <a:ext cx="11818096" cy="5310000"/>
           </a:xfrm>
         </p:spPr>
         <p:txBody>
           <a:bodyPr/>
           <a:lstStyle/>
           <a:p>
-            <a:pPr marL="0" indent="0">
-              <a:buNone/>
-            </a:pPr>
-            <a:endParaRPr lang="bg-BG" sz="4000" dirty="0"/>
-          </a:p>
-          <a:p>
             <a:pPr marL="742950" indent="-742950">
               <a:buFont typeface="+mj-lt"/>
               <a:buAutoNum type="arabicPeriod"/>
             </a:pPr>
             <a:r>
               <a:rPr lang="bg-BG" sz="4000" dirty="0"/>
-              <a:t>Какво е енкапсулация</a:t>
+              <a:t>Какво е </a:t>
+            </a:r>
+            <a:r>
+              <a:rPr lang="bg-BG" sz="4000" b="1" dirty="0"/>
+              <a:t>капсулация</a:t>
+            </a:r>
+            <a:r>
+              <a:rPr lang="bg-BG" sz="4000" dirty="0"/>
+              <a:t> в ООП</a:t>
             </a:r>
             <a:r>
               <a:rPr lang="en-US" sz="4000" dirty="0"/>
@@ -16414,9 +16466,24 @@
             </a:r>
             <a:r>
               <a:rPr lang="bg-BG" sz="4000" dirty="0"/>
-              <a:t>за достъп</a:t>
-            </a:r>
-            <a:endParaRPr lang="en-US" sz="4000" dirty="0"/>
+              <a:t>за достъп: </a:t>
+            </a:r>
+            <a:r>
+              <a:rPr lang="en-US" sz="4000" b="1" dirty="0"/>
+              <a:t>public</a:t>
+            </a:r>
+            <a:r>
+              <a:rPr lang="en-US" sz="4000" dirty="0"/>
+              <a:t> </a:t>
+            </a:r>
+            <a:r>
+              <a:rPr lang="bg-BG" sz="4000" dirty="0"/>
+              <a:t>и </a:t>
+            </a:r>
+            <a:r>
+              <a:rPr lang="en-US" sz="4000" b="1" dirty="0"/>
+              <a:t>private</a:t>
+            </a:r>
           </a:p>
           <a:p>
             <a:pPr marL="742950" indent="-742950">
@@ -16424,8 +16491,16 @@
               <a:buAutoNum type="arabicPeriod"/>
             </a:pPr>
             <a:r>
+              <a:rPr lang="bg-BG" sz="4000" b="1" dirty="0"/>
+              <a:t>Изключения</a:t>
+            </a:r>
+            <a:r>
+              <a:rPr lang="en-US" sz="4000" dirty="0"/>
+              <a:t>, </a:t>
+            </a:r>
+            <a:r>
               <a:rPr lang="bg-BG" sz="4000" dirty="0"/>
-              <a:t>Изключения</a:t>
+              <a:t>хвърляне на изключения</a:t>
             </a:r>
           </a:p>
           <a:p>
@@ -16434,8 +16509,12 @@
               <a:buAutoNum type="arabicPeriod"/>
             </a:pPr>
             <a:r>
+              <a:rPr lang="bg-BG" sz="4000" b="1" dirty="0"/>
+              <a:t>Валидация</a:t>
+            </a:r>
+            <a:r>
               <a:rPr lang="bg-BG" sz="4000" dirty="0"/>
-              <a:t>Валидация</a:t>
+              <a:t> на данни в ООП</a:t>
             </a:r>
           </a:p>
         </p:txBody>
@@ -16558,7 +16637,7 @@
                                         <p:tgtEl>
                                           <p:spTgt spid="423939">
                                             <p:txEl>
-                                              <p:pRg st="2" end="2"/>
+                                              <p:pRg st="1" end="1"/>
                                             </p:txEl>
                                           </p:spTgt>
                                         </p:tgtEl>
@@ -16607,7 +16686,7 @@
                                         <p:tgtEl>
                                           <p:spTgt spid="423939">
                                             <p:txEl>
-                                              <p:pRg st="3" end="3"/>
+                                              <p:pRg st="2" end="2"/>
                                             </p:txEl>
                                           </p:spTgt>
                                         </p:tgtEl>
@@ -16656,7 +16735,7 @@
                                         <p:tgtEl>
                                           <p:spTgt spid="423939">
                                             <p:txEl>
-                                              <p:pRg st="4" end="4"/>
+                                              <p:pRg st="3" end="3"/>
                                             </p:txEl>
                                           </p:spTgt>
                                         </p:tgtEl>
@@ -17131,7 +17210,7 @@
                   </a:schemeClr>
                 </a:solidFill>
               </a:rPr>
-              <a:t>изключения (</a:t>
+              <a:t>изключени</a:t>
             </a:r>
             <a:r>
               <a:rPr lang="en-US" sz="2400" b="1" dirty="0">
@@ -17142,7 +17221,29 @@
                   </a:schemeClr>
                 </a:solidFill>
               </a:rPr>
-              <a:t>exceptions)</a:t>
+              <a:t>e</a:t>
+            </a:r>
+            <a:r>
+              <a:rPr lang="bg-BG" sz="2400" b="1" dirty="0">
+                <a:solidFill>
+                  <a:schemeClr val="bg1">
+                    <a:lumMod val="60000"/>
+                    <a:lumOff val="40000"/>
+                  </a:schemeClr>
+                </a:solidFill>
+              </a:rPr>
+              <a:t> (</a:t>
+            </a:r>
+            <a:r>
+              <a:rPr lang="en-US" sz="2400" b="1" dirty="0">
+                <a:solidFill>
+                  <a:schemeClr val="bg1">
+                    <a:lumMod val="60000"/>
+                    <a:lumOff val="40000"/>
+                  </a:schemeClr>
+                </a:solidFill>
+              </a:rPr>
+              <a:t>exception)</a:t>
             </a:r>
             <a:endParaRPr lang="en-US" sz="2400" b="1" noProof="1">
               <a:solidFill>
@@ -17704,8 +17805,8 @@
         </p:nvSpPr>
         <p:spPr bwMode="auto">
           <a:xfrm>
-            <a:off x="5376000" y="4104000"/>
-            <a:ext cx="3420000" cy="863969"/>
+            <a:off x="5466000" y="4014000"/>
+            <a:ext cx="3420000" cy="990000"/>
           </a:xfrm>
           <a:prstGeom prst="wedgeRoundRectCallout">
             <a:avLst>
@@ -19782,7 +19883,7 @@
           </p:nvSpPr>
           <p:spPr>
             <a:xfrm>
-              <a:off x="540767" y="1781251"/>
+              <a:off x="559707" y="1781251"/>
               <a:ext cx="85794" cy="4320631"/>
             </a:xfrm>
             <a:prstGeom prst="roundRect">
@@ -19842,7 +19943,7 @@
           </p:nvSpPr>
           <p:spPr>
             <a:xfrm rot="5400000">
-              <a:off x="3762569" y="1912372"/>
+              <a:off x="3743629" y="1912372"/>
               <a:ext cx="669775" cy="238503"/>
             </a:xfrm>
             <a:prstGeom prst="halfFrame">
@@ -19917,7 +20018,7 @@
         </p:blipFill>
         <p:spPr>
           <a:xfrm flipH="1">
-            <a:off x="8824937" y="3276641"/>
+            <a:off x="8983746" y="3297219"/>
             <a:ext cx="2882677" cy="3119781"/>
           </a:xfrm>
           <a:prstGeom prst="rect">
@@ -19941,8 +20042,8 @@
         </p:nvSpPr>
         <p:spPr>
           <a:xfrm>
-            <a:off x="543073" y="1723767"/>
-            <a:ext cx="11815018" cy="5201066"/>
+            <a:off x="650951" y="1809000"/>
+            <a:ext cx="7830049" cy="4608000"/>
           </a:xfrm>
           <a:prstGeom prst="rect">
             <a:avLst/>
@@ -20120,7 +20221,7 @@
             </a:lvl9pPr>
           </a:lstStyle>
           <a:p>
-            <a:pPr>
+            <a:pPr latinLnBrk="0">
               <a:lnSpc>
                 <a:spcPct val="100000"/>
               </a:lnSpc>
@@ -20129,12 +20230,23 @@
               </a:buClr>
             </a:pPr>
             <a:r>
+              <a:rPr lang="bg-BG" sz="3600" b="1" dirty="0">
+                <a:solidFill>
+                  <a:schemeClr val="bg1">
+                    <a:lumMod val="60000"/>
+                    <a:lumOff val="40000"/>
+                  </a:schemeClr>
+                </a:solidFill>
+              </a:rPr>
+              <a:t>Капсулация</a:t>
+            </a:r>
+            <a:r>
               <a:rPr lang="bg-BG" sz="3600" dirty="0">
                 <a:solidFill>
                   <a:schemeClr val="bg2"/>
                 </a:solidFill>
               </a:rPr>
-              <a:t>Енкапсулация</a:t>
+              <a:t> на данни</a:t>
             </a:r>
             <a:r>
               <a:rPr lang="en-US" sz="3600" dirty="0">
@@ -20146,7 +20258,7 @@
             </a:r>
           </a:p>
           <a:p>
-            <a:pPr lvl="1">
+            <a:pPr lvl="1" latinLnBrk="0">
               <a:lnSpc>
                 <a:spcPct val="100000"/>
               </a:lnSpc>
@@ -20191,7 +20303,7 @@
             </a:endParaRPr>
           </a:p>
           <a:p>
-            <a:pPr lvl="1">
+            <a:pPr lvl="1" latinLnBrk="0">
               <a:lnSpc>
                 <a:spcPct val="100000"/>
               </a:lnSpc>
@@ -20236,7 +20348,7 @@
             </a:endParaRPr>
           </a:p>
           <a:p>
-            <a:pPr lvl="1">
+            <a:pPr lvl="1" latinLnBrk="0">
               <a:lnSpc>
                 <a:spcPct val="100000"/>
               </a:lnSpc>
@@ -20250,31 +20362,11 @@
                   <a:schemeClr val="bg2"/>
                 </a:solidFill>
               </a:rPr>
-              <a:t>Гарантира, че структурните промени</a:t>
-            </a:r>
-            <a:br>
-              <a:rPr lang="en-US" sz="3400" dirty="0">
-                <a:solidFill>
-                  <a:schemeClr val="bg2"/>
-                </a:solidFill>
-              </a:rPr>
-            </a:br>
-            <a:r>
-              <a:rPr lang="bg-BG" sz="3400" dirty="0">
-                <a:solidFill>
-                  <a:schemeClr val="bg2"/>
-                </a:solidFill>
-              </a:rPr>
-              <a:t>остават локални</a:t>
-            </a:r>
-            <a:endParaRPr lang="en-US" sz="3400" dirty="0">
-              <a:solidFill>
-                <a:schemeClr val="bg2"/>
-              </a:solidFill>
-            </a:endParaRPr>
-          </a:p>
-          <a:p>
-            <a:pPr>
+              <a:t>Гарантира, че структурните промени остават локални</a:t>
+            </a:r>
+          </a:p>
+          <a:p>
+            <a:pPr lvl="1" latinLnBrk="0">
               <a:lnSpc>
                 <a:spcPct val="100000"/>
               </a:lnSpc>
@@ -20282,6 +20374,25 @@
                 <a:schemeClr val="bg2"/>
               </a:buClr>
             </a:pPr>
+            <a:r>
+              <a:rPr lang="bg-BG" sz="3400" dirty="0">
+                <a:solidFill>
+                  <a:schemeClr val="bg2"/>
+                </a:solidFill>
+              </a:rPr>
+              <a:t>Позволява контрол на вътрешното състояние на класа и </a:t>
+            </a:r>
+            <a:r>
+              <a:rPr lang="bg-BG" sz="3400" b="1" dirty="0">
+                <a:solidFill>
+                  <a:schemeClr val="bg1">
+                    <a:lumMod val="60000"/>
+                    <a:lumOff val="40000"/>
+                  </a:schemeClr>
+                </a:solidFill>
+              </a:rPr>
+              <a:t>валидация</a:t>
+            </a:r>
             <a:endParaRPr lang="en-US" sz="3600" dirty="0">
               <a:solidFill>
                 <a:schemeClr val="bg2"/>
@@ -20456,6 +20567,55 @@
                       </p:childTnLst>
                     </p:cTn>
                   </p:par>
+                  <p:par>
+                    <p:cTn id="11" fill="hold">
+                      <p:stCondLst>
+                        <p:cond delay="indefinite"/>
+                      </p:stCondLst>
+                      <p:childTnLst>
+                        <p:par>
+                          <p:cTn id="12" fill="hold">
+                            <p:stCondLst>
+                              <p:cond delay="0"/>
+                            </p:stCondLst>
+                            <p:childTnLst>
+                              <p:par>
+                                <p:cTn id="13" presetID="1" presetClass="entr" presetSubtype="0" fill="hold" nodeType="clickEffect">
+                                  <p:stCondLst>
+                                    <p:cond delay="0"/>
+                                  </p:stCondLst>
+                                  <p:childTnLst>
+                                    <p:set>
+                                      <p:cBhvr>
+                                        <p:cTn id="14" dur="1" fill="hold">
+                                          <p:stCondLst>
+                                            <p:cond delay="0"/>
+                                          </p:stCondLst>
+                                        </p:cTn>
+                                        <p:tgtEl>
+                                          <p:spTgt spid="15">
+                                            <p:txEl>
+                                              <p:pRg st="4" end="4"/>
+                                            </p:txEl>
+                                          </p:spTgt>
+                                        </p:tgtEl>
+                                        <p:attrNameLst>
+                                          <p:attrName>style.visibility</p:attrName>
+                                        </p:attrNameLst>
+                                      </p:cBhvr>
+                                      <p:to>
+                                        <p:strVal val="visible"/>
+                                      </p:to>
+                                    </p:set>
+                                  </p:childTnLst>
+                                </p:cTn>
+                              </p:par>
+                            </p:childTnLst>
+                          </p:cTn>
+                        </p:par>
+                      </p:childTnLst>
+                    </p:cTn>
+                  </p:par>
                 </p:childTnLst>
               </p:cTn>
               <p:prevCondLst>
@@ -20879,6 +21039,35 @@
       </p:grpSpPr>
       <p:sp>
         <p:nvSpPr>
+          <p:cNvPr id="3" name="Subtitle 2">
+            <a:extLst>
+              <a:ext uri="{FF2B5EF4-FFF2-40B4-BE49-F238E27FC236}">
+                <a16:creationId xmlns:a16="http://schemas.microsoft.com/office/drawing/2014/main" id="{99D148BC-8EFE-F46E-D102-2E5A3BC4CA68}"/>
+              </a:ext>
+            </a:extLst>
+          </p:cNvPr>
+          <p:cNvSpPr>
+            <a:spLocks noGrp="1"/>
+          </p:cNvSpPr>
+          <p:nvPr>
+            <p:ph type="subTitle" sz="quarter" idx="11"/>
+          </p:nvPr>
+        </p:nvSpPr>
+        <p:spPr/>
+        <p:txBody>
+          <a:bodyPr/>
+          <a:lstStyle/>
+          <a:p>
+            <a:r>
+              <a:rPr lang="bg-BG" dirty="0"/>
+              <a:t>Капсулация на данните – ООП принцип</a:t>
+            </a:r>
+            <a:endParaRPr lang="en-US" dirty="0"/>
+          </a:p>
+        </p:txBody>
+      </p:sp>
+      <p:sp>
+        <p:nvSpPr>
           <p:cNvPr id="5" name="Title 4">
             <a:extLst>
               <a:ext uri="{FF2B5EF4-FFF2-40B4-BE49-F238E27FC236}">
@@ -20893,7 +21082,12 @@
             <p:ph type="title" sz="quarter" idx="10"/>
           </p:nvPr>
         </p:nvSpPr>
-        <p:spPr/>
+        <p:spPr>
+          <a:xfrm>
+            <a:off x="615109" y="4704825"/>
+            <a:ext cx="10961783" cy="768084"/>
+          </a:xfrm>
+        </p:spPr>
         <p:txBody>
           <a:bodyPr/>
           <a:lstStyle/>
@@ -21011,7 +21205,15 @@
             </a:pPr>
             <a:r>
               <a:rPr lang="bg-BG" sz="3200" dirty="0"/>
-              <a:t>Процесът на обединяване на кода и данните в </a:t>
+              <a:t>Процесът на </a:t>
+            </a:r>
+            <a:r>
+              <a:rPr lang="bg-BG" sz="3200" b="1" dirty="0"/>
+              <a:t>обединяване на кода и данните </a:t>
+            </a:r>
+            <a:r>
+              <a:rPr lang="bg-BG" sz="3200" dirty="0"/>
+              <a:t>в </a:t>
             </a:r>
             <a:r>
               <a:rPr lang="bg-BG" sz="3200" b="1" dirty="0">
@@ -21033,6 +21235,98 @@
               </a:rPr>
               <a:t>цяло</a:t>
             </a:r>
+          </a:p>
+          <a:p>
+            <a:pPr lvl="1">
+              <a:lnSpc>
+                <a:spcPct val="100000"/>
+              </a:lnSpc>
+              <a:spcBef>
+                <a:spcPts val="400"/>
+              </a:spcBef>
+              <a:spcAft>
+                <a:spcPts val="400"/>
+              </a:spcAft>
+            </a:pPr>
+            <a:r>
+              <a:rPr lang="bg-BG" sz="3000" b="1" dirty="0">
+                <a:solidFill>
+                  <a:schemeClr val="bg1"/>
+                </a:solidFill>
+              </a:rPr>
+              <a:t>Скриване на детайлите </a:t>
+            </a:r>
+            <a:r>
+              <a:rPr lang="bg-BG" sz="3000" dirty="0"/>
+              <a:t>и показване на </a:t>
+            </a:r>
+            <a:r>
+              <a:rPr lang="bg-BG" sz="3000" b="1" dirty="0"/>
+              <a:t>публичен интерфейс</a:t>
+            </a:r>
+          </a:p>
+          <a:p>
+            <a:pPr lvl="1">
+              <a:lnSpc>
+                <a:spcPct val="100000"/>
+              </a:lnSpc>
+              <a:spcBef>
+                <a:spcPts val="400"/>
+              </a:spcBef>
+              <a:spcAft>
+                <a:spcPts val="400"/>
+              </a:spcAft>
+            </a:pPr>
+            <a:r>
+              <a:rPr lang="bg-BG" sz="3000" dirty="0"/>
+              <a:t>Позволява</a:t>
+            </a:r>
+            <a:r>
+              <a:rPr lang="en-US" sz="3000" dirty="0">
+                <a:solidFill>
+                  <a:schemeClr val="tx1">
+                    <a:lumMod val="40000"/>
+                    <a:lumOff val="60000"/>
+                  </a:schemeClr>
+                </a:solidFill>
+              </a:rPr>
+              <a:t> </a:t>
+            </a:r>
+            <a:r>
+              <a:rPr lang="bg-BG" sz="3000" b="1" dirty="0">
+                <a:solidFill>
+                  <a:schemeClr val="bg1"/>
+                </a:solidFill>
+              </a:rPr>
+              <a:t>валидация</a:t>
+            </a:r>
+            <a:r>
+              <a:rPr lang="en-US" sz="3000" dirty="0">
+                <a:solidFill>
+                  <a:schemeClr val="tx2">
+                    <a:lumMod val="75000"/>
+                  </a:schemeClr>
+                </a:solidFill>
+              </a:rPr>
+              <a:t> </a:t>
+            </a:r>
+            <a:r>
+              <a:rPr lang="bg-BG" sz="3000" b="1" dirty="0">
+                <a:solidFill>
+                  <a:schemeClr val="bg1"/>
+                </a:solidFill>
+              </a:rPr>
+              <a:t>на данните </a:t>
+            </a:r>
+            <a:r>
+              <a:rPr lang="bg-BG" sz="3000" dirty="0"/>
+              <a:t>и контрол над достъпа</a:t>
+            </a:r>
+            <a:endParaRPr lang="en-US" sz="3000" b="1" dirty="0">
+              <a:solidFill>
+                <a:schemeClr val="bg1"/>
+              </a:solidFill>
+            </a:endParaRPr>
           </a:p>
           <a:p>
             <a:pPr>
@@ -21046,66 +21340,7 @@
                 <a:spcPts val="400"/>
               </a:spcAft>
             </a:pPr>
-            <a:r>
-              <a:rPr lang="bg-BG" sz="3200" dirty="0"/>
-              <a:t>Позволява</a:t>
-            </a:r>
-            <a:r>
-              <a:rPr lang="en-US" sz="3200" dirty="0">
-                <a:solidFill>
-                  <a:schemeClr val="tx1">
-                    <a:lumMod val="40000"/>
-                    <a:lumOff val="60000"/>
-                  </a:schemeClr>
-                </a:solidFill>
-              </a:rPr>
-              <a:t> </a:t>
-            </a:r>
-            <a:r>
-              <a:rPr lang="bg-BG" sz="3200" b="1" dirty="0">
-                <a:solidFill>
-                  <a:schemeClr val="bg1"/>
-                </a:solidFill>
-              </a:rPr>
-              <a:t>валидация</a:t>
-            </a:r>
-            <a:r>
-              <a:rPr lang="en-US" sz="3200" dirty="0">
-                <a:solidFill>
-                  <a:schemeClr val="tx2">
-                    <a:lumMod val="75000"/>
-                  </a:schemeClr>
-                </a:solidFill>
-              </a:rPr>
-              <a:t> </a:t>
-            </a:r>
-            <a:r>
-              <a:rPr lang="bg-BG" sz="3200" dirty="0"/>
-              <a:t>и</a:t>
-            </a:r>
-            <a:r>
-              <a:rPr lang="en-US" sz="3200" dirty="0">
-                <a:solidFill>
-                  <a:schemeClr val="tx2">
-                    <a:lumMod val="75000"/>
-                  </a:schemeClr>
-                </a:solidFill>
-              </a:rPr>
-              <a:t> </a:t>
-            </a:r>
-            <a:r>
-              <a:rPr lang="bg-BG" sz="3200" b="1" dirty="0">
-                <a:solidFill>
-                  <a:schemeClr val="bg1"/>
-                </a:solidFill>
-              </a:rPr>
-              <a:t>обвързване на данните</a:t>
-            </a:r>
-            <a:endParaRPr lang="en-US" sz="3200" b="1" dirty="0">
-              <a:solidFill>
-                <a:schemeClr val="bg1"/>
-              </a:solidFill>
-            </a:endParaRPr>
+            <a:endParaRPr lang="bg-BG" sz="3200" dirty="0"/>
           </a:p>
           <a:p>
             <a:pPr>
@@ -21121,24 +21356,11 @@
             </a:pPr>
             <a:r>
               <a:rPr lang="bg-BG" sz="3200" dirty="0"/>
-              <a:t>Структурните промени остават</a:t>
-            </a:r>
-            <a:r>
-              <a:rPr lang="en-US" sz="3200" dirty="0"/>
-              <a:t> </a:t>
-            </a:r>
-            <a:r>
-              <a:rPr lang="bg-BG" sz="3200" b="1" dirty="0">
-                <a:solidFill>
-                  <a:schemeClr val="bg1"/>
-                </a:solidFill>
-              </a:rPr>
-              <a:t>локални</a:t>
-            </a:r>
-            <a:endParaRPr lang="en-US" sz="3200" dirty="0"/>
-          </a:p>
-          <a:p>
-            <a:pPr>
+              <a:t>Ползи:</a:t>
+            </a:r>
+          </a:p>
+          <a:p>
+            <a:pPr lvl="1">
               <a:lnSpc>
                 <a:spcPct val="100000"/>
               </a:lnSpc>
@@ -21150,34 +21372,58 @@
               </a:spcAft>
             </a:pPr>
             <a:r>
-              <a:rPr lang="bg-BG" sz="3200" dirty="0"/>
+              <a:rPr lang="bg-BG" sz="3000" dirty="0"/>
+              <a:t>Структурните промени</a:t>
+            </a:r>
+            <a:br>
+              <a:rPr lang="bg-BG" sz="3000" dirty="0"/>
+            </a:br>
+            <a:r>
+              <a:rPr lang="bg-BG" sz="3000" dirty="0"/>
+              <a:t>остават</a:t>
+            </a:r>
+            <a:r>
+              <a:rPr lang="en-US" sz="3000" dirty="0"/>
+              <a:t> </a:t>
+            </a:r>
+            <a:r>
+              <a:rPr lang="bg-BG" sz="3000" b="1" dirty="0">
+                <a:solidFill>
+                  <a:schemeClr val="bg1"/>
+                </a:solidFill>
+              </a:rPr>
+              <a:t>локални</a:t>
+            </a:r>
+            <a:endParaRPr lang="en-US" sz="3000" dirty="0"/>
+          </a:p>
+          <a:p>
+            <a:pPr lvl="1">
+              <a:lnSpc>
+                <a:spcPct val="100000"/>
+              </a:lnSpc>
+              <a:spcBef>
+                <a:spcPts val="400"/>
+              </a:spcBef>
+              <a:spcAft>
+                <a:spcPts val="400"/>
+              </a:spcAft>
+            </a:pPr>
+            <a:r>
+              <a:rPr lang="bg-BG" sz="3000" dirty="0"/>
               <a:t>Намалява</a:t>
             </a:r>
             <a:r>
-              <a:rPr lang="en-US" sz="3200" dirty="0"/>
+              <a:rPr lang="en-US" sz="3000" dirty="0"/>
               <a:t> </a:t>
             </a:r>
             <a:r>
-              <a:rPr lang="bg-BG" sz="3200" b="1" dirty="0">
+              <a:rPr lang="bg-BG" sz="3000" b="1" dirty="0">
                 <a:solidFill>
                   <a:schemeClr val="bg1"/>
                 </a:solidFill>
               </a:rPr>
               <a:t>комплексността</a:t>
             </a:r>
-            <a:endParaRPr lang="en-US" sz="3200" b="1" dirty="0">
-              <a:solidFill>
-                <a:schemeClr val="bg1"/>
-              </a:solidFill>
-            </a:endParaRPr>
-          </a:p>
-          <a:p>
-            <a:endParaRPr lang="bg-BG" sz="3200" dirty="0"/>
-          </a:p>
-          <a:p>
-            <a:endParaRPr lang="bg-BG" dirty="0"/>
-          </a:p>
-          <a:p>
             <a:endParaRPr lang="en-US" dirty="0"/>
           </a:p>
         </p:txBody>
@@ -21199,7 +21445,7 @@
           <a:p>
             <a:r>
               <a:rPr lang="bg-BG" dirty="0"/>
-              <a:t>Енкапсулация</a:t>
+              <a:t>Капсулация</a:t>
             </a:r>
           </a:p>
         </p:txBody>
@@ -21498,13 +21744,13 @@
         </p:nvSpPr>
         <p:spPr bwMode="auto">
           <a:xfrm>
-            <a:off x="2991000" y="4329000"/>
-            <a:ext cx="2887623" cy="1432611"/>
+            <a:off x="2811000" y="3013179"/>
+            <a:ext cx="2770183" cy="1054611"/>
           </a:xfrm>
           <a:prstGeom prst="wedgeRoundRectCallout">
             <a:avLst>
-              <a:gd name="adj1" fmla="val 71183"/>
-              <a:gd name="adj2" fmla="val -68676"/>
+              <a:gd name="adj1" fmla="val 74029"/>
+              <a:gd name="adj2" fmla="val 48348"/>
               <a:gd name="adj3" fmla="val 16667"/>
             </a:avLst>
           </a:prstGeom>
@@ -21582,7 +21828,7 @@
                   </a:schemeClr>
                 </a:solidFill>
               </a:rPr>
-              <a:t>публичните методи </a:t>
+              <a:t>методи </a:t>
             </a:r>
             <a:r>
               <a:rPr lang="bg-BG" sz="2400" b="1" noProof="1">
@@ -21843,7 +22089,7 @@
                                         <p:tgtEl>
                                           <p:spTgt spid="804867">
                                             <p:txEl>
-                                              <p:pRg st="1" end="1"/>
+                                              <p:pRg st="2" end="2"/>
                                             </p:txEl>
                                           </p:spTgt>
                                         </p:tgtEl>
@@ -21892,7 +22138,7 @@
                                         <p:tgtEl>
                                           <p:spTgt spid="804867">
                                             <p:txEl>
-                                              <p:pRg st="2" end="2"/>
+                                              <p:pRg st="4" end="4"/>
                                             </p:txEl>
                                           </p:spTgt>
                                         </p:tgtEl>
@@ -21941,7 +22187,7 @@
                                         <p:tgtEl>
                                           <p:spTgt spid="804867">
                                             <p:txEl>
-                                              <p:pRg st="3" end="3"/>
+                                              <p:pRg st="5" end="5"/>
                                             </p:txEl>
                                           </p:spTgt>
                                         </p:tgtEl>
@@ -21975,7 +22221,7 @@
                             </p:stCondLst>
                             <p:childTnLst>
                               <p:par>
-                                <p:cTn id="17" presetID="1" presetClass="entr" presetSubtype="0" fill="hold" grpId="0" nodeType="clickEffect">
+                                <p:cTn id="17" presetID="1" presetClass="entr" presetSubtype="0" fill="hold" nodeType="clickEffect">
                                   <p:stCondLst>
                                     <p:cond delay="0"/>
                                   </p:stCondLst>
@@ -21988,7 +22234,11 @@
                                           </p:stCondLst>
                                         </p:cTn>
                                         <p:tgtEl>
-                                          <p:spTgt spid="9"/>
+                                          <p:spTgt spid="804867">
+                                            <p:txEl>
+                                              <p:pRg st="6" end="6"/>
+                                            </p:txEl>
+                                          </p:spTgt>
                                         </p:tgtEl>
                                         <p:attrNameLst>
                                           <p:attrName>style.visibility</p:attrName>
@@ -22033,7 +22283,7 @@
                                           </p:stCondLst>
                                         </p:cTn>
                                         <p:tgtEl>
-                                          <p:spTgt spid="12"/>
+                                          <p:spTgt spid="9"/>
                                         </p:tgtEl>
                                         <p:attrNameLst>
                                           <p:attrName>style.visibility</p:attrName>
@@ -22073,6 +22323,51 @@
                                     <p:set>
                                       <p:cBhvr>
                                         <p:cTn id="26" dur="1" fill="hold">
+                                          <p:stCondLst>
+                                            <p:cond delay="0"/>
+                                          </p:stCondLst>
+                                        </p:cTn>
+                                        <p:tgtEl>
+                                          <p:spTgt spid="12"/>
+                                        </p:tgtEl>
+                                        <p:attrNameLst>
+                                          <p:attrName>style.visibility</p:attrName>
+                                        </p:attrNameLst>
+                                      </p:cBhvr>
+                                      <p:to>
+                                        <p:strVal val="visible"/>
+                                      </p:to>
+                                    </p:set>
+                                  </p:childTnLst>
+                                </p:cTn>
+                              </p:par>
+                            </p:childTnLst>
+                          </p:cTn>
+                        </p:par>
+                      </p:childTnLst>
+                    </p:cTn>
+                  </p:par>
+                  <p:par>
+                    <p:cTn id="27" fill="hold">
+                      <p:stCondLst>
+                        <p:cond delay="indefinite"/>
+                      </p:stCondLst>
+                      <p:childTnLst>
+                        <p:par>
+                          <p:cTn id="28" fill="hold">
+                            <p:stCondLst>
+                              <p:cond delay="0"/>
+                            </p:stCondLst>
+                            <p:childTnLst>
+                              <p:par>
+                                <p:cTn id="29" presetID="1" presetClass="entr" presetSubtype="0" fill="hold" grpId="0" nodeType="clickEffect">
+                                  <p:stCondLst>
+                                    <p:cond delay="0"/>
+                                  </p:stCondLst>
+                                  <p:childTnLst>
+                                    <p:set>
+                                      <p:cBhvr>
+                                        <p:cTn id="30" dur="1" fill="hold">
                                           <p:stCondLst>
                                             <p:cond delay="0"/>
                                           </p:stCondLst>
@@ -22248,7 +22543,7 @@
           <a:p>
             <a:r>
               <a:rPr lang="bg-BG" dirty="0"/>
-              <a:t>Пример: Енкапсулация</a:t>
+              <a:t>Пример: Капсулация</a:t>
             </a:r>
           </a:p>
         </p:txBody>
@@ -23341,6 +23636,46 @@
       </p:pic>
       <p:sp>
         <p:nvSpPr>
+          <p:cNvPr id="3" name="Subtitle 2">
+            <a:extLst>
+              <a:ext uri="{FF2B5EF4-FFF2-40B4-BE49-F238E27FC236}">
+                <a16:creationId xmlns:a16="http://schemas.microsoft.com/office/drawing/2014/main" id="{A1CD9F55-E363-DDC4-7C53-9386D00DF69C}"/>
+              </a:ext>
+            </a:extLst>
+          </p:cNvPr>
+          <p:cNvSpPr>
+            <a:spLocks noGrp="1"/>
+          </p:cNvSpPr>
+          <p:nvPr>
+            <p:ph type="subTitle" sz="quarter" idx="11"/>
+          </p:nvPr>
+        </p:nvSpPr>
+        <p:spPr/>
+        <p:txBody>
+          <a:bodyPr/>
+          <a:lstStyle/>
+          <a:p>
+            <a:r>
+              <a:rPr lang="bg-BG" dirty="0"/>
+              <a:t>Модификатори за достъп: </a:t>
+            </a:r>
+            <a:r>
+              <a:rPr lang="en-US" b="1" dirty="0"/>
+              <a:t>public</a:t>
+            </a:r>
+            <a:r>
+              <a:rPr lang="en-US" dirty="0"/>
+              <a:t>, </a:t>
+            </a:r>
+            <a:r>
+              <a:rPr lang="en-US" b="1" dirty="0"/>
+              <a:t>private</a:t>
+            </a:r>
+          </a:p>
+        </p:txBody>
+      </p:sp>
+      <p:sp>
+        <p:nvSpPr>
           <p:cNvPr id="5" name="Title 4">
             <a:extLst>
               <a:ext uri="{FF2B5EF4-FFF2-40B4-BE49-F238E27FC236}">
@@ -23355,7 +23690,12 @@
             <p:ph type="title" sz="quarter" idx="10"/>
           </p:nvPr>
         </p:nvSpPr>
-        <p:spPr/>
+        <p:spPr>
+          <a:xfrm>
+            <a:off x="615109" y="4704825"/>
+            <a:ext cx="10961783" cy="768084"/>
+          </a:xfrm>
+        </p:spPr>
         <p:txBody>
           <a:bodyPr/>
           <a:lstStyle/>
@@ -23438,7 +23778,7 @@
                   <a:schemeClr val="bg1"/>
                 </a:solidFill>
               </a:rPr>
-              <a:t>енкапсулация</a:t>
+              <a:t>капсулация</a:t>
             </a:r>
             <a:r>
               <a:rPr lang="bg-BG" sz="2800" dirty="0"/>

--- a/Courses/Software-Sciences/Module-1-OOP/08.1-Encapsulation-Basics/08.1-Encapsulation-Basics.pptx
+++ b/Courses/Software-Sciences/Module-1-OOP/08.1-Encapsulation-Basics/08.1-Encapsulation-Basics.pptx
@@ -11,7 +11,7 @@
     <p:handoutMasterId r:id="rId29"/>
   </p:handoutMasterIdLst>
   <p:sldIdLst>
-    <p:sldId id="291" r:id="rId2"/>
+    <p:sldId id="627" r:id="rId2"/>
     <p:sldId id="292" r:id="rId3"/>
     <p:sldId id="294" r:id="rId4"/>
     <p:sldId id="295" r:id="rId5"/>
@@ -35,8 +35,8 @@
     <p:sldId id="311" r:id="rId23"/>
     <p:sldId id="312" r:id="rId24"/>
     <p:sldId id="319" r:id="rId25"/>
-    <p:sldId id="401" r:id="rId26"/>
-    <p:sldId id="493" r:id="rId27"/>
+    <p:sldId id="504" r:id="rId26"/>
+    <p:sldId id="505" r:id="rId27"/>
   </p:sldIdLst>
   <p:sldSz cx="12192000" cy="6858000"/>
   <p:notesSz cx="6858000" cy="9144000"/>
@@ -138,20 +138,20 @@
   <p:extLst>
     <p:ext uri="{521415D9-36F7-43E2-AB2F-B90AF26B5E84}">
       <p14:sectionLst xmlns:p14="http://schemas.microsoft.com/office/powerpoint/2010/main">
-        <p14:section name="Въведение" id="{6DFFD998-DD8C-4528-A37B-9330D0402A4D}">
+        <p14:section name="Въведение" id="{72A2191E-D9EB-462A-BB28-727BDBE10807}">
           <p14:sldIdLst>
-            <p14:sldId id="291"/>
+            <p14:sldId id="627"/>
             <p14:sldId id="292"/>
           </p14:sldIdLst>
         </p14:section>
-        <p14:section name="Какво е капсулация?" id="{B8F32016-7431-4DE3-B21E-2ABFDA04702D}">
+        <p14:section name="Какво е капсулация?" id="{1C875676-9031-42C7-AC3D-1C604A41CC85}">
           <p14:sldIdLst>
             <p14:sldId id="294"/>
             <p14:sldId id="295"/>
             <p14:sldId id="296"/>
           </p14:sldIdLst>
         </p14:section>
-        <p14:section name="Модификатори за достъп" id="{0223928D-95C5-487D-B9F1-73D870003CF5}">
+        <p14:section name="Модификатори за достъп" id="{31FF4090-1ADF-41C3-94E9-DA9D0500998C}">
           <p14:sldIdLst>
             <p14:sldId id="298"/>
             <p14:sldId id="299"/>
@@ -163,7 +163,7 @@
             <p14:sldId id="307"/>
           </p14:sldIdLst>
         </p14:section>
-        <p14:section name="Изключения" id="{BC79C4AA-A20E-41BE-975B-BF1A0177C623}">
+        <p14:section name="Изключения" id="{5485EFD2-1174-4EB7-AF54-0763EFEFC371}">
           <p14:sldIdLst>
             <p14:sldId id="499"/>
             <p14:sldId id="498"/>
@@ -172,7 +172,7 @@
             <p14:sldId id="502"/>
           </p14:sldIdLst>
         </p14:section>
-        <p14:section name="Валидация" id="{C0D37F97-36DE-4C82-98CC-486838AF9947}">
+        <p14:section name="Валидация" id="{DB6F0F7D-BC05-48B3-BCD3-47A0030EEF39}">
           <p14:sldIdLst>
             <p14:sldId id="308"/>
             <p14:sldId id="309"/>
@@ -181,11 +181,11 @@
             <p14:sldId id="312"/>
           </p14:sldIdLst>
         </p14:section>
-        <p14:section name="Обобщение" id="{EE2640C3-281C-4B84-9D33-030C1D092D2C}">
+        <p14:section name="Обобщение" id="{92D2784E-958D-41B5-9EC0-DC0EE4AD291F}">
           <p14:sldIdLst>
             <p14:sldId id="319"/>
-            <p14:sldId id="401"/>
-            <p14:sldId id="493"/>
+            <p14:sldId id="504"/>
+            <p14:sldId id="505"/>
           </p14:sldIdLst>
         </p14:section>
       </p14:sectionLst>
@@ -266,7 +266,7 @@
             </a:lvl1pPr>
           </a:lstStyle>
           <a:p>
-            <a:endParaRPr lang="bg-BG" dirty="0"/>
+            <a:endParaRPr lang="bg-BG"/>
           </a:p>
         </p:txBody>
       </p:sp>
@@ -305,9 +305,9 @@
           <a:p>
             <a:fld id="{4E087215-0C8F-4762-A664-737A353EC9A4}" type="datetimeFigureOut">
               <a:rPr lang="bg-BG" smtClean="0"/>
-              <a:t>2.7.2023 г.</a:t>
+              <a:t>2.10.23 г.</a:t>
             </a:fld>
-            <a:endParaRPr lang="bg-BG" dirty="0"/>
+            <a:endParaRPr lang="bg-BG"/>
           </a:p>
         </p:txBody>
       </p:sp>
@@ -329,8 +329,8 @@
         </p:nvSpPr>
         <p:spPr>
           <a:xfrm>
-            <a:off x="-1" y="8847000"/>
-            <a:ext cx="6443999" cy="297000"/>
+            <a:off x="-1" y="8892000"/>
+            <a:ext cx="6443999" cy="252000"/>
           </a:xfrm>
           <a:prstGeom prst="rect">
             <a:avLst/>
@@ -345,19 +345,24 @@
           </a:lstStyle>
           <a:p>
             <a:r>
-              <a:rPr lang="en-US" sz="1100" dirty="0"/>
-              <a:t>© SoftUni – </a:t>
-            </a:r>
-            <a:r>
-              <a:rPr lang="en-US" sz="1100" u="sng" dirty="0">
+              <a:rPr lang="bg-BG" sz="1100" dirty="0"/>
+              <a:t>Работна група </a:t>
+            </a:r>
+            <a:r>
+              <a:rPr lang="ru-RU" sz="1100" dirty="0"/>
+              <a:t>"Образование по програмиране и ИТ</a:t>
+            </a:r>
+            <a:r>
+              <a:rPr lang="bg-BG" sz="1100" dirty="0"/>
+              <a:t>", с подкрепата на </a:t>
+            </a:r>
+            <a:r>
+              <a:rPr lang="en-US" sz="1100" dirty="0">
                 <a:hlinkClick r:id="rId2"/>
               </a:rPr>
-              <a:t>https://softuni.org</a:t>
-            </a:r>
-            <a:r>
-              <a:rPr lang="en-US" sz="1100" dirty="0"/>
-              <a:t>. Copyrighted document. Unauthorized copy or reproduction is not permitted.</a:t>
-            </a:r>
+              <a:t>SoftUni</a:t>
+            </a:r>
+            <a:endParaRPr lang="en-US" sz="1100" dirty="0"/>
           </a:p>
         </p:txBody>
       </p:sp>
@@ -379,8 +384,8 @@
         </p:nvSpPr>
         <p:spPr>
           <a:xfrm>
-            <a:off x="6443999" y="8847000"/>
-            <a:ext cx="412413" cy="297000"/>
+            <a:off x="6443999" y="8892000"/>
+            <a:ext cx="412413" cy="252000"/>
           </a:xfrm>
           <a:prstGeom prst="rect">
             <a:avLst/>
@@ -463,7 +468,7 @@
             </a:lvl1pPr>
           </a:lstStyle>
           <a:p>
-            <a:endParaRPr lang="en-US" dirty="0"/>
+            <a:endParaRPr lang="en-US"/>
           </a:p>
         </p:txBody>
       </p:sp>
@@ -496,9 +501,9 @@
           <a:p>
             <a:fld id="{72D84649-876A-46C9-8472-14CB09C070D8}" type="datetimeFigureOut">
               <a:rPr lang="en-US" smtClean="0"/>
-              <a:t>2-Jul-23</a:t>
+              <a:t>10/2/23</a:t>
             </a:fld>
-            <a:endParaRPr lang="en-US" dirty="0"/>
+            <a:endParaRPr lang="en-US"/>
           </a:p>
         </p:txBody>
       </p:sp>
@@ -531,7 +536,7 @@
           <a:bodyPr vert="horz" lIns="91440" tIns="45720" rIns="91440" bIns="45720" rtlCol="0" anchor="ctr"/>
           <a:lstStyle/>
           <a:p>
-            <a:endParaRPr lang="en-US" dirty="0"/>
+            <a:endParaRPr lang="en-US"/>
           </a:p>
         </p:txBody>
       </p:sp>
@@ -606,8 +611,8 @@
         </p:nvSpPr>
         <p:spPr>
           <a:xfrm>
-            <a:off x="6488999" y="8847000"/>
-            <a:ext cx="367414" cy="297000"/>
+            <a:off x="6488999" y="8892000"/>
+            <a:ext cx="367414" cy="252000"/>
           </a:xfrm>
           <a:prstGeom prst="rect">
             <a:avLst/>
@@ -647,8 +652,8 @@
         </p:nvSpPr>
         <p:spPr>
           <a:xfrm>
-            <a:off x="-1" y="8847000"/>
-            <a:ext cx="6488999" cy="297000"/>
+            <a:off x="-1" y="8892000"/>
+            <a:ext cx="6488999" cy="252000"/>
           </a:xfrm>
           <a:prstGeom prst="rect">
             <a:avLst/>
@@ -663,19 +668,24 @@
           </a:lstStyle>
           <a:p>
             <a:r>
-              <a:rPr lang="en-US" dirty="0"/>
-              <a:t>© SoftUni – </a:t>
-            </a:r>
-            <a:r>
-              <a:rPr lang="en-US" u="sng" dirty="0">
+              <a:rPr lang="bg-BG" sz="1100" dirty="0"/>
+              <a:t>Работна група </a:t>
+            </a:r>
+            <a:r>
+              <a:rPr lang="bg-BG" dirty="0"/>
+              <a:t>"Образование по програмиране и ИТ"</a:t>
+            </a:r>
+            <a:r>
+              <a:rPr lang="bg-BG" sz="1100" dirty="0"/>
+              <a:t>, с подкрепата на </a:t>
+            </a:r>
+            <a:r>
+              <a:rPr lang="en-US" sz="1100" dirty="0">
                 <a:hlinkClick r:id="rId2"/>
               </a:rPr>
-              <a:t>https://softuni.org</a:t>
-            </a:r>
-            <a:r>
-              <a:rPr lang="en-US" dirty="0"/>
-              <a:t>. Copyrighted document. Unauthorized copy or reproduction is not permitted.</a:t>
-            </a:r>
+              <a:t>SoftUni</a:t>
+            </a:r>
+            <a:endParaRPr lang="en-US" sz="1100" dirty="0"/>
           </a:p>
         </p:txBody>
       </p:sp>
@@ -833,10 +843,34 @@
       </p:sp>
       <p:sp>
         <p:nvSpPr>
-          <p:cNvPr id="6" name="Footer Placeholder 7">
+          <p:cNvPr id="6" name="Slide Number Placeholder 5"/>
+          <p:cNvSpPr>
+            <a:spLocks noGrp="1"/>
+          </p:cNvSpPr>
+          <p:nvPr>
+            <p:ph type="sldNum" sz="quarter" idx="11"/>
+          </p:nvPr>
+        </p:nvSpPr>
+        <p:spPr/>
+        <p:txBody>
+          <a:bodyPr/>
+          <a:lstStyle/>
+          <a:p>
+            <a:fld id="{3EBA5BD7-F043-4D1B-AA17-CD412FC534DE}" type="slidenum">
+              <a:rPr lang="en-US" smtClean="0"/>
+              <a:pPr/>
+              <a:t>1</a:t>
+            </a:fld>
+            <a:endParaRPr lang="en-US" dirty="0"/>
+          </a:p>
+        </p:txBody>
+      </p:sp>
+      <p:sp>
+        <p:nvSpPr>
+          <p:cNvPr id="4" name="Footer Placeholder 7">
             <a:extLst>
               <a:ext uri="{FF2B5EF4-FFF2-40B4-BE49-F238E27FC236}">
-                <a16:creationId xmlns:a16="http://schemas.microsoft.com/office/drawing/2014/main" id="{F5FDAF2F-15EE-4826-A484-1A999E83C111}"/>
+                <a16:creationId xmlns:a16="http://schemas.microsoft.com/office/drawing/2014/main" id="{C2D5B3F4-646B-5DA4-F973-7515905E5005}"/>
               </a:ext>
             </a:extLst>
           </p:cNvPr>
@@ -849,8 +883,8 @@
         </p:nvSpPr>
         <p:spPr>
           <a:xfrm>
-            <a:off x="-1" y="8847000"/>
-            <a:ext cx="6488999" cy="297000"/>
+            <a:off x="-1" y="8892000"/>
+            <a:ext cx="6488999" cy="252000"/>
           </a:xfrm>
           <a:prstGeom prst="rect">
             <a:avLst/>
@@ -865,26 +899,31 @@
           </a:lstStyle>
           <a:p>
             <a:r>
-              <a:rPr lang="en-US" dirty="0"/>
-              <a:t>© SoftUni – </a:t>
-            </a:r>
-            <a:r>
-              <a:rPr lang="en-US" u="sng" dirty="0">
+              <a:rPr lang="bg-BG" sz="1100" dirty="0"/>
+              <a:t>Работна група </a:t>
+            </a:r>
+            <a:r>
+              <a:rPr lang="bg-BG" dirty="0"/>
+              <a:t>"Образование по програмиране и ИТ"</a:t>
+            </a:r>
+            <a:r>
+              <a:rPr lang="bg-BG" sz="1100" dirty="0"/>
+              <a:t>, с подкрепата на </a:t>
+            </a:r>
+            <a:r>
+              <a:rPr lang="en-US" sz="1100" dirty="0">
                 <a:hlinkClick r:id="rId3"/>
               </a:rPr>
-              <a:t>https://softuni.org</a:t>
-            </a:r>
-            <a:r>
-              <a:rPr lang="en-US" dirty="0"/>
-              <a:t>. Copyrighted document. Unauthorized copy or reproduction is not permitted.</a:t>
-            </a:r>
+              <a:t>SoftUni</a:t>
+            </a:r>
+            <a:endParaRPr lang="en-US" sz="1100" dirty="0"/>
           </a:p>
         </p:txBody>
       </p:sp>
     </p:spTree>
     <p:extLst>
       <p:ext uri="{BB962C8B-B14F-4D97-AF65-F5344CB8AC3E}">
-        <p14:creationId xmlns:p14="http://schemas.microsoft.com/office/powerpoint/2010/main" val="1734941858"/>
+        <p14:creationId xmlns:p14="http://schemas.microsoft.com/office/powerpoint/2010/main" val="3855554386"/>
       </p:ext>
     </p:extLst>
   </p:cSld>
@@ -967,7 +1006,13 @@
       </p:sp>
       <p:sp>
         <p:nvSpPr>
-          <p:cNvPr id="5" name="Footer Placeholder 4"/>
+          <p:cNvPr id="6" name="Footer Placeholder 7">
+            <a:extLst>
+              <a:ext uri="{FF2B5EF4-FFF2-40B4-BE49-F238E27FC236}">
+                <a16:creationId xmlns:a16="http://schemas.microsoft.com/office/drawing/2014/main" id="{AA0CFFAA-6BCD-3C46-363A-47852FBFB084}"/>
+              </a:ext>
+            </a:extLst>
+          </p:cNvPr>
           <p:cNvSpPr>
             <a:spLocks noGrp="1"/>
           </p:cNvSpPr>
@@ -975,32 +1020,49 @@
             <p:ph type="ftr" sz="quarter" idx="4"/>
           </p:nvPr>
         </p:nvSpPr>
-        <p:spPr/>
+        <p:spPr>
+          <a:xfrm>
+            <a:off x="-1" y="8892000"/>
+            <a:ext cx="6488999" cy="252000"/>
+          </a:xfrm>
+          <a:prstGeom prst="rect">
+            <a:avLst/>
+          </a:prstGeom>
+        </p:spPr>
         <p:txBody>
-          <a:bodyPr/>
-          <a:lstStyle/>
-          <a:p>
-            <a:r>
-              <a:rPr lang="en-US" dirty="0"/>
-              <a:t>© SoftUni – </a:t>
-            </a:r>
-            <a:r>
-              <a:rPr lang="en-US" u="sng" dirty="0">
+          <a:bodyPr vert="horz" lIns="91440" tIns="45720" rIns="91440" bIns="45720" rtlCol="0" anchor="b"/>
+          <a:lstStyle>
+            <a:lvl1pPr algn="l">
+              <a:defRPr sz="1100"/>
+            </a:lvl1pPr>
+          </a:lstStyle>
+          <a:p>
+            <a:r>
+              <a:rPr lang="bg-BG" sz="1100" dirty="0"/>
+              <a:t>Работна група </a:t>
+            </a:r>
+            <a:r>
+              <a:rPr lang="bg-BG" dirty="0"/>
+              <a:t>"Образование по програмиране и ИТ"</a:t>
+            </a:r>
+            <a:r>
+              <a:rPr lang="bg-BG" sz="1100" dirty="0"/>
+              <a:t>, с подкрепата на </a:t>
+            </a:r>
+            <a:r>
+              <a:rPr lang="en-US" sz="1100" dirty="0">
                 <a:hlinkClick r:id="rId3"/>
               </a:rPr>
-              <a:t>https://softuni.org</a:t>
-            </a:r>
-            <a:r>
-              <a:rPr lang="en-US" dirty="0"/>
-              <a:t>. Copyrighted document. Unauthorized copy or reproduction is not permitted.</a:t>
-            </a:r>
+              <a:t>SoftUni</a:t>
+            </a:r>
+            <a:endParaRPr lang="en-US" sz="1100" dirty="0"/>
           </a:p>
         </p:txBody>
       </p:sp>
     </p:spTree>
     <p:extLst>
       <p:ext uri="{BB962C8B-B14F-4D97-AF65-F5344CB8AC3E}">
-        <p14:creationId xmlns:p14="http://schemas.microsoft.com/office/powerpoint/2010/main" val="120064391"/>
+        <p14:creationId xmlns:p14="http://schemas.microsoft.com/office/powerpoint/2010/main" val="2120606284"/>
       </p:ext>
     </p:extLst>
   </p:cSld>
@@ -1083,7 +1145,13 @@
       </p:sp>
       <p:sp>
         <p:nvSpPr>
-          <p:cNvPr id="5" name="Footer Placeholder 4"/>
+          <p:cNvPr id="6" name="Footer Placeholder 7">
+            <a:extLst>
+              <a:ext uri="{FF2B5EF4-FFF2-40B4-BE49-F238E27FC236}">
+                <a16:creationId xmlns:a16="http://schemas.microsoft.com/office/drawing/2014/main" id="{96ED8339-05C9-54D5-2EBE-7C1F14F2547D}"/>
+              </a:ext>
+            </a:extLst>
+          </p:cNvPr>
           <p:cNvSpPr>
             <a:spLocks noGrp="1"/>
           </p:cNvSpPr>
@@ -1091,32 +1159,49 @@
             <p:ph type="ftr" sz="quarter" idx="4"/>
           </p:nvPr>
         </p:nvSpPr>
-        <p:spPr/>
+        <p:spPr>
+          <a:xfrm>
+            <a:off x="-1" y="8892000"/>
+            <a:ext cx="6488999" cy="252000"/>
+          </a:xfrm>
+          <a:prstGeom prst="rect">
+            <a:avLst/>
+          </a:prstGeom>
+        </p:spPr>
         <p:txBody>
-          <a:bodyPr/>
-          <a:lstStyle/>
-          <a:p>
-            <a:r>
-              <a:rPr lang="en-US" dirty="0"/>
-              <a:t>© SoftUni – </a:t>
-            </a:r>
-            <a:r>
-              <a:rPr lang="en-US" u="sng" dirty="0">
+          <a:bodyPr vert="horz" lIns="91440" tIns="45720" rIns="91440" bIns="45720" rtlCol="0" anchor="b"/>
+          <a:lstStyle>
+            <a:lvl1pPr algn="l">
+              <a:defRPr sz="1100"/>
+            </a:lvl1pPr>
+          </a:lstStyle>
+          <a:p>
+            <a:r>
+              <a:rPr lang="bg-BG" sz="1100" dirty="0"/>
+              <a:t>Работна група </a:t>
+            </a:r>
+            <a:r>
+              <a:rPr lang="bg-BG" dirty="0"/>
+              <a:t>"Образование по програмиране и ИТ"</a:t>
+            </a:r>
+            <a:r>
+              <a:rPr lang="bg-BG" sz="1100" dirty="0"/>
+              <a:t>, с подкрепата на </a:t>
+            </a:r>
+            <a:r>
+              <a:rPr lang="en-US" sz="1100" dirty="0">
                 <a:hlinkClick r:id="rId3"/>
               </a:rPr>
-              <a:t>https://softuni.org</a:t>
-            </a:r>
-            <a:r>
-              <a:rPr lang="en-US" dirty="0"/>
-              <a:t>. Copyrighted document. Unauthorized copy or reproduction is not permitted.</a:t>
-            </a:r>
+              <a:t>SoftUni</a:t>
+            </a:r>
+            <a:endParaRPr lang="en-US" sz="1100" dirty="0"/>
           </a:p>
         </p:txBody>
       </p:sp>
     </p:spTree>
     <p:extLst>
       <p:ext uri="{BB962C8B-B14F-4D97-AF65-F5344CB8AC3E}">
-        <p14:creationId xmlns:p14="http://schemas.microsoft.com/office/powerpoint/2010/main" val="968829322"/>
+        <p14:creationId xmlns:p14="http://schemas.microsoft.com/office/powerpoint/2010/main" val="613394818"/>
       </p:ext>
     </p:extLst>
   </p:cSld>
@@ -1235,10 +1320,10 @@
       </p:sp>
       <p:sp>
         <p:nvSpPr>
-          <p:cNvPr id="8" name="Footer Placeholder 7">
+          <p:cNvPr id="2" name="Footer Placeholder 7">
             <a:extLst>
               <a:ext uri="{FF2B5EF4-FFF2-40B4-BE49-F238E27FC236}">
-                <a16:creationId xmlns:a16="http://schemas.microsoft.com/office/drawing/2014/main" id="{BB04F9FB-696D-4B53-BBAD-DE0A9A45855C}"/>
+                <a16:creationId xmlns:a16="http://schemas.microsoft.com/office/drawing/2014/main" id="{3B73605B-708F-53D9-694F-39EDB26B1307}"/>
               </a:ext>
             </a:extLst>
           </p:cNvPr>
@@ -1251,8 +1336,8 @@
         </p:nvSpPr>
         <p:spPr>
           <a:xfrm>
-            <a:off x="-1" y="8847000"/>
-            <a:ext cx="6488999" cy="297000"/>
+            <a:off x="-1" y="8892000"/>
+            <a:ext cx="6488999" cy="252000"/>
           </a:xfrm>
           <a:prstGeom prst="rect">
             <a:avLst/>
@@ -1267,26 +1352,31 @@
           </a:lstStyle>
           <a:p>
             <a:r>
-              <a:rPr lang="en-US" dirty="0"/>
-              <a:t>© SoftUni – </a:t>
-            </a:r>
-            <a:r>
-              <a:rPr lang="en-US" u="sng" dirty="0">
+              <a:rPr lang="bg-BG" sz="1100" dirty="0"/>
+              <a:t>Работна група </a:t>
+            </a:r>
+            <a:r>
+              <a:rPr lang="bg-BG" dirty="0"/>
+              <a:t>"Образование по програмиране и ИТ"</a:t>
+            </a:r>
+            <a:r>
+              <a:rPr lang="bg-BG" sz="1100" dirty="0"/>
+              <a:t>, с подкрепата на </a:t>
+            </a:r>
+            <a:r>
+              <a:rPr lang="en-US" sz="1100" dirty="0">
                 <a:hlinkClick r:id="rId3"/>
               </a:rPr>
-              <a:t>https://softuni.org</a:t>
-            </a:r>
-            <a:r>
-              <a:rPr lang="en-US" dirty="0"/>
-              <a:t>. Copyrighted document. Unauthorized copy or reproduction is not permitted.</a:t>
-            </a:r>
+              <a:t>SoftUni</a:t>
+            </a:r>
+            <a:endParaRPr lang="en-US" sz="1100" dirty="0"/>
           </a:p>
         </p:txBody>
       </p:sp>
     </p:spTree>
     <p:extLst>
       <p:ext uri="{BB962C8B-B14F-4D97-AF65-F5344CB8AC3E}">
-        <p14:creationId xmlns:p14="http://schemas.microsoft.com/office/powerpoint/2010/main" val="1751167644"/>
+        <p14:creationId xmlns:p14="http://schemas.microsoft.com/office/powerpoint/2010/main" val="3268046885"/>
       </p:ext>
     </p:extLst>
   </p:cSld>
@@ -1369,7 +1459,13 @@
       </p:sp>
       <p:sp>
         <p:nvSpPr>
-          <p:cNvPr id="5" name="Footer Placeholder 4"/>
+          <p:cNvPr id="6" name="Footer Placeholder 7">
+            <a:extLst>
+              <a:ext uri="{FF2B5EF4-FFF2-40B4-BE49-F238E27FC236}">
+                <a16:creationId xmlns:a16="http://schemas.microsoft.com/office/drawing/2014/main" id="{18855048-0D48-FD37-027D-4BF354CDA2A5}"/>
+              </a:ext>
+            </a:extLst>
+          </p:cNvPr>
           <p:cNvSpPr>
             <a:spLocks noGrp="1"/>
           </p:cNvSpPr>
@@ -1377,32 +1473,49 @@
             <p:ph type="ftr" sz="quarter" idx="4"/>
           </p:nvPr>
         </p:nvSpPr>
-        <p:spPr/>
+        <p:spPr>
+          <a:xfrm>
+            <a:off x="-1" y="8892000"/>
+            <a:ext cx="6488999" cy="252000"/>
+          </a:xfrm>
+          <a:prstGeom prst="rect">
+            <a:avLst/>
+          </a:prstGeom>
+        </p:spPr>
         <p:txBody>
-          <a:bodyPr/>
-          <a:lstStyle/>
-          <a:p>
-            <a:r>
-              <a:rPr lang="en-US" dirty="0"/>
-              <a:t>© SoftUni – </a:t>
-            </a:r>
-            <a:r>
-              <a:rPr lang="en-US" u="sng" dirty="0">
+          <a:bodyPr vert="horz" lIns="91440" tIns="45720" rIns="91440" bIns="45720" rtlCol="0" anchor="b"/>
+          <a:lstStyle>
+            <a:lvl1pPr algn="l">
+              <a:defRPr sz="1100"/>
+            </a:lvl1pPr>
+          </a:lstStyle>
+          <a:p>
+            <a:r>
+              <a:rPr lang="bg-BG" sz="1100" dirty="0"/>
+              <a:t>Работна група </a:t>
+            </a:r>
+            <a:r>
+              <a:rPr lang="bg-BG" dirty="0"/>
+              <a:t>"Образование по програмиране и ИТ"</a:t>
+            </a:r>
+            <a:r>
+              <a:rPr lang="bg-BG" sz="1100" dirty="0"/>
+              <a:t>, с подкрепата на </a:t>
+            </a:r>
+            <a:r>
+              <a:rPr lang="en-US" sz="1100" dirty="0">
                 <a:hlinkClick r:id="rId3"/>
               </a:rPr>
-              <a:t>https://softuni.org</a:t>
-            </a:r>
-            <a:r>
-              <a:rPr lang="en-US" dirty="0"/>
-              <a:t>. Copyrighted document. Unauthorized copy or reproduction is not permitted.</a:t>
-            </a:r>
+              <a:t>SoftUni</a:t>
+            </a:r>
+            <a:endParaRPr lang="en-US" sz="1100" dirty="0"/>
           </a:p>
         </p:txBody>
       </p:sp>
     </p:spTree>
     <p:extLst>
       <p:ext uri="{BB962C8B-B14F-4D97-AF65-F5344CB8AC3E}">
-        <p14:creationId xmlns:p14="http://schemas.microsoft.com/office/powerpoint/2010/main" val="967898394"/>
+        <p14:creationId xmlns:p14="http://schemas.microsoft.com/office/powerpoint/2010/main" val="1030335577"/>
       </p:ext>
     </p:extLst>
   </p:cSld>
@@ -1521,10 +1634,10 @@
       </p:sp>
       <p:sp>
         <p:nvSpPr>
-          <p:cNvPr id="7" name="Footer Placeholder 5">
+          <p:cNvPr id="2" name="Footer Placeholder 7">
             <a:extLst>
               <a:ext uri="{FF2B5EF4-FFF2-40B4-BE49-F238E27FC236}">
-                <a16:creationId xmlns:a16="http://schemas.microsoft.com/office/drawing/2014/main" id="{EA54F4D8-B34D-426C-8872-C14F1CB34A49}"/>
+                <a16:creationId xmlns:a16="http://schemas.microsoft.com/office/drawing/2014/main" id="{F6953B67-1868-51F9-AB67-04E1EE3CD48D}"/>
               </a:ext>
             </a:extLst>
           </p:cNvPr>
@@ -1537,8 +1650,8 @@
         </p:nvSpPr>
         <p:spPr>
           <a:xfrm>
-            <a:off x="-1" y="8890412"/>
-            <a:ext cx="6308999" cy="252000"/>
+            <a:off x="-1" y="8892000"/>
+            <a:ext cx="6488999" cy="252000"/>
           </a:xfrm>
           <a:prstGeom prst="rect">
             <a:avLst/>
@@ -1548,31 +1661,36 @@
           <a:bodyPr vert="horz" lIns="91440" tIns="45720" rIns="91440" bIns="45720" rtlCol="0" anchor="b"/>
           <a:lstStyle>
             <a:lvl1pPr algn="l">
-              <a:defRPr sz="1000"/>
+              <a:defRPr sz="1100"/>
             </a:lvl1pPr>
           </a:lstStyle>
           <a:p>
             <a:r>
-              <a:rPr lang="en-US" dirty="0"/>
-              <a:t>© SoftUni – </a:t>
-            </a:r>
-            <a:r>
-              <a:rPr lang="en-US" u="sng" dirty="0">
+              <a:rPr lang="bg-BG" sz="1100" dirty="0"/>
+              <a:t>Работна група </a:t>
+            </a:r>
+            <a:r>
+              <a:rPr lang="bg-BG" dirty="0"/>
+              <a:t>"Образование по програмиране и ИТ"</a:t>
+            </a:r>
+            <a:r>
+              <a:rPr lang="bg-BG" sz="1100" dirty="0"/>
+              <a:t>, с подкрепата на </a:t>
+            </a:r>
+            <a:r>
+              <a:rPr lang="en-US" sz="1100" dirty="0">
                 <a:hlinkClick r:id="rId3"/>
               </a:rPr>
-              <a:t>https://softuni.org</a:t>
-            </a:r>
-            <a:r>
-              <a:rPr lang="en-US" dirty="0"/>
-              <a:t>. Copyrighted document. Unauthorized copy or reproduction is not permitted.</a:t>
-            </a:r>
+              <a:t>SoftUni</a:t>
+            </a:r>
+            <a:endParaRPr lang="en-US" sz="1100" dirty="0"/>
           </a:p>
         </p:txBody>
       </p:sp>
     </p:spTree>
     <p:extLst>
       <p:ext uri="{BB962C8B-B14F-4D97-AF65-F5344CB8AC3E}">
-        <p14:creationId xmlns:p14="http://schemas.microsoft.com/office/powerpoint/2010/main" val="3254075894"/>
+        <p14:creationId xmlns:p14="http://schemas.microsoft.com/office/powerpoint/2010/main" val="3407505158"/>
       </p:ext>
     </p:extLst>
   </p:cSld>
@@ -1656,10 +1774,10 @@
       </p:sp>
       <p:sp>
         <p:nvSpPr>
-          <p:cNvPr id="6" name="Footer Placeholder 7">
+          <p:cNvPr id="4" name="Footer Placeholder 7">
             <a:extLst>
               <a:ext uri="{FF2B5EF4-FFF2-40B4-BE49-F238E27FC236}">
-                <a16:creationId xmlns:a16="http://schemas.microsoft.com/office/drawing/2014/main" id="{D714A544-2F3B-41FD-A739-AC3A08799704}"/>
+                <a16:creationId xmlns:a16="http://schemas.microsoft.com/office/drawing/2014/main" id="{6F93B9E9-BB49-7E82-4718-A90103F9A8DC}"/>
               </a:ext>
             </a:extLst>
           </p:cNvPr>
@@ -1672,8 +1790,8 @@
         </p:nvSpPr>
         <p:spPr>
           <a:xfrm>
-            <a:off x="-1" y="8847000"/>
-            <a:ext cx="6488999" cy="297000"/>
+            <a:off x="-1" y="8892000"/>
+            <a:ext cx="6488999" cy="252000"/>
           </a:xfrm>
           <a:prstGeom prst="rect">
             <a:avLst/>
@@ -1688,26 +1806,31 @@
           </a:lstStyle>
           <a:p>
             <a:r>
-              <a:rPr lang="en-US" dirty="0"/>
-              <a:t>© SoftUni – </a:t>
-            </a:r>
-            <a:r>
-              <a:rPr lang="en-US" u="sng" dirty="0">
+              <a:rPr lang="bg-BG" sz="1100" dirty="0"/>
+              <a:t>Работна група </a:t>
+            </a:r>
+            <a:r>
+              <a:rPr lang="bg-BG" dirty="0"/>
+              <a:t>"Образование по програмиране и ИТ"</a:t>
+            </a:r>
+            <a:r>
+              <a:rPr lang="bg-BG" sz="1100" dirty="0"/>
+              <a:t>, с подкрепата на </a:t>
+            </a:r>
+            <a:r>
+              <a:rPr lang="en-US" sz="1100" dirty="0">
                 <a:hlinkClick r:id="rId3"/>
               </a:rPr>
-              <a:t>https://softuni.org</a:t>
-            </a:r>
-            <a:r>
-              <a:rPr lang="en-US" dirty="0"/>
-              <a:t>. Copyrighted document. Unauthorized copy or reproduction is not permitted.</a:t>
-            </a:r>
+              <a:t>SoftUni</a:t>
+            </a:r>
+            <a:endParaRPr lang="en-US" sz="1100" dirty="0"/>
           </a:p>
         </p:txBody>
       </p:sp>
     </p:spTree>
     <p:extLst>
       <p:ext uri="{BB962C8B-B14F-4D97-AF65-F5344CB8AC3E}">
-        <p14:creationId xmlns:p14="http://schemas.microsoft.com/office/powerpoint/2010/main" val="4291752549"/>
+        <p14:creationId xmlns:p14="http://schemas.microsoft.com/office/powerpoint/2010/main" val="725464174"/>
       </p:ext>
     </p:extLst>
   </p:cSld>
@@ -1791,10 +1914,10 @@
       </p:sp>
       <p:sp>
         <p:nvSpPr>
-          <p:cNvPr id="6" name="Footer Placeholder 7">
+          <p:cNvPr id="4" name="Footer Placeholder 7">
             <a:extLst>
               <a:ext uri="{FF2B5EF4-FFF2-40B4-BE49-F238E27FC236}">
-                <a16:creationId xmlns:a16="http://schemas.microsoft.com/office/drawing/2014/main" id="{DFD14236-4576-4105-AAD1-7C969FCF050B}"/>
+                <a16:creationId xmlns:a16="http://schemas.microsoft.com/office/drawing/2014/main" id="{CBF85623-8722-B2AB-EA97-9A71ED70CCE1}"/>
               </a:ext>
             </a:extLst>
           </p:cNvPr>
@@ -1807,8 +1930,8 @@
         </p:nvSpPr>
         <p:spPr>
           <a:xfrm>
-            <a:off x="-1" y="8847000"/>
-            <a:ext cx="6488999" cy="297000"/>
+            <a:off x="-1" y="8892000"/>
+            <a:ext cx="6488999" cy="252000"/>
           </a:xfrm>
           <a:prstGeom prst="rect">
             <a:avLst/>
@@ -1823,26 +1946,31 @@
           </a:lstStyle>
           <a:p>
             <a:r>
-              <a:rPr lang="en-US" dirty="0"/>
-              <a:t>© SoftUni – </a:t>
-            </a:r>
-            <a:r>
-              <a:rPr lang="en-US" u="sng" dirty="0">
+              <a:rPr lang="bg-BG" sz="1100" dirty="0"/>
+              <a:t>Работна група </a:t>
+            </a:r>
+            <a:r>
+              <a:rPr lang="bg-BG" dirty="0"/>
+              <a:t>"Образование по програмиране и ИТ"</a:t>
+            </a:r>
+            <a:r>
+              <a:rPr lang="bg-BG" sz="1100" dirty="0"/>
+              <a:t>, с подкрепата на </a:t>
+            </a:r>
+            <a:r>
+              <a:rPr lang="en-US" sz="1100" dirty="0">
                 <a:hlinkClick r:id="rId3"/>
               </a:rPr>
-              <a:t>https://softuni.org</a:t>
-            </a:r>
-            <a:r>
-              <a:rPr lang="en-US" dirty="0"/>
-              <a:t>. Copyrighted document. Unauthorized copy or reproduction is not permitted.</a:t>
-            </a:r>
+              <a:t>SoftUni</a:t>
+            </a:r>
+            <a:endParaRPr lang="en-US" sz="1100" dirty="0"/>
           </a:p>
         </p:txBody>
       </p:sp>
     </p:spTree>
     <p:extLst>
       <p:ext uri="{BB962C8B-B14F-4D97-AF65-F5344CB8AC3E}">
-        <p14:creationId xmlns:p14="http://schemas.microsoft.com/office/powerpoint/2010/main" val="988592648"/>
+        <p14:creationId xmlns:p14="http://schemas.microsoft.com/office/powerpoint/2010/main" val="2764354960"/>
       </p:ext>
     </p:extLst>
   </p:cSld>
@@ -1926,10 +2054,10 @@
       </p:sp>
       <p:sp>
         <p:nvSpPr>
-          <p:cNvPr id="6" name="Footer Placeholder 7">
+          <p:cNvPr id="4" name="Footer Placeholder 7">
             <a:extLst>
               <a:ext uri="{FF2B5EF4-FFF2-40B4-BE49-F238E27FC236}">
-                <a16:creationId xmlns:a16="http://schemas.microsoft.com/office/drawing/2014/main" id="{EB3870E2-B579-4A21-9A24-0D329EF52847}"/>
+                <a16:creationId xmlns:a16="http://schemas.microsoft.com/office/drawing/2014/main" id="{E01F2EFB-F494-D6B9-9166-06F33C896D49}"/>
               </a:ext>
             </a:extLst>
           </p:cNvPr>
@@ -1942,8 +2070,8 @@
         </p:nvSpPr>
         <p:spPr>
           <a:xfrm>
-            <a:off x="-1" y="8847000"/>
-            <a:ext cx="6488999" cy="297000"/>
+            <a:off x="-1" y="8892000"/>
+            <a:ext cx="6488999" cy="252000"/>
           </a:xfrm>
           <a:prstGeom prst="rect">
             <a:avLst/>
@@ -1958,26 +2086,31 @@
           </a:lstStyle>
           <a:p>
             <a:r>
-              <a:rPr lang="en-US" dirty="0"/>
-              <a:t>© SoftUni – </a:t>
-            </a:r>
-            <a:r>
-              <a:rPr lang="en-US" u="sng" dirty="0">
+              <a:rPr lang="bg-BG" sz="1100" dirty="0"/>
+              <a:t>Работна група </a:t>
+            </a:r>
+            <a:r>
+              <a:rPr lang="bg-BG" dirty="0"/>
+              <a:t>"Образование по програмиране и ИТ"</a:t>
+            </a:r>
+            <a:r>
+              <a:rPr lang="bg-BG" sz="1100" dirty="0"/>
+              <a:t>, с подкрепата на </a:t>
+            </a:r>
+            <a:r>
+              <a:rPr lang="en-US" sz="1100" dirty="0">
                 <a:hlinkClick r:id="rId3"/>
               </a:rPr>
-              <a:t>https://softuni.org</a:t>
-            </a:r>
-            <a:r>
-              <a:rPr lang="en-US" dirty="0"/>
-              <a:t>. Copyrighted document. Unauthorized copy or reproduction is not permitted.</a:t>
-            </a:r>
+              <a:t>SoftUni</a:t>
+            </a:r>
+            <a:endParaRPr lang="en-US" sz="1100" dirty="0"/>
           </a:p>
         </p:txBody>
       </p:sp>
     </p:spTree>
     <p:extLst>
       <p:ext uri="{BB962C8B-B14F-4D97-AF65-F5344CB8AC3E}">
-        <p14:creationId xmlns:p14="http://schemas.microsoft.com/office/powerpoint/2010/main" val="3521962176"/>
+        <p14:creationId xmlns:p14="http://schemas.microsoft.com/office/powerpoint/2010/main" val="1495477872"/>
       </p:ext>
     </p:extLst>
   </p:cSld>
@@ -2060,7 +2193,13 @@
       </p:sp>
       <p:sp>
         <p:nvSpPr>
-          <p:cNvPr id="5" name="Footer Placeholder 4"/>
+          <p:cNvPr id="6" name="Footer Placeholder 7">
+            <a:extLst>
+              <a:ext uri="{FF2B5EF4-FFF2-40B4-BE49-F238E27FC236}">
+                <a16:creationId xmlns:a16="http://schemas.microsoft.com/office/drawing/2014/main" id="{0F8D3B75-A3E0-F3DE-98F8-D31E40579145}"/>
+              </a:ext>
+            </a:extLst>
+          </p:cNvPr>
           <p:cNvSpPr>
             <a:spLocks noGrp="1"/>
           </p:cNvSpPr>
@@ -2068,32 +2207,49 @@
             <p:ph type="ftr" sz="quarter" idx="4"/>
           </p:nvPr>
         </p:nvSpPr>
-        <p:spPr/>
+        <p:spPr>
+          <a:xfrm>
+            <a:off x="-1" y="8892000"/>
+            <a:ext cx="6488999" cy="252000"/>
+          </a:xfrm>
+          <a:prstGeom prst="rect">
+            <a:avLst/>
+          </a:prstGeom>
+        </p:spPr>
         <p:txBody>
-          <a:bodyPr/>
-          <a:lstStyle/>
-          <a:p>
-            <a:r>
-              <a:rPr lang="en-US" dirty="0"/>
-              <a:t>© SoftUni – </a:t>
-            </a:r>
-            <a:r>
-              <a:rPr lang="en-US" u="sng" dirty="0">
+          <a:bodyPr vert="horz" lIns="91440" tIns="45720" rIns="91440" bIns="45720" rtlCol="0" anchor="b"/>
+          <a:lstStyle>
+            <a:lvl1pPr algn="l">
+              <a:defRPr sz="1100"/>
+            </a:lvl1pPr>
+          </a:lstStyle>
+          <a:p>
+            <a:r>
+              <a:rPr lang="bg-BG" sz="1100" dirty="0"/>
+              <a:t>Работна група </a:t>
+            </a:r>
+            <a:r>
+              <a:rPr lang="bg-BG" dirty="0"/>
+              <a:t>"Образование по програмиране и ИТ"</a:t>
+            </a:r>
+            <a:r>
+              <a:rPr lang="bg-BG" sz="1100" dirty="0"/>
+              <a:t>, с подкрепата на </a:t>
+            </a:r>
+            <a:r>
+              <a:rPr lang="en-US" sz="1100" dirty="0">
                 <a:hlinkClick r:id="rId3"/>
               </a:rPr>
-              <a:t>https://softuni.org</a:t>
-            </a:r>
-            <a:r>
-              <a:rPr lang="en-US" dirty="0"/>
-              <a:t>. Copyrighted document. Unauthorized copy or reproduction is not permitted.</a:t>
-            </a:r>
+              <a:t>SoftUni</a:t>
+            </a:r>
+            <a:endParaRPr lang="en-US" sz="1100" dirty="0"/>
           </a:p>
         </p:txBody>
       </p:sp>
     </p:spTree>
     <p:extLst>
       <p:ext uri="{BB962C8B-B14F-4D97-AF65-F5344CB8AC3E}">
-        <p14:creationId xmlns:p14="http://schemas.microsoft.com/office/powerpoint/2010/main" val="515944749"/>
+        <p14:creationId xmlns:p14="http://schemas.microsoft.com/office/powerpoint/2010/main" val="1282792442"/>
       </p:ext>
     </p:extLst>
   </p:cSld>
@@ -2177,10 +2333,10 @@
       </p:sp>
       <p:sp>
         <p:nvSpPr>
-          <p:cNvPr id="6" name="Footer Placeholder 7">
+          <p:cNvPr id="4" name="Footer Placeholder 7">
             <a:extLst>
               <a:ext uri="{FF2B5EF4-FFF2-40B4-BE49-F238E27FC236}">
-                <a16:creationId xmlns:a16="http://schemas.microsoft.com/office/drawing/2014/main" id="{BC506739-5DCA-4827-ABDF-8FCD90A02B02}"/>
+                <a16:creationId xmlns:a16="http://schemas.microsoft.com/office/drawing/2014/main" id="{E5A8737F-AA70-3B54-EE3B-67D3781212E5}"/>
               </a:ext>
             </a:extLst>
           </p:cNvPr>
@@ -2193,8 +2349,8 @@
         </p:nvSpPr>
         <p:spPr>
           <a:xfrm>
-            <a:off x="-1" y="8847000"/>
-            <a:ext cx="6488999" cy="297000"/>
+            <a:off x="-1" y="8892000"/>
+            <a:ext cx="6488999" cy="252000"/>
           </a:xfrm>
           <a:prstGeom prst="rect">
             <a:avLst/>
@@ -2209,26 +2365,31 @@
           </a:lstStyle>
           <a:p>
             <a:r>
-              <a:rPr lang="en-US" dirty="0"/>
-              <a:t>© SoftUni – </a:t>
-            </a:r>
-            <a:r>
-              <a:rPr lang="en-US" u="sng" dirty="0">
+              <a:rPr lang="bg-BG" sz="1100" dirty="0"/>
+              <a:t>Работна група </a:t>
+            </a:r>
+            <a:r>
+              <a:rPr lang="bg-BG" dirty="0"/>
+              <a:t>"Образование по програмиране и ИТ"</a:t>
+            </a:r>
+            <a:r>
+              <a:rPr lang="bg-BG" sz="1100" dirty="0"/>
+              <a:t>, с подкрепата на </a:t>
+            </a:r>
+            <a:r>
+              <a:rPr lang="en-US" sz="1100" dirty="0">
                 <a:hlinkClick r:id="rId3"/>
               </a:rPr>
-              <a:t>https://softuni.org</a:t>
-            </a:r>
-            <a:r>
-              <a:rPr lang="en-US" dirty="0"/>
-              <a:t>. Copyrighted document. Unauthorized copy or reproduction is not permitted.</a:t>
-            </a:r>
+              <a:t>SoftUni</a:t>
+            </a:r>
+            <a:endParaRPr lang="en-US" sz="1100" dirty="0"/>
           </a:p>
         </p:txBody>
       </p:sp>
     </p:spTree>
     <p:extLst>
       <p:ext uri="{BB962C8B-B14F-4D97-AF65-F5344CB8AC3E}">
-        <p14:creationId xmlns:p14="http://schemas.microsoft.com/office/powerpoint/2010/main" val="1539019058"/>
+        <p14:creationId xmlns:p14="http://schemas.microsoft.com/office/powerpoint/2010/main" val="729065709"/>
       </p:ext>
     </p:extLst>
   </p:cSld>
@@ -2343,10 +2504,10 @@
       </p:sp>
       <p:sp>
         <p:nvSpPr>
-          <p:cNvPr id="7" name="Footer Placeholder 7">
+          <p:cNvPr id="2" name="Footer Placeholder 7">
             <a:extLst>
               <a:ext uri="{FF2B5EF4-FFF2-40B4-BE49-F238E27FC236}">
-                <a16:creationId xmlns:a16="http://schemas.microsoft.com/office/drawing/2014/main" id="{D6ED6970-328B-4BD1-9552-386EFB30198F}"/>
+                <a16:creationId xmlns:a16="http://schemas.microsoft.com/office/drawing/2014/main" id="{49954D3B-5627-5EFD-6402-E55638B62F4F}"/>
               </a:ext>
             </a:extLst>
           </p:cNvPr>
@@ -2359,8 +2520,8 @@
         </p:nvSpPr>
         <p:spPr>
           <a:xfrm>
-            <a:off x="-1" y="8847000"/>
-            <a:ext cx="6488999" cy="297000"/>
+            <a:off x="-1" y="8892000"/>
+            <a:ext cx="6488999" cy="252000"/>
           </a:xfrm>
           <a:prstGeom prst="rect">
             <a:avLst/>
@@ -2375,26 +2536,31 @@
           </a:lstStyle>
           <a:p>
             <a:r>
-              <a:rPr lang="en-US" dirty="0"/>
-              <a:t>© SoftUni – </a:t>
-            </a:r>
-            <a:r>
-              <a:rPr lang="en-US" u="sng" dirty="0">
+              <a:rPr lang="bg-BG" sz="1100" dirty="0"/>
+              <a:t>Работна група </a:t>
+            </a:r>
+            <a:r>
+              <a:rPr lang="bg-BG" dirty="0"/>
+              <a:t>"Образование по програмиране и ИТ"</a:t>
+            </a:r>
+            <a:r>
+              <a:rPr lang="bg-BG" sz="1100" dirty="0"/>
+              <a:t>, с подкрепата на </a:t>
+            </a:r>
+            <a:r>
+              <a:rPr lang="en-US" sz="1100" dirty="0">
                 <a:hlinkClick r:id="rId3"/>
               </a:rPr>
-              <a:t>https://softuni.org</a:t>
-            </a:r>
-            <a:r>
-              <a:rPr lang="en-US" dirty="0"/>
-              <a:t>. Copyrighted document. Unauthorized copy or reproduction is not permitted.</a:t>
-            </a:r>
+              <a:t>SoftUni</a:t>
+            </a:r>
+            <a:endParaRPr lang="en-US" sz="1100" dirty="0"/>
           </a:p>
         </p:txBody>
       </p:sp>
     </p:spTree>
     <p:extLst>
       <p:ext uri="{BB962C8B-B14F-4D97-AF65-F5344CB8AC3E}">
-        <p14:creationId xmlns:p14="http://schemas.microsoft.com/office/powerpoint/2010/main" val="2498660919"/>
+        <p14:creationId xmlns:p14="http://schemas.microsoft.com/office/powerpoint/2010/main" val="3531693057"/>
       </p:ext>
     </p:extLst>
   </p:cSld>
@@ -2584,10 +2750,10 @@
       </p:sp>
       <p:sp>
         <p:nvSpPr>
-          <p:cNvPr id="6" name="Footer Placeholder 7">
+          <p:cNvPr id="5" name="Footer Placeholder 7">
             <a:extLst>
               <a:ext uri="{FF2B5EF4-FFF2-40B4-BE49-F238E27FC236}">
-                <a16:creationId xmlns:a16="http://schemas.microsoft.com/office/drawing/2014/main" id="{8722A4E8-A399-4B2F-ABA9-DD7956C8C9A2}"/>
+                <a16:creationId xmlns:a16="http://schemas.microsoft.com/office/drawing/2014/main" id="{37853B77-3888-7346-59BE-899533CD3DFE}"/>
               </a:ext>
             </a:extLst>
           </p:cNvPr>
@@ -2600,8 +2766,8 @@
         </p:nvSpPr>
         <p:spPr>
           <a:xfrm>
-            <a:off x="-1" y="8847000"/>
-            <a:ext cx="6488999" cy="297000"/>
+            <a:off x="-1" y="8892000"/>
+            <a:ext cx="6488999" cy="252000"/>
           </a:xfrm>
           <a:prstGeom prst="rect">
             <a:avLst/>
@@ -2616,26 +2782,31 @@
           </a:lstStyle>
           <a:p>
             <a:r>
-              <a:rPr lang="en-US" dirty="0"/>
-              <a:t>© SoftUni – </a:t>
-            </a:r>
-            <a:r>
-              <a:rPr lang="en-US" u="sng" dirty="0">
+              <a:rPr lang="bg-BG" sz="1100" dirty="0"/>
+              <a:t>Работна група </a:t>
+            </a:r>
+            <a:r>
+              <a:rPr lang="bg-BG" dirty="0"/>
+              <a:t>"Образование по програмиране и ИТ"</a:t>
+            </a:r>
+            <a:r>
+              <a:rPr lang="bg-BG" sz="1100" dirty="0"/>
+              <a:t>, с подкрепата на </a:t>
+            </a:r>
+            <a:r>
+              <a:rPr lang="en-US" sz="1100" dirty="0">
                 <a:hlinkClick r:id="rId3"/>
               </a:rPr>
-              <a:t>https://softuni.org</a:t>
-            </a:r>
-            <a:r>
-              <a:rPr lang="en-US" dirty="0"/>
-              <a:t>. Copyrighted document. Unauthorized copy or reproduction is not permitted.</a:t>
-            </a:r>
+              <a:t>SoftUni</a:t>
+            </a:r>
+            <a:endParaRPr lang="en-US" sz="1100" dirty="0"/>
           </a:p>
         </p:txBody>
       </p:sp>
     </p:spTree>
     <p:extLst>
       <p:ext uri="{BB962C8B-B14F-4D97-AF65-F5344CB8AC3E}">
-        <p14:creationId xmlns:p14="http://schemas.microsoft.com/office/powerpoint/2010/main" val="4019510437"/>
+        <p14:creationId xmlns:p14="http://schemas.microsoft.com/office/powerpoint/2010/main" val="636684858"/>
       </p:ext>
     </p:extLst>
   </p:cSld>
@@ -2689,7 +2860,7 @@
           <a:bodyPr/>
           <a:lstStyle/>
           <a:p>
-            <a:endParaRPr lang="en-US" dirty="0"/>
+            <a:endParaRPr lang="en-US"/>
           </a:p>
         </p:txBody>
       </p:sp>
@@ -2825,10 +2996,10 @@
       </p:sp>
       <p:sp>
         <p:nvSpPr>
-          <p:cNvPr id="7" name="Footer Placeholder 7">
+          <p:cNvPr id="5" name="Footer Placeholder 7">
             <a:extLst>
               <a:ext uri="{FF2B5EF4-FFF2-40B4-BE49-F238E27FC236}">
-                <a16:creationId xmlns:a16="http://schemas.microsoft.com/office/drawing/2014/main" id="{BC1B15B3-1C71-46D2-AF37-32827E785047}"/>
+                <a16:creationId xmlns:a16="http://schemas.microsoft.com/office/drawing/2014/main" id="{429E051E-788B-5BA8-5CE5-E87DF82F9C1D}"/>
               </a:ext>
             </a:extLst>
           </p:cNvPr>
@@ -2841,8 +3012,8 @@
         </p:nvSpPr>
         <p:spPr>
           <a:xfrm>
-            <a:off x="-1" y="8847000"/>
-            <a:ext cx="6488999" cy="297000"/>
+            <a:off x="-1" y="8892000"/>
+            <a:ext cx="6488999" cy="252000"/>
           </a:xfrm>
           <a:prstGeom prst="rect">
             <a:avLst/>
@@ -2857,26 +3028,31 @@
           </a:lstStyle>
           <a:p>
             <a:r>
-              <a:rPr lang="en-US" dirty="0"/>
-              <a:t>© SoftUni – </a:t>
-            </a:r>
-            <a:r>
-              <a:rPr lang="en-US" u="sng" dirty="0">
+              <a:rPr lang="bg-BG" sz="1100" dirty="0"/>
+              <a:t>Работна група </a:t>
+            </a:r>
+            <a:r>
+              <a:rPr lang="bg-BG" dirty="0"/>
+              <a:t>"Образование по програмиране и ИТ"</a:t>
+            </a:r>
+            <a:r>
+              <a:rPr lang="bg-BG" sz="1100" dirty="0"/>
+              <a:t>, с подкрепата на </a:t>
+            </a:r>
+            <a:r>
+              <a:rPr lang="en-US" sz="1100" dirty="0">
                 <a:hlinkClick r:id="rId3"/>
               </a:rPr>
-              <a:t>https://softuni.org</a:t>
-            </a:r>
-            <a:r>
-              <a:rPr lang="en-US" dirty="0"/>
-              <a:t>. Copyrighted document. Unauthorized copy or reproduction is not permitted.</a:t>
-            </a:r>
+              <a:t>SoftUni</a:t>
+            </a:r>
+            <a:endParaRPr lang="en-US" sz="1100" dirty="0"/>
           </a:p>
         </p:txBody>
       </p:sp>
     </p:spTree>
     <p:extLst>
       <p:ext uri="{BB962C8B-B14F-4D97-AF65-F5344CB8AC3E}">
-        <p14:creationId xmlns:p14="http://schemas.microsoft.com/office/powerpoint/2010/main" val="3917860227"/>
+        <p14:creationId xmlns:p14="http://schemas.microsoft.com/office/powerpoint/2010/main" val="1087957402"/>
       </p:ext>
     </p:extLst>
   </p:cSld>
@@ -2960,10 +3136,10 @@
       </p:sp>
       <p:sp>
         <p:nvSpPr>
-          <p:cNvPr id="6" name="Footer Placeholder 7">
+          <p:cNvPr id="4" name="Footer Placeholder 7">
             <a:extLst>
               <a:ext uri="{FF2B5EF4-FFF2-40B4-BE49-F238E27FC236}">
-                <a16:creationId xmlns:a16="http://schemas.microsoft.com/office/drawing/2014/main" id="{633D695B-80D2-4F6D-86D3-6B6ED495DAEA}"/>
+                <a16:creationId xmlns:a16="http://schemas.microsoft.com/office/drawing/2014/main" id="{1B908F8C-7607-CB76-BD9F-809598EB94D5}"/>
               </a:ext>
             </a:extLst>
           </p:cNvPr>
@@ -2976,8 +3152,8 @@
         </p:nvSpPr>
         <p:spPr>
           <a:xfrm>
-            <a:off x="-1" y="8847000"/>
-            <a:ext cx="6488999" cy="297000"/>
+            <a:off x="-1" y="8892000"/>
+            <a:ext cx="6488999" cy="252000"/>
           </a:xfrm>
           <a:prstGeom prst="rect">
             <a:avLst/>
@@ -2992,26 +3168,31 @@
           </a:lstStyle>
           <a:p>
             <a:r>
-              <a:rPr lang="en-US" dirty="0"/>
-              <a:t>© SoftUni – </a:t>
-            </a:r>
-            <a:r>
-              <a:rPr lang="en-US" u="sng" dirty="0">
+              <a:rPr lang="bg-BG" sz="1100" dirty="0"/>
+              <a:t>Работна група </a:t>
+            </a:r>
+            <a:r>
+              <a:rPr lang="bg-BG" dirty="0"/>
+              <a:t>"Образование по програмиране и ИТ"</a:t>
+            </a:r>
+            <a:r>
+              <a:rPr lang="bg-BG" sz="1100" dirty="0"/>
+              <a:t>, с подкрепата на </a:t>
+            </a:r>
+            <a:r>
+              <a:rPr lang="en-US" sz="1100" dirty="0">
                 <a:hlinkClick r:id="rId3"/>
               </a:rPr>
-              <a:t>https://softuni.org</a:t>
-            </a:r>
-            <a:r>
-              <a:rPr lang="en-US" dirty="0"/>
-              <a:t>. Copyrighted document. Unauthorized copy or reproduction is not permitted.</a:t>
-            </a:r>
+              <a:t>SoftUni</a:t>
+            </a:r>
+            <a:endParaRPr lang="en-US" sz="1100" dirty="0"/>
           </a:p>
         </p:txBody>
       </p:sp>
     </p:spTree>
     <p:extLst>
       <p:ext uri="{BB962C8B-B14F-4D97-AF65-F5344CB8AC3E}">
-        <p14:creationId xmlns:p14="http://schemas.microsoft.com/office/powerpoint/2010/main" val="806389292"/>
+        <p14:creationId xmlns:p14="http://schemas.microsoft.com/office/powerpoint/2010/main" val="2840913552"/>
       </p:ext>
     </p:extLst>
   </p:cSld>
@@ -3095,10 +3276,10 @@
       </p:sp>
       <p:sp>
         <p:nvSpPr>
-          <p:cNvPr id="6" name="Footer Placeholder 7">
+          <p:cNvPr id="4" name="Footer Placeholder 7">
             <a:extLst>
               <a:ext uri="{FF2B5EF4-FFF2-40B4-BE49-F238E27FC236}">
-                <a16:creationId xmlns:a16="http://schemas.microsoft.com/office/drawing/2014/main" id="{DDCE4A3F-C044-4267-8182-C4C89C6E7140}"/>
+                <a16:creationId xmlns:a16="http://schemas.microsoft.com/office/drawing/2014/main" id="{5DFC2F45-A8E6-1CE2-0D3E-1C872C923DFA}"/>
               </a:ext>
             </a:extLst>
           </p:cNvPr>
@@ -3111,8 +3292,8 @@
         </p:nvSpPr>
         <p:spPr>
           <a:xfrm>
-            <a:off x="-1" y="8847000"/>
-            <a:ext cx="6488999" cy="297000"/>
+            <a:off x="-1" y="8892000"/>
+            <a:ext cx="6488999" cy="252000"/>
           </a:xfrm>
           <a:prstGeom prst="rect">
             <a:avLst/>
@@ -3127,26 +3308,31 @@
           </a:lstStyle>
           <a:p>
             <a:r>
-              <a:rPr lang="en-US" dirty="0"/>
-              <a:t>© SoftUni – </a:t>
-            </a:r>
-            <a:r>
-              <a:rPr lang="en-US" u="sng" dirty="0">
+              <a:rPr lang="bg-BG" sz="1100" dirty="0"/>
+              <a:t>Работна група </a:t>
+            </a:r>
+            <a:r>
+              <a:rPr lang="bg-BG" dirty="0"/>
+              <a:t>"Образование по програмиране и ИТ"</a:t>
+            </a:r>
+            <a:r>
+              <a:rPr lang="bg-BG" sz="1100" dirty="0"/>
+              <a:t>, с подкрепата на </a:t>
+            </a:r>
+            <a:r>
+              <a:rPr lang="en-US" sz="1100" dirty="0">
                 <a:hlinkClick r:id="rId3"/>
               </a:rPr>
-              <a:t>https://softuni.org</a:t>
-            </a:r>
-            <a:r>
-              <a:rPr lang="en-US" dirty="0"/>
-              <a:t>. Copyrighted document. Unauthorized copy or reproduction is not permitted.</a:t>
-            </a:r>
+              <a:t>SoftUni</a:t>
+            </a:r>
+            <a:endParaRPr lang="en-US" sz="1100" dirty="0"/>
           </a:p>
         </p:txBody>
       </p:sp>
     </p:spTree>
     <p:extLst>
       <p:ext uri="{BB962C8B-B14F-4D97-AF65-F5344CB8AC3E}">
-        <p14:creationId xmlns:p14="http://schemas.microsoft.com/office/powerpoint/2010/main" val="1394897515"/>
+        <p14:creationId xmlns:p14="http://schemas.microsoft.com/office/powerpoint/2010/main" val="2352667684"/>
       </p:ext>
     </p:extLst>
   </p:cSld>
@@ -3230,10 +3416,10 @@
       </p:sp>
       <p:sp>
         <p:nvSpPr>
-          <p:cNvPr id="6" name="Footer Placeholder 7">
+          <p:cNvPr id="4" name="Footer Placeholder 7">
             <a:extLst>
               <a:ext uri="{FF2B5EF4-FFF2-40B4-BE49-F238E27FC236}">
-                <a16:creationId xmlns:a16="http://schemas.microsoft.com/office/drawing/2014/main" id="{40D49A49-D785-4F17-AF39-30934A68079D}"/>
+                <a16:creationId xmlns:a16="http://schemas.microsoft.com/office/drawing/2014/main" id="{435DA1DB-BE57-71FD-B976-5B73166AEBA9}"/>
               </a:ext>
             </a:extLst>
           </p:cNvPr>
@@ -3246,8 +3432,8 @@
         </p:nvSpPr>
         <p:spPr>
           <a:xfrm>
-            <a:off x="-1" y="8847000"/>
-            <a:ext cx="6488999" cy="297000"/>
+            <a:off x="-1" y="8892000"/>
+            <a:ext cx="6488999" cy="252000"/>
           </a:xfrm>
           <a:prstGeom prst="rect">
             <a:avLst/>
@@ -3262,26 +3448,31 @@
           </a:lstStyle>
           <a:p>
             <a:r>
-              <a:rPr lang="en-US" dirty="0"/>
-              <a:t>© SoftUni – </a:t>
-            </a:r>
-            <a:r>
-              <a:rPr lang="en-US" u="sng" dirty="0">
+              <a:rPr lang="bg-BG" sz="1100" dirty="0"/>
+              <a:t>Работна група </a:t>
+            </a:r>
+            <a:r>
+              <a:rPr lang="bg-BG" dirty="0"/>
+              <a:t>"Образование по програмиране и ИТ"</a:t>
+            </a:r>
+            <a:r>
+              <a:rPr lang="bg-BG" sz="1100" dirty="0"/>
+              <a:t>, с подкрепата на </a:t>
+            </a:r>
+            <a:r>
+              <a:rPr lang="en-US" sz="1100" dirty="0">
                 <a:hlinkClick r:id="rId3"/>
               </a:rPr>
-              <a:t>https://softuni.org</a:t>
-            </a:r>
-            <a:r>
-              <a:rPr lang="en-US" dirty="0"/>
-              <a:t>. Copyrighted document. Unauthorized copy or reproduction is not permitted.</a:t>
-            </a:r>
+              <a:t>SoftUni</a:t>
+            </a:r>
+            <a:endParaRPr lang="en-US" sz="1100" dirty="0"/>
           </a:p>
         </p:txBody>
       </p:sp>
     </p:spTree>
     <p:extLst>
       <p:ext uri="{BB962C8B-B14F-4D97-AF65-F5344CB8AC3E}">
-        <p14:creationId xmlns:p14="http://schemas.microsoft.com/office/powerpoint/2010/main" val="1013223841"/>
+        <p14:creationId xmlns:p14="http://schemas.microsoft.com/office/powerpoint/2010/main" val="1729278185"/>
       </p:ext>
     </p:extLst>
   </p:cSld>
@@ -3365,10 +3556,10 @@
       </p:sp>
       <p:sp>
         <p:nvSpPr>
-          <p:cNvPr id="6" name="Footer Placeholder 7">
+          <p:cNvPr id="4" name="Footer Placeholder 7">
             <a:extLst>
               <a:ext uri="{FF2B5EF4-FFF2-40B4-BE49-F238E27FC236}">
-                <a16:creationId xmlns:a16="http://schemas.microsoft.com/office/drawing/2014/main" id="{D424D6F7-190E-4935-8703-9F0E4041A5F5}"/>
+                <a16:creationId xmlns:a16="http://schemas.microsoft.com/office/drawing/2014/main" id="{F5D98BAA-526D-83F1-B68B-4A2C2A0D25B4}"/>
               </a:ext>
             </a:extLst>
           </p:cNvPr>
@@ -3381,8 +3572,8 @@
         </p:nvSpPr>
         <p:spPr>
           <a:xfrm>
-            <a:off x="-1" y="8847000"/>
-            <a:ext cx="6488999" cy="297000"/>
+            <a:off x="-1" y="8892000"/>
+            <a:ext cx="6488999" cy="252000"/>
           </a:xfrm>
           <a:prstGeom prst="rect">
             <a:avLst/>
@@ -3397,26 +3588,31 @@
           </a:lstStyle>
           <a:p>
             <a:r>
-              <a:rPr lang="en-US" dirty="0"/>
-              <a:t>© SoftUni – </a:t>
-            </a:r>
-            <a:r>
-              <a:rPr lang="en-US" u="sng" dirty="0">
+              <a:rPr lang="bg-BG" sz="1100" dirty="0"/>
+              <a:t>Работна група </a:t>
+            </a:r>
+            <a:r>
+              <a:rPr lang="bg-BG" dirty="0"/>
+              <a:t>"Образование по програмиране и ИТ"</a:t>
+            </a:r>
+            <a:r>
+              <a:rPr lang="bg-BG" sz="1100" dirty="0"/>
+              <a:t>, с подкрепата на </a:t>
+            </a:r>
+            <a:r>
+              <a:rPr lang="en-US" sz="1100" dirty="0">
                 <a:hlinkClick r:id="rId3"/>
               </a:rPr>
-              <a:t>https://softuni.org</a:t>
-            </a:r>
-            <a:r>
-              <a:rPr lang="en-US" dirty="0"/>
-              <a:t>. Copyrighted document. Unauthorized copy or reproduction is not permitted.</a:t>
-            </a:r>
+              <a:t>SoftUni</a:t>
+            </a:r>
+            <a:endParaRPr lang="en-US" sz="1100" dirty="0"/>
           </a:p>
         </p:txBody>
       </p:sp>
     </p:spTree>
     <p:extLst>
       <p:ext uri="{BB962C8B-B14F-4D97-AF65-F5344CB8AC3E}">
-        <p14:creationId xmlns:p14="http://schemas.microsoft.com/office/powerpoint/2010/main" val="3784806914"/>
+        <p14:creationId xmlns:p14="http://schemas.microsoft.com/office/powerpoint/2010/main" val="1070811474"/>
       </p:ext>
     </p:extLst>
   </p:cSld>
@@ -3500,10 +3696,10 @@
       </p:sp>
       <p:sp>
         <p:nvSpPr>
-          <p:cNvPr id="6" name="Footer Placeholder 7">
+          <p:cNvPr id="4" name="Footer Placeholder 7">
             <a:extLst>
               <a:ext uri="{FF2B5EF4-FFF2-40B4-BE49-F238E27FC236}">
-                <a16:creationId xmlns:a16="http://schemas.microsoft.com/office/drawing/2014/main" id="{FF49E6E3-5248-41E2-98E8-5B580706C2BA}"/>
+                <a16:creationId xmlns:a16="http://schemas.microsoft.com/office/drawing/2014/main" id="{ED25E6EF-2383-5102-BD8A-53C2DC3E7930}"/>
               </a:ext>
             </a:extLst>
           </p:cNvPr>
@@ -3516,8 +3712,8 @@
         </p:nvSpPr>
         <p:spPr>
           <a:xfrm>
-            <a:off x="-1" y="8847000"/>
-            <a:ext cx="6488999" cy="297000"/>
+            <a:off x="-1" y="8892000"/>
+            <a:ext cx="6488999" cy="252000"/>
           </a:xfrm>
           <a:prstGeom prst="rect">
             <a:avLst/>
@@ -3532,26 +3728,31 @@
           </a:lstStyle>
           <a:p>
             <a:r>
-              <a:rPr lang="en-US" dirty="0"/>
-              <a:t>© SoftUni – </a:t>
-            </a:r>
-            <a:r>
-              <a:rPr lang="en-US" u="sng" dirty="0">
+              <a:rPr lang="bg-BG" sz="1100" dirty="0"/>
+              <a:t>Работна група </a:t>
+            </a:r>
+            <a:r>
+              <a:rPr lang="bg-BG" dirty="0"/>
+              <a:t>"Образование по програмиране и ИТ"</a:t>
+            </a:r>
+            <a:r>
+              <a:rPr lang="bg-BG" sz="1100" dirty="0"/>
+              <a:t>, с подкрепата на </a:t>
+            </a:r>
+            <a:r>
+              <a:rPr lang="en-US" sz="1100" dirty="0">
                 <a:hlinkClick r:id="rId3"/>
               </a:rPr>
-              <a:t>https://softuni.org</a:t>
-            </a:r>
-            <a:r>
-              <a:rPr lang="en-US" dirty="0"/>
-              <a:t>. Copyrighted document. Unauthorized copy or reproduction is not permitted.</a:t>
-            </a:r>
+              <a:t>SoftUni</a:t>
+            </a:r>
+            <a:endParaRPr lang="en-US" sz="1100" dirty="0"/>
           </a:p>
         </p:txBody>
       </p:sp>
     </p:spTree>
     <p:extLst>
       <p:ext uri="{BB962C8B-B14F-4D97-AF65-F5344CB8AC3E}">
-        <p14:creationId xmlns:p14="http://schemas.microsoft.com/office/powerpoint/2010/main" val="752628054"/>
+        <p14:creationId xmlns:p14="http://schemas.microsoft.com/office/powerpoint/2010/main" val="3765317055"/>
       </p:ext>
     </p:extLst>
   </p:cSld>
@@ -3635,10 +3836,10 @@
       </p:sp>
       <p:sp>
         <p:nvSpPr>
-          <p:cNvPr id="6" name="Footer Placeholder 7">
+          <p:cNvPr id="4" name="Footer Placeholder 7">
             <a:extLst>
               <a:ext uri="{FF2B5EF4-FFF2-40B4-BE49-F238E27FC236}">
-                <a16:creationId xmlns:a16="http://schemas.microsoft.com/office/drawing/2014/main" id="{D177A753-3CCE-44C2-ABE7-47F3D15ED7F6}"/>
+                <a16:creationId xmlns:a16="http://schemas.microsoft.com/office/drawing/2014/main" id="{6BB0749E-607F-4B46-0FBB-FBDF8E9BA5E9}"/>
               </a:ext>
             </a:extLst>
           </p:cNvPr>
@@ -3651,8 +3852,8 @@
         </p:nvSpPr>
         <p:spPr>
           <a:xfrm>
-            <a:off x="-1" y="8847000"/>
-            <a:ext cx="6488999" cy="297000"/>
+            <a:off x="-1" y="8892000"/>
+            <a:ext cx="6488999" cy="252000"/>
           </a:xfrm>
           <a:prstGeom prst="rect">
             <a:avLst/>
@@ -3667,26 +3868,31 @@
           </a:lstStyle>
           <a:p>
             <a:r>
-              <a:rPr lang="en-US" dirty="0"/>
-              <a:t>© SoftUni – </a:t>
-            </a:r>
-            <a:r>
-              <a:rPr lang="en-US" u="sng" dirty="0">
+              <a:rPr lang="bg-BG" sz="1100" dirty="0"/>
+              <a:t>Работна група </a:t>
+            </a:r>
+            <a:r>
+              <a:rPr lang="bg-BG" dirty="0"/>
+              <a:t>"Образование по програмиране и ИТ"</a:t>
+            </a:r>
+            <a:r>
+              <a:rPr lang="bg-BG" sz="1100" dirty="0"/>
+              <a:t>, с подкрепата на </a:t>
+            </a:r>
+            <a:r>
+              <a:rPr lang="en-US" sz="1100" dirty="0">
                 <a:hlinkClick r:id="rId3"/>
               </a:rPr>
-              <a:t>https://softuni.org</a:t>
-            </a:r>
-            <a:r>
-              <a:rPr lang="en-US" dirty="0"/>
-              <a:t>. Copyrighted document. Unauthorized copy or reproduction is not permitted.</a:t>
-            </a:r>
+              <a:t>SoftUni</a:t>
+            </a:r>
+            <a:endParaRPr lang="en-US" sz="1100" dirty="0"/>
           </a:p>
         </p:txBody>
       </p:sp>
     </p:spTree>
     <p:extLst>
       <p:ext uri="{BB962C8B-B14F-4D97-AF65-F5344CB8AC3E}">
-        <p14:creationId xmlns:p14="http://schemas.microsoft.com/office/powerpoint/2010/main" val="1272950450"/>
+        <p14:creationId xmlns:p14="http://schemas.microsoft.com/office/powerpoint/2010/main" val="1629066710"/>
       </p:ext>
     </p:extLst>
   </p:cSld>
@@ -3770,10 +3976,10 @@
       </p:sp>
       <p:sp>
         <p:nvSpPr>
-          <p:cNvPr id="6" name="Footer Placeholder 7">
+          <p:cNvPr id="4" name="Footer Placeholder 7">
             <a:extLst>
               <a:ext uri="{FF2B5EF4-FFF2-40B4-BE49-F238E27FC236}">
-                <a16:creationId xmlns:a16="http://schemas.microsoft.com/office/drawing/2014/main" id="{EE822065-7631-482F-97C0-69BD8085969F}"/>
+                <a16:creationId xmlns:a16="http://schemas.microsoft.com/office/drawing/2014/main" id="{5F5E3429-1ED9-4587-E693-BFA817FF8B08}"/>
               </a:ext>
             </a:extLst>
           </p:cNvPr>
@@ -3786,8 +3992,8 @@
         </p:nvSpPr>
         <p:spPr>
           <a:xfrm>
-            <a:off x="-1" y="8847000"/>
-            <a:ext cx="6488999" cy="297000"/>
+            <a:off x="-1" y="8892000"/>
+            <a:ext cx="6488999" cy="252000"/>
           </a:xfrm>
           <a:prstGeom prst="rect">
             <a:avLst/>
@@ -3802,26 +4008,31 @@
           </a:lstStyle>
           <a:p>
             <a:r>
-              <a:rPr lang="en-US" dirty="0"/>
-              <a:t>© SoftUni – </a:t>
-            </a:r>
-            <a:r>
-              <a:rPr lang="en-US" u="sng" dirty="0">
+              <a:rPr lang="bg-BG" sz="1100" dirty="0"/>
+              <a:t>Работна група </a:t>
+            </a:r>
+            <a:r>
+              <a:rPr lang="bg-BG" dirty="0"/>
+              <a:t>"Образование по програмиране и ИТ"</a:t>
+            </a:r>
+            <a:r>
+              <a:rPr lang="bg-BG" sz="1100" dirty="0"/>
+              <a:t>, с подкрепата на </a:t>
+            </a:r>
+            <a:r>
+              <a:rPr lang="en-US" sz="1100" dirty="0">
                 <a:hlinkClick r:id="rId3"/>
               </a:rPr>
-              <a:t>https://softuni.org</a:t>
-            </a:r>
-            <a:r>
-              <a:rPr lang="en-US" dirty="0"/>
-              <a:t>. Copyrighted document. Unauthorized copy or reproduction is not permitted.</a:t>
-            </a:r>
+              <a:t>SoftUni</a:t>
+            </a:r>
+            <a:endParaRPr lang="en-US" sz="1100" dirty="0"/>
           </a:p>
         </p:txBody>
       </p:sp>
     </p:spTree>
     <p:extLst>
       <p:ext uri="{BB962C8B-B14F-4D97-AF65-F5344CB8AC3E}">
-        <p14:creationId xmlns:p14="http://schemas.microsoft.com/office/powerpoint/2010/main" val="4227209479"/>
+        <p14:creationId xmlns:p14="http://schemas.microsoft.com/office/powerpoint/2010/main" val="4208232031"/>
       </p:ext>
     </p:extLst>
   </p:cSld>
@@ -3832,7 +4043,7 @@
 </file>
 
 <file path=ppt/slideLayouts/slideLayout1.xml><?xml version="1.0" encoding="utf-8"?>
-<p:sldLayout xmlns:a="http://schemas.openxmlformats.org/drawingml/2006/main" xmlns:r="http://schemas.openxmlformats.org/officeDocument/2006/relationships" xmlns:p="http://schemas.openxmlformats.org/presentationml/2006/main" preserve="1">
+<p:sldLayout xmlns:a="http://schemas.openxmlformats.org/drawingml/2006/main" xmlns:r="http://schemas.openxmlformats.org/officeDocument/2006/relationships" xmlns:p="http://schemas.openxmlformats.org/presentationml/2006/main" preserve="1" userDrawn="1">
   <p:cSld name="Presentation Title Slide">
     <p:spTree>
       <p:nvGrpSpPr>
@@ -3858,7 +4069,7 @@
             </a:extLst>
           </p:cNvPr>
           <p:cNvSpPr/>
-          <p:nvPr/>
+          <p:nvPr userDrawn="1"/>
         </p:nvSpPr>
         <p:spPr>
           <a:xfrm>
@@ -3912,7 +4123,7 @@
               <a:tabLst/>
               <a:defRPr/>
             </a:pPr>
-            <a:endParaRPr kumimoji="0" lang="en-US" altLang="ko-KR" sz="2398" b="0" i="0" u="none" strike="noStrike" kern="1200" cap="none" spc="0" normalizeH="0" baseline="0" noProof="0" dirty="0">
+            <a:endParaRPr kumimoji="0" lang="en-US" altLang="ko-KR" sz="2398" b="0" i="0" u="none" strike="noStrike" kern="1200" cap="none" spc="0" normalizeH="0" baseline="0" noProof="0">
               <a:ln>
                 <a:noFill/>
               </a:ln>
@@ -3929,55 +4140,139 @@
           </a:p>
         </p:txBody>
       </p:sp>
-      <p:pic>
-        <p:nvPicPr>
-          <p:cNvPr id="14" name="Picture Logo SoftUni" descr="SoftUni logo">
+      <p:sp>
+        <p:nvSpPr>
+          <p:cNvPr id="33" name="Picture Placeholder Title Image">
             <a:extLst>
               <a:ext uri="{FF2B5EF4-FFF2-40B4-BE49-F238E27FC236}">
-                <a16:creationId xmlns:a16="http://schemas.microsoft.com/office/drawing/2014/main" id="{C4D6B2A2-DFF0-4712-BFEC-6676BEC99FEC}"/>
+                <a16:creationId xmlns:a16="http://schemas.microsoft.com/office/drawing/2014/main" id="{A04D819A-89E2-4714-8C56-1838BF467EF7}"/>
               </a:ext>
             </a:extLst>
           </p:cNvPr>
-          <p:cNvPicPr>
-            <a:picLocks noChangeAspect="1"/>
-          </p:cNvPicPr>
-          <p:nvPr userDrawn="1"/>
-        </p:nvPicPr>
-        <p:blipFill>
-          <a:blip r:embed="rId2">
-            <a:clrChange>
-              <a:clrFrom>
-                <a:srgbClr val="FFFFFF"/>
-              </a:clrFrom>
-              <a:clrTo>
-                <a:srgbClr val="FFFFFF">
-                  <a:alpha val="0"/>
-                </a:srgbClr>
-              </a:clrTo>
-            </a:clrChange>
+          <p:cNvSpPr>
+            <a:spLocks noGrp="1"/>
+          </p:cNvSpPr>
+          <p:nvPr>
+            <p:ph type="pic" sz="quarter" idx="10"/>
+          </p:nvPr>
+        </p:nvSpPr>
+        <p:spPr>
+          <a:xfrm>
+            <a:off x="6390123" y="3400017"/>
+            <a:ext cx="5248260" cy="2188983"/>
+          </a:xfrm>
+        </p:spPr>
+        <p:txBody>
+          <a:bodyPr/>
+          <a:lstStyle>
+            <a:lvl1pPr marL="0" indent="0" algn="ctr" latinLnBrk="0">
+              <a:buNone/>
+              <a:defRPr>
+                <a:solidFill>
+                  <a:schemeClr val="bg1"/>
+                </a:solidFill>
+              </a:defRPr>
+            </a:lvl1pPr>
+          </a:lstStyle>
+          <a:p>
+            <a:r>
+              <a:rPr lang="en-US" noProof="0" dirty="0"/>
+              <a:t>Click icon to add picture</a:t>
+            </a:r>
+          </a:p>
+        </p:txBody>
+      </p:sp>
+      <p:sp>
+        <p:nvSpPr>
+          <p:cNvPr id="10" name="Company Web Site">
             <a:extLst>
-              <a:ext uri="{28A0092B-C50C-407E-A947-70E740481C1C}">
-                <a14:useLocalDpi xmlns:a14="http://schemas.microsoft.com/office/drawing/2010/main" val="0"/>
+              <a:ext uri="{FF2B5EF4-FFF2-40B4-BE49-F238E27FC236}">
+                <a16:creationId xmlns:a16="http://schemas.microsoft.com/office/drawing/2014/main" id="{0B99B1EE-62FA-4AA4-920C-D444D6C0B778}"/>
               </a:ext>
             </a:extLst>
-          </a:blip>
-          <a:stretch>
-            <a:fillRect/>
-          </a:stretch>
-        </p:blipFill>
+          </p:cNvPr>
+          <p:cNvSpPr>
+            <a:spLocks noGrp="1"/>
+          </p:cNvSpPr>
+          <p:nvPr>
+            <p:ph type="body" sz="quarter" idx="22" hasCustomPrompt="1"/>
+          </p:nvPr>
+        </p:nvSpPr>
         <p:spPr>
           <a:xfrm>
-            <a:off x="4324460" y="5184000"/>
-            <a:ext cx="3751540" cy="1297655"/>
+            <a:off x="6390120" y="6086106"/>
+            <a:ext cx="5248260" cy="341313"/>
           </a:xfrm>
-          <a:prstGeom prst="rect">
-            <a:avLst/>
-          </a:prstGeom>
         </p:spPr>
-      </p:pic>
-      <p:sp>
-        <p:nvSpPr>
-          <p:cNvPr id="31" name="Text Placeholder Company Site">
+        <p:txBody>
+          <a:bodyPr lIns="36000" rIns="36000" anchor="ctr" anchorCtr="0">
+            <a:noAutofit/>
+          </a:bodyPr>
+          <a:lstStyle>
+            <a:lvl1pPr marL="0" indent="0" algn="r">
+              <a:buNone/>
+              <a:defRPr sz="1800"/>
+            </a:lvl1pPr>
+          </a:lstStyle>
+          <a:p>
+            <a:pPr lvl="0"/>
+            <a:r>
+              <a:rPr lang="en-US" dirty="0"/>
+              <a:t>https://softuni.foundation  </a:t>
+            </a:r>
+          </a:p>
+        </p:txBody>
+      </p:sp>
+      <p:sp>
+        <p:nvSpPr>
+          <p:cNvPr id="6" name="Company Name">
+            <a:extLst>
+              <a:ext uri="{FF2B5EF4-FFF2-40B4-BE49-F238E27FC236}">
+                <a16:creationId xmlns:a16="http://schemas.microsoft.com/office/drawing/2014/main" id="{2A76510A-0BAE-A827-E77C-BE88E38F52AA}"/>
+              </a:ext>
+            </a:extLst>
+          </p:cNvPr>
+          <p:cNvSpPr>
+            <a:spLocks noGrp="1"/>
+          </p:cNvSpPr>
+          <p:nvPr>
+            <p:ph type="body" sz="quarter" idx="21" hasCustomPrompt="1"/>
+          </p:nvPr>
+        </p:nvSpPr>
+        <p:spPr>
+          <a:xfrm>
+            <a:off x="6390122" y="5698189"/>
+            <a:ext cx="5248260" cy="374236"/>
+          </a:xfrm>
+        </p:spPr>
+        <p:txBody>
+          <a:bodyPr lIns="36000" rIns="36000" anchor="ctr" anchorCtr="0">
+            <a:normAutofit/>
+          </a:bodyPr>
+          <a:lstStyle>
+            <a:lvl1pPr marL="0" indent="0" algn="r">
+              <a:buNone/>
+              <a:defRPr sz="2000" b="1">
+                <a:solidFill>
+                  <a:schemeClr val="tx1">
+                    <a:lumMod val="75000"/>
+                  </a:schemeClr>
+                </a:solidFill>
+              </a:defRPr>
+            </a:lvl1pPr>
+          </a:lstStyle>
+          <a:p>
+            <a:pPr lvl="0"/>
+            <a:r>
+              <a:rPr lang="en-US" dirty="0"/>
+              <a:t>SoftUni Foundation</a:t>
+            </a:r>
+          </a:p>
+        </p:txBody>
+      </p:sp>
+      <p:sp>
+        <p:nvSpPr>
+          <p:cNvPr id="31" name="Author Position">
             <a:extLst>
               <a:ext uri="{FF2B5EF4-FFF2-40B4-BE49-F238E27FC236}">
                 <a16:creationId xmlns:a16="http://schemas.microsoft.com/office/drawing/2014/main" id="{3E6B87B7-9D33-4EBB-BD4F-C0436BA3FD72}"/>
@@ -3993,274 +4288,8 @@
         </p:nvSpPr>
         <p:spPr bwMode="auto">
           <a:xfrm>
-            <a:off x="8708505" y="6130863"/>
-            <a:ext cx="2951518" cy="341556"/>
-          </a:xfrm>
-          <a:prstGeom prst="rect">
-            <a:avLst/>
-          </a:prstGeom>
-          <a:noFill/>
-          <a:effectLst/>
-        </p:spPr>
-        <p:txBody>
-          <a:bodyPr wrap="square" lIns="36000" tIns="36000" rIns="36000" bIns="36000" rtlCol="0" anchor="ctr" anchorCtr="0">
-            <a:noAutofit/>
-          </a:bodyPr>
-          <a:lstStyle>
-            <a:lvl1pPr marL="0" indent="0" algn="r" rtl="0" fontAlgn="base" latinLnBrk="0">
-              <a:spcBef>
-                <a:spcPct val="0"/>
-              </a:spcBef>
-              <a:spcAft>
-                <a:spcPct val="0"/>
-              </a:spcAft>
-              <a:buNone/>
-              <a:defRPr lang="en-US" sz="1798" b="1" kern="1200" dirty="0" smtClean="0">
-                <a:solidFill>
-                  <a:schemeClr val="tx1">
-                    <a:lumMod val="75000"/>
-                  </a:schemeClr>
-                </a:solidFill>
-                <a:effectLst/>
-                <a:latin typeface="+mn-lt"/>
-                <a:ea typeface="+mn-ea"/>
-                <a:cs typeface="+mn-cs"/>
-              </a:defRPr>
-            </a:lvl1pPr>
-          </a:lstStyle>
-          <a:p>
-            <a:pPr lvl="0"/>
-            <a:r>
-              <a:rPr lang="en-US" noProof="0" dirty="0"/>
-              <a:t>Company Web Site</a:t>
-            </a:r>
-          </a:p>
-        </p:txBody>
-      </p:sp>
-      <p:sp>
-        <p:nvSpPr>
-          <p:cNvPr id="30" name="Text Placeholder Company Name">
-            <a:extLst>
-              <a:ext uri="{FF2B5EF4-FFF2-40B4-BE49-F238E27FC236}">
-                <a16:creationId xmlns:a16="http://schemas.microsoft.com/office/drawing/2014/main" id="{2EA92DCA-4DB5-4D03-ACD3-A6A296592D0C}"/>
-              </a:ext>
-            </a:extLst>
-          </p:cNvPr>
-          <p:cNvSpPr>
-            <a:spLocks noGrp="1"/>
-          </p:cNvSpPr>
-          <p:nvPr>
-            <p:ph type="body" sz="quarter" idx="17" hasCustomPrompt="1"/>
-          </p:nvPr>
-        </p:nvSpPr>
-        <p:spPr bwMode="auto">
-          <a:xfrm>
-            <a:off x="8708505" y="5756628"/>
-            <a:ext cx="2951518" cy="367080"/>
-          </a:xfrm>
-          <a:prstGeom prst="rect">
-            <a:avLst/>
-          </a:prstGeom>
-          <a:noFill/>
-          <a:effectLst/>
-        </p:spPr>
-        <p:txBody>
-          <a:bodyPr wrap="square" lIns="36000" tIns="36000" rIns="36000" bIns="36000" rtlCol="0" anchor="ctr" anchorCtr="0">
-            <a:noAutofit/>
-          </a:bodyPr>
-          <a:lstStyle>
-            <a:lvl1pPr marL="0" indent="0" algn="r" rtl="0" fontAlgn="base" latinLnBrk="0">
-              <a:spcBef>
-                <a:spcPct val="0"/>
-              </a:spcBef>
-              <a:spcAft>
-                <a:spcPct val="0"/>
-              </a:spcAft>
-              <a:buNone/>
-              <a:defRPr lang="en-US" sz="1998" b="1" kern="1200" dirty="0" smtClean="0">
-                <a:solidFill>
-                  <a:schemeClr val="tx1">
-                    <a:lumMod val="75000"/>
-                  </a:schemeClr>
-                </a:solidFill>
-                <a:effectLst/>
-                <a:latin typeface="+mn-lt"/>
-                <a:ea typeface="+mn-ea"/>
-                <a:cs typeface="+mn-cs"/>
-              </a:defRPr>
-            </a:lvl1pPr>
-          </a:lstStyle>
-          <a:p>
-            <a:pPr lvl="0"/>
-            <a:r>
-              <a:rPr lang="en-US" noProof="0" dirty="0"/>
-              <a:t>Company Name</a:t>
-            </a:r>
-          </a:p>
-        </p:txBody>
-      </p:sp>
-      <p:pic>
-        <p:nvPicPr>
-          <p:cNvPr id="35" name="Picture SoftUni Mascot" descr="SoftUni mascot">
-            <a:extLst>
-              <a:ext uri="{FF2B5EF4-FFF2-40B4-BE49-F238E27FC236}">
-                <a16:creationId xmlns:a16="http://schemas.microsoft.com/office/drawing/2014/main" id="{951E7DA9-C5F0-43D9-B013-3BDF9EEF029D}"/>
-              </a:ext>
-            </a:extLst>
-          </p:cNvPr>
-          <p:cNvPicPr>
-            <a:picLocks noChangeAspect="1"/>
-          </p:cNvPicPr>
-          <p:nvPr/>
-        </p:nvPicPr>
-        <p:blipFill rotWithShape="1">
-          <a:blip r:embed="rId3" cstate="print">
-            <a:extLst>
-              <a:ext uri="{28A0092B-C50C-407E-A947-70E740481C1C}">
-                <a14:useLocalDpi xmlns:a14="http://schemas.microsoft.com/office/drawing/2010/main" val="0"/>
-              </a:ext>
-            </a:extLst>
-          </a:blip>
-          <a:srcRect/>
-          <a:stretch/>
-        </p:blipFill>
-        <p:spPr>
-          <a:xfrm flipH="1">
-            <a:off x="8848924" y="2609644"/>
-            <a:ext cx="2788893" cy="3018284"/>
-          </a:xfrm>
-          <a:prstGeom prst="rect">
-            <a:avLst/>
-          </a:prstGeom>
-        </p:spPr>
-      </p:pic>
-      <p:pic>
-        <p:nvPicPr>
-          <p:cNvPr id="22" name="Picture Logo Software University" descr="Software University logo">
-            <a:hlinkClick r:id="rId4"/>
-            <a:extLst>
-              <a:ext uri="{FF2B5EF4-FFF2-40B4-BE49-F238E27FC236}">
-                <a16:creationId xmlns:a16="http://schemas.microsoft.com/office/drawing/2014/main" id="{F2315EB3-3FE4-4D3B-921E-5F209CEC13CB}"/>
-              </a:ext>
-            </a:extLst>
-          </p:cNvPr>
-          <p:cNvPicPr>
-            <a:picLocks noChangeAspect="1"/>
-          </p:cNvPicPr>
-          <p:nvPr userDrawn="1"/>
-        </p:nvPicPr>
-        <p:blipFill>
-          <a:blip r:embed="rId5">
-            <a:clrChange>
-              <a:clrFrom>
-                <a:srgbClr val="FFFFFF"/>
-              </a:clrFrom>
-              <a:clrTo>
-                <a:srgbClr val="FFFFFF">
-                  <a:alpha val="0"/>
-                </a:srgbClr>
-              </a:clrTo>
-            </a:clrChange>
-            <a:extLst>
-              <a:ext uri="{28A0092B-C50C-407E-A947-70E740481C1C}">
-                <a14:useLocalDpi xmlns:a14="http://schemas.microsoft.com/office/drawing/2010/main" val="0"/>
-              </a:ext>
-            </a:extLst>
-          </a:blip>
-          <a:stretch>
-            <a:fillRect/>
-          </a:stretch>
-        </p:blipFill>
-        <p:spPr>
-          <a:xfrm>
-            <a:off x="507944" y="5918567"/>
-            <a:ext cx="1830305" cy="628159"/>
-          </a:xfrm>
-          <a:prstGeom prst="rect">
-            <a:avLst/>
-          </a:prstGeom>
-        </p:spPr>
-      </p:pic>
-      <p:sp>
-        <p:nvSpPr>
-          <p:cNvPr id="40" name="Text Placeholder Author Position">
-            <a:extLst>
-              <a:ext uri="{FF2B5EF4-FFF2-40B4-BE49-F238E27FC236}">
-                <a16:creationId xmlns:a16="http://schemas.microsoft.com/office/drawing/2014/main" id="{CD940256-851E-46C8-8BFB-A5ECA6C7DA07}"/>
-              </a:ext>
-            </a:extLst>
-          </p:cNvPr>
-          <p:cNvSpPr>
-            <a:spLocks noGrp="1"/>
-          </p:cNvSpPr>
-          <p:nvPr>
-            <p:ph type="body" sz="quarter" idx="20" hasCustomPrompt="1"/>
-          </p:nvPr>
-        </p:nvSpPr>
-        <p:spPr bwMode="auto">
-          <a:xfrm>
-            <a:off x="553082" y="5344180"/>
-            <a:ext cx="2980696" cy="444793"/>
-          </a:xfrm>
-          <a:prstGeom prst="rect">
-            <a:avLst/>
-          </a:prstGeom>
-          <a:noFill/>
-          <a:effectLst/>
-        </p:spPr>
-        <p:txBody>
-          <a:bodyPr wrap="square" lIns="36000" tIns="36000" rIns="36000" bIns="36000" rtlCol="0" anchor="ctr" anchorCtr="0">
-            <a:spAutoFit/>
-          </a:bodyPr>
-          <a:lstStyle>
-            <a:lvl1pPr marL="0" indent="0" algn="l" rtl="0" fontAlgn="base" latinLnBrk="0">
-              <a:spcBef>
-                <a:spcPct val="0"/>
-              </a:spcBef>
-              <a:spcAft>
-                <a:spcPct val="0"/>
-              </a:spcAft>
-              <a:buNone/>
-              <a:defRPr lang="en-US" sz="2398" b="1" kern="1200" dirty="0" smtClean="0">
-                <a:solidFill>
-                  <a:schemeClr val="tx1"/>
-                </a:solidFill>
-                <a:effectLst/>
-                <a:latin typeface="+mn-lt"/>
-                <a:ea typeface="+mn-ea"/>
-                <a:cs typeface="+mn-cs"/>
-              </a:defRPr>
-            </a:lvl1pPr>
-          </a:lstStyle>
-          <a:p>
-            <a:pPr lvl="0"/>
-            <a:r>
-              <a:rPr lang="en-US" noProof="0" dirty="0"/>
-              <a:t>Position</a:t>
-            </a:r>
-          </a:p>
-        </p:txBody>
-      </p:sp>
-      <p:sp>
-        <p:nvSpPr>
-          <p:cNvPr id="36" name="Text Placeholder Author Name">
-            <a:extLst>
-              <a:ext uri="{FF2B5EF4-FFF2-40B4-BE49-F238E27FC236}">
-                <a16:creationId xmlns:a16="http://schemas.microsoft.com/office/drawing/2014/main" id="{3B21F47B-DE1F-442D-A2B7-6866F8786704}"/>
-              </a:ext>
-            </a:extLst>
-          </p:cNvPr>
-          <p:cNvSpPr>
-            <a:spLocks noGrp="1"/>
-          </p:cNvSpPr>
-          <p:nvPr>
-            <p:ph type="body" sz="quarter" idx="19" hasCustomPrompt="1"/>
-          </p:nvPr>
-        </p:nvSpPr>
-        <p:spPr bwMode="auto">
-          <a:xfrm>
-            <a:off x="553082" y="4851838"/>
-            <a:ext cx="2980696" cy="454398"/>
+            <a:off x="534045" y="6085863"/>
+            <a:ext cx="4751953" cy="341556"/>
           </a:xfrm>
           <a:prstGeom prst="rect">
             <a:avLst/>
@@ -4281,9 +4310,11 @@
                 <a:spcPct val="0"/>
               </a:spcAft>
               <a:buNone/>
-              <a:defRPr lang="en-US" sz="2798" b="1" kern="1200" dirty="0" smtClean="0">
+              <a:defRPr lang="en-US" sz="1800" b="0" kern="1200" dirty="0" smtClean="0">
                 <a:solidFill>
-                  <a:schemeClr val="tx1"/>
+                  <a:schemeClr val="tx1">
+                    <a:lumMod val="75000"/>
+                  </a:schemeClr>
                 </a:solidFill>
                 <a:effectLst/>
                 <a:latin typeface="+mn-lt"/>
@@ -4296,17 +4327,17 @@
             <a:pPr lvl="0"/>
             <a:r>
               <a:rPr lang="en-US" noProof="0" dirty="0"/>
-              <a:t>Author Name</a:t>
+              <a:t>URL</a:t>
             </a:r>
           </a:p>
         </p:txBody>
       </p:sp>
       <p:sp>
         <p:nvSpPr>
-          <p:cNvPr id="33" name="Picture Placeholder Title Image">
+          <p:cNvPr id="30" name="Author Name">
             <a:extLst>
               <a:ext uri="{FF2B5EF4-FFF2-40B4-BE49-F238E27FC236}">
-                <a16:creationId xmlns:a16="http://schemas.microsoft.com/office/drawing/2014/main" id="{A04D819A-89E2-4714-8C56-1838BF467EF7}"/>
+                <a16:creationId xmlns:a16="http://schemas.microsoft.com/office/drawing/2014/main" id="{2EA92DCA-4DB5-4D03-ACD3-A6A296592D0C}"/>
               </a:ext>
             </a:extLst>
           </p:cNvPr>
@@ -4314,31 +4345,51 @@
             <a:spLocks noGrp="1"/>
           </p:cNvSpPr>
           <p:nvPr>
-            <p:ph type="pic" sz="quarter" idx="10"/>
+            <p:ph type="body" sz="quarter" idx="17" hasCustomPrompt="1"/>
           </p:nvPr>
         </p:nvSpPr>
-        <p:spPr>
+        <p:spPr bwMode="auto">
           <a:xfrm>
-            <a:off x="553082" y="2740913"/>
-            <a:ext cx="4642919" cy="1936503"/>
+            <a:off x="534046" y="5251106"/>
+            <a:ext cx="4751954" cy="724904"/>
           </a:xfrm>
+          <a:prstGeom prst="rect">
+            <a:avLst/>
+          </a:prstGeom>
+          <a:noFill/>
+          <a:effectLst/>
         </p:spPr>
         <p:txBody>
-          <a:bodyPr/>
+          <a:bodyPr wrap="square" lIns="36000" tIns="36000" rIns="36000" bIns="36000" rtlCol="0" anchor="ctr" anchorCtr="0">
+            <a:noAutofit/>
+          </a:bodyPr>
           <a:lstStyle>
-            <a:lvl1pPr marL="0" indent="0" algn="ctr" latinLnBrk="0">
+            <a:lvl1pPr marL="0" indent="0" algn="l" rtl="0" fontAlgn="base" latinLnBrk="0">
+              <a:spcBef>
+                <a:spcPct val="0"/>
+              </a:spcBef>
+              <a:spcAft>
+                <a:spcPct val="0"/>
+              </a:spcAft>
               <a:buNone/>
-              <a:defRPr>
+              <a:defRPr lang="en-US" sz="2000" b="1" kern="1200" dirty="0" smtClean="0">
                 <a:solidFill>
-                  <a:schemeClr val="bg1"/>
+                  <a:schemeClr val="tx1">
+                    <a:lumMod val="75000"/>
+                  </a:schemeClr>
                 </a:solidFill>
+                <a:effectLst/>
+                <a:latin typeface="+mn-lt"/>
+                <a:ea typeface="+mn-ea"/>
+                <a:cs typeface="+mn-cs"/>
               </a:defRPr>
             </a:lvl1pPr>
           </a:lstStyle>
           <a:p>
+            <a:pPr lvl="0"/>
             <a:r>
               <a:rPr lang="en-US" noProof="0" dirty="0"/>
-              <a:t>Click icon to add picture</a:t>
+              <a:t>Authors</a:t>
             </a:r>
           </a:p>
         </p:txBody>
@@ -4361,8 +4412,8 @@
         </p:nvSpPr>
         <p:spPr>
           <a:xfrm>
-            <a:off x="554182" y="1258272"/>
-            <a:ext cx="11083636" cy="1315728"/>
+            <a:off x="554746" y="1402942"/>
+            <a:ext cx="11083636" cy="1306057"/>
           </a:xfrm>
         </p:spPr>
         <p:txBody>
@@ -4372,7 +4423,7 @@
           <a:lstStyle>
             <a:lvl1pPr marL="0" indent="0" algn="ctr" latinLnBrk="0">
               <a:buNone/>
-              <a:defRPr sz="3598">
+              <a:defRPr sz="3600">
                 <a:solidFill>
                   <a:schemeClr val="tx1"/>
                 </a:solidFill>
@@ -4405,15 +4456,17 @@
         </p:nvSpPr>
         <p:spPr>
           <a:xfrm>
-            <a:off x="554182" y="321502"/>
-            <a:ext cx="11083636" cy="882654"/>
+            <a:off x="554746" y="321501"/>
+            <a:ext cx="11083636" cy="971589"/>
           </a:xfrm>
         </p:spPr>
         <p:txBody>
-          <a:bodyPr/>
+          <a:bodyPr>
+            <a:normAutofit/>
+          </a:bodyPr>
           <a:lstStyle>
             <a:lvl1pPr algn="ctr" latinLnBrk="0">
-              <a:defRPr sz="4798"/>
+              <a:defRPr sz="5400"/>
             </a:lvl1pPr>
           </a:lstStyle>
           <a:p>
@@ -4424,10 +4477,94 @@
           </a:p>
         </p:txBody>
       </p:sp>
+      <p:pic>
+        <p:nvPicPr>
+          <p:cNvPr id="4" name="Picture 3">
+            <a:extLst>
+              <a:ext uri="{FF2B5EF4-FFF2-40B4-BE49-F238E27FC236}">
+                <a16:creationId xmlns:a16="http://schemas.microsoft.com/office/drawing/2014/main" id="{324D0DB3-F60A-469B-7831-209CB666CCE4}"/>
+              </a:ext>
+            </a:extLst>
+          </p:cNvPr>
+          <p:cNvPicPr>
+            <a:picLocks noChangeAspect="1"/>
+          </p:cNvPicPr>
+          <p:nvPr userDrawn="1"/>
+        </p:nvPicPr>
+        <p:blipFill>
+          <a:blip r:embed="rId2" cstate="print">
+            <a:extLst>
+              <a:ext uri="{28A0092B-C50C-407E-A947-70E740481C1C}">
+                <a14:useLocalDpi xmlns:a14="http://schemas.microsoft.com/office/drawing/2010/main" val="0"/>
+              </a:ext>
+            </a:extLst>
+          </a:blip>
+          <a:stretch>
+            <a:fillRect/>
+          </a:stretch>
+        </p:blipFill>
+        <p:spPr>
+          <a:xfrm>
+            <a:off x="536549" y="4325954"/>
+            <a:ext cx="2538082" cy="633046"/>
+          </a:xfrm>
+          <a:prstGeom prst="rect">
+            <a:avLst/>
+          </a:prstGeom>
+        </p:spPr>
+      </p:pic>
+      <p:pic>
+        <p:nvPicPr>
+          <p:cNvPr id="5" name="Picture 4" title="CC-BY-NC-SA License">
+            <a:hlinkClick r:id="rId3" tooltip="This work is licensed under the &quot;Creative Commons Attribution-NonCommercial-ShareAlike 4.0 International&quot; license"/>
+            <a:extLst>
+              <a:ext uri="{FF2B5EF4-FFF2-40B4-BE49-F238E27FC236}">
+                <a16:creationId xmlns:a16="http://schemas.microsoft.com/office/drawing/2014/main" id="{2D40731C-0303-A69D-63FD-E048A73CA59F}"/>
+              </a:ext>
+            </a:extLst>
+          </p:cNvPr>
+          <p:cNvPicPr>
+            <a:picLocks noChangeAspect="1" noChangeArrowheads="1"/>
+          </p:cNvPicPr>
+          <p:nvPr userDrawn="1"/>
+        </p:nvPicPr>
+        <p:blipFill>
+          <a:blip r:embed="rId4">
+            <a:extLst>
+              <a:ext uri="{28A0092B-C50C-407E-A947-70E740481C1C}">
+                <a14:useLocalDpi xmlns:a14="http://schemas.microsoft.com/office/drawing/2010/main"/>
+              </a:ext>
+            </a:extLst>
+          </a:blip>
+          <a:srcRect/>
+          <a:stretch>
+            <a:fillRect/>
+          </a:stretch>
+        </p:blipFill>
+        <p:spPr bwMode="auto">
+          <a:xfrm>
+            <a:off x="3402682" y="4321352"/>
+            <a:ext cx="1809336" cy="633045"/>
+          </a:xfrm>
+          <a:prstGeom prst="roundRect">
+            <a:avLst>
+              <a:gd name="adj" fmla="val 3940"/>
+            </a:avLst>
+          </a:prstGeom>
+          <a:solidFill>
+            <a:srgbClr val="231F20">
+              <a:alpha val="50000"/>
+            </a:srgbClr>
+          </a:solidFill>
+          <a:ln>
+            <a:noFill/>
+          </a:ln>
+        </p:spPr>
+      </p:pic>
     </p:spTree>
     <p:extLst>
       <p:ext uri="{BB962C8B-B14F-4D97-AF65-F5344CB8AC3E}">
-        <p14:creationId xmlns:p14="http://schemas.microsoft.com/office/powerpoint/2010/main" val="970179299"/>
+        <p14:creationId xmlns:p14="http://schemas.microsoft.com/office/powerpoint/2010/main" val="370654144"/>
       </p:ext>
     </p:extLst>
   </p:cSld>
@@ -4541,7 +4678,7 @@
               <a:tabLst/>
               <a:defRPr/>
             </a:pPr>
-            <a:endParaRPr kumimoji="0" lang="en-US" altLang="ko-KR" sz="2398" b="0" i="0" u="none" strike="noStrike" kern="1200" cap="none" spc="0" normalizeH="0" baseline="0" noProof="0" dirty="0">
+            <a:endParaRPr kumimoji="0" lang="en-US" altLang="ko-KR" sz="2398" b="0" i="0" u="none" strike="noStrike" kern="1200" cap="none" spc="0" normalizeH="0" baseline="0" noProof="0">
               <a:ln>
                 <a:noFill/>
               </a:ln>
@@ -4664,7 +4801,7 @@
               <a:tabLst/>
               <a:defRPr/>
             </a:pPr>
-            <a:endParaRPr kumimoji="0" lang="en-US" altLang="ko-KR" sz="2398" b="0" i="0" u="none" strike="noStrike" kern="1200" cap="none" spc="0" normalizeH="0" baseline="0" noProof="0" dirty="0">
+            <a:endParaRPr kumimoji="0" lang="en-US" altLang="ko-KR" sz="2398" b="0" i="0" u="none" strike="noStrike" kern="1200" cap="none" spc="0" normalizeH="0" baseline="0" noProof="0">
               <a:ln>
                 <a:noFill/>
               </a:ln>
@@ -4681,42 +4818,6 @@
           </a:p>
         </p:txBody>
       </p:sp>
-      <p:pic>
-        <p:nvPicPr>
-          <p:cNvPr id="12" name="Logo Software University Down" descr="Software University logo">
-            <a:extLst>
-              <a:ext uri="{FF2B5EF4-FFF2-40B4-BE49-F238E27FC236}">
-                <a16:creationId xmlns:a16="http://schemas.microsoft.com/office/drawing/2014/main" id="{7028D2F0-1E67-414B-A93D-D3F8F131A132}"/>
-              </a:ext>
-            </a:extLst>
-          </p:cNvPr>
-          <p:cNvPicPr>
-            <a:picLocks noChangeAspect="1"/>
-          </p:cNvPicPr>
-          <p:nvPr/>
-        </p:nvPicPr>
-        <p:blipFill>
-          <a:blip r:embed="rId2" cstate="print">
-            <a:extLst>
-              <a:ext uri="{28A0092B-C50C-407E-A947-70E740481C1C}">
-                <a14:useLocalDpi xmlns:a14="http://schemas.microsoft.com/office/drawing/2010/main" val="0"/>
-              </a:ext>
-            </a:extLst>
-          </a:blip>
-          <a:stretch>
-            <a:fillRect/>
-          </a:stretch>
-        </p:blipFill>
-        <p:spPr>
-          <a:xfrm>
-            <a:off x="5616551" y="5206773"/>
-            <a:ext cx="958900" cy="1184869"/>
-          </a:xfrm>
-          <a:prstGeom prst="rect">
-            <a:avLst/>
-          </a:prstGeom>
-        </p:spPr>
-      </p:pic>
       <p:sp>
         <p:nvSpPr>
           <p:cNvPr id="10" name="Text Placeholder Right">
@@ -4937,7 +5038,7 @@
               <a:tabLst/>
               <a:defRPr/>
             </a:pPr>
-            <a:endParaRPr kumimoji="0" lang="en-US" altLang="ko-KR" sz="2398" b="0" i="0" u="none" strike="noStrike" kern="1200" cap="none" spc="0" normalizeH="0" baseline="0" noProof="0" dirty="0">
+            <a:endParaRPr kumimoji="0" lang="en-US" altLang="ko-KR" sz="2398" b="0" i="0" u="none" strike="noStrike" kern="1200" cap="none" spc="0" normalizeH="0" baseline="0" noProof="0">
               <a:ln>
                 <a:noFill/>
               </a:ln>
@@ -4954,42 +5055,6 @@
           </a:p>
         </p:txBody>
       </p:sp>
-      <p:pic>
-        <p:nvPicPr>
-          <p:cNvPr id="14" name="Logo Software University" descr="Software University logo">
-            <a:extLst>
-              <a:ext uri="{FF2B5EF4-FFF2-40B4-BE49-F238E27FC236}">
-                <a16:creationId xmlns:a16="http://schemas.microsoft.com/office/drawing/2014/main" id="{19A67BB9-D880-4EAD-B90E-89C4219BFC0B}"/>
-              </a:ext>
-            </a:extLst>
-          </p:cNvPr>
-          <p:cNvPicPr>
-            <a:picLocks noChangeAspect="1"/>
-          </p:cNvPicPr>
-          <p:nvPr userDrawn="1"/>
-        </p:nvPicPr>
-        <p:blipFill>
-          <a:blip r:embed="rId3">
-            <a:extLst>
-              <a:ext uri="{28A0092B-C50C-407E-A947-70E740481C1C}">
-                <a14:useLocalDpi xmlns:a14="http://schemas.microsoft.com/office/drawing/2010/main" val="0"/>
-              </a:ext>
-            </a:extLst>
-          </a:blip>
-          <a:stretch>
-            <a:fillRect/>
-          </a:stretch>
-        </p:blipFill>
-        <p:spPr>
-          <a:xfrm>
-            <a:off x="10067957" y="253936"/>
-            <a:ext cx="1915704" cy="559235"/>
-          </a:xfrm>
-          <a:prstGeom prst="rect">
-            <a:avLst/>
-          </a:prstGeom>
-        </p:spPr>
-      </p:pic>
       <p:sp>
         <p:nvSpPr>
           <p:cNvPr id="15" name="Slide Title">
@@ -5008,8 +5073,8 @@
         </p:nvSpPr>
         <p:spPr>
           <a:xfrm>
-            <a:off x="190406" y="100750"/>
-            <a:ext cx="9715594" cy="882654"/>
+            <a:off x="190405" y="100750"/>
+            <a:ext cx="10270595" cy="882654"/>
           </a:xfrm>
         </p:spPr>
         <p:txBody>
@@ -5031,6 +5096,72 @@
           </a:p>
         </p:txBody>
       </p:sp>
+      <p:pic>
+        <p:nvPicPr>
+          <p:cNvPr id="8" name="Picture 7">
+            <a:extLst>
+              <a:ext uri="{FF2B5EF4-FFF2-40B4-BE49-F238E27FC236}">
+                <a16:creationId xmlns:a16="http://schemas.microsoft.com/office/drawing/2014/main" id="{2C9792D8-D354-4699-B7D6-B8CB7F77594F}"/>
+              </a:ext>
+            </a:extLst>
+          </p:cNvPr>
+          <p:cNvPicPr>
+            <a:picLocks noChangeAspect="1"/>
+          </p:cNvPicPr>
+          <p:nvPr userDrawn="1"/>
+        </p:nvPicPr>
+        <p:blipFill>
+          <a:blip r:embed="rId2"/>
+          <a:stretch>
+            <a:fillRect/>
+          </a:stretch>
+        </p:blipFill>
+        <p:spPr>
+          <a:xfrm>
+            <a:off x="5398753" y="5340443"/>
+            <a:ext cx="1334859" cy="982867"/>
+          </a:xfrm>
+          <a:prstGeom prst="rect">
+            <a:avLst/>
+          </a:prstGeom>
+        </p:spPr>
+      </p:pic>
+      <p:pic>
+        <p:nvPicPr>
+          <p:cNvPr id="3" name="Picture 2">
+            <a:extLst>
+              <a:ext uri="{FF2B5EF4-FFF2-40B4-BE49-F238E27FC236}">
+                <a16:creationId xmlns:a16="http://schemas.microsoft.com/office/drawing/2014/main" id="{B6351E19-25DA-EAD2-9FBE-358B6135D728}"/>
+              </a:ext>
+            </a:extLst>
+          </p:cNvPr>
+          <p:cNvPicPr>
+            <a:picLocks noChangeAspect="1"/>
+          </p:cNvPicPr>
+          <p:nvPr userDrawn="1"/>
+        </p:nvPicPr>
+        <p:blipFill>
+          <a:blip r:embed="rId3" cstate="print">
+            <a:extLst>
+              <a:ext uri="{28A0092B-C50C-407E-A947-70E740481C1C}">
+                <a14:useLocalDpi xmlns:a14="http://schemas.microsoft.com/office/drawing/2010/main" val="0"/>
+              </a:ext>
+            </a:extLst>
+          </a:blip>
+          <a:stretch>
+            <a:fillRect/>
+          </a:stretch>
+        </p:blipFill>
+        <p:spPr>
+          <a:xfrm>
+            <a:off x="10553573" y="368999"/>
+            <a:ext cx="1443361" cy="360001"/>
+          </a:xfrm>
+          <a:prstGeom prst="rect">
+            <a:avLst/>
+          </a:prstGeom>
+        </p:spPr>
+      </p:pic>
     </p:spTree>
     <p:extLst>
       <p:ext uri="{BB962C8B-B14F-4D97-AF65-F5344CB8AC3E}">
@@ -5123,7 +5254,7 @@
               <a:pPr/>
               <a:t>‹#›</a:t>
             </a:fld>
-            <a:endParaRPr lang="en-US" noProof="0" dirty="0"/>
+            <a:endParaRPr lang="en-US" noProof="0"/>
           </a:p>
         </p:txBody>
       </p:sp>
@@ -5277,7 +5408,7 @@
           </a:lstStyle>
           <a:p>
             <a:r>
-              <a:rPr lang="en-US" altLang="ko-KR" noProof="0" dirty="0"/>
+              <a:rPr lang="en-US" altLang="ko-KR" noProof="0"/>
               <a:t>Your Picture Here</a:t>
             </a:r>
           </a:p>
@@ -5341,7 +5472,7 @@
               <a:tabLst/>
               <a:defRPr/>
             </a:pPr>
-            <a:endParaRPr kumimoji="0" lang="en-US" altLang="ko-KR" sz="2398" b="0" i="0" u="none" strike="noStrike" kern="1200" cap="none" spc="0" normalizeH="0" baseline="0" noProof="0" dirty="0">
+            <a:endParaRPr kumimoji="0" lang="en-US" altLang="ko-KR" sz="2398" b="0" i="0" u="none" strike="noStrike" kern="1200" cap="none" spc="0" normalizeH="0" baseline="0" noProof="0">
               <a:ln>
                 <a:noFill/>
               </a:ln>
@@ -5416,7 +5547,7 @@
               <a:tabLst/>
               <a:defRPr/>
             </a:pPr>
-            <a:endParaRPr kumimoji="0" lang="en-US" altLang="ko-KR" sz="2398" b="0" i="0" u="none" strike="noStrike" kern="1200" cap="none" spc="0" normalizeH="0" baseline="0" noProof="0" dirty="0">
+            <a:endParaRPr kumimoji="0" lang="en-US" altLang="ko-KR" sz="2398" b="0" i="0" u="none" strike="noStrike" kern="1200" cap="none" spc="0" normalizeH="0" baseline="0" noProof="0">
               <a:ln>
                 <a:noFill/>
               </a:ln>
@@ -5497,7 +5628,7 @@
               <a:tabLst/>
               <a:defRPr/>
             </a:pPr>
-            <a:endParaRPr kumimoji="0" lang="en-US" altLang="ko-KR" sz="2398" b="0" i="0" u="none" strike="noStrike" kern="1200" cap="none" spc="0" normalizeH="0" baseline="0" noProof="0" dirty="0">
+            <a:endParaRPr kumimoji="0" lang="en-US" altLang="ko-KR" sz="2398" b="0" i="0" u="none" strike="noStrike" kern="1200" cap="none" spc="0" normalizeH="0" baseline="0" noProof="0">
               <a:ln>
                 <a:noFill/>
               </a:ln>
@@ -5578,7 +5709,7 @@
               <a:tabLst/>
               <a:defRPr/>
             </a:pPr>
-            <a:endParaRPr kumimoji="0" lang="en-US" altLang="ko-KR" sz="2398" b="0" i="0" u="none" strike="noStrike" kern="1200" cap="none" spc="0" normalizeH="0" baseline="0" noProof="0" dirty="0">
+            <a:endParaRPr kumimoji="0" lang="en-US" altLang="ko-KR" sz="2398" b="0" i="0" u="none" strike="noStrike" kern="1200" cap="none" spc="0" normalizeH="0" baseline="0" noProof="0">
               <a:ln>
                 <a:noFill/>
               </a:ln>
@@ -5595,42 +5726,6 @@
           </a:p>
         </p:txBody>
       </p:sp>
-      <p:pic>
-        <p:nvPicPr>
-          <p:cNvPr id="12" name="Logo Software University" descr="Software University logo">
-            <a:extLst>
-              <a:ext uri="{FF2B5EF4-FFF2-40B4-BE49-F238E27FC236}">
-                <a16:creationId xmlns:a16="http://schemas.microsoft.com/office/drawing/2014/main" id="{233CBB95-791E-4630-B3D9-FADFCE7BCF52}"/>
-              </a:ext>
-            </a:extLst>
-          </p:cNvPr>
-          <p:cNvPicPr>
-            <a:picLocks noChangeAspect="1"/>
-          </p:cNvPicPr>
-          <p:nvPr userDrawn="1"/>
-        </p:nvPicPr>
-        <p:blipFill>
-          <a:blip r:embed="rId2">
-            <a:extLst>
-              <a:ext uri="{28A0092B-C50C-407E-A947-70E740481C1C}">
-                <a14:useLocalDpi xmlns:a14="http://schemas.microsoft.com/office/drawing/2010/main" val="0"/>
-              </a:ext>
-            </a:extLst>
-          </a:blip>
-          <a:stretch>
-            <a:fillRect/>
-          </a:stretch>
-        </p:blipFill>
-        <p:spPr>
-          <a:xfrm>
-            <a:off x="10067957" y="253936"/>
-            <a:ext cx="1915704" cy="559235"/>
-          </a:xfrm>
-          <a:prstGeom prst="rect">
-            <a:avLst/>
-          </a:prstGeom>
-        </p:spPr>
-      </p:pic>
       <p:sp>
         <p:nvSpPr>
           <p:cNvPr id="13" name="Slide Title">
@@ -5650,7 +5745,7 @@
         <p:spPr>
           <a:xfrm>
             <a:off x="190406" y="100750"/>
-            <a:ext cx="9715594" cy="882654"/>
+            <a:ext cx="10270594" cy="882654"/>
           </a:xfrm>
         </p:spPr>
         <p:txBody>
@@ -5672,6 +5767,42 @@
           </a:p>
         </p:txBody>
       </p:sp>
+      <p:pic>
+        <p:nvPicPr>
+          <p:cNvPr id="4" name="Picture 3">
+            <a:extLst>
+              <a:ext uri="{FF2B5EF4-FFF2-40B4-BE49-F238E27FC236}">
+                <a16:creationId xmlns:a16="http://schemas.microsoft.com/office/drawing/2014/main" id="{42F3DB3E-BDAA-8201-9A01-2F52640A84CA}"/>
+              </a:ext>
+            </a:extLst>
+          </p:cNvPr>
+          <p:cNvPicPr>
+            <a:picLocks noChangeAspect="1"/>
+          </p:cNvPicPr>
+          <p:nvPr userDrawn="1"/>
+        </p:nvPicPr>
+        <p:blipFill>
+          <a:blip r:embed="rId2" cstate="print">
+            <a:extLst>
+              <a:ext uri="{28A0092B-C50C-407E-A947-70E740481C1C}">
+                <a14:useLocalDpi xmlns:a14="http://schemas.microsoft.com/office/drawing/2010/main" val="0"/>
+              </a:ext>
+            </a:extLst>
+          </a:blip>
+          <a:stretch>
+            <a:fillRect/>
+          </a:stretch>
+        </p:blipFill>
+        <p:spPr>
+          <a:xfrm>
+            <a:off x="10553573" y="368999"/>
+            <a:ext cx="1443361" cy="360001"/>
+          </a:xfrm>
+          <a:prstGeom prst="rect">
+            <a:avLst/>
+          </a:prstGeom>
+        </p:spPr>
+      </p:pic>
     </p:spTree>
     <p:extLst>
       <p:ext uri="{BB962C8B-B14F-4D97-AF65-F5344CB8AC3E}">
@@ -5782,7 +5913,7 @@
               <a:tabLst/>
               <a:defRPr/>
             </a:pPr>
-            <a:endParaRPr kumimoji="0" lang="en-US" altLang="ko-KR" sz="2398" b="0" i="0" u="none" strike="noStrike" kern="1200" cap="none" spc="0" normalizeH="0" baseline="0" noProof="0" dirty="0">
+            <a:endParaRPr kumimoji="0" lang="en-US" altLang="ko-KR" sz="2398" b="0" i="0" u="none" strike="noStrike" kern="1200" cap="none" spc="0" normalizeH="0" baseline="0" noProof="0">
               <a:ln>
                 <a:noFill/>
               </a:ln>
@@ -5801,714 +5932,10 @@
       </p:sp>
       <p:sp>
         <p:nvSpPr>
-          <p:cNvPr id="53" name="Rectangle Bottom Copyright">
+          <p:cNvPr id="3" name="Title 2">
             <a:extLst>
               <a:ext uri="{FF2B5EF4-FFF2-40B4-BE49-F238E27FC236}">
-                <a16:creationId xmlns:a16="http://schemas.microsoft.com/office/drawing/2014/main" id="{B07FB7FB-DA6C-4F5D-B068-357F0FCE27D8}"/>
-              </a:ext>
-            </a:extLst>
-          </p:cNvPr>
-          <p:cNvSpPr/>
-          <p:nvPr userDrawn="1"/>
-        </p:nvSpPr>
-        <p:spPr>
-          <a:xfrm>
-            <a:off x="111000" y="6454758"/>
-            <a:ext cx="11970000" cy="258449"/>
-          </a:xfrm>
-          <a:prstGeom prst="rect">
-            <a:avLst/>
-          </a:prstGeom>
-        </p:spPr>
-        <p:txBody>
-          <a:bodyPr wrap="square">
-            <a:noAutofit/>
-          </a:bodyPr>
-          <a:lstStyle/>
-          <a:p>
-            <a:pPr algn="ctr">
-              <a:lnSpc>
-                <a:spcPct val="100000"/>
-              </a:lnSpc>
-              <a:spcBef>
-                <a:spcPts val="0"/>
-              </a:spcBef>
-              <a:spcAft>
-                <a:spcPts val="0"/>
-              </a:spcAft>
-            </a:pPr>
-            <a:r>
-              <a:rPr lang="en-US" sz="1600" noProof="0" dirty="0">
-                <a:solidFill>
-                  <a:schemeClr val="bg2"/>
-                </a:solidFill>
-                <a:effectLst/>
-                <a:latin typeface="Calibri" panose="020F0502020204030204" pitchFamily="34" charset="0"/>
-                <a:ea typeface="Calibri" panose="020F0502020204030204" pitchFamily="34" charset="0"/>
-                <a:cs typeface="Arial" panose="020B0604020202020204" pitchFamily="34" charset="0"/>
-              </a:rPr>
-              <a:t>© SoftUni – </a:t>
-            </a:r>
-            <a:r>
-              <a:rPr lang="en-US" sz="1600" u="sng" noProof="0" dirty="0">
-                <a:solidFill>
-                  <a:schemeClr val="bg2"/>
-                </a:solidFill>
-                <a:effectLst/>
-                <a:latin typeface="Calibri" panose="020F0502020204030204" pitchFamily="34" charset="0"/>
-                <a:ea typeface="Calibri" panose="020F0502020204030204" pitchFamily="34" charset="0"/>
-                <a:cs typeface="Arial" panose="020B0604020202020204" pitchFamily="34" charset="0"/>
-                <a:hlinkClick r:id="rId2">
-                  <a:extLst>
-                    <a:ext uri="{A12FA001-AC4F-418D-AE19-62706E023703}">
-                      <ahyp:hlinkClr xmlns:ahyp="http://schemas.microsoft.com/office/drawing/2018/hyperlinkcolor" val="tx"/>
-                    </a:ext>
-                  </a:extLst>
-                </a:hlinkClick>
-              </a:rPr>
-              <a:t>https://softuni.org</a:t>
-            </a:r>
-            <a:r>
-              <a:rPr lang="en-US" sz="1600" noProof="0" dirty="0">
-                <a:solidFill>
-                  <a:schemeClr val="bg2"/>
-                </a:solidFill>
-                <a:effectLst/>
-                <a:latin typeface="Calibri" panose="020F0502020204030204" pitchFamily="34" charset="0"/>
-                <a:ea typeface="Calibri" panose="020F0502020204030204" pitchFamily="34" charset="0"/>
-                <a:cs typeface="Arial" panose="020B0604020202020204" pitchFamily="34" charset="0"/>
-              </a:rPr>
-              <a:t>. Copyrighted document. Unauthorized copy, reproduction or use is not permitted.</a:t>
-            </a:r>
-            <a:endParaRPr lang="en-US" sz="2400" noProof="0" dirty="0">
-              <a:solidFill>
-                <a:schemeClr val="bg2"/>
-              </a:solidFill>
-              <a:effectLst/>
-              <a:latin typeface="Calibri" panose="020F0502020204030204" pitchFamily="34" charset="0"/>
-              <a:ea typeface="Calibri" panose="020F0502020204030204" pitchFamily="34" charset="0"/>
-              <a:cs typeface="Arial" panose="020B0604020202020204" pitchFamily="34" charset="0"/>
-            </a:endParaRPr>
-          </a:p>
-        </p:txBody>
-      </p:sp>
-      <p:pic>
-        <p:nvPicPr>
-          <p:cNvPr id="26" name="Picture SoftUni Mascot" descr="SoftUni mascot with open hand">
-            <a:extLst>
-              <a:ext uri="{FF2B5EF4-FFF2-40B4-BE49-F238E27FC236}">
-                <a16:creationId xmlns:a16="http://schemas.microsoft.com/office/drawing/2014/main" id="{247CFF3C-C4FA-493D-8505-DF469F4D36A4}"/>
-              </a:ext>
-            </a:extLst>
-          </p:cNvPr>
-          <p:cNvPicPr>
-            <a:picLocks noChangeAspect="1"/>
-          </p:cNvPicPr>
-          <p:nvPr/>
-        </p:nvPicPr>
-        <p:blipFill>
-          <a:blip r:embed="rId3" cstate="print">
-            <a:extLst>
-              <a:ext uri="{28A0092B-C50C-407E-A947-70E740481C1C}">
-                <a14:useLocalDpi xmlns:a14="http://schemas.microsoft.com/office/drawing/2010/main" val="0"/>
-              </a:ext>
-            </a:extLst>
-          </a:blip>
-          <a:stretch>
-            <a:fillRect/>
-          </a:stretch>
-        </p:blipFill>
-        <p:spPr>
-          <a:xfrm>
-            <a:off x="642586" y="2898830"/>
-            <a:ext cx="2451608" cy="2959741"/>
-          </a:xfrm>
-          <a:prstGeom prst="rect">
-            <a:avLst/>
-          </a:prstGeom>
-        </p:spPr>
-      </p:pic>
-      <p:grpSp>
-        <p:nvGrpSpPr>
-          <p:cNvPr id="2" name="Group SoftUni Brands">
-            <a:extLst>
-              <a:ext uri="{FF2B5EF4-FFF2-40B4-BE49-F238E27FC236}">
-                <a16:creationId xmlns:a16="http://schemas.microsoft.com/office/drawing/2014/main" id="{418FAE34-C1F8-46C7-A4AE-F270D1E70F25}"/>
-              </a:ext>
-            </a:extLst>
-          </p:cNvPr>
-          <p:cNvGrpSpPr/>
-          <p:nvPr userDrawn="1"/>
-        </p:nvGrpSpPr>
-        <p:grpSpPr>
-          <a:xfrm>
-            <a:off x="3332216" y="1702473"/>
-            <a:ext cx="8314909" cy="3543782"/>
-            <a:chOff x="3332216" y="1702473"/>
-            <a:chExt cx="8314909" cy="3543782"/>
-          </a:xfrm>
-        </p:grpSpPr>
-        <p:pic>
-          <p:nvPicPr>
-            <p:cNvPr id="24" name="Picture SoftUni Kids Logo" descr="SoftUni Kids logo">
-              <a:extLst>
-                <a:ext uri="{FF2B5EF4-FFF2-40B4-BE49-F238E27FC236}">
-                  <a16:creationId xmlns:a16="http://schemas.microsoft.com/office/drawing/2014/main" id="{B0812936-74B6-4265-8C08-AEDC8C798702}"/>
-                </a:ext>
-              </a:extLst>
-            </p:cNvPr>
-            <p:cNvPicPr>
-              <a:picLocks noChangeAspect="1"/>
-            </p:cNvPicPr>
-            <p:nvPr/>
-          </p:nvPicPr>
-          <p:blipFill>
-            <a:blip r:embed="rId4" cstate="print">
-              <a:extLst>
-                <a:ext uri="{28A0092B-C50C-407E-A947-70E740481C1C}">
-                  <a14:useLocalDpi xmlns:a14="http://schemas.microsoft.com/office/drawing/2010/main" val="0"/>
-                </a:ext>
-              </a:extLst>
-            </a:blip>
-            <a:stretch>
-              <a:fillRect/>
-            </a:stretch>
-          </p:blipFill>
-          <p:spPr>
-            <a:xfrm>
-              <a:off x="10516883" y="3776294"/>
-              <a:ext cx="1130242" cy="1389256"/>
-            </a:xfrm>
-            <a:prstGeom prst="rect">
-              <a:avLst/>
-            </a:prstGeom>
-          </p:spPr>
-        </p:pic>
-        <p:pic>
-          <p:nvPicPr>
-            <p:cNvPr id="23" name="Picture SoftUni Foundation Logo" descr="SoftUni Foundation logo">
-              <a:extLst>
-                <a:ext uri="{FF2B5EF4-FFF2-40B4-BE49-F238E27FC236}">
-                  <a16:creationId xmlns:a16="http://schemas.microsoft.com/office/drawing/2014/main" id="{6643F71A-2013-433A-8322-FBAAED3162D8}"/>
-                </a:ext>
-              </a:extLst>
-            </p:cNvPr>
-            <p:cNvPicPr>
-              <a:picLocks noChangeAspect="1"/>
-            </p:cNvPicPr>
-            <p:nvPr userDrawn="1"/>
-          </p:nvPicPr>
-          <p:blipFill>
-            <a:blip r:embed="rId5" cstate="print">
-              <a:extLst>
-                <a:ext uri="{28A0092B-C50C-407E-A947-70E740481C1C}">
-                  <a14:useLocalDpi xmlns:a14="http://schemas.microsoft.com/office/drawing/2010/main" val="0"/>
-                </a:ext>
-              </a:extLst>
-            </a:blip>
-            <a:stretch>
-              <a:fillRect/>
-            </a:stretch>
-          </p:blipFill>
-          <p:spPr>
-            <a:xfrm>
-              <a:off x="9053913" y="3788231"/>
-              <a:ext cx="1166400" cy="1350756"/>
-            </a:xfrm>
-            <a:prstGeom prst="rect">
-              <a:avLst/>
-            </a:prstGeom>
-          </p:spPr>
-        </p:pic>
-        <p:pic>
-          <p:nvPicPr>
-            <p:cNvPr id="22" name="Picture SoftUni Digital Logo" descr="SoftUni Digital logo">
-              <a:extLst>
-                <a:ext uri="{FF2B5EF4-FFF2-40B4-BE49-F238E27FC236}">
-                  <a16:creationId xmlns:a16="http://schemas.microsoft.com/office/drawing/2014/main" id="{0A83D66F-855B-463B-920B-BF239B01A206}"/>
-                </a:ext>
-              </a:extLst>
-            </p:cNvPr>
-            <p:cNvPicPr>
-              <a:picLocks noChangeAspect="1"/>
-            </p:cNvPicPr>
-            <p:nvPr userDrawn="1"/>
-          </p:nvPicPr>
-          <p:blipFill>
-            <a:blip r:embed="rId6" cstate="print">
-              <a:extLst>
-                <a:ext uri="{28A0092B-C50C-407E-A947-70E740481C1C}">
-                  <a14:useLocalDpi xmlns:a14="http://schemas.microsoft.com/office/drawing/2010/main" val="0"/>
-                </a:ext>
-              </a:extLst>
-            </a:blip>
-            <a:stretch>
-              <a:fillRect/>
-            </a:stretch>
-          </p:blipFill>
-          <p:spPr>
-            <a:xfrm>
-              <a:off x="7657695" y="3789000"/>
-              <a:ext cx="1084614" cy="1457255"/>
-            </a:xfrm>
-            <a:prstGeom prst="rect">
-              <a:avLst/>
-            </a:prstGeom>
-          </p:spPr>
-        </p:pic>
-        <p:pic>
-          <p:nvPicPr>
-            <p:cNvPr id="21" name="Picture SoftUni Creative Logo" descr="SoftUni Creative logo">
-              <a:extLst>
-                <a:ext uri="{FF2B5EF4-FFF2-40B4-BE49-F238E27FC236}">
-                  <a16:creationId xmlns:a16="http://schemas.microsoft.com/office/drawing/2014/main" id="{EA755AAE-BA08-481C-9224-0061170EE4B8}"/>
-                </a:ext>
-              </a:extLst>
-            </p:cNvPr>
-            <p:cNvPicPr>
-              <a:picLocks noChangeAspect="1"/>
-            </p:cNvPicPr>
-            <p:nvPr/>
-          </p:nvPicPr>
-          <p:blipFill>
-            <a:blip r:embed="rId7" cstate="print">
-              <a:extLst>
-                <a:ext uri="{28A0092B-C50C-407E-A947-70E740481C1C}">
-                  <a14:useLocalDpi xmlns:a14="http://schemas.microsoft.com/office/drawing/2010/main" val="0"/>
-                </a:ext>
-              </a:extLst>
-            </a:blip>
-            <a:stretch>
-              <a:fillRect/>
-            </a:stretch>
-          </p:blipFill>
-          <p:spPr>
-            <a:xfrm>
-              <a:off x="6173913" y="3776293"/>
-              <a:ext cx="1166400" cy="1389257"/>
-            </a:xfrm>
-            <a:prstGeom prst="rect">
-              <a:avLst/>
-            </a:prstGeom>
-          </p:spPr>
-        </p:pic>
-        <p:pic>
-          <p:nvPicPr>
-            <p:cNvPr id="20" name="Picture SoftUni Svetlina Logo" descr="SoftUni Svetlina logo">
-              <a:extLst>
-                <a:ext uri="{FF2B5EF4-FFF2-40B4-BE49-F238E27FC236}">
-                  <a16:creationId xmlns:a16="http://schemas.microsoft.com/office/drawing/2014/main" id="{827D15FD-4C66-4B85-98E6-7826AA8F61C6}"/>
-                </a:ext>
-              </a:extLst>
-            </p:cNvPr>
-            <p:cNvPicPr>
-              <a:picLocks noChangeAspect="1"/>
-            </p:cNvPicPr>
-            <p:nvPr/>
-          </p:nvPicPr>
-          <p:blipFill>
-            <a:blip r:embed="rId8">
-              <a:extLst>
-                <a:ext uri="{28A0092B-C50C-407E-A947-70E740481C1C}">
-                  <a14:useLocalDpi xmlns:a14="http://schemas.microsoft.com/office/drawing/2010/main" val="0"/>
-                </a:ext>
-              </a:extLst>
-            </a:blip>
-            <a:stretch>
-              <a:fillRect/>
-            </a:stretch>
-          </p:blipFill>
-          <p:spPr>
-            <a:xfrm>
-              <a:off x="4735029" y="3776293"/>
-              <a:ext cx="1166400" cy="1402229"/>
-            </a:xfrm>
-            <a:prstGeom prst="rect">
-              <a:avLst/>
-            </a:prstGeom>
-          </p:spPr>
-        </p:pic>
-        <p:pic>
-          <p:nvPicPr>
-            <p:cNvPr id="25" name="Picture Software University Logo" descr="Software University logo">
-              <a:extLst>
-                <a:ext uri="{FF2B5EF4-FFF2-40B4-BE49-F238E27FC236}">
-                  <a16:creationId xmlns:a16="http://schemas.microsoft.com/office/drawing/2014/main" id="{C74C190C-5856-41B9-8819-AE8DE0E10980}"/>
-                </a:ext>
-              </a:extLst>
-            </p:cNvPr>
-            <p:cNvPicPr>
-              <a:picLocks noChangeAspect="1"/>
-            </p:cNvPicPr>
-            <p:nvPr/>
-          </p:nvPicPr>
-          <p:blipFill>
-            <a:blip r:embed="rId9" cstate="print">
-              <a:extLst>
-                <a:ext uri="{28A0092B-C50C-407E-A947-70E740481C1C}">
-                  <a14:useLocalDpi xmlns:a14="http://schemas.microsoft.com/office/drawing/2010/main" val="0"/>
-                </a:ext>
-              </a:extLst>
-            </a:blip>
-            <a:stretch>
-              <a:fillRect/>
-            </a:stretch>
-          </p:blipFill>
-          <p:spPr>
-            <a:xfrm>
-              <a:off x="3332216" y="3776295"/>
-              <a:ext cx="1164654" cy="1440000"/>
-            </a:xfrm>
-            <a:prstGeom prst="rect">
-              <a:avLst/>
-            </a:prstGeom>
-          </p:spPr>
-        </p:pic>
-        <p:cxnSp>
-          <p:nvCxnSpPr>
-            <p:cNvPr id="33" name="Straight Connector 6">
-              <a:extLst>
-                <a:ext uri="{FF2B5EF4-FFF2-40B4-BE49-F238E27FC236}">
-                  <a16:creationId xmlns:a16="http://schemas.microsoft.com/office/drawing/2014/main" id="{5C63D1E8-4A92-4691-8A24-A2FC7E8008E5}"/>
-                </a:ext>
-              </a:extLst>
-            </p:cNvPr>
-            <p:cNvCxnSpPr>
-              <a:cxnSpLocks/>
-            </p:cNvCxnSpPr>
-            <p:nvPr userDrawn="1"/>
-          </p:nvCxnSpPr>
-          <p:spPr>
-            <a:xfrm>
-              <a:off x="11077113" y="3335565"/>
-              <a:ext cx="0" cy="236220"/>
-            </a:xfrm>
-            <a:prstGeom prst="line">
-              <a:avLst/>
-            </a:prstGeom>
-            <a:ln w="25400"/>
-          </p:spPr>
-          <p:style>
-            <a:lnRef idx="1">
-              <a:schemeClr val="accent1"/>
-            </a:lnRef>
-            <a:fillRef idx="0">
-              <a:schemeClr val="accent1"/>
-            </a:fillRef>
-            <a:effectRef idx="0">
-              <a:schemeClr val="accent1"/>
-            </a:effectRef>
-            <a:fontRef idx="minor">
-              <a:schemeClr val="tx1"/>
-            </a:fontRef>
-          </p:style>
-        </p:cxnSp>
-        <p:cxnSp>
-          <p:nvCxnSpPr>
-            <p:cNvPr id="32" name="Straight Connector 5">
-              <a:extLst>
-                <a:ext uri="{FF2B5EF4-FFF2-40B4-BE49-F238E27FC236}">
-                  <a16:creationId xmlns:a16="http://schemas.microsoft.com/office/drawing/2014/main" id="{6E91D320-3732-40B8-864D-142D0A277ED1}"/>
-                </a:ext>
-              </a:extLst>
-            </p:cNvPr>
-            <p:cNvCxnSpPr>
-              <a:cxnSpLocks/>
-            </p:cNvCxnSpPr>
-            <p:nvPr userDrawn="1"/>
-          </p:nvCxnSpPr>
-          <p:spPr>
-            <a:xfrm>
-              <a:off x="9637113" y="3329215"/>
-              <a:ext cx="0" cy="236220"/>
-            </a:xfrm>
-            <a:prstGeom prst="line">
-              <a:avLst/>
-            </a:prstGeom>
-            <a:ln w="25400"/>
-          </p:spPr>
-          <p:style>
-            <a:lnRef idx="1">
-              <a:schemeClr val="accent1"/>
-            </a:lnRef>
-            <a:fillRef idx="0">
-              <a:schemeClr val="accent1"/>
-            </a:fillRef>
-            <a:effectRef idx="0">
-              <a:schemeClr val="accent1"/>
-            </a:effectRef>
-            <a:fontRef idx="minor">
-              <a:schemeClr val="tx1"/>
-            </a:fontRef>
-          </p:style>
-        </p:cxnSp>
-        <p:cxnSp>
-          <p:nvCxnSpPr>
-            <p:cNvPr id="31" name="Straight Connector 4">
-              <a:extLst>
-                <a:ext uri="{FF2B5EF4-FFF2-40B4-BE49-F238E27FC236}">
-                  <a16:creationId xmlns:a16="http://schemas.microsoft.com/office/drawing/2014/main" id="{299ABE09-E33C-46B7-A80D-7BF4A6956211}"/>
-                </a:ext>
-              </a:extLst>
-            </p:cNvPr>
-            <p:cNvCxnSpPr/>
-            <p:nvPr userDrawn="1"/>
-          </p:nvCxnSpPr>
-          <p:spPr>
-            <a:xfrm>
-              <a:off x="8197113" y="3329215"/>
-              <a:ext cx="0" cy="236220"/>
-            </a:xfrm>
-            <a:prstGeom prst="line">
-              <a:avLst/>
-            </a:prstGeom>
-            <a:ln w="25400"/>
-          </p:spPr>
-          <p:style>
-            <a:lnRef idx="1">
-              <a:schemeClr val="accent1"/>
-            </a:lnRef>
-            <a:fillRef idx="0">
-              <a:schemeClr val="accent1"/>
-            </a:fillRef>
-            <a:effectRef idx="0">
-              <a:schemeClr val="accent1"/>
-            </a:effectRef>
-            <a:fontRef idx="minor">
-              <a:schemeClr val="tx1"/>
-            </a:fontRef>
-          </p:style>
-        </p:cxnSp>
-        <p:cxnSp>
-          <p:nvCxnSpPr>
-            <p:cNvPr id="30" name="Straight Connector 3">
-              <a:extLst>
-                <a:ext uri="{FF2B5EF4-FFF2-40B4-BE49-F238E27FC236}">
-                  <a16:creationId xmlns:a16="http://schemas.microsoft.com/office/drawing/2014/main" id="{93DDBF37-0764-47AA-94E3-9A44F3ED8FB5}"/>
-                </a:ext>
-              </a:extLst>
-            </p:cNvPr>
-            <p:cNvCxnSpPr/>
-            <p:nvPr userDrawn="1"/>
-          </p:nvCxnSpPr>
-          <p:spPr>
-            <a:xfrm>
-              <a:off x="6757113" y="3329215"/>
-              <a:ext cx="0" cy="236220"/>
-            </a:xfrm>
-            <a:prstGeom prst="line">
-              <a:avLst/>
-            </a:prstGeom>
-            <a:ln w="25400"/>
-          </p:spPr>
-          <p:style>
-            <a:lnRef idx="1">
-              <a:schemeClr val="accent1"/>
-            </a:lnRef>
-            <a:fillRef idx="0">
-              <a:schemeClr val="accent1"/>
-            </a:fillRef>
-            <a:effectRef idx="0">
-              <a:schemeClr val="accent1"/>
-            </a:effectRef>
-            <a:fontRef idx="minor">
-              <a:schemeClr val="tx1"/>
-            </a:fontRef>
-          </p:style>
-        </p:cxnSp>
-        <p:cxnSp>
-          <p:nvCxnSpPr>
-            <p:cNvPr id="29" name="Straight Connector 2">
-              <a:extLst>
-                <a:ext uri="{FF2B5EF4-FFF2-40B4-BE49-F238E27FC236}">
-                  <a16:creationId xmlns:a16="http://schemas.microsoft.com/office/drawing/2014/main" id="{72BFE2F3-0845-4E5B-9375-E9D4027DD675}"/>
-                </a:ext>
-              </a:extLst>
-            </p:cNvPr>
-            <p:cNvCxnSpPr/>
-            <p:nvPr userDrawn="1"/>
-          </p:nvCxnSpPr>
-          <p:spPr>
-            <a:xfrm>
-              <a:off x="5309913" y="3335565"/>
-              <a:ext cx="0" cy="236220"/>
-            </a:xfrm>
-            <a:prstGeom prst="line">
-              <a:avLst/>
-            </a:prstGeom>
-            <a:ln w="25400"/>
-          </p:spPr>
-          <p:style>
-            <a:lnRef idx="1">
-              <a:schemeClr val="accent1"/>
-            </a:lnRef>
-            <a:fillRef idx="0">
-              <a:schemeClr val="accent1"/>
-            </a:fillRef>
-            <a:effectRef idx="0">
-              <a:schemeClr val="accent1"/>
-            </a:effectRef>
-            <a:fontRef idx="minor">
-              <a:schemeClr val="tx1"/>
-            </a:fontRef>
-          </p:style>
-        </p:cxnSp>
-        <p:cxnSp>
-          <p:nvCxnSpPr>
-            <p:cNvPr id="28" name="Straight Connector 1">
-              <a:extLst>
-                <a:ext uri="{FF2B5EF4-FFF2-40B4-BE49-F238E27FC236}">
-                  <a16:creationId xmlns:a16="http://schemas.microsoft.com/office/drawing/2014/main" id="{D4E5982E-3110-47E1-A5BB-91B7BECC3093}"/>
-                </a:ext>
-              </a:extLst>
-            </p:cNvPr>
-            <p:cNvCxnSpPr/>
-            <p:nvPr userDrawn="1"/>
-          </p:nvCxnSpPr>
-          <p:spPr>
-            <a:xfrm>
-              <a:off x="3915327" y="3335565"/>
-              <a:ext cx="0" cy="236220"/>
-            </a:xfrm>
-            <a:prstGeom prst="line">
-              <a:avLst/>
-            </a:prstGeom>
-            <a:ln w="25400"/>
-          </p:spPr>
-          <p:style>
-            <a:lnRef idx="1">
-              <a:schemeClr val="accent1"/>
-            </a:lnRef>
-            <a:fillRef idx="0">
-              <a:schemeClr val="accent1"/>
-            </a:fillRef>
-            <a:effectRef idx="0">
-              <a:schemeClr val="accent1"/>
-            </a:effectRef>
-            <a:fontRef idx="minor">
-              <a:schemeClr val="tx1"/>
-            </a:fontRef>
-          </p:style>
-        </p:cxnSp>
-        <p:cxnSp>
-          <p:nvCxnSpPr>
-            <p:cNvPr id="27" name="Straight Connector Horizontal">
-              <a:extLst>
-                <a:ext uri="{FF2B5EF4-FFF2-40B4-BE49-F238E27FC236}">
-                  <a16:creationId xmlns:a16="http://schemas.microsoft.com/office/drawing/2014/main" id="{5F62FB7C-BD6E-4383-98C1-2CF30F34CAFD}"/>
-                </a:ext>
-              </a:extLst>
-            </p:cNvPr>
-            <p:cNvCxnSpPr>
-              <a:cxnSpLocks/>
-            </p:cNvCxnSpPr>
-            <p:nvPr userDrawn="1"/>
-          </p:nvCxnSpPr>
-          <p:spPr>
-            <a:xfrm>
-              <a:off x="3915327" y="3335565"/>
-              <a:ext cx="7161786" cy="0"/>
-            </a:xfrm>
-            <a:prstGeom prst="line">
-              <a:avLst/>
-            </a:prstGeom>
-            <a:ln w="25400"/>
-          </p:spPr>
-          <p:style>
-            <a:lnRef idx="1">
-              <a:schemeClr val="accent1"/>
-            </a:lnRef>
-            <a:fillRef idx="0">
-              <a:schemeClr val="accent1"/>
-            </a:fillRef>
-            <a:effectRef idx="0">
-              <a:schemeClr val="accent1"/>
-            </a:effectRef>
-            <a:fontRef idx="minor">
-              <a:schemeClr val="tx1"/>
-            </a:fontRef>
-          </p:style>
-        </p:cxnSp>
-        <p:cxnSp>
-          <p:nvCxnSpPr>
-            <p:cNvPr id="34" name="Straight Connector 0">
-              <a:extLst>
-                <a:ext uri="{FF2B5EF4-FFF2-40B4-BE49-F238E27FC236}">
-                  <a16:creationId xmlns:a16="http://schemas.microsoft.com/office/drawing/2014/main" id="{C84A0FE1-723D-4682-8682-77BAD950EE15}"/>
-                </a:ext>
-              </a:extLst>
-            </p:cNvPr>
-            <p:cNvCxnSpPr/>
-            <p:nvPr userDrawn="1"/>
-          </p:nvCxnSpPr>
-          <p:spPr>
-            <a:xfrm>
-              <a:off x="7496220" y="3092995"/>
-              <a:ext cx="0" cy="236220"/>
-            </a:xfrm>
-            <a:prstGeom prst="line">
-              <a:avLst/>
-            </a:prstGeom>
-            <a:ln w="25400"/>
-          </p:spPr>
-          <p:style>
-            <a:lnRef idx="1">
-              <a:schemeClr val="accent1"/>
-            </a:lnRef>
-            <a:fillRef idx="0">
-              <a:schemeClr val="accent1"/>
-            </a:fillRef>
-            <a:effectRef idx="0">
-              <a:schemeClr val="accent1"/>
-            </a:effectRef>
-            <a:fontRef idx="minor">
-              <a:schemeClr val="tx1"/>
-            </a:fontRef>
-          </p:style>
-        </p:cxnSp>
-        <p:pic>
-          <p:nvPicPr>
-            <p:cNvPr id="18" name="Picture SoftUni Logo" descr="SoftUni logo">
-              <a:extLst>
-                <a:ext uri="{FF2B5EF4-FFF2-40B4-BE49-F238E27FC236}">
-                  <a16:creationId xmlns:a16="http://schemas.microsoft.com/office/drawing/2014/main" id="{A0675455-B7FA-4569-A5FD-A3B0F20B2A26}"/>
-                </a:ext>
-              </a:extLst>
-            </p:cNvPr>
-            <p:cNvPicPr>
-              <a:picLocks noChangeAspect="1"/>
-            </p:cNvPicPr>
-            <p:nvPr/>
-          </p:nvPicPr>
-          <p:blipFill>
-            <a:blip r:embed="rId10" cstate="print">
-              <a:extLst>
-                <a:ext uri="{28A0092B-C50C-407E-A947-70E740481C1C}">
-                  <a14:useLocalDpi xmlns:a14="http://schemas.microsoft.com/office/drawing/2010/main" val="0"/>
-                </a:ext>
-              </a:extLst>
-            </a:blip>
-            <a:stretch>
-              <a:fillRect/>
-            </a:stretch>
-          </p:blipFill>
-          <p:spPr>
-            <a:xfrm>
-              <a:off x="6896770" y="1702473"/>
-              <a:ext cx="1198901" cy="1198901"/>
-            </a:xfrm>
-            <a:prstGeom prst="rect">
-              <a:avLst/>
-            </a:prstGeom>
-          </p:spPr>
-        </p:pic>
-      </p:grpSp>
-      <p:sp>
-        <p:nvSpPr>
-          <p:cNvPr id="19" name="Slide Title">
-            <a:extLst>
-              <a:ext uri="{FF2B5EF4-FFF2-40B4-BE49-F238E27FC236}">
-                <a16:creationId xmlns:a16="http://schemas.microsoft.com/office/drawing/2014/main" id="{7CFDBB16-985C-4CC7-B6DB-B81B36037922}"/>
+                <a16:creationId xmlns:a16="http://schemas.microsoft.com/office/drawing/2014/main" id="{3107753B-8639-4399-B782-EE5377184D2E}"/>
               </a:ext>
             </a:extLst>
           </p:cNvPr>
@@ -6516,142 +5943,33 @@
             <a:spLocks noGrp="1"/>
           </p:cNvSpPr>
           <p:nvPr>
-            <p:ph type="title"/>
+            <p:ph type="title" hasCustomPrompt="1"/>
           </p:nvPr>
         </p:nvSpPr>
         <p:spPr>
           <a:xfrm>
-            <a:off x="809628" y="703244"/>
-            <a:ext cx="5916372" cy="1033303"/>
+            <a:off x="726988" y="1461842"/>
+            <a:ext cx="10731663" cy="3047158"/>
           </a:xfrm>
-          <a:prstGeom prst="rect">
-            <a:avLst/>
-          </a:prstGeom>
         </p:spPr>
         <p:txBody>
-          <a:bodyPr wrap="none" lIns="0" tIns="0" rIns="0" bIns="0" anchor="ctr" anchorCtr="0">
-            <a:noAutofit/>
-            <a:scene3d>
-              <a:camera prst="orthographicFront"/>
-              <a:lightRig rig="soft" dir="t">
-                <a:rot lat="0" lon="0" rev="10800000"/>
-              </a:lightRig>
-            </a:scene3d>
-            <a:sp3d>
-              <a:bevelT w="27940" h="12700"/>
-              <a:contourClr>
-                <a:srgbClr val="DDDDDD"/>
-              </a:contourClr>
-            </a:sp3d>
+          <a:bodyPr>
+            <a:normAutofit/>
           </a:bodyPr>
-          <a:lstStyle/>
-          <a:p>
-            <a:pPr marL="0" marR="0" lvl="0" indent="0" algn="l" defTabSz="913852" rtl="0" eaLnBrk="0" fontAlgn="auto" latinLnBrk="0" hangingPunct="0">
-              <a:lnSpc>
-                <a:spcPct val="100000"/>
-              </a:lnSpc>
-              <a:spcBef>
-                <a:spcPts val="0"/>
-              </a:spcBef>
-              <a:spcAft>
-                <a:spcPts val="0"/>
-              </a:spcAft>
-              <a:buClr>
-                <a:srgbClr val="67748E">
-                  <a:lumMod val="40000"/>
-                  <a:lumOff val="60000"/>
-                </a:srgbClr>
-              </a:buClr>
-              <a:buSzPct val="70000"/>
-              <a:buFont typeface="Wingdings 2" pitchFamily="18" charset="2"/>
-              <a:buNone/>
-              <a:tabLst/>
-              <a:defRPr/>
-            </a:pPr>
-            <a:r>
-              <a:rPr kumimoji="0" lang="en-US" sz="8797" b="1" i="0" u="none" strike="noStrike" kern="1200" cap="none" spc="0" normalizeH="0" baseline="0" noProof="0" dirty="0">
-                <a:ln>
-                  <a:noFill/>
-                </a:ln>
-                <a:solidFill>
-                  <a:srgbClr val="234465"/>
-                </a:solidFill>
-                <a:effectLst/>
-                <a:uLnTx/>
-                <a:uFillTx/>
-                <a:latin typeface="Calibri" panose="020F0502020204030204"/>
-                <a:ea typeface="+mn-ea"/>
-                <a:cs typeface="+mn-cs"/>
-              </a:rPr>
-              <a:t>Questions?</a:t>
-            </a:r>
-            <a:endParaRPr kumimoji="0" lang="en-US" sz="8797" b="1" i="0" u="none" strike="noStrike" kern="1200" cap="none" spc="150" normalizeH="0" baseline="0" noProof="0" dirty="0">
-              <a:ln w="11430"/>
-              <a:solidFill>
-                <a:srgbClr val="234465"/>
-              </a:solidFill>
-              <a:effectLst>
-                <a:outerShdw blurRad="25400" algn="tl" rotWithShape="0">
-                  <a:srgbClr val="000000">
-                    <a:alpha val="43000"/>
-                  </a:srgbClr>
-                </a:outerShdw>
-              </a:effectLst>
-              <a:uLnTx/>
-              <a:uFillTx/>
-              <a:latin typeface="Calibri" panose="020F0502020204030204"/>
-              <a:ea typeface="+mn-ea"/>
-              <a:cs typeface="+mn-cs"/>
-            </a:endParaRPr>
+          <a:lstStyle>
+            <a:lvl1pPr algn="ctr">
+              <a:defRPr sz="13800"/>
+            </a:lvl1pPr>
+          </a:lstStyle>
+          <a:p>
+            <a:r>
+              <a:rPr lang="bg-BG" dirty="0"/>
+              <a:t>Въпроси?</a:t>
+            </a:r>
+            <a:endParaRPr lang="en-US" dirty="0"/>
           </a:p>
         </p:txBody>
       </p:sp>
-      <p:pic>
-        <p:nvPicPr>
-          <p:cNvPr id="36" name="Logo Software University" descr="Software University logo">
-            <a:extLst>
-              <a:ext uri="{FF2B5EF4-FFF2-40B4-BE49-F238E27FC236}">
-                <a16:creationId xmlns:a16="http://schemas.microsoft.com/office/drawing/2014/main" id="{67FC4D2E-913D-432A-B658-F0D82839FA5E}"/>
-              </a:ext>
-            </a:extLst>
-          </p:cNvPr>
-          <p:cNvPicPr>
-            <a:picLocks noChangeAspect="1"/>
-          </p:cNvPicPr>
-          <p:nvPr userDrawn="1"/>
-        </p:nvPicPr>
-        <p:blipFill>
-          <a:blip r:embed="rId11">
-            <a:clrChange>
-              <a:clrFrom>
-                <a:srgbClr val="FFFFFF"/>
-              </a:clrFrom>
-              <a:clrTo>
-                <a:srgbClr val="FFFFFF">
-                  <a:alpha val="0"/>
-                </a:srgbClr>
-              </a:clrTo>
-            </a:clrChange>
-            <a:extLst>
-              <a:ext uri="{28A0092B-C50C-407E-A947-70E740481C1C}">
-                <a14:useLocalDpi xmlns:a14="http://schemas.microsoft.com/office/drawing/2010/main" val="0"/>
-              </a:ext>
-            </a:extLst>
-          </a:blip>
-          <a:stretch>
-            <a:fillRect/>
-          </a:stretch>
-        </p:blipFill>
-        <p:spPr>
-          <a:xfrm>
-            <a:off x="10008761" y="190267"/>
-            <a:ext cx="2013336" cy="690975"/>
-          </a:xfrm>
-          <a:prstGeom prst="rect">
-            <a:avLst/>
-          </a:prstGeom>
-        </p:spPr>
-      </p:pic>
     </p:spTree>
     <p:extLst>
       <p:ext uri="{BB962C8B-B14F-4D97-AF65-F5344CB8AC3E}">
@@ -6689,528 +6007,6 @@
 </p:sldLayout>
 </file>
 
-<file path=ppt/slideLayouts/slideLayout13.xml><?xml version="1.0" encoding="utf-8"?>
-<p:sldLayout xmlns:a="http://schemas.openxmlformats.org/drawingml/2006/main" xmlns:r="http://schemas.openxmlformats.org/officeDocument/2006/relationships" xmlns:p="http://schemas.openxmlformats.org/presentationml/2006/main" preserve="1" userDrawn="1">
-  <p:cSld name="About Slide">
-    <p:spTree>
-      <p:nvGrpSpPr>
-        <p:cNvPr id="1" name=""/>
-        <p:cNvGrpSpPr/>
-        <p:nvPr/>
-      </p:nvGrpSpPr>
-      <p:grpSpPr>
-        <a:xfrm>
-          <a:off x="0" y="0"/>
-          <a:ext cx="0" cy="0"/>
-          <a:chOff x="0" y="0"/>
-          <a:chExt cx="0" cy="0"/>
-        </a:xfrm>
-      </p:grpSpPr>
-      <p:sp>
-        <p:nvSpPr>
-          <p:cNvPr id="13" name="Slide Number">
-            <a:extLst>
-              <a:ext uri="{FF2B5EF4-FFF2-40B4-BE49-F238E27FC236}">
-                <a16:creationId xmlns:a16="http://schemas.microsoft.com/office/drawing/2014/main" id="{5B8761D8-B42F-4A70-A0CE-682CEB2AE31B}"/>
-              </a:ext>
-            </a:extLst>
-          </p:cNvPr>
-          <p:cNvSpPr>
-            <a:spLocks noGrp="1"/>
-          </p:cNvSpPr>
-          <p:nvPr>
-            <p:ph type="sldNum" sz="quarter" idx="4"/>
-          </p:nvPr>
-        </p:nvSpPr>
-        <p:spPr>
-          <a:xfrm>
-            <a:off x="11753030" y="6507000"/>
-            <a:ext cx="367414" cy="297000"/>
-          </a:xfrm>
-          <a:prstGeom prst="rect">
-            <a:avLst/>
-          </a:prstGeom>
-        </p:spPr>
-        <p:txBody>
-          <a:bodyPr vert="horz" lIns="91440" tIns="45720" rIns="91440" bIns="45720" rtlCol="0" anchor="b"/>
-          <a:lstStyle>
-            <a:lvl1pPr algn="r">
-              <a:defRPr sz="1000"/>
-            </a:lvl1pPr>
-          </a:lstStyle>
-          <a:p>
-            <a:fld id="{2BF067CD-8E6B-4360-9AA8-C5DF2A48A6D1}" type="slidenum">
-              <a:rPr lang="en-US" noProof="0" smtClean="0"/>
-              <a:pPr/>
-              <a:t>‹#›</a:t>
-            </a:fld>
-            <a:endParaRPr lang="en-US" noProof="0" dirty="0"/>
-          </a:p>
-        </p:txBody>
-      </p:sp>
-      <p:pic>
-        <p:nvPicPr>
-          <p:cNvPr id="19" name="Picture Forum" descr="Forum icon">
-            <a:hlinkClick r:id="rId2" tooltip="Software University Discussion Forum"/>
-            <a:extLst>
-              <a:ext uri="{FF2B5EF4-FFF2-40B4-BE49-F238E27FC236}">
-                <a16:creationId xmlns:a16="http://schemas.microsoft.com/office/drawing/2014/main" id="{98C579AD-FAF5-4B28-9B52-5457F1E90061}"/>
-              </a:ext>
-            </a:extLst>
-          </p:cNvPr>
-          <p:cNvPicPr>
-            <a:picLocks noChangeAspect="1"/>
-          </p:cNvPicPr>
-          <p:nvPr userDrawn="1"/>
-        </p:nvPicPr>
-        <p:blipFill>
-          <a:blip r:embed="rId3" cstate="print">
-            <a:extLst>
-              <a:ext uri="{28A0092B-C50C-407E-A947-70E740481C1C}">
-                <a14:useLocalDpi xmlns:a14="http://schemas.microsoft.com/office/drawing/2010/main"/>
-              </a:ext>
-            </a:extLst>
-          </a:blip>
-          <a:stretch>
-            <a:fillRect/>
-          </a:stretch>
-        </p:blipFill>
-        <p:spPr>
-          <a:xfrm>
-            <a:off x="10524350" y="5249556"/>
-            <a:ext cx="970156" cy="965726"/>
-          </a:xfrm>
-          <a:prstGeom prst="rect">
-            <a:avLst/>
-          </a:prstGeom>
-        </p:spPr>
-      </p:pic>
-      <p:pic>
-        <p:nvPicPr>
-          <p:cNvPr id="17" name="Picture Logo FB" descr="Facebook logo">
-            <a:hlinkClick r:id="rId4" tooltip="Software University @ Facebook"/>
-            <a:extLst>
-              <a:ext uri="{FF2B5EF4-FFF2-40B4-BE49-F238E27FC236}">
-                <a16:creationId xmlns:a16="http://schemas.microsoft.com/office/drawing/2014/main" id="{6B2C510E-5EF2-49F6-B926-2BD74CD3C7F8}"/>
-              </a:ext>
-            </a:extLst>
-          </p:cNvPr>
-          <p:cNvPicPr>
-            <a:picLocks noChangeAspect="1" noChangeArrowheads="1"/>
-          </p:cNvPicPr>
-          <p:nvPr userDrawn="1"/>
-        </p:nvPicPr>
-        <p:blipFill rotWithShape="1">
-          <a:blip r:embed="rId5" cstate="print">
-            <a:extLst>
-              <a:ext uri="{28A0092B-C50C-407E-A947-70E740481C1C}">
-                <a14:useLocalDpi xmlns:a14="http://schemas.microsoft.com/office/drawing/2010/main"/>
-              </a:ext>
-            </a:extLst>
-          </a:blip>
-          <a:srcRect/>
-          <a:stretch/>
-        </p:blipFill>
-        <p:spPr bwMode="auto">
-          <a:xfrm>
-            <a:off x="10507451" y="3689937"/>
-            <a:ext cx="1003954" cy="1017562"/>
-          </a:xfrm>
-          <a:prstGeom prst="rect">
-            <a:avLst/>
-          </a:prstGeom>
-          <a:noFill/>
-          <a:extLst>
-            <a:ext uri="{909E8E84-426E-40DD-AFC4-6F175D3DCCD1}">
-              <a14:hiddenFill xmlns:a14="http://schemas.microsoft.com/office/drawing/2010/main">
-                <a:solidFill>
-                  <a:srgbClr val="FFFFFF"/>
-                </a:solidFill>
-              </a14:hiddenFill>
-            </a:ext>
-          </a:extLst>
-        </p:spPr>
-      </p:pic>
-      <p:pic>
-        <p:nvPicPr>
-          <p:cNvPr id="20" name="Picture Logo SoftUni Right" descr="Software University logo">
-            <a:hlinkClick r:id="rId6"/>
-            <a:extLst>
-              <a:ext uri="{FF2B5EF4-FFF2-40B4-BE49-F238E27FC236}">
-                <a16:creationId xmlns:a16="http://schemas.microsoft.com/office/drawing/2014/main" id="{F4604840-E810-44B7-9FF1-3B28CD68B758}"/>
-              </a:ext>
-            </a:extLst>
-          </p:cNvPr>
-          <p:cNvPicPr>
-            <a:picLocks noChangeAspect="1"/>
-          </p:cNvPicPr>
-          <p:nvPr userDrawn="1"/>
-        </p:nvPicPr>
-        <p:blipFill>
-          <a:blip r:embed="rId7">
-            <a:extLst>
-              <a:ext uri="{28A0092B-C50C-407E-A947-70E740481C1C}">
-                <a14:useLocalDpi xmlns:a14="http://schemas.microsoft.com/office/drawing/2010/main" val="0"/>
-              </a:ext>
-            </a:extLst>
-          </a:blip>
-          <a:stretch>
-            <a:fillRect/>
-          </a:stretch>
-        </p:blipFill>
-        <p:spPr>
-          <a:xfrm>
-            <a:off x="10413401" y="1674000"/>
-            <a:ext cx="1192055" cy="1473880"/>
-          </a:xfrm>
-          <a:prstGeom prst="rect">
-            <a:avLst/>
-          </a:prstGeom>
-        </p:spPr>
-      </p:pic>
-      <p:pic>
-        <p:nvPicPr>
-          <p:cNvPr id="16" name="Picture SoftUni Mascot" descr="SoftUni mascot">
-            <a:hlinkClick r:id="rId8"/>
-            <a:extLst>
-              <a:ext uri="{FF2B5EF4-FFF2-40B4-BE49-F238E27FC236}">
-                <a16:creationId xmlns:a16="http://schemas.microsoft.com/office/drawing/2014/main" id="{07C965FA-A87E-4824-AFA8-C67AF548A76A}"/>
-              </a:ext>
-            </a:extLst>
-          </p:cNvPr>
-          <p:cNvPicPr>
-            <a:picLocks noChangeAspect="1"/>
-          </p:cNvPicPr>
-          <p:nvPr/>
-        </p:nvPicPr>
-        <p:blipFill>
-          <a:blip r:embed="rId9">
-            <a:extLst>
-              <a:ext uri="{28A0092B-C50C-407E-A947-70E740481C1C}">
-                <a14:useLocalDpi xmlns:a14="http://schemas.microsoft.com/office/drawing/2010/main" val="0"/>
-              </a:ext>
-            </a:extLst>
-          </a:blip>
-          <a:srcRect/>
-          <a:stretch/>
-        </p:blipFill>
-        <p:spPr>
-          <a:xfrm>
-            <a:off x="7181957" y="2584289"/>
-            <a:ext cx="2732955" cy="3630993"/>
-          </a:xfrm>
-          <a:prstGeom prst="rect">
-            <a:avLst/>
-          </a:prstGeom>
-        </p:spPr>
-      </p:pic>
-      <p:sp>
-        <p:nvSpPr>
-          <p:cNvPr id="12" name="Slide Body Text">
-            <a:extLst>
-              <a:ext uri="{FF2B5EF4-FFF2-40B4-BE49-F238E27FC236}">
-                <a16:creationId xmlns:a16="http://schemas.microsoft.com/office/drawing/2014/main" id="{0C1F9416-8B6E-46DE-973C-777785E27A26}"/>
-              </a:ext>
-            </a:extLst>
-          </p:cNvPr>
-          <p:cNvSpPr>
-            <a:spLocks noGrp="1"/>
-          </p:cNvSpPr>
-          <p:nvPr>
-            <p:ph idx="4294967295" hasCustomPrompt="1"/>
-          </p:nvPr>
-        </p:nvSpPr>
-        <p:spPr>
-          <a:xfrm>
-            <a:off x="152410" y="1186307"/>
-            <a:ext cx="8688590" cy="5496127"/>
-          </a:xfrm>
-        </p:spPr>
-        <p:txBody>
-          <a:bodyPr wrap="square">
-            <a:noAutofit/>
-          </a:bodyPr>
-          <a:lstStyle>
-            <a:lvl1pPr latinLnBrk="0">
-              <a:buClr>
-                <a:schemeClr val="tx1"/>
-              </a:buClr>
-              <a:defRPr sz="2798"/>
-            </a:lvl1pPr>
-            <a:lvl2pPr marL="989981" marR="0" indent="-380762" algn="l" defTabSz="1218438" rtl="0" eaLnBrk="1" fontAlgn="auto" latinLnBrk="1" hangingPunct="1">
-              <a:lnSpc>
-                <a:spcPct val="100000"/>
-              </a:lnSpc>
-              <a:spcBef>
-                <a:spcPts val="600"/>
-              </a:spcBef>
-              <a:spcAft>
-                <a:spcPts val="600"/>
-              </a:spcAft>
-              <a:buClrTx/>
-              <a:buSzTx/>
-              <a:buFont typeface="Wingdings" panose="05000000000000000000" pitchFamily="2" charset="2"/>
-              <a:buChar char="§"/>
-              <a:tabLst>
-                <a:tab pos="282405" algn="l"/>
-              </a:tabLst>
-              <a:defRPr sz="2800"/>
-            </a:lvl2pPr>
-            <a:lvl3pPr>
-              <a:buClr>
-                <a:schemeClr val="tx1"/>
-              </a:buClr>
-              <a:defRPr/>
-            </a:lvl3pPr>
-          </a:lstStyle>
-          <a:p>
-            <a:r>
-              <a:rPr lang="en-US" sz="3000" noProof="0" dirty="0"/>
-              <a:t>Software University – High-Quality Education, Profession and Job for Software Developers</a:t>
-            </a:r>
-          </a:p>
-          <a:p>
-            <a:pPr lvl="1"/>
-            <a:r>
-              <a:rPr lang="en-US" noProof="1">
-                <a:hlinkClick r:id="rId8"/>
-              </a:rPr>
-              <a:t>softuni.bg</a:t>
-            </a:r>
-            <a:r>
-              <a:rPr lang="en-US" noProof="1"/>
-              <a:t> </a:t>
-            </a:r>
-          </a:p>
-          <a:p>
-            <a:r>
-              <a:rPr lang="en-US" sz="3000" noProof="0" dirty="0"/>
-              <a:t>Software University Foundation</a:t>
-            </a:r>
-          </a:p>
-          <a:p>
-            <a:pPr lvl="1"/>
-            <a:r>
-              <a:rPr lang="en-US" noProof="1">
-                <a:hlinkClick r:id="rId10"/>
-              </a:rPr>
-              <a:t>softuni.foundation</a:t>
-            </a:r>
-            <a:endParaRPr lang="en-US" noProof="1"/>
-          </a:p>
-          <a:p>
-            <a:r>
-              <a:rPr lang="en-US" sz="3000" noProof="0" dirty="0"/>
-              <a:t>Software University @ Facebook</a:t>
-            </a:r>
-          </a:p>
-          <a:p>
-            <a:pPr lvl="1"/>
-            <a:r>
-              <a:rPr lang="en-US" noProof="1">
-                <a:hlinkClick r:id="rId4"/>
-              </a:rPr>
-              <a:t>facebook.com/SoftwareUniversity</a:t>
-            </a:r>
-            <a:endParaRPr lang="en-US" noProof="1"/>
-          </a:p>
-          <a:p>
-            <a:r>
-              <a:rPr lang="en-US" sz="3000" noProof="0" dirty="0"/>
-              <a:t>Software University Forums</a:t>
-            </a:r>
-          </a:p>
-          <a:p>
-            <a:pPr lvl="1"/>
-            <a:r>
-              <a:rPr lang="en-US" noProof="1">
-                <a:hlinkClick r:id="rId2"/>
-              </a:rPr>
-              <a:t>forum.softuni.bg</a:t>
-            </a:r>
-            <a:endParaRPr lang="en-US" noProof="1"/>
-          </a:p>
-        </p:txBody>
-      </p:sp>
-      <p:sp>
-        <p:nvSpPr>
-          <p:cNvPr id="10" name="Rectangle Top">
-            <a:extLst>
-              <a:ext uri="{FF2B5EF4-FFF2-40B4-BE49-F238E27FC236}">
-                <a16:creationId xmlns:a16="http://schemas.microsoft.com/office/drawing/2014/main" id="{86646B95-5E3B-4DE8-9118-031C2C296D8C}"/>
-              </a:ext>
-            </a:extLst>
-          </p:cNvPr>
-          <p:cNvSpPr/>
-          <p:nvPr userDrawn="1"/>
-        </p:nvSpPr>
-        <p:spPr>
-          <a:xfrm>
-            <a:off x="0" y="0"/>
-            <a:ext cx="12195176" cy="1095376"/>
-          </a:xfrm>
-          <a:prstGeom prst="rect">
-            <a:avLst/>
-          </a:prstGeom>
-          <a:solidFill>
-            <a:schemeClr val="tx2"/>
-          </a:solidFill>
-          <a:ln>
-            <a:noFill/>
-          </a:ln>
-        </p:spPr>
-        <p:style>
-          <a:lnRef idx="2">
-            <a:schemeClr val="accent1">
-              <a:shade val="50000"/>
-            </a:schemeClr>
-          </a:lnRef>
-          <a:fillRef idx="1">
-            <a:schemeClr val="accent1"/>
-          </a:fillRef>
-          <a:effectRef idx="0">
-            <a:schemeClr val="accent1"/>
-          </a:effectRef>
-          <a:fontRef idx="minor">
-            <a:schemeClr val="lt1"/>
-          </a:fontRef>
-        </p:style>
-        <p:txBody>
-          <a:bodyPr rtlCol="0" anchor="ctr"/>
-          <a:lstStyle/>
-          <a:p>
-            <a:pPr marL="0" marR="0" lvl="0" indent="0" algn="ctr" defTabSz="913852" rtl="0" eaLnBrk="1" fontAlgn="auto" latinLnBrk="0" hangingPunct="1">
-              <a:lnSpc>
-                <a:spcPct val="100000"/>
-              </a:lnSpc>
-              <a:spcBef>
-                <a:spcPts val="0"/>
-              </a:spcBef>
-              <a:spcAft>
-                <a:spcPts val="0"/>
-              </a:spcAft>
-              <a:buClrTx/>
-              <a:buSzTx/>
-              <a:buFontTx/>
-              <a:buNone/>
-              <a:tabLst/>
-              <a:defRPr/>
-            </a:pPr>
-            <a:endParaRPr kumimoji="0" lang="en-US" altLang="ko-KR" sz="2398" b="0" i="0" u="none" strike="noStrike" kern="1200" cap="none" spc="0" normalizeH="0" baseline="0" noProof="0" dirty="0">
-              <a:ln>
-                <a:noFill/>
-              </a:ln>
-              <a:solidFill>
-                <a:srgbClr val="F7C86D"/>
-              </a:solidFill>
-              <a:effectLst/>
-              <a:uLnTx/>
-              <a:uFillTx/>
-              <a:latin typeface="Calibri" panose="020F0502020204030204"/>
-              <a:ea typeface="맑은 고딕" panose="020B0503020000020004" pitchFamily="34" charset="-127"/>
-              <a:cs typeface="+mn-cs"/>
-            </a:endParaRPr>
-          </a:p>
-        </p:txBody>
-      </p:sp>
-      <p:pic>
-        <p:nvPicPr>
-          <p:cNvPr id="11" name="Logo Software University" descr="Software University logo">
-            <a:extLst>
-              <a:ext uri="{FF2B5EF4-FFF2-40B4-BE49-F238E27FC236}">
-                <a16:creationId xmlns:a16="http://schemas.microsoft.com/office/drawing/2014/main" id="{58AB1944-B146-4E89-B2D9-426EB610F319}"/>
-              </a:ext>
-            </a:extLst>
-          </p:cNvPr>
-          <p:cNvPicPr>
-            <a:picLocks noChangeAspect="1"/>
-          </p:cNvPicPr>
-          <p:nvPr userDrawn="1"/>
-        </p:nvPicPr>
-        <p:blipFill>
-          <a:blip r:embed="rId11">
-            <a:extLst>
-              <a:ext uri="{28A0092B-C50C-407E-A947-70E740481C1C}">
-                <a14:useLocalDpi xmlns:a14="http://schemas.microsoft.com/office/drawing/2010/main" val="0"/>
-              </a:ext>
-            </a:extLst>
-          </a:blip>
-          <a:stretch>
-            <a:fillRect/>
-          </a:stretch>
-        </p:blipFill>
-        <p:spPr>
-          <a:xfrm>
-            <a:off x="10067957" y="253936"/>
-            <a:ext cx="1915704" cy="559235"/>
-          </a:xfrm>
-          <a:prstGeom prst="rect">
-            <a:avLst/>
-          </a:prstGeom>
-        </p:spPr>
-      </p:pic>
-      <p:sp>
-        <p:nvSpPr>
-          <p:cNvPr id="18" name="Slide Title">
-            <a:extLst>
-              <a:ext uri="{FF2B5EF4-FFF2-40B4-BE49-F238E27FC236}">
-                <a16:creationId xmlns:a16="http://schemas.microsoft.com/office/drawing/2014/main" id="{AE87ED9C-76E1-4D85-9B06-3AF44AABB668}"/>
-              </a:ext>
-            </a:extLst>
-          </p:cNvPr>
-          <p:cNvSpPr>
-            <a:spLocks noGrp="1"/>
-          </p:cNvSpPr>
-          <p:nvPr>
-            <p:ph type="title" hasCustomPrompt="1"/>
-          </p:nvPr>
-        </p:nvSpPr>
-        <p:spPr>
-          <a:xfrm>
-            <a:off x="172286" y="108873"/>
-            <a:ext cx="9742626" cy="882654"/>
-          </a:xfrm>
-        </p:spPr>
-        <p:txBody>
-          <a:bodyPr/>
-          <a:lstStyle>
-            <a:lvl1pPr latinLnBrk="0">
-              <a:defRPr>
-                <a:solidFill>
-                  <a:schemeClr val="bg2"/>
-                </a:solidFill>
-              </a:defRPr>
-            </a:lvl1pPr>
-          </a:lstStyle>
-          <a:p>
-            <a:r>
-              <a:rPr lang="en-US" noProof="0" dirty="0"/>
-              <a:t>Trainings @ Software University (SoftUni)</a:t>
-            </a:r>
-          </a:p>
-        </p:txBody>
-      </p:sp>
-    </p:spTree>
-    <p:extLst>
-      <p:ext uri="{BB962C8B-B14F-4D97-AF65-F5344CB8AC3E}">
-        <p14:creationId xmlns:p14="http://schemas.microsoft.com/office/powerpoint/2010/main" val="2196466322"/>
-      </p:ext>
-    </p:extLst>
-  </p:cSld>
-  <p:clrMapOvr>
-    <a:masterClrMapping/>
-  </p:clrMapOvr>
-  <mc:AlternateContent xmlns:mc="http://schemas.openxmlformats.org/markup-compatibility/2006" xmlns:p14="http://schemas.microsoft.com/office/powerpoint/2010/main">
-    <mc:Choice Requires="p14">
-      <p:transition spd="slow" p14:dur="2000" advClick="0" advTm="5000"/>
-    </mc:Choice>
-    <mc:Fallback xmlns="">
-      <p:transition spd="slow" advClick="0" advTm="5000"/>
-    </mc:Fallback>
-  </mc:AlternateContent>
-</p:sldLayout>
-</file>
-
 <file path=ppt/slideLayouts/slideLayout2.xml><?xml version="1.0" encoding="utf-8"?>
 <p:sldLayout xmlns:a="http://schemas.openxmlformats.org/drawingml/2006/main" xmlns:r="http://schemas.openxmlformats.org/officeDocument/2006/relationships" xmlns:p="http://schemas.openxmlformats.org/presentationml/2006/main" preserve="1">
   <p:cSld name="Section Title Slide">
@@ -7288,7 +6084,7 @@
               <a:tabLst/>
               <a:defRPr/>
             </a:pPr>
-            <a:endParaRPr kumimoji="0" lang="en-US" altLang="ko-KR" sz="2398" b="0" i="0" u="none" strike="noStrike" kern="1200" cap="none" spc="0" normalizeH="0" baseline="0" noProof="0" dirty="0">
+            <a:endParaRPr kumimoji="0" lang="en-US" altLang="ko-KR" sz="2398" b="0" i="0" u="none" strike="noStrike" kern="1200" cap="none" spc="0" normalizeH="0" baseline="0" noProof="0">
               <a:ln>
                 <a:noFill/>
               </a:ln>
@@ -7616,7 +6412,7 @@
               <a:tabLst/>
               <a:defRPr/>
             </a:pPr>
-            <a:endParaRPr kumimoji="0" lang="en-US" altLang="ko-KR" sz="2398" b="0" i="0" u="none" strike="noStrike" kern="1200" cap="none" spc="0" normalizeH="0" baseline="0" noProof="0" dirty="0">
+            <a:endParaRPr kumimoji="0" lang="en-US" altLang="ko-KR" sz="2398" b="0" i="0" u="none" strike="noStrike" kern="1200" cap="none" spc="0" normalizeH="0" baseline="0" noProof="0">
               <a:ln>
                 <a:noFill/>
               </a:ln>
@@ -7633,42 +6429,6 @@
           </a:p>
         </p:txBody>
       </p:sp>
-      <p:pic>
-        <p:nvPicPr>
-          <p:cNvPr id="12" name="Logo Software University" descr="Software University logo">
-            <a:extLst>
-              <a:ext uri="{FF2B5EF4-FFF2-40B4-BE49-F238E27FC236}">
-                <a16:creationId xmlns:a16="http://schemas.microsoft.com/office/drawing/2014/main" id="{B1D3B425-B9BF-43ED-9DEC-C05002FBA22F}"/>
-              </a:ext>
-            </a:extLst>
-          </p:cNvPr>
-          <p:cNvPicPr>
-            <a:picLocks noChangeAspect="1"/>
-          </p:cNvPicPr>
-          <p:nvPr userDrawn="1"/>
-        </p:nvPicPr>
-        <p:blipFill>
-          <a:blip r:embed="rId2">
-            <a:extLst>
-              <a:ext uri="{28A0092B-C50C-407E-A947-70E740481C1C}">
-                <a14:useLocalDpi xmlns:a14="http://schemas.microsoft.com/office/drawing/2010/main" val="0"/>
-              </a:ext>
-            </a:extLst>
-          </a:blip>
-          <a:stretch>
-            <a:fillRect/>
-          </a:stretch>
-        </p:blipFill>
-        <p:spPr>
-          <a:xfrm>
-            <a:off x="10067957" y="253936"/>
-            <a:ext cx="1915704" cy="559235"/>
-          </a:xfrm>
-          <a:prstGeom prst="rect">
-            <a:avLst/>
-          </a:prstGeom>
-        </p:spPr>
-      </p:pic>
       <p:sp>
         <p:nvSpPr>
           <p:cNvPr id="6" name="Slide Title">
@@ -7688,7 +6448,7 @@
         <p:spPr>
           <a:xfrm>
             <a:off x="190406" y="100750"/>
-            <a:ext cx="9715594" cy="882654"/>
+            <a:ext cx="10270594" cy="882654"/>
           </a:xfrm>
         </p:spPr>
         <p:txBody>
@@ -7710,6 +6470,42 @@
           </a:p>
         </p:txBody>
       </p:sp>
+      <p:pic>
+        <p:nvPicPr>
+          <p:cNvPr id="4" name="Picture 3">
+            <a:extLst>
+              <a:ext uri="{FF2B5EF4-FFF2-40B4-BE49-F238E27FC236}">
+                <a16:creationId xmlns:a16="http://schemas.microsoft.com/office/drawing/2014/main" id="{4B9A1D0F-F579-6A3C-C698-4E2E7F1AB265}"/>
+              </a:ext>
+            </a:extLst>
+          </p:cNvPr>
+          <p:cNvPicPr>
+            <a:picLocks noChangeAspect="1"/>
+          </p:cNvPicPr>
+          <p:nvPr userDrawn="1"/>
+        </p:nvPicPr>
+        <p:blipFill>
+          <a:blip r:embed="rId2" cstate="print">
+            <a:extLst>
+              <a:ext uri="{28A0092B-C50C-407E-A947-70E740481C1C}">
+                <a14:useLocalDpi xmlns:a14="http://schemas.microsoft.com/office/drawing/2010/main" val="0"/>
+              </a:ext>
+            </a:extLst>
+          </a:blip>
+          <a:stretch>
+            <a:fillRect/>
+          </a:stretch>
+        </p:blipFill>
+        <p:spPr>
+          <a:xfrm>
+            <a:off x="10553573" y="368999"/>
+            <a:ext cx="1443361" cy="360001"/>
+          </a:xfrm>
+          <a:prstGeom prst="rect">
+            <a:avLst/>
+          </a:prstGeom>
+        </p:spPr>
+      </p:pic>
     </p:spTree>
     <p:extLst>
       <p:ext uri="{BB962C8B-B14F-4D97-AF65-F5344CB8AC3E}">
@@ -7732,371 +6528,6 @@
 </file>
 
 <file path=ppt/slideLayouts/slideLayout4.xml><?xml version="1.0" encoding="utf-8"?>
-<p:sldLayout xmlns:a="http://schemas.openxmlformats.org/drawingml/2006/main" xmlns:r="http://schemas.openxmlformats.org/officeDocument/2006/relationships" xmlns:p="http://schemas.openxmlformats.org/presentationml/2006/main" preserve="1" userDrawn="1">
-  <p:cSld name="Table of Contents">
-    <p:spTree>
-      <p:nvGrpSpPr>
-        <p:cNvPr id="1" name=""/>
-        <p:cNvGrpSpPr/>
-        <p:nvPr/>
-      </p:nvGrpSpPr>
-      <p:grpSpPr>
-        <a:xfrm>
-          <a:off x="0" y="0"/>
-          <a:ext cx="0" cy="0"/>
-          <a:chOff x="0" y="0"/>
-          <a:chExt cx="0" cy="0"/>
-        </a:xfrm>
-      </p:grpSpPr>
-      <p:sp>
-        <p:nvSpPr>
-          <p:cNvPr id="10" name="Slide Number">
-            <a:extLst>
-              <a:ext uri="{FF2B5EF4-FFF2-40B4-BE49-F238E27FC236}">
-                <a16:creationId xmlns:a16="http://schemas.microsoft.com/office/drawing/2014/main" id="{39DDE17E-5472-41F3-AF5F-54DFF10DC63C}"/>
-              </a:ext>
-            </a:extLst>
-          </p:cNvPr>
-          <p:cNvSpPr>
-            <a:spLocks noGrp="1"/>
-          </p:cNvSpPr>
-          <p:nvPr>
-            <p:ph type="sldNum" sz="quarter" idx="4"/>
-          </p:nvPr>
-        </p:nvSpPr>
-        <p:spPr>
-          <a:xfrm>
-            <a:off x="11753030" y="6507000"/>
-            <a:ext cx="367414" cy="297000"/>
-          </a:xfrm>
-          <a:prstGeom prst="rect">
-            <a:avLst/>
-          </a:prstGeom>
-        </p:spPr>
-        <p:txBody>
-          <a:bodyPr vert="horz" lIns="91440" tIns="45720" rIns="91440" bIns="45720" rtlCol="0" anchor="b"/>
-          <a:lstStyle>
-            <a:lvl1pPr algn="r">
-              <a:defRPr sz="1000"/>
-            </a:lvl1pPr>
-          </a:lstStyle>
-          <a:p>
-            <a:fld id="{2BF067CD-8E6B-4360-9AA8-C5DF2A48A6D1}" type="slidenum">
-              <a:rPr lang="en-US" noProof="0" smtClean="0"/>
-              <a:pPr/>
-              <a:t>‹#›</a:t>
-            </a:fld>
-            <a:endParaRPr lang="en-US" noProof="0" dirty="0"/>
-          </a:p>
-        </p:txBody>
-      </p:sp>
-      <p:pic>
-        <p:nvPicPr>
-          <p:cNvPr id="9" name="Picture SoftUni Mascot" descr="SoftUni mascot with laptop">
-            <a:extLst>
-              <a:ext uri="{FF2B5EF4-FFF2-40B4-BE49-F238E27FC236}">
-                <a16:creationId xmlns:a16="http://schemas.microsoft.com/office/drawing/2014/main" id="{DC4365F6-D2C1-47B4-8477-38FD2C7711AA}"/>
-              </a:ext>
-            </a:extLst>
-          </p:cNvPr>
-          <p:cNvPicPr>
-            <a:picLocks noChangeAspect="1"/>
-          </p:cNvPicPr>
-          <p:nvPr/>
-        </p:nvPicPr>
-        <p:blipFill>
-          <a:blip r:embed="rId2" cstate="print">
-            <a:extLst>
-              <a:ext uri="{28A0092B-C50C-407E-A947-70E740481C1C}">
-                <a14:useLocalDpi xmlns:a14="http://schemas.microsoft.com/office/drawing/2010/main" val="0"/>
-              </a:ext>
-            </a:extLst>
-          </a:blip>
-          <a:stretch>
-            <a:fillRect/>
-          </a:stretch>
-        </p:blipFill>
-        <p:spPr>
-          <a:xfrm flipH="1">
-            <a:off x="9516000" y="3408496"/>
-            <a:ext cx="2251057" cy="3044431"/>
-          </a:xfrm>
-          <a:prstGeom prst="rect">
-            <a:avLst/>
-          </a:prstGeom>
-        </p:spPr>
-      </p:pic>
-      <p:sp>
-        <p:nvSpPr>
-          <p:cNvPr id="23" name="Slide Body Text">
-            <a:extLst>
-              <a:ext uri="{FF2B5EF4-FFF2-40B4-BE49-F238E27FC236}">
-                <a16:creationId xmlns:a16="http://schemas.microsoft.com/office/drawing/2014/main" id="{889D93F4-ABFA-46BF-8E5D-FE6562ACB20F}"/>
-              </a:ext>
-            </a:extLst>
-          </p:cNvPr>
-          <p:cNvSpPr>
-            <a:spLocks noGrp="1"/>
-          </p:cNvSpPr>
-          <p:nvPr>
-            <p:ph type="body" sz="quarter" idx="13" hasCustomPrompt="1"/>
-          </p:nvPr>
-        </p:nvSpPr>
-        <p:spPr>
-          <a:xfrm>
-            <a:off x="196766" y="1371604"/>
-            <a:ext cx="9049234" cy="5207396"/>
-          </a:xfrm>
-        </p:spPr>
-        <p:txBody>
-          <a:bodyPr>
-            <a:normAutofit/>
-          </a:bodyPr>
-          <a:lstStyle>
-            <a:lvl1pPr marL="514042" indent="-514042" latinLnBrk="0">
-              <a:buFont typeface="+mj-lt"/>
-              <a:buAutoNum type="arabicPeriod"/>
-              <a:defRPr sz="3600">
-                <a:solidFill>
-                  <a:schemeClr val="tx1"/>
-                </a:solidFill>
-              </a:defRPr>
-            </a:lvl1pPr>
-            <a:lvl2pPr>
-              <a:defRPr sz="3400"/>
-            </a:lvl2pPr>
-          </a:lstStyle>
-          <a:p>
-            <a:pPr lvl="0"/>
-            <a:r>
-              <a:rPr lang="en-US" noProof="0"/>
-              <a:t>…</a:t>
-            </a:r>
-          </a:p>
-          <a:p>
-            <a:pPr lvl="1"/>
-            <a:r>
-              <a:rPr lang="en-US" noProof="0"/>
-              <a:t>…</a:t>
-            </a:r>
-          </a:p>
-          <a:p>
-            <a:pPr lvl="1"/>
-            <a:r>
-              <a:rPr lang="en-US" noProof="0"/>
-              <a:t>…</a:t>
-            </a:r>
-          </a:p>
-          <a:p>
-            <a:pPr lvl="0"/>
-            <a:r>
-              <a:rPr lang="en-US" noProof="0"/>
-              <a:t>…</a:t>
-            </a:r>
-          </a:p>
-          <a:p>
-            <a:pPr lvl="1"/>
-            <a:r>
-              <a:rPr lang="en-US" noProof="0"/>
-              <a:t>…</a:t>
-            </a:r>
-          </a:p>
-          <a:p>
-            <a:pPr lvl="1"/>
-            <a:r>
-              <a:rPr lang="en-US" noProof="0"/>
-              <a:t>…</a:t>
-            </a:r>
-          </a:p>
-          <a:p>
-            <a:pPr lvl="0"/>
-            <a:r>
-              <a:rPr lang="en-US" noProof="0"/>
-              <a:t>…</a:t>
-            </a:r>
-          </a:p>
-        </p:txBody>
-      </p:sp>
-      <p:sp>
-        <p:nvSpPr>
-          <p:cNvPr id="8" name="Rectangle Top">
-            <a:extLst>
-              <a:ext uri="{FF2B5EF4-FFF2-40B4-BE49-F238E27FC236}">
-                <a16:creationId xmlns:a16="http://schemas.microsoft.com/office/drawing/2014/main" id="{930E0800-9260-4369-8330-8264DD33C5CE}"/>
-              </a:ext>
-            </a:extLst>
-          </p:cNvPr>
-          <p:cNvSpPr/>
-          <p:nvPr userDrawn="1"/>
-        </p:nvSpPr>
-        <p:spPr>
-          <a:xfrm>
-            <a:off x="0" y="0"/>
-            <a:ext cx="12196800" cy="1095376"/>
-          </a:xfrm>
-          <a:prstGeom prst="rect">
-            <a:avLst/>
-          </a:prstGeom>
-          <a:solidFill>
-            <a:schemeClr val="tx2"/>
-          </a:solidFill>
-          <a:ln>
-            <a:noFill/>
-          </a:ln>
-        </p:spPr>
-        <p:style>
-          <a:lnRef idx="2">
-            <a:schemeClr val="accent1">
-              <a:shade val="50000"/>
-            </a:schemeClr>
-          </a:lnRef>
-          <a:fillRef idx="1">
-            <a:schemeClr val="accent1"/>
-          </a:fillRef>
-          <a:effectRef idx="0">
-            <a:schemeClr val="accent1"/>
-          </a:effectRef>
-          <a:fontRef idx="minor">
-            <a:schemeClr val="lt1"/>
-          </a:fontRef>
-        </p:style>
-        <p:txBody>
-          <a:bodyPr rtlCol="0" anchor="ctr"/>
-          <a:lstStyle/>
-          <a:p>
-            <a:pPr marL="0" marR="0" lvl="0" indent="0" algn="ctr" defTabSz="913852" rtl="0" eaLnBrk="1" fontAlgn="auto" latinLnBrk="0" hangingPunct="1">
-              <a:lnSpc>
-                <a:spcPct val="100000"/>
-              </a:lnSpc>
-              <a:spcBef>
-                <a:spcPts val="0"/>
-              </a:spcBef>
-              <a:spcAft>
-                <a:spcPts val="0"/>
-              </a:spcAft>
-              <a:buClrTx/>
-              <a:buSzTx/>
-              <a:buFontTx/>
-              <a:buNone/>
-              <a:tabLst/>
-              <a:defRPr/>
-            </a:pPr>
-            <a:endParaRPr kumimoji="0" lang="en-US" altLang="ko-KR" sz="2398" b="0" i="0" u="none" strike="noStrike" kern="1200" cap="none" spc="0" normalizeH="0" baseline="0" noProof="0" dirty="0">
-              <a:ln>
-                <a:noFill/>
-              </a:ln>
-              <a:solidFill>
-                <a:srgbClr val="F7C86D"/>
-              </a:solidFill>
-              <a:effectLst/>
-              <a:uLnTx/>
-              <a:uFillTx/>
-              <a:latin typeface="Calibri" panose="020F0502020204030204"/>
-              <a:ea typeface="맑은 고딕" panose="020B0503020000020004" pitchFamily="34" charset="-127"/>
-              <a:cs typeface="+mn-cs"/>
-            </a:endParaRPr>
-          </a:p>
-        </p:txBody>
-      </p:sp>
-      <p:pic>
-        <p:nvPicPr>
-          <p:cNvPr id="11" name="Logo Software University" descr="Software University logo">
-            <a:extLst>
-              <a:ext uri="{FF2B5EF4-FFF2-40B4-BE49-F238E27FC236}">
-                <a16:creationId xmlns:a16="http://schemas.microsoft.com/office/drawing/2014/main" id="{14F779A7-4A91-448B-BEFA-956C70A1C22F}"/>
-              </a:ext>
-            </a:extLst>
-          </p:cNvPr>
-          <p:cNvPicPr>
-            <a:picLocks noChangeAspect="1"/>
-          </p:cNvPicPr>
-          <p:nvPr userDrawn="1"/>
-        </p:nvPicPr>
-        <p:blipFill>
-          <a:blip r:embed="rId3">
-            <a:extLst>
-              <a:ext uri="{28A0092B-C50C-407E-A947-70E740481C1C}">
-                <a14:useLocalDpi xmlns:a14="http://schemas.microsoft.com/office/drawing/2010/main" val="0"/>
-              </a:ext>
-            </a:extLst>
-          </a:blip>
-          <a:stretch>
-            <a:fillRect/>
-          </a:stretch>
-        </p:blipFill>
-        <p:spPr>
-          <a:xfrm>
-            <a:off x="10067957" y="253936"/>
-            <a:ext cx="1915704" cy="559235"/>
-          </a:xfrm>
-          <a:prstGeom prst="rect">
-            <a:avLst/>
-          </a:prstGeom>
-        </p:spPr>
-      </p:pic>
-      <p:sp>
-        <p:nvSpPr>
-          <p:cNvPr id="13" name="Slide Title">
-            <a:extLst>
-              <a:ext uri="{FF2B5EF4-FFF2-40B4-BE49-F238E27FC236}">
-                <a16:creationId xmlns:a16="http://schemas.microsoft.com/office/drawing/2014/main" id="{357D7BE1-6358-42CC-94F3-7BCDD91DCB6D}"/>
-              </a:ext>
-            </a:extLst>
-          </p:cNvPr>
-          <p:cNvSpPr>
-            <a:spLocks noGrp="1"/>
-          </p:cNvSpPr>
-          <p:nvPr>
-            <p:ph type="title" hasCustomPrompt="1"/>
-          </p:nvPr>
-        </p:nvSpPr>
-        <p:spPr>
-          <a:xfrm>
-            <a:off x="190406" y="100750"/>
-            <a:ext cx="9715594" cy="882654"/>
-          </a:xfrm>
-        </p:spPr>
-        <p:txBody>
-          <a:bodyPr/>
-          <a:lstStyle>
-            <a:lvl1pPr latinLnBrk="0">
-              <a:defRPr>
-                <a:solidFill>
-                  <a:schemeClr val="bg2"/>
-                </a:solidFill>
-              </a:defRPr>
-            </a:lvl1pPr>
-          </a:lstStyle>
-          <a:p>
-            <a:r>
-              <a:rPr lang="en-US" noProof="0" dirty="0"/>
-              <a:t>Table of Contents</a:t>
-            </a:r>
-          </a:p>
-        </p:txBody>
-      </p:sp>
-    </p:spTree>
-    <p:extLst>
-      <p:ext uri="{BB962C8B-B14F-4D97-AF65-F5344CB8AC3E}">
-        <p14:creationId xmlns:p14="http://schemas.microsoft.com/office/powerpoint/2010/main" val="1028724482"/>
-      </p:ext>
-    </p:extLst>
-  </p:cSld>
-  <p:clrMapOvr>
-    <a:masterClrMapping/>
-  </p:clrMapOvr>
-  <mc:AlternateContent xmlns:mc="http://schemas.openxmlformats.org/markup-compatibility/2006" xmlns:p14="http://schemas.microsoft.com/office/powerpoint/2010/main">
-    <mc:Choice Requires="p14">
-      <p:transition spd="slow" p14:dur="2000" advClick="0" advTm="5000"/>
-    </mc:Choice>
-    <mc:Fallback xmlns="">
-      <p:transition spd="slow" advClick="0" advTm="5000"/>
-    </mc:Fallback>
-  </mc:AlternateContent>
-</p:sldLayout>
-</file>
-
-<file path=ppt/slideLayouts/slideLayout5.xml><?xml version="1.0" encoding="utf-8"?>
 <p:sldLayout xmlns:a="http://schemas.openxmlformats.org/drawingml/2006/main" xmlns:r="http://schemas.openxmlformats.org/officeDocument/2006/relationships" xmlns:p="http://schemas.openxmlformats.org/presentationml/2006/main" preserve="1" userDrawn="1">
   <p:cSld name="Important Concept">
     <p:spTree>
@@ -8367,52 +6798,6 @@
           </a:p>
         </p:txBody>
       </p:sp>
-      <p:pic>
-        <p:nvPicPr>
-          <p:cNvPr id="3" name="Logo Software University" descr="Software University logo">
-            <a:extLst>
-              <a:ext uri="{FF2B5EF4-FFF2-40B4-BE49-F238E27FC236}">
-                <a16:creationId xmlns:a16="http://schemas.microsoft.com/office/drawing/2014/main" id="{5573C101-930B-47AC-967A-A64513DFFDEE}"/>
-              </a:ext>
-            </a:extLst>
-          </p:cNvPr>
-          <p:cNvPicPr>
-            <a:picLocks noChangeAspect="1"/>
-          </p:cNvPicPr>
-          <p:nvPr userDrawn="1"/>
-        </p:nvPicPr>
-        <p:blipFill>
-          <a:blip r:embed="rId3">
-            <a:clrChange>
-              <a:clrFrom>
-                <a:srgbClr val="FFFFFF"/>
-              </a:clrFrom>
-              <a:clrTo>
-                <a:srgbClr val="FFFFFF">
-                  <a:alpha val="0"/>
-                </a:srgbClr>
-              </a:clrTo>
-            </a:clrChange>
-            <a:extLst>
-              <a:ext uri="{28A0092B-C50C-407E-A947-70E740481C1C}">
-                <a14:useLocalDpi xmlns:a14="http://schemas.microsoft.com/office/drawing/2010/main" val="0"/>
-              </a:ext>
-            </a:extLst>
-          </a:blip>
-          <a:stretch>
-            <a:fillRect/>
-          </a:stretch>
-        </p:blipFill>
-        <p:spPr>
-          <a:xfrm>
-            <a:off x="10008761" y="190267"/>
-            <a:ext cx="2013336" cy="690975"/>
-          </a:xfrm>
-          <a:prstGeom prst="rect">
-            <a:avLst/>
-          </a:prstGeom>
-        </p:spPr>
-      </p:pic>
       <p:sp>
         <p:nvSpPr>
           <p:cNvPr id="8" name="Slide Title">
@@ -8431,8 +6816,8 @@
         </p:nvSpPr>
         <p:spPr>
           <a:xfrm>
-            <a:off x="1296957" y="100750"/>
-            <a:ext cx="8625520" cy="882654"/>
+            <a:off x="1296956" y="100750"/>
+            <a:ext cx="9164044" cy="882654"/>
           </a:xfrm>
         </p:spPr>
         <p:txBody>
@@ -8450,6 +6835,42 @@
           </a:p>
         </p:txBody>
       </p:sp>
+      <p:pic>
+        <p:nvPicPr>
+          <p:cNvPr id="2" name="Picture 1">
+            <a:extLst>
+              <a:ext uri="{FF2B5EF4-FFF2-40B4-BE49-F238E27FC236}">
+                <a16:creationId xmlns:a16="http://schemas.microsoft.com/office/drawing/2014/main" id="{78CA5371-2597-CF8F-1859-226395807433}"/>
+              </a:ext>
+            </a:extLst>
+          </p:cNvPr>
+          <p:cNvPicPr>
+            <a:picLocks noChangeAspect="1"/>
+          </p:cNvPicPr>
+          <p:nvPr userDrawn="1"/>
+        </p:nvPicPr>
+        <p:blipFill>
+          <a:blip r:embed="rId3" cstate="print">
+            <a:extLst>
+              <a:ext uri="{28A0092B-C50C-407E-A947-70E740481C1C}">
+                <a14:useLocalDpi xmlns:a14="http://schemas.microsoft.com/office/drawing/2010/main" val="0"/>
+              </a:ext>
+            </a:extLst>
+          </a:blip>
+          <a:stretch>
+            <a:fillRect/>
+          </a:stretch>
+        </p:blipFill>
+        <p:spPr>
+          <a:xfrm>
+            <a:off x="10551877" y="362077"/>
+            <a:ext cx="1443357" cy="360000"/>
+          </a:xfrm>
+          <a:prstGeom prst="rect">
+            <a:avLst/>
+          </a:prstGeom>
+        </p:spPr>
+      </p:pic>
     </p:spTree>
     <p:extLst>
       <p:ext uri="{BB962C8B-B14F-4D97-AF65-F5344CB8AC3E}">
@@ -8471,7 +6892,7 @@
 </p:sldLayout>
 </file>
 
-<file path=ppt/slideLayouts/slideLayout6.xml><?xml version="1.0" encoding="utf-8"?>
+<file path=ppt/slideLayouts/slideLayout5.xml><?xml version="1.0" encoding="utf-8"?>
 <p:sldLayout xmlns:a="http://schemas.openxmlformats.org/drawingml/2006/main" xmlns:r="http://schemas.openxmlformats.org/officeDocument/2006/relationships" xmlns:p="http://schemas.openxmlformats.org/presentationml/2006/main" preserve="1">
   <p:cSld name="Important Example">
     <p:spTree>
@@ -8748,52 +7169,6 @@
           </a:p>
         </p:txBody>
       </p:sp>
-      <p:pic>
-        <p:nvPicPr>
-          <p:cNvPr id="16" name="Logo Software University" descr="Software University logo">
-            <a:extLst>
-              <a:ext uri="{FF2B5EF4-FFF2-40B4-BE49-F238E27FC236}">
-                <a16:creationId xmlns:a16="http://schemas.microsoft.com/office/drawing/2014/main" id="{EFEBB553-EACE-4B4F-8B4F-7629FDD910A4}"/>
-              </a:ext>
-            </a:extLst>
-          </p:cNvPr>
-          <p:cNvPicPr>
-            <a:picLocks noChangeAspect="1"/>
-          </p:cNvPicPr>
-          <p:nvPr userDrawn="1"/>
-        </p:nvPicPr>
-        <p:blipFill>
-          <a:blip r:embed="rId3">
-            <a:clrChange>
-              <a:clrFrom>
-                <a:srgbClr val="FFFFFF"/>
-              </a:clrFrom>
-              <a:clrTo>
-                <a:srgbClr val="FFFFFF">
-                  <a:alpha val="0"/>
-                </a:srgbClr>
-              </a:clrTo>
-            </a:clrChange>
-            <a:extLst>
-              <a:ext uri="{28A0092B-C50C-407E-A947-70E740481C1C}">
-                <a14:useLocalDpi xmlns:a14="http://schemas.microsoft.com/office/drawing/2010/main" val="0"/>
-              </a:ext>
-            </a:extLst>
-          </a:blip>
-          <a:stretch>
-            <a:fillRect/>
-          </a:stretch>
-        </p:blipFill>
-        <p:spPr>
-          <a:xfrm>
-            <a:off x="10008761" y="190267"/>
-            <a:ext cx="2013336" cy="690975"/>
-          </a:xfrm>
-          <a:prstGeom prst="rect">
-            <a:avLst/>
-          </a:prstGeom>
-        </p:spPr>
-      </p:pic>
       <p:sp>
         <p:nvSpPr>
           <p:cNvPr id="13" name="Slide Title">
@@ -8812,8 +7187,8 @@
         </p:nvSpPr>
         <p:spPr>
           <a:xfrm>
-            <a:off x="1296957" y="100750"/>
-            <a:ext cx="8625520" cy="882654"/>
+            <a:off x="1296956" y="100750"/>
+            <a:ext cx="9164044" cy="882654"/>
           </a:xfrm>
         </p:spPr>
         <p:txBody>
@@ -8831,6 +7206,42 @@
           </a:p>
         </p:txBody>
       </p:sp>
+      <p:pic>
+        <p:nvPicPr>
+          <p:cNvPr id="2" name="Picture 1">
+            <a:extLst>
+              <a:ext uri="{FF2B5EF4-FFF2-40B4-BE49-F238E27FC236}">
+                <a16:creationId xmlns:a16="http://schemas.microsoft.com/office/drawing/2014/main" id="{A37AF1B9-D67A-246A-86B6-E28F19C52390}"/>
+              </a:ext>
+            </a:extLst>
+          </p:cNvPr>
+          <p:cNvPicPr>
+            <a:picLocks noChangeAspect="1"/>
+          </p:cNvPicPr>
+          <p:nvPr userDrawn="1"/>
+        </p:nvPicPr>
+        <p:blipFill>
+          <a:blip r:embed="rId3" cstate="print">
+            <a:extLst>
+              <a:ext uri="{28A0092B-C50C-407E-A947-70E740481C1C}">
+                <a14:useLocalDpi xmlns:a14="http://schemas.microsoft.com/office/drawing/2010/main" val="0"/>
+              </a:ext>
+            </a:extLst>
+          </a:blip>
+          <a:stretch>
+            <a:fillRect/>
+          </a:stretch>
+        </p:blipFill>
+        <p:spPr>
+          <a:xfrm>
+            <a:off x="10551877" y="362077"/>
+            <a:ext cx="1443357" cy="360000"/>
+          </a:xfrm>
+          <a:prstGeom prst="rect">
+            <a:avLst/>
+          </a:prstGeom>
+        </p:spPr>
+      </p:pic>
     </p:spTree>
     <p:extLst>
       <p:ext uri="{BB962C8B-B14F-4D97-AF65-F5344CB8AC3E}">
@@ -8852,7 +7263,7 @@
 </p:sldLayout>
 </file>
 
-<file path=ppt/slideLayouts/slideLayout7.xml><?xml version="1.0" encoding="utf-8"?>
+<file path=ppt/slideLayouts/slideLayout6.xml><?xml version="1.0" encoding="utf-8"?>
 <p:sldLayout xmlns:a="http://schemas.openxmlformats.org/drawingml/2006/main" xmlns:r="http://schemas.openxmlformats.org/officeDocument/2006/relationships" xmlns:p="http://schemas.openxmlformats.org/presentationml/2006/main" preserve="1" userDrawn="1">
   <p:cSld name="Blank Slide">
     <p:spTree>
@@ -9147,8 +7558,8 @@
         </p:nvSpPr>
         <p:spPr>
           <a:xfrm>
-            <a:off x="585176" y="100750"/>
-            <a:ext cx="11410061" cy="882654"/>
+            <a:off x="585177" y="100750"/>
+            <a:ext cx="9875824" cy="882654"/>
           </a:xfrm>
         </p:spPr>
         <p:txBody>
@@ -9166,6 +7577,42 @@
           </a:p>
         </p:txBody>
       </p:sp>
+      <p:pic>
+        <p:nvPicPr>
+          <p:cNvPr id="2" name="Picture 1">
+            <a:extLst>
+              <a:ext uri="{FF2B5EF4-FFF2-40B4-BE49-F238E27FC236}">
+                <a16:creationId xmlns:a16="http://schemas.microsoft.com/office/drawing/2014/main" id="{9C2C375B-43BF-D1DD-F160-1500A111885C}"/>
+              </a:ext>
+            </a:extLst>
+          </p:cNvPr>
+          <p:cNvPicPr>
+            <a:picLocks noChangeAspect="1"/>
+          </p:cNvPicPr>
+          <p:nvPr userDrawn="1"/>
+        </p:nvPicPr>
+        <p:blipFill>
+          <a:blip r:embed="rId3" cstate="print">
+            <a:extLst>
+              <a:ext uri="{28A0092B-C50C-407E-A947-70E740481C1C}">
+                <a14:useLocalDpi xmlns:a14="http://schemas.microsoft.com/office/drawing/2010/main" val="0"/>
+              </a:ext>
+            </a:extLst>
+          </a:blip>
+          <a:stretch>
+            <a:fillRect/>
+          </a:stretch>
+        </p:blipFill>
+        <p:spPr>
+          <a:xfrm>
+            <a:off x="10551877" y="362077"/>
+            <a:ext cx="1443357" cy="360000"/>
+          </a:xfrm>
+          <a:prstGeom prst="rect">
+            <a:avLst/>
+          </a:prstGeom>
+        </p:spPr>
+      </p:pic>
     </p:spTree>
     <p:extLst>
       <p:ext uri="{BB962C8B-B14F-4D97-AF65-F5344CB8AC3E}">
@@ -9187,7 +7634,7 @@
 </p:sldLayout>
 </file>
 
-<file path=ppt/slideLayouts/slideLayout8.xml><?xml version="1.0" encoding="utf-8"?>
+<file path=ppt/slideLayouts/slideLayout7.xml><?xml version="1.0" encoding="utf-8"?>
 <p:sldLayout xmlns:a="http://schemas.openxmlformats.org/drawingml/2006/main" xmlns:r="http://schemas.openxmlformats.org/officeDocument/2006/relationships" xmlns:p="http://schemas.openxmlformats.org/presentationml/2006/main" preserve="1" userDrawn="1">
   <p:cSld name="Source Code Example">
     <p:spTree>
@@ -9242,7 +7689,7 @@
               <a:pPr/>
               <a:t>‹#›</a:t>
             </a:fld>
-            <a:endParaRPr lang="en-US" noProof="0" dirty="0"/>
+            <a:endParaRPr lang="en-US" noProof="0"/>
           </a:p>
         </p:txBody>
       </p:sp>
@@ -9252,6 +7699,726 @@
             <a:extLst>
               <a:ext uri="{FF2B5EF4-FFF2-40B4-BE49-F238E27FC236}">
                 <a16:creationId xmlns:a16="http://schemas.microsoft.com/office/drawing/2014/main" id="{A15CE03A-0933-4E5D-9EA1-718D4F802FFC}"/>
+              </a:ext>
+            </a:extLst>
+          </p:cNvPr>
+          <p:cNvSpPr/>
+          <p:nvPr userDrawn="1"/>
+        </p:nvSpPr>
+        <p:spPr>
+          <a:xfrm>
+            <a:off x="0" y="1311"/>
+            <a:ext cx="12196800" cy="1095376"/>
+          </a:xfrm>
+          <a:prstGeom prst="rect">
+            <a:avLst/>
+          </a:prstGeom>
+          <a:solidFill>
+            <a:schemeClr val="tx2"/>
+          </a:solidFill>
+          <a:ln>
+            <a:noFill/>
+          </a:ln>
+        </p:spPr>
+        <p:style>
+          <a:lnRef idx="2">
+            <a:schemeClr val="accent1">
+              <a:shade val="50000"/>
+            </a:schemeClr>
+          </a:lnRef>
+          <a:fillRef idx="1">
+            <a:schemeClr val="accent1"/>
+          </a:fillRef>
+          <a:effectRef idx="0">
+            <a:schemeClr val="accent1"/>
+          </a:effectRef>
+          <a:fontRef idx="minor">
+            <a:schemeClr val="lt1"/>
+          </a:fontRef>
+        </p:style>
+        <p:txBody>
+          <a:bodyPr rtlCol="0" anchor="ctr"/>
+          <a:lstStyle/>
+          <a:p>
+            <a:pPr marL="0" marR="0" lvl="0" indent="0" algn="ctr" defTabSz="913852" rtl="0" eaLnBrk="1" fontAlgn="auto" latinLnBrk="0" hangingPunct="1">
+              <a:lnSpc>
+                <a:spcPct val="100000"/>
+              </a:lnSpc>
+              <a:spcBef>
+                <a:spcPts val="0"/>
+              </a:spcBef>
+              <a:spcAft>
+                <a:spcPts val="0"/>
+              </a:spcAft>
+              <a:buClrTx/>
+              <a:buSzTx/>
+              <a:buFontTx/>
+              <a:buNone/>
+              <a:tabLst/>
+              <a:defRPr/>
+            </a:pPr>
+            <a:endParaRPr kumimoji="0" lang="en-US" altLang="ko-KR" sz="2398" b="0" i="0" u="none" strike="noStrike" kern="1200" cap="none" spc="0" normalizeH="0" baseline="0" noProof="0" dirty="0">
+              <a:ln>
+                <a:noFill/>
+              </a:ln>
+              <a:solidFill>
+                <a:srgbClr val="F7C86D"/>
+              </a:solidFill>
+              <a:effectLst/>
+              <a:uLnTx/>
+              <a:uFillTx/>
+              <a:latin typeface="Calibri" panose="020F0502020204030204"/>
+              <a:ea typeface="맑은 고딕" panose="020B0503020000020004" pitchFamily="34" charset="-127"/>
+              <a:cs typeface="+mn-cs"/>
+            </a:endParaRPr>
+          </a:p>
+        </p:txBody>
+      </p:sp>
+      <p:sp>
+        <p:nvSpPr>
+          <p:cNvPr id="12" name="Slide Body Text">
+            <a:extLst>
+              <a:ext uri="{FF2B5EF4-FFF2-40B4-BE49-F238E27FC236}">
+                <a16:creationId xmlns:a16="http://schemas.microsoft.com/office/drawing/2014/main" id="{B608ED73-CE88-49E4-8BFC-DBD6E9AE6B10}"/>
+              </a:ext>
+            </a:extLst>
+          </p:cNvPr>
+          <p:cNvSpPr>
+            <a:spLocks noGrp="1"/>
+          </p:cNvSpPr>
+          <p:nvPr>
+            <p:ph type="body" sz="quarter" idx="10" hasCustomPrompt="1"/>
+          </p:nvPr>
+        </p:nvSpPr>
+        <p:spPr>
+          <a:xfrm>
+            <a:off x="190406" y="1206668"/>
+            <a:ext cx="11804831" cy="5550582"/>
+          </a:xfrm>
+        </p:spPr>
+        <p:txBody>
+          <a:bodyPr/>
+          <a:lstStyle>
+            <a:lvl1pPr latinLnBrk="0">
+              <a:defRPr>
+                <a:solidFill>
+                  <a:schemeClr val="tx1"/>
+                </a:solidFill>
+              </a:defRPr>
+            </a:lvl1pPr>
+            <a:lvl2pPr latinLnBrk="0">
+              <a:defRPr>
+                <a:solidFill>
+                  <a:schemeClr val="tx1"/>
+                </a:solidFill>
+              </a:defRPr>
+            </a:lvl2pPr>
+            <a:lvl3pPr latinLnBrk="0">
+              <a:defRPr>
+                <a:solidFill>
+                  <a:schemeClr val="tx1"/>
+                </a:solidFill>
+              </a:defRPr>
+            </a:lvl3pPr>
+            <a:lvl4pPr latinLnBrk="0">
+              <a:defRPr>
+                <a:solidFill>
+                  <a:schemeClr val="tx1"/>
+                </a:solidFill>
+              </a:defRPr>
+            </a:lvl4pPr>
+            <a:lvl5pPr latinLnBrk="0">
+              <a:defRPr>
+                <a:solidFill>
+                  <a:schemeClr val="tx1"/>
+                </a:solidFill>
+              </a:defRPr>
+            </a:lvl5pPr>
+          </a:lstStyle>
+          <a:p>
+            <a:pPr lvl="0"/>
+            <a:r>
+              <a:rPr lang="en-US" noProof="0" dirty="0"/>
+              <a:t>This is a code example</a:t>
+            </a:r>
+          </a:p>
+        </p:txBody>
+      </p:sp>
+      <p:sp>
+        <p:nvSpPr>
+          <p:cNvPr id="4" name="Code Box">
+            <a:extLst>
+              <a:ext uri="{FF2B5EF4-FFF2-40B4-BE49-F238E27FC236}">
+                <a16:creationId xmlns:a16="http://schemas.microsoft.com/office/drawing/2014/main" id="{F4E021E9-D6DB-4272-8C9F-CEF4940FDC10}"/>
+              </a:ext>
+            </a:extLst>
+          </p:cNvPr>
+          <p:cNvSpPr>
+            <a:spLocks noGrp="1"/>
+          </p:cNvSpPr>
+          <p:nvPr>
+            <p:ph type="body" sz="quarter" idx="11" hasCustomPrompt="1"/>
+          </p:nvPr>
+        </p:nvSpPr>
+        <p:spPr>
+          <a:xfrm>
+            <a:off x="674683" y="2034000"/>
+            <a:ext cx="10836275" cy="2237893"/>
+          </a:xfrm>
+          <a:solidFill>
+            <a:schemeClr val="accent6">
+              <a:lumMod val="75000"/>
+              <a:alpha val="15000"/>
+            </a:schemeClr>
+          </a:solidFill>
+          <a:ln w="12700">
+            <a:solidFill>
+              <a:schemeClr val="tx1">
+                <a:lumMod val="50000"/>
+              </a:schemeClr>
+            </a:solidFill>
+          </a:ln>
+        </p:spPr>
+        <p:txBody>
+          <a:bodyPr vert="horz" wrap="square" lIns="144000" tIns="108000" rIns="144000" bIns="108000" rtlCol="0">
+            <a:spAutoFit/>
+          </a:bodyPr>
+          <a:lstStyle>
+            <a:lvl1pPr>
+              <a:buNone/>
+              <a:defRPr lang="en-US" sz="2800" b="1" smtClean="0">
+                <a:latin typeface="Consolas" pitchFamily="49" charset="0"/>
+              </a:defRPr>
+            </a:lvl1pPr>
+            <a:lvl2pPr>
+              <a:defRPr lang="en-US" smtClean="0"/>
+            </a:lvl2pPr>
+            <a:lvl3pPr>
+              <a:defRPr lang="en-US" smtClean="0"/>
+            </a:lvl3pPr>
+            <a:lvl4pPr>
+              <a:defRPr lang="en-US" smtClean="0"/>
+            </a:lvl4pPr>
+            <a:lvl5pPr>
+              <a:defRPr lang="en-US"/>
+            </a:lvl5pPr>
+          </a:lstStyle>
+          <a:p>
+            <a:pPr>
+              <a:spcBef>
+                <a:spcPts val="300"/>
+              </a:spcBef>
+              <a:spcAft>
+                <a:spcPts val="300"/>
+              </a:spcAft>
+            </a:pPr>
+            <a:r>
+              <a:rPr lang="en-US" noProof="1"/>
+              <a:t>Source code box</a:t>
+            </a:r>
+          </a:p>
+          <a:p>
+            <a:pPr>
+              <a:spcBef>
+                <a:spcPts val="300"/>
+              </a:spcBef>
+              <a:spcAft>
+                <a:spcPts val="300"/>
+              </a:spcAft>
+            </a:pPr>
+            <a:r>
+              <a:rPr lang="en-US" noProof="1"/>
+              <a:t>…</a:t>
+            </a:r>
+          </a:p>
+          <a:p>
+            <a:pPr>
+              <a:spcBef>
+                <a:spcPts val="300"/>
+              </a:spcBef>
+              <a:spcAft>
+                <a:spcPts val="300"/>
+              </a:spcAft>
+            </a:pPr>
+            <a:r>
+              <a:rPr lang="en-US" noProof="1"/>
+              <a:t>…</a:t>
+            </a:r>
+          </a:p>
+          <a:p>
+            <a:pPr>
+              <a:spcBef>
+                <a:spcPts val="300"/>
+              </a:spcBef>
+              <a:spcAft>
+                <a:spcPts val="300"/>
+              </a:spcAft>
+            </a:pPr>
+            <a:r>
+              <a:rPr lang="en-US" noProof="1"/>
+              <a:t>…</a:t>
+            </a:r>
+          </a:p>
+        </p:txBody>
+      </p:sp>
+      <p:sp>
+        <p:nvSpPr>
+          <p:cNvPr id="11" name="Slide Title">
+            <a:extLst>
+              <a:ext uri="{FF2B5EF4-FFF2-40B4-BE49-F238E27FC236}">
+                <a16:creationId xmlns:a16="http://schemas.microsoft.com/office/drawing/2014/main" id="{47D60833-F0A9-4F29-8C06-A963A7C8BE93}"/>
+              </a:ext>
+            </a:extLst>
+          </p:cNvPr>
+          <p:cNvSpPr>
+            <a:spLocks noGrp="1"/>
+          </p:cNvSpPr>
+          <p:nvPr>
+            <p:ph type="title" hasCustomPrompt="1"/>
+          </p:nvPr>
+        </p:nvSpPr>
+        <p:spPr>
+          <a:xfrm>
+            <a:off x="190405" y="100750"/>
+            <a:ext cx="10239658" cy="882654"/>
+          </a:xfrm>
+        </p:spPr>
+        <p:txBody>
+          <a:bodyPr/>
+          <a:lstStyle>
+            <a:lvl1pPr latinLnBrk="0">
+              <a:defRPr>
+                <a:solidFill>
+                  <a:schemeClr val="bg2"/>
+                </a:solidFill>
+              </a:defRPr>
+            </a:lvl1pPr>
+          </a:lstStyle>
+          <a:p>
+            <a:r>
+              <a:rPr lang="en-US" noProof="0" dirty="0"/>
+              <a:t>Slide Title</a:t>
+            </a:r>
+          </a:p>
+        </p:txBody>
+      </p:sp>
+      <p:pic>
+        <p:nvPicPr>
+          <p:cNvPr id="3" name="Picture 2">
+            <a:extLst>
+              <a:ext uri="{FF2B5EF4-FFF2-40B4-BE49-F238E27FC236}">
+                <a16:creationId xmlns:a16="http://schemas.microsoft.com/office/drawing/2014/main" id="{4B69A4E8-9221-8F79-65B4-BF9AA7F87DD7}"/>
+              </a:ext>
+            </a:extLst>
+          </p:cNvPr>
+          <p:cNvPicPr>
+            <a:picLocks noChangeAspect="1"/>
+          </p:cNvPicPr>
+          <p:nvPr userDrawn="1"/>
+        </p:nvPicPr>
+        <p:blipFill>
+          <a:blip r:embed="rId2" cstate="print">
+            <a:extLst>
+              <a:ext uri="{28A0092B-C50C-407E-A947-70E740481C1C}">
+                <a14:useLocalDpi xmlns:a14="http://schemas.microsoft.com/office/drawing/2010/main" val="0"/>
+              </a:ext>
+            </a:extLst>
+          </a:blip>
+          <a:stretch>
+            <a:fillRect/>
+          </a:stretch>
+        </p:blipFill>
+        <p:spPr>
+          <a:xfrm>
+            <a:off x="10553573" y="368999"/>
+            <a:ext cx="1443361" cy="360001"/>
+          </a:xfrm>
+          <a:prstGeom prst="rect">
+            <a:avLst/>
+          </a:prstGeom>
+        </p:spPr>
+      </p:pic>
+    </p:spTree>
+    <p:extLst>
+      <p:ext uri="{BB962C8B-B14F-4D97-AF65-F5344CB8AC3E}">
+        <p14:creationId xmlns:p14="http://schemas.microsoft.com/office/powerpoint/2010/main" val="1000829826"/>
+      </p:ext>
+    </p:extLst>
+  </p:cSld>
+  <p:clrMapOvr>
+    <a:masterClrMapping/>
+  </p:clrMapOvr>
+  <mc:AlternateContent xmlns:mc="http://schemas.openxmlformats.org/markup-compatibility/2006" xmlns:p14="http://schemas.microsoft.com/office/powerpoint/2010/main">
+    <mc:Choice Requires="p14">
+      <p:transition spd="slow" p14:dur="2000" advClick="0" advTm="5000"/>
+    </mc:Choice>
+    <mc:Fallback xmlns="">
+      <p:transition spd="slow" advClick="0" advTm="5000"/>
+    </mc:Fallback>
+  </mc:AlternateContent>
+</p:sldLayout>
+</file>
+
+<file path=ppt/slideLayouts/slideLayout8.xml><?xml version="1.0" encoding="utf-8"?>
+<p:sldLayout xmlns:a="http://schemas.openxmlformats.org/drawingml/2006/main" xmlns:r="http://schemas.openxmlformats.org/officeDocument/2006/relationships" xmlns:p="http://schemas.openxmlformats.org/presentationml/2006/main" preserve="1">
+  <p:cSld name="Demo Slide">
+    <p:spTree>
+      <p:nvGrpSpPr>
+        <p:cNvPr id="1" name=""/>
+        <p:cNvGrpSpPr/>
+        <p:nvPr/>
+      </p:nvGrpSpPr>
+      <p:grpSpPr>
+        <a:xfrm>
+          <a:off x="0" y="0"/>
+          <a:ext cx="0" cy="0"/>
+          <a:chOff x="0" y="0"/>
+          <a:chExt cx="0" cy="0"/>
+        </a:xfrm>
+      </p:grpSpPr>
+      <p:sp>
+        <p:nvSpPr>
+          <p:cNvPr id="4" name="Oval Center Icon"/>
+          <p:cNvSpPr>
+            <a:spLocks noChangeAspect="1"/>
+          </p:cNvSpPr>
+          <p:nvPr/>
+        </p:nvSpPr>
+        <p:spPr>
+          <a:xfrm>
+            <a:off x="831000" y="1091471"/>
+            <a:ext cx="3552529" cy="3552529"/>
+          </a:xfrm>
+          <a:prstGeom prst="ellipse">
+            <a:avLst/>
+          </a:prstGeom>
+          <a:solidFill>
+            <a:schemeClr val="tx2"/>
+          </a:solidFill>
+          <a:ln>
+            <a:noFill/>
+          </a:ln>
+        </p:spPr>
+        <p:style>
+          <a:lnRef idx="2">
+            <a:schemeClr val="accent1">
+              <a:shade val="50000"/>
+            </a:schemeClr>
+          </a:lnRef>
+          <a:fillRef idx="1">
+            <a:schemeClr val="accent1"/>
+          </a:fillRef>
+          <a:effectRef idx="0">
+            <a:schemeClr val="accent1"/>
+          </a:effectRef>
+          <a:fontRef idx="minor">
+            <a:schemeClr val="lt1"/>
+          </a:fontRef>
+        </p:style>
+        <p:txBody>
+          <a:bodyPr rtlCol="0" anchor="ctr"/>
+          <a:lstStyle/>
+          <a:p>
+            <a:pPr marL="0" marR="0" lvl="0" indent="0" algn="ctr" defTabSz="913852" rtl="0" eaLnBrk="1" fontAlgn="auto" latinLnBrk="0" hangingPunct="1">
+              <a:lnSpc>
+                <a:spcPct val="100000"/>
+              </a:lnSpc>
+              <a:spcBef>
+                <a:spcPts val="0"/>
+              </a:spcBef>
+              <a:spcAft>
+                <a:spcPts val="0"/>
+              </a:spcAft>
+              <a:buClrTx/>
+              <a:buSzTx/>
+              <a:buFontTx/>
+              <a:buNone/>
+              <a:tabLst/>
+              <a:defRPr/>
+            </a:pPr>
+            <a:endParaRPr kumimoji="0" lang="en-US" altLang="ko-KR" sz="2398" b="0" i="0" u="none" strike="noStrike" kern="1200" cap="none" spc="0" normalizeH="0" baseline="0" noProof="0">
+              <a:ln>
+                <a:noFill/>
+              </a:ln>
+              <a:solidFill>
+                <a:srgbClr val="F7C86D"/>
+              </a:solidFill>
+              <a:effectLst/>
+              <a:uLnTx/>
+              <a:uFillTx/>
+              <a:latin typeface="Calibri" panose="020F0502020204030204"/>
+              <a:ea typeface="맑은 고딕" panose="020B0503020000020004" pitchFamily="34" charset="-127"/>
+              <a:cs typeface="+mn-cs"/>
+            </a:endParaRPr>
+          </a:p>
+        </p:txBody>
+      </p:sp>
+      <p:sp>
+        <p:nvSpPr>
+          <p:cNvPr id="11" name="Slide Subtitle"/>
+          <p:cNvSpPr>
+            <a:spLocks noGrp="1"/>
+          </p:cNvSpPr>
+          <p:nvPr>
+            <p:ph type="subTitle" sz="quarter" idx="11" hasCustomPrompt="1"/>
+          </p:nvPr>
+        </p:nvSpPr>
+        <p:spPr>
+          <a:xfrm>
+            <a:off x="5241000" y="3338387"/>
+            <a:ext cx="6065892" cy="768084"/>
+          </a:xfrm>
+          <a:prstGeom prst="rect">
+            <a:avLst/>
+          </a:prstGeom>
+        </p:spPr>
+        <p:txBody>
+          <a:bodyPr anchor="ctr">
+            <a:noAutofit/>
+          </a:bodyPr>
+          <a:lstStyle>
+            <a:lvl1pPr marL="0" indent="0" algn="ctr" latinLnBrk="0">
+              <a:buNone/>
+              <a:defRPr sz="3998" b="0" baseline="0">
+                <a:solidFill>
+                  <a:schemeClr val="tx1"/>
+                </a:solidFill>
+                <a:latin typeface="+mn-lt"/>
+                <a:cs typeface="Arial" pitchFamily="34" charset="0"/>
+              </a:defRPr>
+            </a:lvl1pPr>
+          </a:lstStyle>
+          <a:p>
+            <a:pPr lvl="0"/>
+            <a:r>
+              <a:rPr lang="en-US" noProof="0" dirty="0"/>
+              <a:t>Click to Edit Section Subtitle</a:t>
+            </a:r>
+          </a:p>
+        </p:txBody>
+      </p:sp>
+      <p:sp>
+        <p:nvSpPr>
+          <p:cNvPr id="10" name="Slide Title"/>
+          <p:cNvSpPr>
+            <a:spLocks noGrp="1"/>
+          </p:cNvSpPr>
+          <p:nvPr>
+            <p:ph type="title" sz="quarter" idx="10" hasCustomPrompt="1"/>
+          </p:nvPr>
+        </p:nvSpPr>
+        <p:spPr>
+          <a:xfrm>
+            <a:off x="5241000" y="1471047"/>
+            <a:ext cx="6065892" cy="1754333"/>
+          </a:xfrm>
+          <a:prstGeom prst="rect">
+            <a:avLst/>
+          </a:prstGeom>
+        </p:spPr>
+        <p:txBody>
+          <a:bodyPr anchor="ctr">
+            <a:noAutofit/>
+          </a:bodyPr>
+          <a:lstStyle>
+            <a:lvl1pPr marL="0" indent="0" algn="ctr" latinLnBrk="0">
+              <a:buNone/>
+              <a:defRPr sz="5396" b="1" baseline="0">
+                <a:solidFill>
+                  <a:schemeClr val="tx1"/>
+                </a:solidFill>
+                <a:latin typeface="+mj-lt"/>
+                <a:cs typeface="Arial" pitchFamily="34" charset="0"/>
+              </a:defRPr>
+            </a:lvl1pPr>
+          </a:lstStyle>
+          <a:p>
+            <a:pPr lvl="0"/>
+            <a:r>
+              <a:rPr lang="en-US" noProof="0" dirty="0"/>
+              <a:t>Click to Edit Section Title</a:t>
+            </a:r>
+            <a:endParaRPr lang="en-US" altLang="ko-KR" noProof="0" dirty="0"/>
+          </a:p>
+        </p:txBody>
+      </p:sp>
+    </p:spTree>
+    <p:extLst>
+      <p:ext uri="{BB962C8B-B14F-4D97-AF65-F5344CB8AC3E}">
+        <p14:creationId xmlns:p14="http://schemas.microsoft.com/office/powerpoint/2010/main" val="2423919747"/>
+      </p:ext>
+    </p:extLst>
+  </p:cSld>
+  <p:clrMapOvr>
+    <a:masterClrMapping/>
+  </p:clrMapOvr>
+  <mc:AlternateContent xmlns:mc="http://schemas.openxmlformats.org/markup-compatibility/2006" xmlns:p14="http://schemas.microsoft.com/office/powerpoint/2010/main">
+    <mc:Choice Requires="p14">
+      <p:transition spd="slow" p14:dur="2000" advClick="0" advTm="5000"/>
+    </mc:Choice>
+    <mc:Fallback xmlns="">
+      <p:transition spd="slow" advClick="0" advTm="5000"/>
+    </mc:Fallback>
+  </mc:AlternateContent>
+</p:sldLayout>
+</file>
+
+<file path=ppt/slideLayouts/slideLayout9.xml><?xml version="1.0" encoding="utf-8"?>
+<p:sldLayout xmlns:a="http://schemas.openxmlformats.org/drawingml/2006/main" xmlns:r="http://schemas.openxmlformats.org/officeDocument/2006/relationships" xmlns:p="http://schemas.openxmlformats.org/presentationml/2006/main" preserve="1" userDrawn="1">
+  <p:cSld name="Table of Contents">
+    <p:spTree>
+      <p:nvGrpSpPr>
+        <p:cNvPr id="1" name=""/>
+        <p:cNvGrpSpPr/>
+        <p:nvPr/>
+      </p:nvGrpSpPr>
+      <p:grpSpPr>
+        <a:xfrm>
+          <a:off x="0" y="0"/>
+          <a:ext cx="0" cy="0"/>
+          <a:chOff x="0" y="0"/>
+          <a:chExt cx="0" cy="0"/>
+        </a:xfrm>
+      </p:grpSpPr>
+      <p:sp>
+        <p:nvSpPr>
+          <p:cNvPr id="10" name="Slide Number">
+            <a:extLst>
+              <a:ext uri="{FF2B5EF4-FFF2-40B4-BE49-F238E27FC236}">
+                <a16:creationId xmlns:a16="http://schemas.microsoft.com/office/drawing/2014/main" id="{39DDE17E-5472-41F3-AF5F-54DFF10DC63C}"/>
+              </a:ext>
+            </a:extLst>
+          </p:cNvPr>
+          <p:cNvSpPr>
+            <a:spLocks noGrp="1"/>
+          </p:cNvSpPr>
+          <p:nvPr>
+            <p:ph type="sldNum" sz="quarter" idx="4"/>
+          </p:nvPr>
+        </p:nvSpPr>
+        <p:spPr>
+          <a:xfrm>
+            <a:off x="11753030" y="6507000"/>
+            <a:ext cx="367414" cy="297000"/>
+          </a:xfrm>
+          <a:prstGeom prst="rect">
+            <a:avLst/>
+          </a:prstGeom>
+        </p:spPr>
+        <p:txBody>
+          <a:bodyPr vert="horz" lIns="91440" tIns="45720" rIns="91440" bIns="45720" rtlCol="0" anchor="b"/>
+          <a:lstStyle>
+            <a:lvl1pPr algn="r">
+              <a:defRPr sz="1000"/>
+            </a:lvl1pPr>
+          </a:lstStyle>
+          <a:p>
+            <a:fld id="{2BF067CD-8E6B-4360-9AA8-C5DF2A48A6D1}" type="slidenum">
+              <a:rPr lang="en-US" noProof="0" smtClean="0"/>
+              <a:pPr/>
+              <a:t>‹#›</a:t>
+            </a:fld>
+            <a:endParaRPr lang="en-US" noProof="0"/>
+          </a:p>
+        </p:txBody>
+      </p:sp>
+      <p:sp>
+        <p:nvSpPr>
+          <p:cNvPr id="23" name="Slide Body Text">
+            <a:extLst>
+              <a:ext uri="{FF2B5EF4-FFF2-40B4-BE49-F238E27FC236}">
+                <a16:creationId xmlns:a16="http://schemas.microsoft.com/office/drawing/2014/main" id="{889D93F4-ABFA-46BF-8E5D-FE6562ACB20F}"/>
+              </a:ext>
+            </a:extLst>
+          </p:cNvPr>
+          <p:cNvSpPr>
+            <a:spLocks noGrp="1"/>
+          </p:cNvSpPr>
+          <p:nvPr>
+            <p:ph type="body" sz="quarter" idx="13" hasCustomPrompt="1"/>
+          </p:nvPr>
+        </p:nvSpPr>
+        <p:spPr>
+          <a:xfrm>
+            <a:off x="196766" y="1371604"/>
+            <a:ext cx="11781606" cy="5207396"/>
+          </a:xfrm>
+        </p:spPr>
+        <p:txBody>
+          <a:bodyPr>
+            <a:normAutofit/>
+          </a:bodyPr>
+          <a:lstStyle>
+            <a:lvl1pPr marL="514042" indent="-514042" latinLnBrk="0">
+              <a:buFont typeface="+mj-lt"/>
+              <a:buAutoNum type="arabicPeriod"/>
+              <a:defRPr sz="3600">
+                <a:solidFill>
+                  <a:schemeClr val="tx1"/>
+                </a:solidFill>
+              </a:defRPr>
+            </a:lvl1pPr>
+            <a:lvl2pPr>
+              <a:defRPr sz="3400"/>
+            </a:lvl2pPr>
+          </a:lstStyle>
+          <a:p>
+            <a:pPr lvl="0"/>
+            <a:r>
+              <a:rPr lang="en-US" noProof="0" dirty="0"/>
+              <a:t>…</a:t>
+            </a:r>
+          </a:p>
+          <a:p>
+            <a:pPr lvl="1"/>
+            <a:r>
+              <a:rPr lang="en-US" noProof="0" dirty="0"/>
+              <a:t>…</a:t>
+            </a:r>
+          </a:p>
+          <a:p>
+            <a:pPr lvl="1"/>
+            <a:r>
+              <a:rPr lang="en-US" noProof="0" dirty="0"/>
+              <a:t>…</a:t>
+            </a:r>
+          </a:p>
+          <a:p>
+            <a:pPr lvl="0"/>
+            <a:r>
+              <a:rPr lang="en-US" noProof="0" dirty="0"/>
+              <a:t>…</a:t>
+            </a:r>
+          </a:p>
+          <a:p>
+            <a:pPr lvl="1"/>
+            <a:r>
+              <a:rPr lang="en-US" noProof="0" dirty="0"/>
+              <a:t>…</a:t>
+            </a:r>
+          </a:p>
+          <a:p>
+            <a:pPr lvl="1"/>
+            <a:r>
+              <a:rPr lang="en-US" noProof="0" dirty="0"/>
+              <a:t>…</a:t>
+            </a:r>
+          </a:p>
+          <a:p>
+            <a:pPr lvl="0"/>
+            <a:r>
+              <a:rPr lang="en-US" noProof="0" dirty="0"/>
+              <a:t>…</a:t>
+            </a:r>
+          </a:p>
+        </p:txBody>
+      </p:sp>
+      <p:sp>
+        <p:nvSpPr>
+          <p:cNvPr id="8" name="Rectangle Top">
+            <a:extLst>
+              <a:ext uri="{FF2B5EF4-FFF2-40B4-BE49-F238E27FC236}">
+                <a16:creationId xmlns:a16="http://schemas.microsoft.com/office/drawing/2014/main" id="{930E0800-9260-4369-8330-8264DD33C5CE}"/>
               </a:ext>
             </a:extLst>
           </p:cNvPr>
@@ -9310,7 +8477,7 @@
               <a:tabLst/>
               <a:defRPr/>
             </a:pPr>
-            <a:endParaRPr kumimoji="0" lang="en-US" altLang="ko-KR" sz="2398" b="0" i="0" u="none" strike="noStrike" kern="1200" cap="none" spc="0" normalizeH="0" baseline="0" noProof="0" dirty="0">
+            <a:endParaRPr kumimoji="0" lang="en-US" altLang="ko-KR" sz="2398" b="0" i="0" u="none" strike="noStrike" kern="1200" cap="none" spc="0" normalizeH="0" baseline="0" noProof="0">
               <a:ln>
                 <a:noFill/>
               </a:ln>
@@ -9327,224 +8494,12 @@
           </a:p>
         </p:txBody>
       </p:sp>
-      <p:pic>
-        <p:nvPicPr>
-          <p:cNvPr id="10" name="Logo Software University" descr="Software University logo">
+      <p:sp>
+        <p:nvSpPr>
+          <p:cNvPr id="13" name="Slide Title">
             <a:extLst>
               <a:ext uri="{FF2B5EF4-FFF2-40B4-BE49-F238E27FC236}">
-                <a16:creationId xmlns:a16="http://schemas.microsoft.com/office/drawing/2014/main" id="{8C01D7AF-7CBD-46E1-99F3-8EB60E838D91}"/>
-              </a:ext>
-            </a:extLst>
-          </p:cNvPr>
-          <p:cNvPicPr>
-            <a:picLocks noChangeAspect="1"/>
-          </p:cNvPicPr>
-          <p:nvPr userDrawn="1"/>
-        </p:nvPicPr>
-        <p:blipFill>
-          <a:blip r:embed="rId2">
-            <a:extLst>
-              <a:ext uri="{28A0092B-C50C-407E-A947-70E740481C1C}">
-                <a14:useLocalDpi xmlns:a14="http://schemas.microsoft.com/office/drawing/2010/main" val="0"/>
-              </a:ext>
-            </a:extLst>
-          </a:blip>
-          <a:stretch>
-            <a:fillRect/>
-          </a:stretch>
-        </p:blipFill>
-        <p:spPr>
-          <a:xfrm>
-            <a:off x="10067957" y="253936"/>
-            <a:ext cx="1915704" cy="559235"/>
-          </a:xfrm>
-          <a:prstGeom prst="rect">
-            <a:avLst/>
-          </a:prstGeom>
-        </p:spPr>
-      </p:pic>
-      <p:sp>
-        <p:nvSpPr>
-          <p:cNvPr id="17" name="Slide Body Text">
-            <a:extLst>
-              <a:ext uri="{FF2B5EF4-FFF2-40B4-BE49-F238E27FC236}">
-                <a16:creationId xmlns:a16="http://schemas.microsoft.com/office/drawing/2014/main" id="{1E60575F-8475-4C78-97A7-27D7891D2770}"/>
-              </a:ext>
-            </a:extLst>
-          </p:cNvPr>
-          <p:cNvSpPr>
-            <a:spLocks noGrp="1"/>
-          </p:cNvSpPr>
-          <p:nvPr>
-            <p:ph type="body" sz="quarter" idx="12" hasCustomPrompt="1"/>
-          </p:nvPr>
-        </p:nvSpPr>
-        <p:spPr>
-          <a:xfrm>
-            <a:off x="190402" y="1196125"/>
-            <a:ext cx="11818096" cy="5528766"/>
-          </a:xfrm>
-        </p:spPr>
-        <p:txBody>
-          <a:bodyPr/>
-          <a:lstStyle>
-            <a:lvl1pPr latinLnBrk="0">
-              <a:defRPr/>
-            </a:lvl1pPr>
-            <a:lvl2pPr latinLnBrk="0">
-              <a:defRPr/>
-            </a:lvl2pPr>
-            <a:lvl3pPr latinLnBrk="0">
-              <a:defRPr/>
-            </a:lvl3pPr>
-            <a:lvl4pPr latinLnBrk="0">
-              <a:defRPr/>
-            </a:lvl4pPr>
-            <a:lvl5pPr latinLnBrk="0">
-              <a:defRPr/>
-            </a:lvl5pPr>
-          </a:lstStyle>
-          <a:p>
-            <a:pPr lvl="0"/>
-            <a:r>
-              <a:rPr lang="en-US" noProof="0" dirty="0"/>
-              <a:t>This is a code example</a:t>
-            </a:r>
-          </a:p>
-        </p:txBody>
-      </p:sp>
-      <p:sp>
-        <p:nvSpPr>
-          <p:cNvPr id="15" name="Code Box">
-            <a:extLst>
-              <a:ext uri="{FF2B5EF4-FFF2-40B4-BE49-F238E27FC236}">
-                <a16:creationId xmlns:a16="http://schemas.microsoft.com/office/drawing/2014/main" id="{29C63EC2-5578-406B-8C2A-23FDE6C14C82}"/>
-              </a:ext>
-            </a:extLst>
-          </p:cNvPr>
-          <p:cNvSpPr>
-            <a:spLocks noGrp="1"/>
-          </p:cNvSpPr>
-          <p:nvPr>
-            <p:ph type="body" sz="quarter" idx="11" hasCustomPrompt="1"/>
-          </p:nvPr>
-        </p:nvSpPr>
-        <p:spPr>
-          <a:xfrm>
-            <a:off x="674683" y="2034000"/>
-            <a:ext cx="10836275" cy="2318684"/>
-          </a:xfrm>
-          <a:solidFill>
-            <a:schemeClr val="accent6">
-              <a:lumMod val="75000"/>
-              <a:alpha val="15000"/>
-            </a:schemeClr>
-          </a:solidFill>
-          <a:ln w="12700">
-            <a:solidFill>
-              <a:schemeClr val="tx1">
-                <a:lumMod val="50000"/>
-              </a:schemeClr>
-            </a:solidFill>
-          </a:ln>
-        </p:spPr>
-        <p:txBody>
-          <a:bodyPr vert="horz" wrap="square" lIns="144000" tIns="108000" rIns="144000" bIns="108000" rtlCol="0">
-            <a:spAutoFit/>
-          </a:bodyPr>
-          <a:lstStyle>
-            <a:lvl1pPr>
-              <a:lnSpc>
-                <a:spcPct val="110000"/>
-              </a:lnSpc>
-              <a:spcBef>
-                <a:spcPts val="0"/>
-              </a:spcBef>
-              <a:spcAft>
-                <a:spcPts val="0"/>
-              </a:spcAft>
-              <a:buNone/>
-              <a:defRPr lang="en-US" sz="2800" b="1" smtClean="0">
-                <a:latin typeface="Consolas" pitchFamily="49" charset="0"/>
-              </a:defRPr>
-            </a:lvl1pPr>
-            <a:lvl2pPr>
-              <a:defRPr lang="en-US" smtClean="0"/>
-            </a:lvl2pPr>
-            <a:lvl3pPr>
-              <a:defRPr lang="en-US" smtClean="0"/>
-            </a:lvl3pPr>
-            <a:lvl4pPr>
-              <a:defRPr lang="en-US" smtClean="0"/>
-            </a:lvl4pPr>
-            <a:lvl5pPr>
-              <a:defRPr lang="en-US"/>
-            </a:lvl5pPr>
-          </a:lstStyle>
-          <a:p>
-            <a:pPr>
-              <a:spcBef>
-                <a:spcPts val="300"/>
-              </a:spcBef>
-              <a:spcAft>
-                <a:spcPts val="300"/>
-              </a:spcAft>
-            </a:pPr>
-            <a:r>
-              <a:rPr lang="en-US" noProof="1"/>
-              <a:t>Source code box</a:t>
-            </a:r>
-          </a:p>
-          <a:p>
-            <a:pPr>
-              <a:spcBef>
-                <a:spcPts val="300"/>
-              </a:spcBef>
-              <a:spcAft>
-                <a:spcPts val="300"/>
-              </a:spcAft>
-            </a:pPr>
-            <a:r>
-              <a:rPr lang="en-US" noProof="1"/>
-              <a:t>…</a:t>
-            </a:r>
-          </a:p>
-          <a:p>
-            <a:pPr>
-              <a:spcBef>
-                <a:spcPts val="300"/>
-              </a:spcBef>
-              <a:spcAft>
-                <a:spcPts val="300"/>
-              </a:spcAft>
-            </a:pPr>
-            <a:r>
-              <a:rPr lang="en-US" noProof="1"/>
-              <a:t>…</a:t>
-            </a:r>
-          </a:p>
-          <a:p>
-            <a:pPr>
-              <a:spcBef>
-                <a:spcPts val="300"/>
-              </a:spcBef>
-              <a:spcAft>
-                <a:spcPts val="300"/>
-              </a:spcAft>
-            </a:pPr>
-            <a:r>
-              <a:rPr lang="en-US" noProof="1"/>
-              <a:t>…</a:t>
-            </a:r>
-          </a:p>
-        </p:txBody>
-      </p:sp>
-      <p:sp>
-        <p:nvSpPr>
-          <p:cNvPr id="11" name="Slide Title">
-            <a:extLst>
-              <a:ext uri="{FF2B5EF4-FFF2-40B4-BE49-F238E27FC236}">
-                <a16:creationId xmlns:a16="http://schemas.microsoft.com/office/drawing/2014/main" id="{47D60833-F0A9-4F29-8C06-A963A7C8BE93}"/>
+                <a16:creationId xmlns:a16="http://schemas.microsoft.com/office/drawing/2014/main" id="{357D7BE1-6358-42CC-94F3-7BCDD91DCB6D}"/>
               </a:ext>
             </a:extLst>
           </p:cNvPr>
@@ -9558,7 +8513,7 @@
         <p:spPr>
           <a:xfrm>
             <a:off x="190406" y="100750"/>
-            <a:ext cx="9715594" cy="882654"/>
+            <a:ext cx="10270594" cy="882654"/>
           </a:xfrm>
         </p:spPr>
         <p:txBody>
@@ -9575,219 +8530,51 @@
           <a:p>
             <a:r>
               <a:rPr lang="en-US" noProof="0" dirty="0"/>
-              <a:t>Slide Title</a:t>
+              <a:t>Table of Contents</a:t>
             </a:r>
           </a:p>
         </p:txBody>
       </p:sp>
-    </p:spTree>
-    <p:extLst>
-      <p:ext uri="{BB962C8B-B14F-4D97-AF65-F5344CB8AC3E}">
-        <p14:creationId xmlns:p14="http://schemas.microsoft.com/office/powerpoint/2010/main" val="1000829826"/>
-      </p:ext>
-    </p:extLst>
-  </p:cSld>
-  <p:clrMapOvr>
-    <a:masterClrMapping/>
-  </p:clrMapOvr>
-  <mc:AlternateContent xmlns:mc="http://schemas.openxmlformats.org/markup-compatibility/2006" xmlns:p14="http://schemas.microsoft.com/office/powerpoint/2010/main">
-    <mc:Choice Requires="p14">
-      <p:transition spd="slow" p14:dur="2000" advClick="0" advTm="5000"/>
-    </mc:Choice>
-    <mc:Fallback xmlns="">
-      <p:transition spd="slow" advClick="0" advTm="5000"/>
-    </mc:Fallback>
-  </mc:AlternateContent>
-</p:sldLayout>
-</file>
-
-<file path=ppt/slideLayouts/slideLayout9.xml><?xml version="1.0" encoding="utf-8"?>
-<p:sldLayout xmlns:a="http://schemas.openxmlformats.org/drawingml/2006/main" xmlns:r="http://schemas.openxmlformats.org/officeDocument/2006/relationships" xmlns:p="http://schemas.openxmlformats.org/presentationml/2006/main" preserve="1">
-  <p:cSld name="Demo Slide">
-    <p:spTree>
-      <p:nvGrpSpPr>
-        <p:cNvPr id="1" name=""/>
-        <p:cNvGrpSpPr/>
-        <p:nvPr/>
-      </p:nvGrpSpPr>
-      <p:grpSpPr>
-        <a:xfrm>
-          <a:off x="0" y="0"/>
-          <a:ext cx="0" cy="0"/>
-          <a:chOff x="0" y="0"/>
-          <a:chExt cx="0" cy="0"/>
-        </a:xfrm>
-      </p:grpSpPr>
-      <p:sp>
-        <p:nvSpPr>
-          <p:cNvPr id="4" name="Oval Center Icon"/>
-          <p:cNvSpPr>
-            <a:spLocks noChangeAspect="1"/>
-          </p:cNvSpPr>
-          <p:nvPr/>
-        </p:nvSpPr>
+      <p:pic>
+        <p:nvPicPr>
+          <p:cNvPr id="3" name="Picture 2">
+            <a:extLst>
+              <a:ext uri="{FF2B5EF4-FFF2-40B4-BE49-F238E27FC236}">
+                <a16:creationId xmlns:a16="http://schemas.microsoft.com/office/drawing/2014/main" id="{4FD808AB-EC49-1578-0005-D58D2A365AA1}"/>
+              </a:ext>
+            </a:extLst>
+          </p:cNvPr>
+          <p:cNvPicPr>
+            <a:picLocks noChangeAspect="1"/>
+          </p:cNvPicPr>
+          <p:nvPr userDrawn="1"/>
+        </p:nvPicPr>
+        <p:blipFill>
+          <a:blip r:embed="rId2" cstate="print">
+            <a:extLst>
+              <a:ext uri="{28A0092B-C50C-407E-A947-70E740481C1C}">
+                <a14:useLocalDpi xmlns:a14="http://schemas.microsoft.com/office/drawing/2010/main" val="0"/>
+              </a:ext>
+            </a:extLst>
+          </a:blip>
+          <a:stretch>
+            <a:fillRect/>
+          </a:stretch>
+        </p:blipFill>
         <p:spPr>
           <a:xfrm>
-            <a:off x="831000" y="1091471"/>
-            <a:ext cx="3552529" cy="3552529"/>
-          </a:xfrm>
-          <a:prstGeom prst="ellipse">
-            <a:avLst/>
-          </a:prstGeom>
-          <a:solidFill>
-            <a:schemeClr val="tx2"/>
-          </a:solidFill>
-          <a:ln>
-            <a:noFill/>
-          </a:ln>
-        </p:spPr>
-        <p:style>
-          <a:lnRef idx="2">
-            <a:schemeClr val="accent1">
-              <a:shade val="50000"/>
-            </a:schemeClr>
-          </a:lnRef>
-          <a:fillRef idx="1">
-            <a:schemeClr val="accent1"/>
-          </a:fillRef>
-          <a:effectRef idx="0">
-            <a:schemeClr val="accent1"/>
-          </a:effectRef>
-          <a:fontRef idx="minor">
-            <a:schemeClr val="lt1"/>
-          </a:fontRef>
-        </p:style>
-        <p:txBody>
-          <a:bodyPr rtlCol="0" anchor="ctr"/>
-          <a:lstStyle/>
-          <a:p>
-            <a:pPr marL="0" marR="0" lvl="0" indent="0" algn="ctr" defTabSz="913852" rtl="0" eaLnBrk="1" fontAlgn="auto" latinLnBrk="0" hangingPunct="1">
-              <a:lnSpc>
-                <a:spcPct val="100000"/>
-              </a:lnSpc>
-              <a:spcBef>
-                <a:spcPts val="0"/>
-              </a:spcBef>
-              <a:spcAft>
-                <a:spcPts val="0"/>
-              </a:spcAft>
-              <a:buClrTx/>
-              <a:buSzTx/>
-              <a:buFontTx/>
-              <a:buNone/>
-              <a:tabLst/>
-              <a:defRPr/>
-            </a:pPr>
-            <a:endParaRPr kumimoji="0" lang="en-US" altLang="ko-KR" sz="2398" b="0" i="0" u="none" strike="noStrike" kern="1200" cap="none" spc="0" normalizeH="0" baseline="0" noProof="0" dirty="0">
-              <a:ln>
-                <a:noFill/>
-              </a:ln>
-              <a:solidFill>
-                <a:srgbClr val="F7C86D"/>
-              </a:solidFill>
-              <a:effectLst/>
-              <a:uLnTx/>
-              <a:uFillTx/>
-              <a:latin typeface="Calibri" panose="020F0502020204030204"/>
-              <a:ea typeface="맑은 고딕" panose="020B0503020000020004" pitchFamily="34" charset="-127"/>
-              <a:cs typeface="+mn-cs"/>
-            </a:endParaRPr>
-          </a:p>
-        </p:txBody>
-      </p:sp>
-      <p:sp>
-        <p:nvSpPr>
-          <p:cNvPr id="11" name="Slide Subtitle"/>
-          <p:cNvSpPr>
-            <a:spLocks noGrp="1"/>
-          </p:cNvSpPr>
-          <p:nvPr>
-            <p:ph type="subTitle" sz="quarter" idx="11" hasCustomPrompt="1"/>
-          </p:nvPr>
-        </p:nvSpPr>
-        <p:spPr>
-          <a:xfrm>
-            <a:off x="5241000" y="3338387"/>
-            <a:ext cx="6065892" cy="768084"/>
+            <a:off x="10553573" y="368999"/>
+            <a:ext cx="1443361" cy="360001"/>
           </a:xfrm>
           <a:prstGeom prst="rect">
             <a:avLst/>
           </a:prstGeom>
         </p:spPr>
-        <p:txBody>
-          <a:bodyPr anchor="ctr">
-            <a:noAutofit/>
-          </a:bodyPr>
-          <a:lstStyle>
-            <a:lvl1pPr marL="0" indent="0" algn="ctr" latinLnBrk="0">
-              <a:buNone/>
-              <a:defRPr sz="3998" b="0" baseline="0">
-                <a:solidFill>
-                  <a:schemeClr val="tx1"/>
-                </a:solidFill>
-                <a:latin typeface="+mn-lt"/>
-                <a:cs typeface="Arial" pitchFamily="34" charset="0"/>
-              </a:defRPr>
-            </a:lvl1pPr>
-          </a:lstStyle>
-          <a:p>
-            <a:pPr lvl="0"/>
-            <a:r>
-              <a:rPr lang="en-US" noProof="0" dirty="0"/>
-              <a:t>Click to Edit Section Subtitle</a:t>
-            </a:r>
-          </a:p>
-        </p:txBody>
-      </p:sp>
-      <p:sp>
-        <p:nvSpPr>
-          <p:cNvPr id="10" name="Slide Title"/>
-          <p:cNvSpPr>
-            <a:spLocks noGrp="1"/>
-          </p:cNvSpPr>
-          <p:nvPr>
-            <p:ph type="title" sz="quarter" idx="10" hasCustomPrompt="1"/>
-          </p:nvPr>
-        </p:nvSpPr>
-        <p:spPr>
-          <a:xfrm>
-            <a:off x="5241000" y="1471047"/>
-            <a:ext cx="6065892" cy="1754333"/>
-          </a:xfrm>
-          <a:prstGeom prst="rect">
-            <a:avLst/>
-          </a:prstGeom>
-        </p:spPr>
-        <p:txBody>
-          <a:bodyPr anchor="ctr">
-            <a:noAutofit/>
-          </a:bodyPr>
-          <a:lstStyle>
-            <a:lvl1pPr marL="0" indent="0" algn="ctr" latinLnBrk="0">
-              <a:buNone/>
-              <a:defRPr sz="5396" b="1" baseline="0">
-                <a:solidFill>
-                  <a:schemeClr val="tx1"/>
-                </a:solidFill>
-                <a:latin typeface="+mj-lt"/>
-                <a:cs typeface="Arial" pitchFamily="34" charset="0"/>
-              </a:defRPr>
-            </a:lvl1pPr>
-          </a:lstStyle>
-          <a:p>
-            <a:pPr lvl="0"/>
-            <a:r>
-              <a:rPr lang="en-US" noProof="0" dirty="0"/>
-              <a:t>Click to Edit Section Title</a:t>
-            </a:r>
-            <a:endParaRPr lang="en-US" altLang="ko-KR" noProof="0" dirty="0"/>
-          </a:p>
-        </p:txBody>
-      </p:sp>
+      </p:pic>
     </p:spTree>
     <p:extLst>
       <p:ext uri="{BB962C8B-B14F-4D97-AF65-F5344CB8AC3E}">
-        <p14:creationId xmlns:p14="http://schemas.microsoft.com/office/powerpoint/2010/main" val="2423919747"/>
+        <p14:creationId xmlns:p14="http://schemas.microsoft.com/office/powerpoint/2010/main" val="1028724482"/>
       </p:ext>
     </p:extLst>
   </p:cSld>
@@ -9830,35 +8617,6 @@
           <a:chExt cx="0" cy="0"/>
         </a:xfrm>
       </p:grpSpPr>
-      <p:pic>
-        <p:nvPicPr>
-          <p:cNvPr id="4" name="Picture Background" descr="SoftUni Background">
-            <a:extLst>
-              <a:ext uri="{FF2B5EF4-FFF2-40B4-BE49-F238E27FC236}">
-                <a16:creationId xmlns:a16="http://schemas.microsoft.com/office/drawing/2014/main" id="{5BE90A63-DDD9-4B3B-A234-DF69B9BC812F}"/>
-              </a:ext>
-            </a:extLst>
-          </p:cNvPr>
-          <p:cNvPicPr>
-            <a:picLocks noChangeAspect="1"/>
-          </p:cNvPicPr>
-          <p:nvPr userDrawn="1"/>
-        </p:nvPicPr>
-        <p:blipFill rotWithShape="1">
-          <a:blip r:embed="rId15"/>
-          <a:srcRect b="1672"/>
-          <a:stretch/>
-        </p:blipFill>
-        <p:spPr>
-          <a:xfrm>
-            <a:off x="0" y="1"/>
-            <a:ext cx="12192000" cy="6857999"/>
-          </a:xfrm>
-          <a:prstGeom prst="rect">
-            <a:avLst/>
-          </a:prstGeom>
-        </p:spPr>
-      </p:pic>
       <p:sp>
         <p:nvSpPr>
           <p:cNvPr id="11" name="Slide Body Text">
@@ -9975,19 +8733,18 @@
   </p:cSld>
   <p:clrMap bg1="lt1" tx1="dk1" bg2="lt2" tx2="dk2" accent1="accent1" accent2="accent2" accent3="accent3" accent4="accent4" accent5="accent5" accent6="accent6" hlink="hlink" folHlink="folHlink"/>
   <p:sldLayoutIdLst>
-    <p:sldLayoutId id="2147483676" r:id="rId1"/>
+    <p:sldLayoutId id="2147483691" r:id="rId1"/>
     <p:sldLayoutId id="2147483689" r:id="rId2"/>
     <p:sldLayoutId id="2147483681" r:id="rId3"/>
-    <p:sldLayoutId id="2147483677" r:id="rId4"/>
-    <p:sldLayoutId id="2147483679" r:id="rId5"/>
-    <p:sldLayoutId id="2147483680" r:id="rId6"/>
-    <p:sldLayoutId id="2147483688" r:id="rId7"/>
-    <p:sldLayoutId id="2147483684" r:id="rId8"/>
-    <p:sldLayoutId id="2147483690" r:id="rId9"/>
+    <p:sldLayoutId id="2147483679" r:id="rId4"/>
+    <p:sldLayoutId id="2147483680" r:id="rId5"/>
+    <p:sldLayoutId id="2147483688" r:id="rId6"/>
+    <p:sldLayoutId id="2147483684" r:id="rId7"/>
+    <p:sldLayoutId id="2147483690" r:id="rId8"/>
+    <p:sldLayoutId id="2147483677" r:id="rId9"/>
     <p:sldLayoutId id="2147483683" r:id="rId10"/>
     <p:sldLayoutId id="2147483685" r:id="rId11"/>
     <p:sldLayoutId id="2147483686" r:id="rId12"/>
-    <p:sldLayoutId id="2147483687" r:id="rId13"/>
   </p:sldLayoutIdLst>
   <mc:AlternateContent xmlns:mc="http://schemas.openxmlformats.org/markup-compatibility/2006" xmlns:p14="http://schemas.microsoft.com/office/powerpoint/2010/main">
     <mc:Choice Requires="p14">
@@ -10316,7 +9073,80 @@
       </p:grpSpPr>
       <p:sp>
         <p:nvSpPr>
-          <p:cNvPr id="20" name="Text Placeholder 11"/>
+          <p:cNvPr id="21" name="Text Placeholder 6">
+            <a:extLst>
+              <a:ext uri="{FF2B5EF4-FFF2-40B4-BE49-F238E27FC236}">
+                <a16:creationId xmlns:a16="http://schemas.microsoft.com/office/drawing/2014/main" id="{76A05CC2-FC4D-4504-ABD3-8A2DED65D274}"/>
+              </a:ext>
+            </a:extLst>
+          </p:cNvPr>
+          <p:cNvSpPr>
+            <a:spLocks noGrp="1"/>
+          </p:cNvSpPr>
+          <p:nvPr>
+            <p:ph type="body" sz="quarter" idx="22"/>
+          </p:nvPr>
+        </p:nvSpPr>
+        <p:spPr>
+          <a:xfrm>
+            <a:off x="6379867" y="5904000"/>
+            <a:ext cx="5248260" cy="341313"/>
+          </a:xfrm>
+        </p:spPr>
+        <p:txBody>
+          <a:bodyPr/>
+          <a:lstStyle/>
+          <a:p>
+            <a:r>
+              <a:rPr lang="bg-BG" noProof="1"/>
+              <a:t>Софтуерни и хардуерни науки</a:t>
+            </a:r>
+            <a:endParaRPr lang="en-US" dirty="0"/>
+          </a:p>
+        </p:txBody>
+      </p:sp>
+      <p:sp>
+        <p:nvSpPr>
+          <p:cNvPr id="18" name="Text Placeholder 11"/>
+          <p:cNvSpPr>
+            <a:spLocks noGrp="1"/>
+          </p:cNvSpPr>
+          <p:nvPr>
+            <p:ph type="body" sz="quarter" idx="21"/>
+          </p:nvPr>
+        </p:nvSpPr>
+        <p:spPr>
+          <a:xfrm>
+            <a:off x="6374856" y="5529764"/>
+            <a:ext cx="5248260" cy="374236"/>
+          </a:xfrm>
+        </p:spPr>
+        <p:txBody>
+          <a:bodyPr>
+            <a:noAutofit/>
+          </a:bodyPr>
+          <a:lstStyle/>
+          <a:p>
+            <a:r>
+              <a:rPr lang="bg-BG" dirty="0">
+                <a:solidFill>
+                  <a:srgbClr val="234465"/>
+                </a:solidFill>
+              </a:rPr>
+              <a:t>Курс "ООП"</a:t>
+            </a:r>
+          </a:p>
+        </p:txBody>
+      </p:sp>
+      <p:sp>
+        <p:nvSpPr>
+          <p:cNvPr id="20" name="Text Placeholder 3">
+            <a:extLst>
+              <a:ext uri="{FF2B5EF4-FFF2-40B4-BE49-F238E27FC236}">
+                <a16:creationId xmlns:a16="http://schemas.microsoft.com/office/drawing/2014/main" id="{941D5C10-8D10-4D4A-BDC4-202C30EAED2F}"/>
+              </a:ext>
+            </a:extLst>
+          </p:cNvPr>
           <p:cNvSpPr>
             <a:spLocks noGrp="1"/>
           </p:cNvSpPr>
@@ -10326,8 +9156,8 @@
         </p:nvSpPr>
         <p:spPr>
           <a:xfrm>
-            <a:off x="8708505" y="6130863"/>
-            <a:ext cx="2951518" cy="341556"/>
+            <a:off x="534045" y="6039000"/>
+            <a:ext cx="4751953" cy="341556"/>
           </a:xfrm>
         </p:spPr>
         <p:txBody>
@@ -10338,15 +9168,15 @@
               <a:rPr lang="en-US" dirty="0">
                 <a:hlinkClick r:id="rId3"/>
               </a:rPr>
-              <a:t>https://softuni.bg</a:t>
-            </a:r>
-            <a:endParaRPr lang="en-US" dirty="0"/>
+              <a:t>https://github.com/BG-IT-Edu</a:t>
+            </a:r>
+            <a:endParaRPr lang="bg-BG" dirty="0"/>
           </a:p>
         </p:txBody>
       </p:sp>
       <p:sp>
         <p:nvSpPr>
-          <p:cNvPr id="19" name="Text Placeholder 10"/>
+          <p:cNvPr id="19" name="Text Placeholder 9"/>
           <p:cNvSpPr>
             <a:spLocks noGrp="1"/>
           </p:cNvSpPr>
@@ -10356,8 +9186,8 @@
         </p:nvSpPr>
         <p:spPr>
           <a:xfrm>
-            <a:off x="8708505" y="5756628"/>
-            <a:ext cx="2951518" cy="367080"/>
+            <a:off x="534046" y="5229000"/>
+            <a:ext cx="4751954" cy="724904"/>
           </a:xfrm>
         </p:spPr>
         <p:txBody>
@@ -10365,66 +9195,12 @@
           <a:lstStyle/>
           <a:p>
             <a:r>
-              <a:rPr lang="en-US" dirty="0"/>
-              <a:t>Software University</a:t>
-            </a:r>
-          </a:p>
-        </p:txBody>
-      </p:sp>
-      <p:sp>
-        <p:nvSpPr>
-          <p:cNvPr id="18" name="Text Placeholder 7"/>
-          <p:cNvSpPr>
-            <a:spLocks noGrp="1"/>
-          </p:cNvSpPr>
-          <p:nvPr>
-            <p:ph type="body" sz="quarter" idx="20"/>
-          </p:nvPr>
-        </p:nvSpPr>
-        <p:spPr>
-          <a:xfrm>
-            <a:off x="553082" y="5344180"/>
-            <a:ext cx="2980696" cy="444793"/>
-          </a:xfrm>
-        </p:spPr>
-        <p:txBody>
-          <a:bodyPr>
-            <a:normAutofit/>
-          </a:bodyPr>
-          <a:lstStyle/>
-          <a:p>
-            <a:r>
-              <a:rPr lang="en-US" dirty="0"/>
-              <a:t>Technical Trainers</a:t>
-            </a:r>
-          </a:p>
-        </p:txBody>
-      </p:sp>
-      <p:sp>
-        <p:nvSpPr>
-          <p:cNvPr id="17" name="Text Placeholder 6"/>
-          <p:cNvSpPr>
-            <a:spLocks noGrp="1"/>
-          </p:cNvSpPr>
-          <p:nvPr>
-            <p:ph type="body" sz="quarter" idx="19"/>
-          </p:nvPr>
-        </p:nvSpPr>
-        <p:spPr>
-          <a:xfrm>
-            <a:off x="553082" y="4851838"/>
-            <a:ext cx="2980696" cy="454398"/>
-          </a:xfrm>
-        </p:spPr>
-        <p:txBody>
-          <a:bodyPr>
-            <a:normAutofit fontScale="92500" lnSpcReduction="10000"/>
-          </a:bodyPr>
-          <a:lstStyle/>
-          <a:p>
-            <a:r>
-              <a:rPr lang="en-US" dirty="0"/>
-              <a:t>SoftUni Team</a:t>
+              <a:rPr lang="bg-BG" dirty="0">
+                <a:solidFill>
+                  <a:schemeClr val="tx1"/>
+                </a:solidFill>
+              </a:rPr>
+              <a:t>Проект "Отворено учебно съдържание по програмиране и ИТ", СофтУни Фондация</a:t>
             </a:r>
           </a:p>
         </p:txBody>
@@ -10441,8 +9217,8 @@
         </p:nvSpPr>
         <p:spPr>
           <a:xfrm>
-            <a:off x="554038" y="1376288"/>
-            <a:ext cx="11083925" cy="1422712"/>
+            <a:off x="554746" y="1269000"/>
+            <a:ext cx="11083636" cy="1236558"/>
           </a:xfrm>
         </p:spPr>
         <p:txBody>
@@ -10452,23 +9228,15 @@
           <a:lstStyle/>
           <a:p>
             <a:r>
-              <a:rPr lang="bg-BG" dirty="0"/>
+              <a:rPr lang="ru-RU" dirty="0"/>
               <a:t>Ползи от капсулацията на данни в ООП,</a:t>
             </a:r>
             <a:br>
-              <a:rPr lang="bg-BG" dirty="0"/>
+              <a:rPr lang="ru-RU" dirty="0"/>
             </a:br>
             <a:r>
-              <a:rPr lang="bg-BG" dirty="0"/>
-              <a:t>скриване на детайлите в </a:t>
-            </a:r>
-            <a:r>
-              <a:rPr lang="en-US" dirty="0"/>
-              <a:t>private </a:t>
-            </a:r>
-            <a:r>
-              <a:rPr lang="bg-BG" dirty="0"/>
-              <a:t>полета и методи</a:t>
+              <a:rPr lang="ru-RU" dirty="0"/>
+              <a:t>скриване на детайлите в Private полета и методи</a:t>
             </a:r>
             <a:endParaRPr lang="en-US" dirty="0"/>
           </a:p>
@@ -10484,12 +9252,7 @@
             <p:ph type="title"/>
           </p:nvPr>
         </p:nvSpPr>
-        <p:spPr>
-          <a:xfrm>
-            <a:off x="554038" y="324000"/>
-            <a:ext cx="11083925" cy="970913"/>
-          </a:xfrm>
-        </p:spPr>
+        <p:spPr/>
         <p:txBody>
           <a:bodyPr>
             <a:normAutofit/>
@@ -10500,73 +9263,26 @@
               <a:rPr lang="bg-BG" sz="5400" dirty="0"/>
               <a:t>Капсулация</a:t>
             </a:r>
-            <a:endParaRPr lang="en-US" sz="4800" dirty="0"/>
-          </a:p>
-        </p:txBody>
-      </p:sp>
-      <p:sp>
-        <p:nvSpPr>
-          <p:cNvPr id="11" name="TextBox 10"/>
-          <p:cNvSpPr txBox="1"/>
-          <p:nvPr/>
-        </p:nvSpPr>
-        <p:spPr>
-          <a:xfrm rot="18702437">
-            <a:off x="4456998" y="4084014"/>
-            <a:ext cx="1688043" cy="668361"/>
-          </a:xfrm>
-          <a:prstGeom prst="rect">
-            <a:avLst/>
-          </a:prstGeom>
-          <a:noFill/>
-          <a:ln w="12700">
-            <a:noFill/>
-          </a:ln>
-        </p:spPr>
-        <p:txBody>
-          <a:bodyPr vert="horz" wrap="square" lIns="144000" tIns="108000" rIns="144000" bIns="108000" rtlCol="0">
-            <a:spAutoFit/>
-          </a:bodyPr>
-          <a:lstStyle/>
-          <a:p>
-            <a:pPr algn="l" eaLnBrk="0" hangingPunct="0">
-              <a:lnSpc>
-                <a:spcPct val="110000"/>
-              </a:lnSpc>
-              <a:buClr>
-                <a:schemeClr val="accent5">
-                  <a:lumMod val="40000"/>
-                  <a:lumOff val="60000"/>
-                </a:schemeClr>
-              </a:buClr>
-              <a:buSzPct val="70000"/>
-            </a:pPr>
-            <a:r>
-              <a:rPr lang="en-US" sz="2800" b="1" dirty="0">
-                <a:solidFill>
-                  <a:schemeClr val="bg2"/>
-                </a:solidFill>
-              </a:rPr>
-              <a:t>variables</a:t>
-            </a:r>
-            <a:endParaRPr lang="bg-BG" sz="2800" b="1" dirty="0">
-              <a:solidFill>
-                <a:schemeClr val="bg2"/>
-              </a:solidFill>
-            </a:endParaRPr>
+            <a:endParaRPr lang="en-US" dirty="0"/>
           </a:p>
         </p:txBody>
       </p:sp>
       <p:pic>
         <p:nvPicPr>
-          <p:cNvPr id="2" name="Picture 1"/>
+          <p:cNvPr id="8" name="Picture 7" descr="A green and blue rectangular sign with white text&#10;&#10;Description automatically generated">
+            <a:extLst>
+              <a:ext uri="{FF2B5EF4-FFF2-40B4-BE49-F238E27FC236}">
+                <a16:creationId xmlns:a16="http://schemas.microsoft.com/office/drawing/2014/main" id="{75312D09-226E-6C55-27BB-461591B94F24}"/>
+              </a:ext>
+            </a:extLst>
+          </p:cNvPr>
           <p:cNvPicPr>
             <a:picLocks noChangeAspect="1"/>
           </p:cNvPicPr>
           <p:nvPr/>
         </p:nvPicPr>
         <p:blipFill>
-          <a:blip r:embed="rId4" cstate="print">
+          <a:blip r:embed="rId4">
             <a:extLst>
               <a:ext uri="{28A0092B-C50C-407E-A947-70E740481C1C}">
                 <a14:useLocalDpi xmlns:a14="http://schemas.microsoft.com/office/drawing/2010/main" val="0"/>
@@ -10579,7 +9295,43 @@
         </p:blipFill>
         <p:spPr>
           <a:xfrm>
-            <a:off x="4830981" y="2844000"/>
+            <a:off x="449311" y="2980813"/>
+            <a:ext cx="1956689" cy="988187"/>
+          </a:xfrm>
+          <a:prstGeom prst="rect">
+            <a:avLst/>
+          </a:prstGeom>
+        </p:spPr>
+      </p:pic>
+      <p:pic>
+        <p:nvPicPr>
+          <p:cNvPr id="3" name="Picture 2">
+            <a:extLst>
+              <a:ext uri="{FF2B5EF4-FFF2-40B4-BE49-F238E27FC236}">
+                <a16:creationId xmlns:a16="http://schemas.microsoft.com/office/drawing/2014/main" id="{64928694-AE2E-93EE-A11C-46074B970B51}"/>
+              </a:ext>
+            </a:extLst>
+          </p:cNvPr>
+          <p:cNvPicPr>
+            <a:picLocks noChangeAspect="1"/>
+          </p:cNvPicPr>
+          <p:nvPr/>
+        </p:nvPicPr>
+        <p:blipFill>
+          <a:blip r:embed="rId5" cstate="print">
+            <a:extLst>
+              <a:ext uri="{28A0092B-C50C-407E-A947-70E740481C1C}">
+                <a14:useLocalDpi xmlns:a14="http://schemas.microsoft.com/office/drawing/2010/main" val="0"/>
+              </a:ext>
+            </a:extLst>
+          </a:blip>
+          <a:stretch>
+            <a:fillRect/>
+          </a:stretch>
+        </p:blipFill>
+        <p:spPr>
+          <a:xfrm>
+            <a:off x="9532714" y="2763786"/>
             <a:ext cx="2090402" cy="2090402"/>
           </a:xfrm>
           <a:prstGeom prst="rect">
@@ -10590,7 +9342,7 @@
     </p:spTree>
     <p:extLst>
       <p:ext uri="{BB962C8B-B14F-4D97-AF65-F5344CB8AC3E}">
-        <p14:creationId xmlns:p14="http://schemas.microsoft.com/office/powerpoint/2010/main" val="3329822631"/>
+        <p14:creationId xmlns:p14="http://schemas.microsoft.com/office/powerpoint/2010/main" val="2637781195"/>
       </p:ext>
     </p:extLst>
   </p:cSld>
@@ -10980,10 +9732,10 @@
       </p:sp>
       <p:sp>
         <p:nvSpPr>
-          <p:cNvPr id="7" name="Slide Number">
+          <p:cNvPr id="2" name="Slide Number">
             <a:extLst>
               <a:ext uri="{FF2B5EF4-FFF2-40B4-BE49-F238E27FC236}">
-                <a16:creationId xmlns:a16="http://schemas.microsoft.com/office/drawing/2014/main" id="{ECF50326-3006-46A5-8EE1-FFA89045DB25}"/>
+                <a16:creationId xmlns:a16="http://schemas.microsoft.com/office/drawing/2014/main" id="{ABAD7979-6D12-938A-7659-C6E5C0902BD4}"/>
               </a:ext>
             </a:extLst>
           </p:cNvPr>
@@ -11023,7 +9775,7 @@
     </p:spTree>
     <p:extLst>
       <p:ext uri="{BB962C8B-B14F-4D97-AF65-F5344CB8AC3E}">
-        <p14:creationId xmlns:p14="http://schemas.microsoft.com/office/powerpoint/2010/main" val="2169679700"/>
+        <p14:creationId xmlns:p14="http://schemas.microsoft.com/office/powerpoint/2010/main" val="3209861874"/>
       </p:ext>
     </p:extLst>
   </p:cSld>
@@ -11169,36 +9921,6 @@
       </p:grpSpPr>
       <p:sp>
         <p:nvSpPr>
-          <p:cNvPr id="2" name="Slide Number Placeholder 1">
-            <a:extLst>
-              <a:ext uri="{FF2B5EF4-FFF2-40B4-BE49-F238E27FC236}">
-                <a16:creationId xmlns:a16="http://schemas.microsoft.com/office/drawing/2014/main" id="{2AE3F3D2-5EF2-139C-79F4-79B102B34F7B}"/>
-              </a:ext>
-            </a:extLst>
-          </p:cNvPr>
-          <p:cNvSpPr>
-            <a:spLocks noGrp="1"/>
-          </p:cNvSpPr>
-          <p:nvPr>
-            <p:ph type="sldNum" sz="quarter" idx="5"/>
-          </p:nvPr>
-        </p:nvSpPr>
-        <p:spPr/>
-        <p:txBody>
-          <a:bodyPr/>
-          <a:lstStyle/>
-          <a:p>
-            <a:fld id="{2BF067CD-8E6B-4360-9AA8-C5DF2A48A6D1}" type="slidenum">
-              <a:rPr lang="en-US" noProof="0" smtClean="0"/>
-              <a:pPr/>
-              <a:t>11</a:t>
-            </a:fld>
-            <a:endParaRPr lang="en-US" noProof="0" dirty="0"/>
-          </a:p>
-        </p:txBody>
-      </p:sp>
-      <p:sp>
-        <p:nvSpPr>
           <p:cNvPr id="3" name="Text Placeholder 2">
             <a:extLst>
               <a:ext uri="{FF2B5EF4-FFF2-40B4-BE49-F238E27FC236}">
@@ -11523,10 +10245,52 @@
           </a:p>
         </p:txBody>
       </p:sp>
+      <p:sp>
+        <p:nvSpPr>
+          <p:cNvPr id="5" name="Slide Number">
+            <a:extLst>
+              <a:ext uri="{FF2B5EF4-FFF2-40B4-BE49-F238E27FC236}">
+                <a16:creationId xmlns:a16="http://schemas.microsoft.com/office/drawing/2014/main" id="{EE45A4A8-0F8E-BD50-A69F-F2950A2C4D4E}"/>
+              </a:ext>
+            </a:extLst>
+          </p:cNvPr>
+          <p:cNvSpPr>
+            <a:spLocks noGrp="1"/>
+          </p:cNvSpPr>
+          <p:nvPr>
+            <p:ph type="sldNum" sz="quarter" idx="5"/>
+          </p:nvPr>
+        </p:nvSpPr>
+        <p:spPr>
+          <a:xfrm>
+            <a:off x="11753030" y="6507000"/>
+            <a:ext cx="367414" cy="297000"/>
+          </a:xfrm>
+          <a:prstGeom prst="rect">
+            <a:avLst/>
+          </a:prstGeom>
+        </p:spPr>
+        <p:txBody>
+          <a:bodyPr vert="horz" lIns="91440" tIns="45720" rIns="91440" bIns="45720" rtlCol="0" anchor="b"/>
+          <a:lstStyle>
+            <a:lvl1pPr algn="r">
+              <a:defRPr sz="1000"/>
+            </a:lvl1pPr>
+          </a:lstStyle>
+          <a:p>
+            <a:fld id="{2BF067CD-8E6B-4360-9AA8-C5DF2A48A6D1}" type="slidenum">
+              <a:rPr lang="en-US" noProof="0" smtClean="0"/>
+              <a:pPr/>
+              <a:t>11</a:t>
+            </a:fld>
+            <a:endParaRPr lang="en-US" noProof="0" dirty="0"/>
+          </a:p>
+        </p:txBody>
+      </p:sp>
     </p:spTree>
     <p:extLst>
       <p:ext uri="{BB962C8B-B14F-4D97-AF65-F5344CB8AC3E}">
-        <p14:creationId xmlns:p14="http://schemas.microsoft.com/office/powerpoint/2010/main" val="3658185616"/>
+        <p14:creationId xmlns:p14="http://schemas.microsoft.com/office/powerpoint/2010/main" val="2200413120"/>
       </p:ext>
     </p:extLst>
   </p:cSld>
@@ -11914,7 +10678,8 @@
                 <a:solidFill>
                   <a:schemeClr val="bg1"/>
                 </a:solidFill>
-                <a:latin typeface="Consolas" panose="020B0609020204030204" pitchFamily="49" charset="0"/>
+                <a:latin typeface="Calibri" panose="020F0502020204030204" pitchFamily="34" charset="0"/>
+                <a:cs typeface="Calibri" panose="020F0502020204030204" pitchFamily="34" charset="0"/>
               </a:rPr>
               <a:t> (заплата)</a:t>
             </a:r>
@@ -11922,7 +10687,8 @@
               <a:solidFill>
                 <a:schemeClr val="bg1"/>
               </a:solidFill>
-              <a:latin typeface="Consolas" panose="020B0609020204030204" pitchFamily="49" charset="0"/>
+              <a:latin typeface="Calibri" panose="020F0502020204030204" pitchFamily="34" charset="0"/>
+              <a:cs typeface="Calibri" panose="020F0502020204030204" pitchFamily="34" charset="0"/>
             </a:endParaRPr>
           </a:p>
           <a:p>
@@ -12291,10 +11057,10 @@
       </p:sp>
       <p:sp>
         <p:nvSpPr>
-          <p:cNvPr id="10" name="Slide Number">
+          <p:cNvPr id="2" name="Slide Number">
             <a:extLst>
               <a:ext uri="{FF2B5EF4-FFF2-40B4-BE49-F238E27FC236}">
-                <a16:creationId xmlns:a16="http://schemas.microsoft.com/office/drawing/2014/main" id="{81C0D8E8-BD27-4854-BB78-28383D28ED33}"/>
+                <a16:creationId xmlns:a16="http://schemas.microsoft.com/office/drawing/2014/main" id="{D6ED52E5-C452-B1E6-C497-3DA9868BA547}"/>
               </a:ext>
             </a:extLst>
           </p:cNvPr>
@@ -12334,7 +11100,7 @@
     </p:spTree>
     <p:extLst>
       <p:ext uri="{BB962C8B-B14F-4D97-AF65-F5344CB8AC3E}">
-        <p14:creationId xmlns:p14="http://schemas.microsoft.com/office/powerpoint/2010/main" val="1210529729"/>
+        <p14:creationId xmlns:p14="http://schemas.microsoft.com/office/powerpoint/2010/main" val="2394450349"/>
       </p:ext>
     </p:extLst>
   </p:cSld>
@@ -12894,10 +11660,10 @@
       </p:sp>
       <p:sp>
         <p:nvSpPr>
-          <p:cNvPr id="6" name="Slide Number">
+          <p:cNvPr id="2" name="Slide Number">
             <a:extLst>
               <a:ext uri="{FF2B5EF4-FFF2-40B4-BE49-F238E27FC236}">
-                <a16:creationId xmlns:a16="http://schemas.microsoft.com/office/drawing/2014/main" id="{C7F38824-DFBF-4EC6-84F9-236A70D4B720}"/>
+                <a16:creationId xmlns:a16="http://schemas.microsoft.com/office/drawing/2014/main" id="{7132B9AF-3ACF-18B2-5577-72D617CCE8A1}"/>
               </a:ext>
             </a:extLst>
           </p:cNvPr>
@@ -12937,7 +11703,7 @@
     </p:spTree>
     <p:extLst>
       <p:ext uri="{BB962C8B-B14F-4D97-AF65-F5344CB8AC3E}">
-        <p14:creationId xmlns:p14="http://schemas.microsoft.com/office/powerpoint/2010/main" val="2805248209"/>
+        <p14:creationId xmlns:p14="http://schemas.microsoft.com/office/powerpoint/2010/main" val="2145017359"/>
       </p:ext>
     </p:extLst>
   </p:cSld>
@@ -13287,10 +12053,10 @@
       </p:pic>
       <p:sp>
         <p:nvSpPr>
-          <p:cNvPr id="4" name="Текстов контейнер 3">
+          <p:cNvPr id="5" name="Подзаглавие 4">
             <a:extLst>
               <a:ext uri="{FF2B5EF4-FFF2-40B4-BE49-F238E27FC236}">
-                <a16:creationId xmlns:a16="http://schemas.microsoft.com/office/drawing/2014/main" id="{356E9F13-690E-4830-B96B-3A547DD2C699}"/>
+                <a16:creationId xmlns:a16="http://schemas.microsoft.com/office/drawing/2014/main" id="{016E5FE9-2BD6-73E6-1B9B-751D288B4B6A}"/>
               </a:ext>
             </a:extLst>
           </p:cNvPr>
@@ -13307,19 +12073,23 @@
           <a:lstStyle/>
           <a:p>
             <a:r>
-              <a:rPr lang="bg-BG" dirty="0"/>
-              <a:t>Хвърляне и хващане на изключения</a:t>
-            </a:r>
-            <a:endParaRPr lang="en-US" dirty="0"/>
+              <a:rPr lang="ru-RU" dirty="0"/>
+              <a:t>Хвърляне и хващане на </a:t>
+            </a:r>
+            <a:r>
+              <a:rPr lang="ru-RU" dirty="0" err="1"/>
+              <a:t>изключения</a:t>
+            </a:r>
+            <a:endParaRPr lang="bg-BG" dirty="0"/>
           </a:p>
         </p:txBody>
       </p:sp>
       <p:sp>
         <p:nvSpPr>
-          <p:cNvPr id="3" name="Title 2">
+          <p:cNvPr id="8" name="Заглавие 7">
             <a:extLst>
               <a:ext uri="{FF2B5EF4-FFF2-40B4-BE49-F238E27FC236}">
-                <a16:creationId xmlns:a16="http://schemas.microsoft.com/office/drawing/2014/main" id="{97A5F9D7-C027-4297-A74E-45C975F26EA3}"/>
+                <a16:creationId xmlns:a16="http://schemas.microsoft.com/office/drawing/2014/main" id="{0B88EB86-FB00-4F50-AC41-58BFF50E87EC}"/>
               </a:ext>
             </a:extLst>
           </p:cNvPr>
@@ -13339,14 +12109,13 @@
               <a:rPr lang="bg-BG" dirty="0"/>
               <a:t>Изключения в програмирането</a:t>
             </a:r>
-            <a:endParaRPr lang="en-US" dirty="0"/>
           </a:p>
         </p:txBody>
       </p:sp>
     </p:spTree>
     <p:extLst>
       <p:ext uri="{BB962C8B-B14F-4D97-AF65-F5344CB8AC3E}">
-        <p14:creationId xmlns:p14="http://schemas.microsoft.com/office/powerpoint/2010/main" val="1267631239"/>
+        <p14:creationId xmlns:p14="http://schemas.microsoft.com/office/powerpoint/2010/main" val="2165272474"/>
       </p:ext>
     </p:extLst>
   </p:cSld>
@@ -13446,7 +12215,7 @@
             </a:pPr>
             <a:r>
               <a:rPr lang="bg-BG" sz="3400" dirty="0"/>
-              <a:t>Можем да „</a:t>
+              <a:t>Можем да "</a:t>
             </a:r>
             <a:r>
               <a:rPr lang="bg-BG" sz="3400" b="1" dirty="0">
@@ -13458,7 +12227,7 @@
             </a:r>
             <a:r>
               <a:rPr lang="bg-BG" sz="3400" dirty="0"/>
-              <a:t>“</a:t>
+              <a:t>"</a:t>
             </a:r>
             <a:r>
               <a:rPr lang="en-US" sz="3400" dirty="0"/>
@@ -13813,19 +12582,17 @@
       </p:sp>
       <p:sp>
         <p:nvSpPr>
-          <p:cNvPr id="9" name="Slide Number">
+          <p:cNvPr id="4" name="Slide Number">
             <a:extLst>
               <a:ext uri="{FF2B5EF4-FFF2-40B4-BE49-F238E27FC236}">
-                <a16:creationId xmlns:a16="http://schemas.microsoft.com/office/drawing/2014/main" id="{CC6FD336-140F-4950-8E1A-6F77EC29AD26}"/>
+                <a16:creationId xmlns:a16="http://schemas.microsoft.com/office/drawing/2014/main" id="{2005D546-D1FE-967E-B698-A699D68D4E71}"/>
               </a:ext>
             </a:extLst>
           </p:cNvPr>
-          <p:cNvSpPr>
-            <a:spLocks noGrp="1"/>
+          <p:cNvSpPr txBox="1">
+            <a:spLocks/>
           </p:cNvSpPr>
-          <p:nvPr>
-            <p:ph type="sldNum" sz="quarter" idx="5"/>
-          </p:nvPr>
+          <p:nvPr/>
         </p:nvSpPr>
         <p:spPr>
           <a:xfrm>
@@ -13939,14 +12706,14 @@
               <a:pPr/>
               <a:t>15</a:t>
             </a:fld>
-            <a:endParaRPr lang="en-US" noProof="0" dirty="0"/>
+            <a:endParaRPr lang="en-US" dirty="0"/>
           </a:p>
         </p:txBody>
       </p:sp>
     </p:spTree>
     <p:extLst>
       <p:ext uri="{BB962C8B-B14F-4D97-AF65-F5344CB8AC3E}">
-        <p14:creationId xmlns:p14="http://schemas.microsoft.com/office/powerpoint/2010/main" val="372200594"/>
+        <p14:creationId xmlns:p14="http://schemas.microsoft.com/office/powerpoint/2010/main" val="3675269632"/>
       </p:ext>
     </p:extLst>
   </p:cSld>
@@ -14174,7 +12941,19 @@
             </a:pPr>
             <a:r>
               <a:rPr lang="bg-BG" sz="3399" dirty="0"/>
-              <a:t>Изпълнението на програмата спира (временно)</a:t>
+              <a:t>Изпълнението на програмата </a:t>
+            </a:r>
+            <a:r>
+              <a:rPr lang="bg-BG" sz="3399" b="1" dirty="0">
+                <a:solidFill>
+                  <a:schemeClr val="bg1"/>
+                </a:solidFill>
+              </a:rPr>
+              <a:t>спира</a:t>
+            </a:r>
+            <a:r>
+              <a:rPr lang="bg-BG" sz="3399" dirty="0"/>
+              <a:t> (временно)</a:t>
             </a:r>
             <a:endParaRPr lang="en-US" sz="3399" dirty="0"/>
           </a:p>
@@ -14189,9 +12968,13 @@
             </a:pPr>
             <a:r>
               <a:rPr lang="bg-BG" sz="3399" dirty="0"/>
-              <a:t>Изключението се пренася по стека</a:t>
-            </a:r>
-            <a:endParaRPr lang="en-US" sz="3399" dirty="0"/>
+              <a:t>Изключението се </a:t>
+            </a:r>
+            <a:r>
+              <a:rPr lang="bg-BG" sz="3399" b="1" dirty="0"/>
+              <a:t>пренася по стека</a:t>
+            </a:r>
+            <a:endParaRPr lang="en-US" sz="3399" b="1" dirty="0"/>
           </a:p>
           <a:p>
             <a:pPr lvl="2">
@@ -14269,10 +13052,10 @@
       </p:sp>
       <p:sp>
         <p:nvSpPr>
-          <p:cNvPr id="6" name="Slide Number">
+          <p:cNvPr id="2" name="Slide Number">
             <a:extLst>
               <a:ext uri="{FF2B5EF4-FFF2-40B4-BE49-F238E27FC236}">
-                <a16:creationId xmlns:a16="http://schemas.microsoft.com/office/drawing/2014/main" id="{FC308A1E-14F3-45D8-8960-D4546995D480}"/>
+                <a16:creationId xmlns:a16="http://schemas.microsoft.com/office/drawing/2014/main" id="{5C9D4370-AFAA-44F3-4B9F-213EFF7115CD}"/>
               </a:ext>
             </a:extLst>
           </p:cNvPr>
@@ -14312,7 +13095,7 @@
     </p:spTree>
     <p:extLst>
       <p:ext uri="{BB962C8B-B14F-4D97-AF65-F5344CB8AC3E}">
-        <p14:creationId xmlns:p14="http://schemas.microsoft.com/office/powerpoint/2010/main" val="2175878524"/>
+        <p14:creationId xmlns:p14="http://schemas.microsoft.com/office/powerpoint/2010/main" val="2557072258"/>
       </p:ext>
     </p:extLst>
   </p:cSld>
@@ -14378,33 +13161,15 @@
                                   </p:childTnLst>
                                 </p:cTn>
                               </p:par>
-                            </p:childTnLst>
-                          </p:cTn>
-                        </p:par>
-                      </p:childTnLst>
-                    </p:cTn>
-                  </p:par>
-                  <p:par>
-                    <p:cTn id="7" fill="hold">
-                      <p:stCondLst>
-                        <p:cond delay="indefinite"/>
-                      </p:stCondLst>
-                      <p:childTnLst>
-                        <p:par>
-                          <p:cTn id="8" fill="hold">
-                            <p:stCondLst>
-                              <p:cond delay="0"/>
-                            </p:stCondLst>
-                            <p:childTnLst>
                               <p:par>
-                                <p:cTn id="9" presetID="1" presetClass="entr" presetSubtype="0" fill="hold" nodeType="clickEffect">
+                                <p:cTn id="7" presetID="1" presetClass="entr" presetSubtype="0" fill="hold" nodeType="withEffect">
                                   <p:stCondLst>
                                     <p:cond delay="0"/>
                                   </p:stCondLst>
                                   <p:childTnLst>
                                     <p:set>
                                       <p:cBhvr>
-                                        <p:cTn id="10" dur="1" fill="hold">
+                                        <p:cTn id="8" dur="1" fill="hold">
                                           <p:stCondLst>
                                             <p:cond delay="0"/>
                                           </p:stCondLst>
@@ -14434,26 +13199,26 @@
                     </p:cTn>
                   </p:par>
                   <p:par>
-                    <p:cTn id="11" fill="hold">
+                    <p:cTn id="9" fill="hold">
                       <p:stCondLst>
                         <p:cond delay="indefinite"/>
                       </p:stCondLst>
                       <p:childTnLst>
                         <p:par>
-                          <p:cTn id="12" fill="hold">
+                          <p:cTn id="10" fill="hold">
                             <p:stCondLst>
                               <p:cond delay="0"/>
                             </p:stCondLst>
                             <p:childTnLst>
                               <p:par>
-                                <p:cTn id="13" presetID="1" presetClass="entr" presetSubtype="0" fill="hold" nodeType="clickEffect">
+                                <p:cTn id="11" presetID="1" presetClass="entr" presetSubtype="0" fill="hold" nodeType="clickEffect">
                                   <p:stCondLst>
                                     <p:cond delay="0"/>
                                   </p:stCondLst>
                                   <p:childTnLst>
                                     <p:set>
                                       <p:cBhvr>
-                                        <p:cTn id="14" dur="1" fill="hold">
+                                        <p:cTn id="12" dur="1" fill="hold">
                                           <p:stCondLst>
                                             <p:cond delay="0"/>
                                           </p:stCondLst>
@@ -14477,14 +13242,14 @@
                                 </p:cTn>
                               </p:par>
                               <p:par>
-                                <p:cTn id="15" presetID="1" presetClass="entr" presetSubtype="0" fill="hold" nodeType="withEffect">
+                                <p:cTn id="13" presetID="1" presetClass="entr" presetSubtype="0" fill="hold" nodeType="withEffect">
                                   <p:stCondLst>
                                     <p:cond delay="0"/>
                                   </p:stCondLst>
                                   <p:childTnLst>
                                     <p:set>
                                       <p:cBhvr>
-                                        <p:cTn id="16" dur="1" fill="hold">
+                                        <p:cTn id="14" dur="1" fill="hold">
                                           <p:stCondLst>
                                             <p:cond delay="0"/>
                                           </p:stCondLst>
@@ -14557,134 +13322,6 @@
       </p:grpSpPr>
       <p:sp>
         <p:nvSpPr>
-          <p:cNvPr id="9" name="Slide Number">
-            <a:extLst>
-              <a:ext uri="{FF2B5EF4-FFF2-40B4-BE49-F238E27FC236}">
-                <a16:creationId xmlns:a16="http://schemas.microsoft.com/office/drawing/2014/main" id="{CC6FD336-140F-4950-8E1A-6F77EC29AD26}"/>
-              </a:ext>
-            </a:extLst>
-          </p:cNvPr>
-          <p:cNvSpPr>
-            <a:spLocks noGrp="1"/>
-          </p:cNvSpPr>
-          <p:nvPr>
-            <p:ph type="sldNum" sz="quarter" idx="5"/>
-          </p:nvPr>
-        </p:nvSpPr>
-        <p:spPr>
-          <a:prstGeom prst="rect">
-            <a:avLst/>
-          </a:prstGeom>
-        </p:spPr>
-        <p:txBody>
-          <a:bodyPr vert="horz" lIns="91440" tIns="45720" rIns="91440" bIns="45720" rtlCol="0" anchor="b"/>
-          <a:lstStyle>
-            <a:defPPr>
-              <a:defRPr lang="en-US"/>
-            </a:defPPr>
-            <a:lvl1pPr marL="0" algn="r" defTabSz="914400" rtl="0" eaLnBrk="1" latinLnBrk="0" hangingPunct="1">
-              <a:defRPr sz="1000" kern="1200">
-                <a:solidFill>
-                  <a:schemeClr val="tx1"/>
-                </a:solidFill>
-                <a:latin typeface="+mn-lt"/>
-                <a:ea typeface="+mn-ea"/>
-                <a:cs typeface="+mn-cs"/>
-              </a:defRPr>
-            </a:lvl1pPr>
-            <a:lvl2pPr marL="457200" algn="l" defTabSz="914400" rtl="0" eaLnBrk="1" latinLnBrk="0" hangingPunct="1">
-              <a:defRPr sz="1800" kern="1200">
-                <a:solidFill>
-                  <a:schemeClr val="tx1"/>
-                </a:solidFill>
-                <a:latin typeface="+mn-lt"/>
-                <a:ea typeface="+mn-ea"/>
-                <a:cs typeface="+mn-cs"/>
-              </a:defRPr>
-            </a:lvl2pPr>
-            <a:lvl3pPr marL="914400" algn="l" defTabSz="914400" rtl="0" eaLnBrk="1" latinLnBrk="0" hangingPunct="1">
-              <a:defRPr sz="1800" kern="1200">
-                <a:solidFill>
-                  <a:schemeClr val="tx1"/>
-                </a:solidFill>
-                <a:latin typeface="+mn-lt"/>
-                <a:ea typeface="+mn-ea"/>
-                <a:cs typeface="+mn-cs"/>
-              </a:defRPr>
-            </a:lvl3pPr>
-            <a:lvl4pPr marL="1371600" algn="l" defTabSz="914400" rtl="0" eaLnBrk="1" latinLnBrk="0" hangingPunct="1">
-              <a:defRPr sz="1800" kern="1200">
-                <a:solidFill>
-                  <a:schemeClr val="tx1"/>
-                </a:solidFill>
-                <a:latin typeface="+mn-lt"/>
-                <a:ea typeface="+mn-ea"/>
-                <a:cs typeface="+mn-cs"/>
-              </a:defRPr>
-            </a:lvl4pPr>
-            <a:lvl5pPr marL="1828800" algn="l" defTabSz="914400" rtl="0" eaLnBrk="1" latinLnBrk="0" hangingPunct="1">
-              <a:defRPr sz="1800" kern="1200">
-                <a:solidFill>
-                  <a:schemeClr val="tx1"/>
-                </a:solidFill>
-                <a:latin typeface="+mn-lt"/>
-                <a:ea typeface="+mn-ea"/>
-                <a:cs typeface="+mn-cs"/>
-              </a:defRPr>
-            </a:lvl5pPr>
-            <a:lvl6pPr marL="2286000" algn="l" defTabSz="914400" rtl="0" eaLnBrk="1" latinLnBrk="0" hangingPunct="1">
-              <a:defRPr sz="1800" kern="1200">
-                <a:solidFill>
-                  <a:schemeClr val="tx1"/>
-                </a:solidFill>
-                <a:latin typeface="+mn-lt"/>
-                <a:ea typeface="+mn-ea"/>
-                <a:cs typeface="+mn-cs"/>
-              </a:defRPr>
-            </a:lvl6pPr>
-            <a:lvl7pPr marL="2743200" algn="l" defTabSz="914400" rtl="0" eaLnBrk="1" latinLnBrk="0" hangingPunct="1">
-              <a:defRPr sz="1800" kern="1200">
-                <a:solidFill>
-                  <a:schemeClr val="tx1"/>
-                </a:solidFill>
-                <a:latin typeface="+mn-lt"/>
-                <a:ea typeface="+mn-ea"/>
-                <a:cs typeface="+mn-cs"/>
-              </a:defRPr>
-            </a:lvl7pPr>
-            <a:lvl8pPr marL="3200400" algn="l" defTabSz="914400" rtl="0" eaLnBrk="1" latinLnBrk="0" hangingPunct="1">
-              <a:defRPr sz="1800" kern="1200">
-                <a:solidFill>
-                  <a:schemeClr val="tx1"/>
-                </a:solidFill>
-                <a:latin typeface="+mn-lt"/>
-                <a:ea typeface="+mn-ea"/>
-                <a:cs typeface="+mn-cs"/>
-              </a:defRPr>
-            </a:lvl8pPr>
-            <a:lvl9pPr marL="3657600" algn="l" defTabSz="914400" rtl="0" eaLnBrk="1" latinLnBrk="0" hangingPunct="1">
-              <a:defRPr sz="1800" kern="1200">
-                <a:solidFill>
-                  <a:schemeClr val="tx1"/>
-                </a:solidFill>
-                <a:latin typeface="+mn-lt"/>
-                <a:ea typeface="+mn-ea"/>
-                <a:cs typeface="+mn-cs"/>
-              </a:defRPr>
-            </a:lvl9pPr>
-          </a:lstStyle>
-          <a:p>
-            <a:fld id="{2BF067CD-8E6B-4360-9AA8-C5DF2A48A6D1}" type="slidenum">
-              <a:rPr lang="en-US" smtClean="0"/>
-              <a:pPr/>
-              <a:t>17</a:t>
-            </a:fld>
-            <a:endParaRPr lang="en-US" noProof="0" dirty="0"/>
-          </a:p>
-        </p:txBody>
-      </p:sp>
-      <p:sp>
-        <p:nvSpPr>
           <p:cNvPr id="2" name="Text Placeholder 1">
             <a:extLst>
               <a:ext uri="{FF2B5EF4-FFF2-40B4-BE49-F238E27FC236}">
@@ -14727,7 +13364,7 @@
             </a:pPr>
             <a:r>
               <a:rPr lang="bg-BG" sz="3400" dirty="0"/>
-              <a:t>Можем да „</a:t>
+              <a:t>Можем да "</a:t>
             </a:r>
             <a:r>
               <a:rPr lang="bg-BG" sz="3400" b="1" dirty="0">
@@ -14739,7 +13376,7 @@
             </a:r>
             <a:r>
               <a:rPr lang="bg-BG" sz="3400" dirty="0"/>
-              <a:t>“</a:t>
+              <a:t>"</a:t>
             </a:r>
             <a:r>
               <a:rPr lang="en-US" sz="3400" dirty="0"/>
@@ -14838,10 +13475,7 @@
               </a:rPr>
               <a:t>Catch</a:t>
             </a:r>
-            <a:r>
-              <a:rPr lang="en-US" dirty="0"/>
-              <a:t>?</a:t>
-            </a:r>
+            <a:endParaRPr lang="en-US" dirty="0"/>
           </a:p>
         </p:txBody>
       </p:sp>
@@ -15179,10 +13813,52 @@
           </a:p>
         </p:txBody>
       </p:sp>
+      <p:sp>
+        <p:nvSpPr>
+          <p:cNvPr id="4" name="Slide Number">
+            <a:extLst>
+              <a:ext uri="{FF2B5EF4-FFF2-40B4-BE49-F238E27FC236}">
+                <a16:creationId xmlns:a16="http://schemas.microsoft.com/office/drawing/2014/main" id="{4ADFBB29-158B-4445-64B8-8325B2DCAAE8}"/>
+              </a:ext>
+            </a:extLst>
+          </p:cNvPr>
+          <p:cNvSpPr>
+            <a:spLocks noGrp="1"/>
+          </p:cNvSpPr>
+          <p:nvPr>
+            <p:ph type="sldNum" sz="quarter" idx="5"/>
+          </p:nvPr>
+        </p:nvSpPr>
+        <p:spPr>
+          <a:xfrm>
+            <a:off x="11753030" y="6507000"/>
+            <a:ext cx="367414" cy="297000"/>
+          </a:xfrm>
+          <a:prstGeom prst="rect">
+            <a:avLst/>
+          </a:prstGeom>
+        </p:spPr>
+        <p:txBody>
+          <a:bodyPr vert="horz" lIns="91440" tIns="45720" rIns="91440" bIns="45720" rtlCol="0" anchor="b"/>
+          <a:lstStyle>
+            <a:lvl1pPr algn="r">
+              <a:defRPr sz="1000"/>
+            </a:lvl1pPr>
+          </a:lstStyle>
+          <a:p>
+            <a:fld id="{2BF067CD-8E6B-4360-9AA8-C5DF2A48A6D1}" type="slidenum">
+              <a:rPr lang="en-US" noProof="0" smtClean="0"/>
+              <a:pPr/>
+              <a:t>17</a:t>
+            </a:fld>
+            <a:endParaRPr lang="en-US" noProof="0" dirty="0"/>
+          </a:p>
+        </p:txBody>
+      </p:sp>
     </p:spTree>
     <p:extLst>
       <p:ext uri="{BB962C8B-B14F-4D97-AF65-F5344CB8AC3E}">
-        <p14:creationId xmlns:p14="http://schemas.microsoft.com/office/powerpoint/2010/main" val="1740617505"/>
+        <p14:creationId xmlns:p14="http://schemas.microsoft.com/office/powerpoint/2010/main" val="1412092830"/>
       </p:ext>
     </p:extLst>
   </p:cSld>
@@ -15233,55 +13909,6 @@
                                         <p:tgtEl>
                                           <p:spTgt spid="2">
                                             <p:txEl>
-                                              <p:pRg st="0" end="0"/>
-                                            </p:txEl>
-                                          </p:spTgt>
-                                        </p:tgtEl>
-                                        <p:attrNameLst>
-                                          <p:attrName>style.visibility</p:attrName>
-                                        </p:attrNameLst>
-                                      </p:cBhvr>
-                                      <p:to>
-                                        <p:strVal val="visible"/>
-                                      </p:to>
-                                    </p:set>
-                                  </p:childTnLst>
-                                </p:cTn>
-                              </p:par>
-                            </p:childTnLst>
-                          </p:cTn>
-                        </p:par>
-                      </p:childTnLst>
-                    </p:cTn>
-                  </p:par>
-                  <p:par>
-                    <p:cTn id="7" fill="hold">
-                      <p:stCondLst>
-                        <p:cond delay="indefinite"/>
-                      </p:stCondLst>
-                      <p:childTnLst>
-                        <p:par>
-                          <p:cTn id="8" fill="hold">
-                            <p:stCondLst>
-                              <p:cond delay="0"/>
-                            </p:stCondLst>
-                            <p:childTnLst>
-                              <p:par>
-                                <p:cTn id="9" presetID="1" presetClass="entr" presetSubtype="0" fill="hold" nodeType="clickEffect">
-                                  <p:stCondLst>
-                                    <p:cond delay="0"/>
-                                  </p:stCondLst>
-                                  <p:childTnLst>
-                                    <p:set>
-                                      <p:cBhvr>
-                                        <p:cTn id="10" dur="1" fill="hold">
-                                          <p:stCondLst>
-                                            <p:cond delay="0"/>
-                                          </p:stCondLst>
-                                        </p:cTn>
-                                        <p:tgtEl>
-                                          <p:spTgt spid="2">
-                                            <p:txEl>
                                               <p:pRg st="1" end="1"/>
                                             </p:txEl>
                                           </p:spTgt>
@@ -15298,14 +13925,14 @@
                                 </p:cTn>
                               </p:par>
                               <p:par>
-                                <p:cTn id="11" presetID="1" presetClass="entr" presetSubtype="0" fill="hold" grpId="0" nodeType="withEffect">
+                                <p:cTn id="7" presetID="1" presetClass="entr" presetSubtype="0" fill="hold" grpId="0" nodeType="withEffect">
                                   <p:stCondLst>
                                     <p:cond delay="0"/>
                                   </p:stCondLst>
                                   <p:childTnLst>
                                     <p:set>
                                       <p:cBhvr>
-                                        <p:cTn id="12" dur="1" fill="hold">
+                                        <p:cTn id="8" dur="1" fill="hold">
                                           <p:stCondLst>
                                             <p:cond delay="0"/>
                                           </p:stCondLst>
@@ -15783,10 +14410,10 @@
       </p:sp>
       <p:sp>
         <p:nvSpPr>
-          <p:cNvPr id="5" name="Slide Number">
+          <p:cNvPr id="2" name="Slide Number">
             <a:extLst>
               <a:ext uri="{FF2B5EF4-FFF2-40B4-BE49-F238E27FC236}">
-                <a16:creationId xmlns:a16="http://schemas.microsoft.com/office/drawing/2014/main" id="{72BEC856-B80F-4F14-9B2D-C73B208F70E4}"/>
+                <a16:creationId xmlns:a16="http://schemas.microsoft.com/office/drawing/2014/main" id="{4EDD3889-F17D-22D6-39F1-2BB33E90C533}"/>
               </a:ext>
             </a:extLst>
           </p:cNvPr>
@@ -15799,7 +14426,7 @@
         </p:nvSpPr>
         <p:spPr>
           <a:xfrm>
-            <a:off x="11754618" y="6507000"/>
+            <a:off x="11753030" y="6507000"/>
             <a:ext cx="367414" cy="297000"/>
           </a:xfrm>
           <a:prstGeom prst="rect">
@@ -15826,7 +14453,7 @@
     </p:spTree>
     <p:extLst>
       <p:ext uri="{BB962C8B-B14F-4D97-AF65-F5344CB8AC3E}">
-        <p14:creationId xmlns:p14="http://schemas.microsoft.com/office/powerpoint/2010/main" val="2598889965"/>
+        <p14:creationId xmlns:p14="http://schemas.microsoft.com/office/powerpoint/2010/main" val="1183268508"/>
       </p:ext>
     </p:extLst>
   </p:cSld>
@@ -16290,10 +14917,10 @@
       </p:pic>
       <p:sp>
         <p:nvSpPr>
-          <p:cNvPr id="3" name="Subtitle 2">
+          <p:cNvPr id="5" name="Подзаглавие 4">
             <a:extLst>
               <a:ext uri="{FF2B5EF4-FFF2-40B4-BE49-F238E27FC236}">
-                <a16:creationId xmlns:a16="http://schemas.microsoft.com/office/drawing/2014/main" id="{FE81687E-BEB0-D257-51AB-B99D4FA3572F}"/>
+                <a16:creationId xmlns:a16="http://schemas.microsoft.com/office/drawing/2014/main" id="{33DBCFC7-C16C-EA39-75F1-EF02D0EC7080}"/>
               </a:ext>
             </a:extLst>
           </p:cNvPr>
@@ -16304,34 +14931,25 @@
             <p:ph type="subTitle" sz="quarter" idx="11"/>
           </p:nvPr>
         </p:nvSpPr>
-        <p:spPr>
-          <a:xfrm>
-            <a:off x="615109" y="5675916"/>
-            <a:ext cx="10961783" cy="768084"/>
-          </a:xfrm>
-        </p:spPr>
+        <p:spPr/>
         <p:txBody>
           <a:bodyPr/>
           <a:lstStyle/>
           <a:p>
             <a:r>
-              <a:rPr lang="bg-BG" dirty="0"/>
-              <a:t>Пазене на коректно </a:t>
-            </a:r>
-            <a:r>
-              <a:rPr lang="bg-BG"/>
-              <a:t>вътрешно състояние</a:t>
-            </a:r>
-            <a:endParaRPr lang="en-US" dirty="0"/>
+              <a:rPr lang="ru-RU" dirty="0"/>
+              <a:t>Пазене на коректно вътрешно състояние</a:t>
+            </a:r>
+            <a:endParaRPr lang="bg-BG" dirty="0"/>
           </a:p>
         </p:txBody>
       </p:sp>
       <p:sp>
         <p:nvSpPr>
-          <p:cNvPr id="4" name="Title 3">
+          <p:cNvPr id="7" name="Заглавие 6">
             <a:extLst>
               <a:ext uri="{FF2B5EF4-FFF2-40B4-BE49-F238E27FC236}">
-                <a16:creationId xmlns:a16="http://schemas.microsoft.com/office/drawing/2014/main" id="{5C0FAF6E-C42A-478B-AB1F-E5FD2BBCC702}"/>
+                <a16:creationId xmlns:a16="http://schemas.microsoft.com/office/drawing/2014/main" id="{C4239DF2-1E03-8B59-240C-28AD9CA3602A}"/>
               </a:ext>
             </a:extLst>
           </p:cNvPr>
@@ -16342,12 +14960,7 @@
             <p:ph type="title" sz="quarter" idx="10"/>
           </p:nvPr>
         </p:nvSpPr>
-        <p:spPr>
-          <a:xfrm>
-            <a:off x="614363" y="4795350"/>
-            <a:ext cx="10963275" cy="768350"/>
-          </a:xfrm>
-        </p:spPr>
+        <p:spPr/>
         <p:txBody>
           <a:bodyPr/>
           <a:lstStyle/>
@@ -16357,25 +14970,25 @@
               <a:t>Валидация в </a:t>
             </a:r>
             <a:r>
-              <a:rPr lang="en-GB" dirty="0"/>
-              <a:t>getters </a:t>
+              <a:rPr lang="en-US" dirty="0"/>
+              <a:t>Getters </a:t>
             </a:r>
             <a:r>
               <a:rPr lang="bg-BG" dirty="0"/>
-              <a:t>и</a:t>
-            </a:r>
-            <a:r>
-              <a:rPr lang="en-GB" dirty="0"/>
-              <a:t> setters</a:t>
-            </a:r>
-            <a:endParaRPr lang="en-US" dirty="0"/>
+              <a:t>и </a:t>
+            </a:r>
+            <a:r>
+              <a:rPr lang="en-US" dirty="0"/>
+              <a:t>Setters</a:t>
+            </a:r>
+            <a:endParaRPr lang="bg-BG" dirty="0"/>
           </a:p>
         </p:txBody>
       </p:sp>
     </p:spTree>
     <p:extLst>
       <p:ext uri="{BB962C8B-B14F-4D97-AF65-F5344CB8AC3E}">
-        <p14:creationId xmlns:p14="http://schemas.microsoft.com/office/powerpoint/2010/main" val="1942709762"/>
+        <p14:creationId xmlns:p14="http://schemas.microsoft.com/office/powerpoint/2010/main" val="1476669992"/>
       </p:ext>
     </p:extLst>
   </p:cSld>
@@ -16491,6 +15104,10 @@
               <a:buAutoNum type="arabicPeriod"/>
             </a:pPr>
             <a:r>
+              <a:rPr lang="bg-BG" sz="4000" dirty="0"/>
+              <a:t>͏͏</a:t>
+            </a:r>
+            <a:r>
               <a:rPr lang="bg-BG" sz="4000" b="1" dirty="0"/>
               <a:t>Изключения</a:t>
             </a:r>
@@ -16508,6 +15125,10 @@
               <a:buFont typeface="+mj-lt"/>
               <a:buAutoNum type="arabicPeriod"/>
             </a:pPr>
+            <a:r>
+              <a:rPr lang="bg-BG" sz="4000" dirty="0"/>
+              <a:t>͏</a:t>
+            </a:r>
             <a:r>
               <a:rPr lang="bg-BG" sz="4000" b="1" dirty="0"/>
               <a:t>Валидация</a:t>
@@ -16543,10 +15164,10 @@
       </p:sp>
       <p:sp>
         <p:nvSpPr>
-          <p:cNvPr id="5" name="Slide Number">
+          <p:cNvPr id="2" name="Slide Number">
             <a:extLst>
               <a:ext uri="{FF2B5EF4-FFF2-40B4-BE49-F238E27FC236}">
-                <a16:creationId xmlns:a16="http://schemas.microsoft.com/office/drawing/2014/main" id="{D813CDB2-A6DC-4174-9AED-EAB79BDC01C9}"/>
+                <a16:creationId xmlns:a16="http://schemas.microsoft.com/office/drawing/2014/main" id="{81D146AD-B7C2-E9F0-5603-596ADD194D43}"/>
               </a:ext>
             </a:extLst>
           </p:cNvPr>
@@ -16586,7 +15207,7 @@
     </p:spTree>
     <p:extLst>
       <p:ext uri="{BB962C8B-B14F-4D97-AF65-F5344CB8AC3E}">
-        <p14:creationId xmlns:p14="http://schemas.microsoft.com/office/powerpoint/2010/main" val="859700777"/>
+        <p14:creationId xmlns:p14="http://schemas.microsoft.com/office/powerpoint/2010/main" val="1481693176"/>
       </p:ext>
     </p:extLst>
   </p:cSld>
@@ -17204,7 +15825,7 @@
             <a:r>
               <a:rPr lang="bg-BG" sz="2400" b="1" dirty="0">
                 <a:solidFill>
-                  <a:schemeClr val="bg1">
+                  <a:schemeClr val="accent1">
                     <a:lumMod val="60000"/>
                     <a:lumOff val="40000"/>
                   </a:schemeClr>
@@ -17215,7 +15836,7 @@
             <a:r>
               <a:rPr lang="en-US" sz="2400" b="1" dirty="0">
                 <a:solidFill>
-                  <a:schemeClr val="bg1">
+                  <a:schemeClr val="accent1">
                     <a:lumMod val="60000"/>
                     <a:lumOff val="40000"/>
                   </a:schemeClr>
@@ -17226,7 +15847,7 @@
             <a:r>
               <a:rPr lang="bg-BG" sz="2400" b="1" dirty="0">
                 <a:solidFill>
-                  <a:schemeClr val="bg1">
+                  <a:schemeClr val="accent1">
                     <a:lumMod val="60000"/>
                     <a:lumOff val="40000"/>
                   </a:schemeClr>
@@ -17237,7 +15858,7 @@
             <a:r>
               <a:rPr lang="en-US" sz="2400" b="1" dirty="0">
                 <a:solidFill>
-                  <a:schemeClr val="bg1">
+                  <a:schemeClr val="accent1">
                     <a:lumMod val="60000"/>
                     <a:lumOff val="40000"/>
                   </a:schemeClr>
@@ -17247,7 +15868,7 @@
             </a:r>
             <a:endParaRPr lang="en-US" sz="2400" b="1" noProof="1">
               <a:solidFill>
-                <a:schemeClr val="bg1">
+                <a:schemeClr val="accent1">
                   <a:lumMod val="60000"/>
                   <a:lumOff val="40000"/>
                 </a:schemeClr>
@@ -17258,10 +15879,10 @@
       </p:sp>
       <p:sp>
         <p:nvSpPr>
-          <p:cNvPr id="7" name="Slide Number">
+          <p:cNvPr id="4" name="Slide Number">
             <a:extLst>
               <a:ext uri="{FF2B5EF4-FFF2-40B4-BE49-F238E27FC236}">
-                <a16:creationId xmlns:a16="http://schemas.microsoft.com/office/drawing/2014/main" id="{73C07F50-6D11-4CE9-9F8B-9EAC5C6C12F6}"/>
+                <a16:creationId xmlns:a16="http://schemas.microsoft.com/office/drawing/2014/main" id="{32F3DE11-64E7-EEA6-175E-2EE51FF88D44}"/>
               </a:ext>
             </a:extLst>
           </p:cNvPr>
@@ -17301,7 +15922,7 @@
     </p:spTree>
     <p:extLst>
       <p:ext uri="{BB962C8B-B14F-4D97-AF65-F5344CB8AC3E}">
-        <p14:creationId xmlns:p14="http://schemas.microsoft.com/office/powerpoint/2010/main" val="326313598"/>
+        <p14:creationId xmlns:p14="http://schemas.microsoft.com/office/powerpoint/2010/main" val="311873152"/>
       </p:ext>
     </p:extLst>
   </p:cSld>
@@ -17889,10 +16510,10 @@
       </p:sp>
       <p:sp>
         <p:nvSpPr>
-          <p:cNvPr id="9" name="Slide Number">
+          <p:cNvPr id="4" name="Slide Number">
             <a:extLst>
               <a:ext uri="{FF2B5EF4-FFF2-40B4-BE49-F238E27FC236}">
-                <a16:creationId xmlns:a16="http://schemas.microsoft.com/office/drawing/2014/main" id="{6FF2FEC9-B054-4219-98D6-3CE6AC8B9BCF}"/>
+                <a16:creationId xmlns:a16="http://schemas.microsoft.com/office/drawing/2014/main" id="{0307A943-3A92-910A-1A4B-D5195323AE77}"/>
               </a:ext>
             </a:extLst>
           </p:cNvPr>
@@ -17932,7 +16553,7 @@
     </p:spTree>
     <p:extLst>
       <p:ext uri="{BB962C8B-B14F-4D97-AF65-F5344CB8AC3E}">
-        <p14:creationId xmlns:p14="http://schemas.microsoft.com/office/powerpoint/2010/main" val="1235898949"/>
+        <p14:creationId xmlns:p14="http://schemas.microsoft.com/office/powerpoint/2010/main" val="641136328"/>
       </p:ext>
     </p:extLst>
   </p:cSld>
@@ -17981,7 +16602,7 @@
                                           </p:stCondLst>
                                         </p:cTn>
                                         <p:tgtEl>
-                                          <p:spTgt spid="8"/>
+                                          <p:spTgt spid="7"/>
                                         </p:tgtEl>
                                         <p:attrNameLst>
                                           <p:attrName>style.visibility</p:attrName>
@@ -18013,7 +16634,7 @@
                             </p:stCondLst>
                             <p:childTnLst>
                               <p:par>
-                                <p:cTn id="9" presetID="1" presetClass="entr" presetSubtype="0" fill="hold" grpId="0" nodeType="clickEffect">
+                                <p:cTn id="9" presetID="1" presetClass="entr" presetSubtype="0" fill="hold" nodeType="clickEffect">
                                   <p:stCondLst>
                                     <p:cond delay="0"/>
                                   </p:stCondLst>
@@ -18021,51 +16642,6 @@
                                     <p:set>
                                       <p:cBhvr>
                                         <p:cTn id="10" dur="1" fill="hold">
-                                          <p:stCondLst>
-                                            <p:cond delay="0"/>
-                                          </p:stCondLst>
-                                        </p:cTn>
-                                        <p:tgtEl>
-                                          <p:spTgt spid="7"/>
-                                        </p:tgtEl>
-                                        <p:attrNameLst>
-                                          <p:attrName>style.visibility</p:attrName>
-                                        </p:attrNameLst>
-                                      </p:cBhvr>
-                                      <p:to>
-                                        <p:strVal val="visible"/>
-                                      </p:to>
-                                    </p:set>
-                                  </p:childTnLst>
-                                </p:cTn>
-                              </p:par>
-                            </p:childTnLst>
-                          </p:cTn>
-                        </p:par>
-                      </p:childTnLst>
-                    </p:cTn>
-                  </p:par>
-                  <p:par>
-                    <p:cTn id="11" fill="hold">
-                      <p:stCondLst>
-                        <p:cond delay="indefinite"/>
-                      </p:stCondLst>
-                      <p:childTnLst>
-                        <p:par>
-                          <p:cTn id="12" fill="hold">
-                            <p:stCondLst>
-                              <p:cond delay="0"/>
-                            </p:stCondLst>
-                            <p:childTnLst>
-                              <p:par>
-                                <p:cTn id="13" presetID="1" presetClass="entr" presetSubtype="0" fill="hold" nodeType="clickEffect">
-                                  <p:stCondLst>
-                                    <p:cond delay="0"/>
-                                  </p:stCondLst>
-                                  <p:childTnLst>
-                                    <p:set>
-                                      <p:cBhvr>
-                                        <p:cTn id="14" dur="1" fill="hold">
                                           <p:stCondLst>
                                             <p:cond delay="0"/>
                                           </p:stCondLst>
@@ -18116,7 +16692,6 @@
       </p:par>
     </p:tnLst>
     <p:bldLst>
-      <p:bldP spid="8" grpId="0" animBg="1"/>
       <p:bldP spid="7" grpId="0" animBg="1"/>
     </p:bldLst>
   </p:timing>
@@ -18579,10 +17154,10 @@
       </p:sp>
       <p:sp>
         <p:nvSpPr>
-          <p:cNvPr id="11" name="Slide Number">
+          <p:cNvPr id="2" name="Slide Number">
             <a:extLst>
               <a:ext uri="{FF2B5EF4-FFF2-40B4-BE49-F238E27FC236}">
-                <a16:creationId xmlns:a16="http://schemas.microsoft.com/office/drawing/2014/main" id="{9AA92D59-A5E4-4AB0-B49A-15B316B20462}"/>
+                <a16:creationId xmlns:a16="http://schemas.microsoft.com/office/drawing/2014/main" id="{87D6694F-0BFE-C2EE-EEB8-42BFC7CB4489}"/>
               </a:ext>
             </a:extLst>
           </p:cNvPr>
@@ -18622,7 +17197,7 @@
     </p:spTree>
     <p:extLst>
       <p:ext uri="{BB962C8B-B14F-4D97-AF65-F5344CB8AC3E}">
-        <p14:creationId xmlns:p14="http://schemas.microsoft.com/office/powerpoint/2010/main" val="3221353421"/>
+        <p14:creationId xmlns:p14="http://schemas.microsoft.com/office/powerpoint/2010/main" val="196095894"/>
       </p:ext>
     </p:extLst>
   </p:cSld>
@@ -19291,10 +17866,10 @@
       </p:sp>
       <p:sp>
         <p:nvSpPr>
-          <p:cNvPr id="6" name="Slide Number">
+          <p:cNvPr id="2" name="Slide Number">
             <a:extLst>
               <a:ext uri="{FF2B5EF4-FFF2-40B4-BE49-F238E27FC236}">
-                <a16:creationId xmlns:a16="http://schemas.microsoft.com/office/drawing/2014/main" id="{FE684785-B5D4-4B52-9DEA-082CC7F851A5}"/>
+                <a16:creationId xmlns:a16="http://schemas.microsoft.com/office/drawing/2014/main" id="{17EC4EF1-E4B9-C41A-0900-75A84979C07C}"/>
               </a:ext>
             </a:extLst>
           </p:cNvPr>
@@ -19334,7 +17909,7 @@
     </p:spTree>
     <p:extLst>
       <p:ext uri="{BB962C8B-B14F-4D97-AF65-F5344CB8AC3E}">
-        <p14:creationId xmlns:p14="http://schemas.microsoft.com/office/powerpoint/2010/main" val="184969982"/>
+        <p14:creationId xmlns:p14="http://schemas.microsoft.com/office/powerpoint/2010/main" val="4068748691"/>
       </p:ext>
     </p:extLst>
   </p:cSld>
@@ -20232,7 +18807,7 @@
             <a:r>
               <a:rPr lang="bg-BG" sz="3600" b="1" dirty="0">
                 <a:solidFill>
-                  <a:schemeClr val="bg1">
+                  <a:schemeClr val="accent1">
                     <a:lumMod val="60000"/>
                     <a:lumOff val="40000"/>
                   </a:schemeClr>
@@ -20285,7 +18860,7 @@
             <a:r>
               <a:rPr lang="bg-BG" sz="3400" b="1" dirty="0">
                 <a:solidFill>
-                  <a:schemeClr val="bg1">
+                  <a:schemeClr val="accent1">
                     <a:lumMod val="60000"/>
                     <a:lumOff val="40000"/>
                   </a:schemeClr>
@@ -20295,7 +18870,7 @@
             </a:r>
             <a:endParaRPr lang="en-US" sz="3400" b="1" dirty="0">
               <a:solidFill>
-                <a:schemeClr val="bg1">
+                <a:schemeClr val="accent1">
                   <a:lumMod val="60000"/>
                   <a:lumOff val="40000"/>
                 </a:schemeClr>
@@ -20330,7 +18905,7 @@
             <a:r>
               <a:rPr lang="bg-BG" sz="3400" b="1" dirty="0">
                 <a:solidFill>
-                  <a:schemeClr val="bg1">
+                  <a:schemeClr val="accent1">
                     <a:lumMod val="60000"/>
                     <a:lumOff val="40000"/>
                   </a:schemeClr>
@@ -20340,7 +18915,7 @@
             </a:r>
             <a:endParaRPr lang="en-US" sz="3400" b="1" dirty="0">
               <a:solidFill>
-                <a:schemeClr val="bg1">
+                <a:schemeClr val="accent1">
                   <a:lumMod val="60000"/>
                   <a:lumOff val="40000"/>
                 </a:schemeClr>
@@ -20362,7 +18937,18 @@
                   <a:schemeClr val="bg2"/>
                 </a:solidFill>
               </a:rPr>
-              <a:t>Гарантира, че структурните промени остават локални</a:t>
+              <a:t>Гарантира, че структурните промени остават </a:t>
+            </a:r>
+            <a:r>
+              <a:rPr lang="bg-BG" sz="3400" b="1" dirty="0">
+                <a:solidFill>
+                  <a:schemeClr val="accent1">
+                    <a:lumMod val="60000"/>
+                    <a:lumOff val="40000"/>
+                  </a:schemeClr>
+                </a:solidFill>
+              </a:rPr>
+              <a:t>локални</a:t>
             </a:r>
           </a:p>
           <a:p>
@@ -20385,7 +18971,7 @@
             <a:r>
               <a:rPr lang="bg-BG" sz="3400" b="1" dirty="0">
                 <a:solidFill>
-                  <a:schemeClr val="bg1">
+                  <a:schemeClr val="accent1">
                     <a:lumMod val="60000"/>
                     <a:lumOff val="40000"/>
                   </a:schemeClr>
@@ -20395,7 +18981,10 @@
             </a:r>
             <a:endParaRPr lang="en-US" sz="3600" dirty="0">
               <a:solidFill>
-                <a:schemeClr val="bg2"/>
+                <a:schemeClr val="accent1">
+                  <a:lumMod val="60000"/>
+                  <a:lumOff val="40000"/>
+                </a:schemeClr>
               </a:solidFill>
             </a:endParaRPr>
           </a:p>
@@ -20403,10 +18992,10 @@
       </p:sp>
       <p:sp>
         <p:nvSpPr>
-          <p:cNvPr id="22" name="Slide Number">
+          <p:cNvPr id="2" name="Slide Number">
             <a:extLst>
               <a:ext uri="{FF2B5EF4-FFF2-40B4-BE49-F238E27FC236}">
-                <a16:creationId xmlns:a16="http://schemas.microsoft.com/office/drawing/2014/main" id="{6C00CB18-F299-479F-8AA9-617A5E311733}"/>
+                <a16:creationId xmlns:a16="http://schemas.microsoft.com/office/drawing/2014/main" id="{73C01D77-8375-95F7-EF15-18B6348A1157}"/>
               </a:ext>
             </a:extLst>
           </p:cNvPr>
@@ -20446,7 +19035,7 @@
     </p:spTree>
     <p:extLst>
       <p:ext uri="{BB962C8B-B14F-4D97-AF65-F5344CB8AC3E}">
-        <p14:creationId xmlns:p14="http://schemas.microsoft.com/office/powerpoint/2010/main" val="2540561920"/>
+        <p14:creationId xmlns:p14="http://schemas.microsoft.com/office/powerpoint/2010/main" val="898242352"/>
       </p:ext>
     </p:extLst>
   </p:cSld>
@@ -20680,29 +19269,140 @@
           <a:lstStyle/>
           <a:p>
             <a:r>
-              <a:rPr lang="bg-BG" sz="8800" dirty="0">
+              <a:rPr lang="bg-BG" dirty="0"/>
+              <a:t>Въпроси</a:t>
+            </a:r>
+            <a:r>
+              <a:rPr lang="en-US" dirty="0"/>
+              <a:t>?</a:t>
+            </a:r>
+          </a:p>
+        </p:txBody>
+      </p:sp>
+      <p:sp>
+        <p:nvSpPr>
+          <p:cNvPr id="2" name="Rectangle Bottom Copyright">
+            <a:extLst>
+              <a:ext uri="{FF2B5EF4-FFF2-40B4-BE49-F238E27FC236}">
+                <a16:creationId xmlns:a16="http://schemas.microsoft.com/office/drawing/2014/main" id="{664812A4-2991-44D1-BFE9-32E55AADF8A5}"/>
+              </a:ext>
+            </a:extLst>
+          </p:cNvPr>
+          <p:cNvSpPr/>
+          <p:nvPr/>
+        </p:nvSpPr>
+        <p:spPr>
+          <a:xfrm>
+            <a:off x="111000" y="6454758"/>
+            <a:ext cx="11970000" cy="304242"/>
+          </a:xfrm>
+          <a:prstGeom prst="rect">
+            <a:avLst/>
+          </a:prstGeom>
+        </p:spPr>
+        <p:txBody>
+          <a:bodyPr wrap="square">
+            <a:noAutofit/>
+          </a:bodyPr>
+          <a:lstStyle/>
+          <a:p>
+            <a:pPr algn="ctr">
+              <a:lnSpc>
+                <a:spcPct val="100000"/>
+              </a:lnSpc>
+              <a:spcBef>
+                <a:spcPts val="0"/>
+              </a:spcBef>
+              <a:spcAft>
+                <a:spcPts val="0"/>
+              </a:spcAft>
+            </a:pPr>
+            <a:r>
+              <a:rPr lang="bg-BG" sz="1600" dirty="0">
                 <a:solidFill>
-                  <a:srgbClr val="234465"/>
+                  <a:schemeClr val="bg2"/>
                 </a:solidFill>
-              </a:rPr>
-              <a:t>Въпроси</a:t>
-            </a:r>
-            <a:r>
-              <a:rPr lang="en-US" sz="8800" dirty="0">
+                <a:effectLst/>
+                <a:latin typeface="Calibri" panose="020F0502020204030204" pitchFamily="34" charset="0"/>
+                <a:ea typeface="Calibri" panose="020F0502020204030204" pitchFamily="34" charset="0"/>
+                <a:cs typeface="Arial" panose="020B0604020202020204" pitchFamily="34" charset="0"/>
+              </a:rPr>
+              <a:t>Проект "</a:t>
+            </a:r>
+            <a:r>
+              <a:rPr lang="bg-BG" sz="1600" dirty="0">
                 <a:solidFill>
-                  <a:srgbClr val="234465"/>
+                  <a:schemeClr val="bg1">
+                    <a:lumMod val="20000"/>
+                    <a:lumOff val="80000"/>
+                  </a:schemeClr>
                 </a:solidFill>
-              </a:rPr>
-              <a:t>?</a:t>
-            </a:r>
-            <a:endParaRPr lang="en-US" sz="8800" dirty="0"/>
+                <a:effectLst/>
+                <a:latin typeface="Calibri" panose="020F0502020204030204" pitchFamily="34" charset="0"/>
+                <a:ea typeface="Calibri" panose="020F0502020204030204" pitchFamily="34" charset="0"/>
+                <a:cs typeface="Arial" panose="020B0604020202020204" pitchFamily="34" charset="0"/>
+                <a:hlinkClick r:id="rId3">
+                  <a:extLst>
+                    <a:ext uri="{A12FA001-AC4F-418D-AE19-62706E023703}">
+                      <ahyp:hlinkClr xmlns:ahyp="http://schemas.microsoft.com/office/drawing/2018/hyperlinkcolor" val="tx"/>
+                    </a:ext>
+                  </a:extLst>
+                </a:hlinkClick>
+              </a:rPr>
+              <a:t>Отворено учебно съдържание по програмиране и ИТ</a:t>
+            </a:r>
+            <a:r>
+              <a:rPr lang="bg-BG" sz="1600" dirty="0">
+                <a:solidFill>
+                  <a:schemeClr val="bg2"/>
+                </a:solidFill>
+                <a:effectLst/>
+                <a:latin typeface="Calibri" panose="020F0502020204030204" pitchFamily="34" charset="0"/>
+                <a:ea typeface="Calibri" panose="020F0502020204030204" pitchFamily="34" charset="0"/>
+                <a:cs typeface="Arial" panose="020B0604020202020204" pitchFamily="34" charset="0"/>
+              </a:rPr>
+              <a:t>", СофтУни Фондация (лиценз </a:t>
+            </a:r>
+            <a:r>
+              <a:rPr lang="en-US" sz="1600" dirty="0">
+                <a:solidFill>
+                  <a:schemeClr val="bg2"/>
+                </a:solidFill>
+                <a:effectLst/>
+                <a:latin typeface="Calibri" panose="020F0502020204030204" pitchFamily="34" charset="0"/>
+                <a:ea typeface="Calibri" panose="020F0502020204030204" pitchFamily="34" charset="0"/>
+                <a:cs typeface="Arial" panose="020B0604020202020204" pitchFamily="34" charset="0"/>
+              </a:rPr>
+              <a:t>CC-BY-NC-SA</a:t>
+            </a:r>
+            <a:r>
+              <a:rPr lang="bg-BG" sz="1600" dirty="0">
+                <a:solidFill>
+                  <a:schemeClr val="bg2"/>
+                </a:solidFill>
+                <a:effectLst/>
+                <a:latin typeface="Calibri" panose="020F0502020204030204" pitchFamily="34" charset="0"/>
+                <a:ea typeface="Calibri" panose="020F0502020204030204" pitchFamily="34" charset="0"/>
+                <a:cs typeface="Arial" panose="020B0604020202020204" pitchFamily="34" charset="0"/>
+              </a:rPr>
+              <a:t>)</a:t>
+            </a:r>
+            <a:endParaRPr lang="bg-BG" sz="2400" dirty="0">
+              <a:solidFill>
+                <a:schemeClr val="bg2"/>
+              </a:solidFill>
+              <a:effectLst/>
+              <a:latin typeface="Calibri" panose="020F0502020204030204" pitchFamily="34" charset="0"/>
+              <a:ea typeface="Calibri" panose="020F0502020204030204" pitchFamily="34" charset="0"/>
+              <a:cs typeface="Arial" panose="020B0604020202020204" pitchFamily="34" charset="0"/>
+            </a:endParaRPr>
           </a:p>
         </p:txBody>
       </p:sp>
     </p:spTree>
     <p:extLst>
       <p:ext uri="{BB962C8B-B14F-4D97-AF65-F5344CB8AC3E}">
-        <p14:creationId xmlns:p14="http://schemas.microsoft.com/office/powerpoint/2010/main" val="3450073632"/>
+        <p14:creationId xmlns:p14="http://schemas.microsoft.com/office/powerpoint/2010/main" val="3686577560"/>
       </p:ext>
     </p:extLst>
   </p:cSld>
@@ -20756,11 +19456,13 @@
         <p:spPr>
           <a:xfrm>
             <a:off x="190402" y="1269001"/>
-            <a:ext cx="11818096" cy="5455890"/>
+            <a:ext cx="9865598" cy="2474999"/>
           </a:xfrm>
         </p:spPr>
         <p:txBody>
-          <a:bodyPr/>
+          <a:bodyPr>
+            <a:normAutofit/>
+          </a:bodyPr>
           <a:lstStyle/>
           <a:p>
             <a:pPr>
@@ -20769,122 +19471,42 @@
               </a:lnSpc>
             </a:pPr>
             <a:r>
-              <a:rPr lang="bg-BG" dirty="0"/>
+              <a:rPr lang="bg-BG" sz="3200" dirty="0"/>
               <a:t>Този курс</a:t>
             </a:r>
             <a:r>
-              <a:rPr lang="en-US" dirty="0"/>
+              <a:rPr lang="en-US" sz="3200" dirty="0"/>
               <a:t> (</a:t>
             </a:r>
             <a:r>
-              <a:rPr lang="bg-BG" dirty="0"/>
+              <a:rPr lang="bg-BG" sz="3200" dirty="0"/>
               <a:t>презентации, примери, демонстрационен код, упражнения, домашни, видео и други активи</a:t>
             </a:r>
             <a:r>
-              <a:rPr lang="en-US" dirty="0"/>
+              <a:rPr lang="en-US" sz="3200" dirty="0"/>
               <a:t>) </a:t>
             </a:r>
             <a:r>
-              <a:rPr lang="bg-BG" dirty="0"/>
+              <a:rPr lang="bg-BG" sz="3200" dirty="0"/>
               <a:t>представлява</a:t>
             </a:r>
             <a:r>
-              <a:rPr lang="en-US" dirty="0"/>
+              <a:rPr lang="en-US" sz="3200" dirty="0"/>
               <a:t> </a:t>
             </a:r>
             <a:r>
-              <a:rPr lang="bg-BG" b="1" dirty="0"/>
-              <a:t>защитено авторско съдържание</a:t>
-            </a:r>
-            <a:endParaRPr lang="en-US" dirty="0"/>
-          </a:p>
-          <a:p>
-            <a:pPr>
-              <a:lnSpc>
-                <a:spcPct val="120000"/>
-              </a:lnSpc>
-            </a:pPr>
-            <a:r>
-              <a:rPr lang="bg-BG" dirty="0"/>
-              <a:t>Нерегламентирано копиране</a:t>
-            </a:r>
-            <a:r>
-              <a:rPr lang="en-US" dirty="0"/>
-              <a:t>,</a:t>
-            </a:r>
-            <a:r>
-              <a:rPr lang="bg-BG" dirty="0"/>
-              <a:t> разпространение или използване е незаконно</a:t>
-            </a:r>
-          </a:p>
-          <a:p>
-            <a:pPr>
-              <a:lnSpc>
-                <a:spcPct val="120000"/>
-              </a:lnSpc>
-            </a:pPr>
-            <a:r>
-              <a:rPr lang="en-US" dirty="0"/>
-              <a:t>© </a:t>
-            </a:r>
-            <a:r>
-              <a:rPr lang="bg-BG" dirty="0"/>
-              <a:t>СофтУни</a:t>
-            </a:r>
-            <a:r>
-              <a:rPr lang="en-US" dirty="0"/>
-              <a:t> – </a:t>
-            </a:r>
-            <a:r>
-              <a:rPr lang="en-US" dirty="0">
-                <a:hlinkClick r:id="rId3"/>
-              </a:rPr>
-              <a:t>https://softuni.org</a:t>
-            </a:r>
-            <a:endParaRPr lang="en-US" dirty="0"/>
-          </a:p>
-          <a:p>
-            <a:pPr>
-              <a:lnSpc>
-                <a:spcPct val="120000"/>
-              </a:lnSpc>
-            </a:pPr>
-            <a:r>
-              <a:rPr lang="en-US" dirty="0"/>
-              <a:t>© </a:t>
-            </a:r>
-            <a:r>
-              <a:rPr lang="bg-BG" dirty="0"/>
-              <a:t>Софтуерен университет</a:t>
-            </a:r>
-            <a:r>
-              <a:rPr lang="en-US" dirty="0"/>
-              <a:t> – </a:t>
-            </a:r>
-            <a:r>
-              <a:rPr lang="en-US" dirty="0">
-                <a:hlinkClick r:id="rId4"/>
-              </a:rPr>
-              <a:t>https://softuni.bg</a:t>
-            </a:r>
-            <a:endParaRPr lang="bg-BG" dirty="0"/>
-          </a:p>
-          <a:p>
-            <a:pPr>
-              <a:lnSpc>
-                <a:spcPct val="120000"/>
-              </a:lnSpc>
-            </a:pPr>
-            <a:endParaRPr lang="bg-BG" dirty="0"/>
-          </a:p>
-          <a:p>
-            <a:pPr marL="0" indent="0">
-              <a:lnSpc>
-                <a:spcPct val="120000"/>
-              </a:lnSpc>
-              <a:buNone/>
-            </a:pPr>
-            <a:endParaRPr lang="bg-BG" dirty="0"/>
+              <a:rPr lang="bg-BG" sz="3200" b="1" dirty="0"/>
+              <a:t>свободно учебно съдържание </a:t>
+            </a:r>
+            <a:r>
+              <a:rPr lang="bg-BG" sz="3200" dirty="0"/>
+              <a:t>и се разпространява под свободен лиценз </a:t>
+            </a:r>
+            <a:r>
+              <a:rPr lang="en-US" sz="3200" b="1" dirty="0"/>
+              <a:t>CC-BY-NC-SA</a:t>
+            </a:r>
+            <a:endParaRPr lang="bg-BG" sz="3200" dirty="0"/>
           </a:p>
         </p:txBody>
       </p:sp>
@@ -20893,7 +19515,7 @@
           <p:cNvPr id="6" name="Picture License" descr="License">
             <a:extLst>
               <a:ext uri="{FF2B5EF4-FFF2-40B4-BE49-F238E27FC236}">
-                <a16:creationId xmlns:a16="http://schemas.microsoft.com/office/drawing/2014/main" id="{A10A2585-858C-4B1E-8846-27CF1C15729E}"/>
+                <a16:creationId xmlns:a16="http://schemas.microsoft.com/office/drawing/2014/main" id="{82BA520F-A037-4E01-AA18-27D9F1E930A6}"/>
               </a:ext>
             </a:extLst>
           </p:cNvPr>
@@ -20903,7 +19525,7 @@
           <p:nvPr/>
         </p:nvPicPr>
         <p:blipFill>
-          <a:blip r:embed="rId5">
+          <a:blip r:embed="rId3">
             <a:clrChange>
               <a:clrFrom>
                 <a:srgbClr val="FFFFFF"/>
@@ -20921,8 +19543,8 @@
         </p:blipFill>
         <p:spPr>
           <a:xfrm>
-            <a:off x="9745023" y="4445455"/>
-            <a:ext cx="1930977" cy="2043545"/>
+            <a:off x="10226175" y="1440120"/>
+            <a:ext cx="1198986" cy="1268880"/>
           </a:xfrm>
           <a:prstGeom prst="rect">
             <a:avLst/>
@@ -20959,10 +19581,171 @@
       </p:sp>
       <p:sp>
         <p:nvSpPr>
-          <p:cNvPr id="7" name="Slide Number">
+          <p:cNvPr id="11" name="TextBox 10">
             <a:extLst>
               <a:ext uri="{FF2B5EF4-FFF2-40B4-BE49-F238E27FC236}">
-                <a16:creationId xmlns:a16="http://schemas.microsoft.com/office/drawing/2014/main" id="{DB3E3A40-E077-4970-B869-59773B034598}"/>
+                <a16:creationId xmlns:a16="http://schemas.microsoft.com/office/drawing/2014/main" id="{0C18DF19-B750-4C88-975B-661A6BF61F5E}"/>
+              </a:ext>
+            </a:extLst>
+          </p:cNvPr>
+          <p:cNvSpPr txBox="1"/>
+          <p:nvPr/>
+        </p:nvSpPr>
+        <p:spPr>
+          <a:xfrm>
+            <a:off x="190401" y="3927519"/>
+            <a:ext cx="11710599" cy="1979644"/>
+          </a:xfrm>
+          <a:prstGeom prst="rect">
+            <a:avLst/>
+          </a:prstGeom>
+          <a:noFill/>
+          <a:ln w="12700">
+            <a:noFill/>
+          </a:ln>
+        </p:spPr>
+        <p:txBody>
+          <a:bodyPr wrap="square">
+            <a:spAutoFit/>
+          </a:bodyPr>
+          <a:lstStyle/>
+          <a:p>
+            <a:pPr marL="360363" indent="-360363" defTabSz="1218438">
+              <a:lnSpc>
+                <a:spcPct val="120000"/>
+              </a:lnSpc>
+              <a:spcBef>
+                <a:spcPts val="600"/>
+              </a:spcBef>
+              <a:spcAft>
+                <a:spcPts val="600"/>
+              </a:spcAft>
+              <a:buFont typeface="Wingdings" panose="05000000000000000000" pitchFamily="2" charset="2"/>
+              <a:buChar char="§"/>
+              <a:defRPr/>
+            </a:pPr>
+            <a:r>
+              <a:rPr lang="bg-BG" sz="3200" dirty="0"/>
+              <a:t>Проект "</a:t>
+            </a:r>
+            <a:r>
+              <a:rPr lang="bg-BG" sz="3200" b="1" dirty="0"/>
+              <a:t>Отворено учебно съдържание по програмиране и ИТ</a:t>
+            </a:r>
+            <a:r>
+              <a:rPr lang="bg-BG" sz="3200" dirty="0"/>
+              <a:t>" към Фондация "Софтуерен университет"</a:t>
+            </a:r>
+            <a:r>
+              <a:rPr lang="en-US" sz="3200" dirty="0"/>
+              <a:t>:</a:t>
+            </a:r>
+            <a:endParaRPr lang="bg-BG" sz="3200" dirty="0"/>
+          </a:p>
+          <a:p>
+            <a:pPr marL="817563" lvl="1" indent="-360363" defTabSz="1218438">
+              <a:lnSpc>
+                <a:spcPct val="120000"/>
+              </a:lnSpc>
+              <a:spcBef>
+                <a:spcPts val="600"/>
+              </a:spcBef>
+              <a:spcAft>
+                <a:spcPts val="600"/>
+              </a:spcAft>
+              <a:buFont typeface="Wingdings" panose="05000000000000000000" pitchFamily="2" charset="2"/>
+              <a:buChar char="§"/>
+              <a:defRPr/>
+            </a:pPr>
+            <a:r>
+              <a:rPr kumimoji="0" lang="en-US" sz="3200" b="0" i="0" u="none" strike="noStrike" kern="1200" cap="none" spc="0" normalizeH="0" baseline="0" noProof="0" dirty="0">
+                <a:ln>
+                  <a:noFill/>
+                </a:ln>
+                <a:solidFill>
+                  <a:srgbClr val="234465"/>
+                </a:solidFill>
+                <a:effectLst/>
+                <a:uLnTx/>
+                <a:uFillTx/>
+                <a:latin typeface="Calibri"/>
+                <a:ea typeface="+mn-ea"/>
+                <a:cs typeface="+mn-cs"/>
+                <a:hlinkClick r:id="rId4"/>
+              </a:rPr>
+              <a:t>https://github.com/BG-IT-Edu</a:t>
+            </a:r>
+            <a:endParaRPr kumimoji="0" lang="bg-BG" sz="3200" b="0" i="0" u="none" strike="noStrike" kern="1200" cap="none" spc="0" normalizeH="0" baseline="0" noProof="0" dirty="0">
+              <a:ln>
+                <a:noFill/>
+              </a:ln>
+              <a:solidFill>
+                <a:srgbClr val="234465"/>
+              </a:solidFill>
+              <a:effectLst/>
+              <a:uLnTx/>
+              <a:uFillTx/>
+              <a:latin typeface="Calibri"/>
+              <a:ea typeface="+mn-ea"/>
+              <a:cs typeface="+mn-cs"/>
+            </a:endParaRPr>
+          </a:p>
+        </p:txBody>
+      </p:sp>
+      <p:pic>
+        <p:nvPicPr>
+          <p:cNvPr id="7" name="Picture 6" title="CC-BY-NC-SA License">
+            <a:hlinkClick r:id="rId5" tooltip="This work is licensed under the &quot;Creative Commons Attribution-NonCommercial-ShareAlike 4.0 International&quot; license"/>
+            <a:extLst>
+              <a:ext uri="{FF2B5EF4-FFF2-40B4-BE49-F238E27FC236}">
+                <a16:creationId xmlns:a16="http://schemas.microsoft.com/office/drawing/2014/main" id="{F6C77C47-F7D8-A176-5C69-7FDE5C7E8003}"/>
+              </a:ext>
+            </a:extLst>
+          </p:cNvPr>
+          <p:cNvPicPr>
+            <a:picLocks noChangeAspect="1" noChangeArrowheads="1"/>
+          </p:cNvPicPr>
+          <p:nvPr/>
+        </p:nvPicPr>
+        <p:blipFill>
+          <a:blip r:embed="rId6">
+            <a:extLst>
+              <a:ext uri="{28A0092B-C50C-407E-A947-70E740481C1C}">
+                <a14:useLocalDpi xmlns:a14="http://schemas.microsoft.com/office/drawing/2010/main"/>
+              </a:ext>
+            </a:extLst>
+          </a:blip>
+          <a:srcRect/>
+          <a:stretch>
+            <a:fillRect/>
+          </a:stretch>
+        </p:blipFill>
+        <p:spPr bwMode="auto">
+          <a:xfrm>
+            <a:off x="9831000" y="2908593"/>
+            <a:ext cx="1989336" cy="696022"/>
+          </a:xfrm>
+          <a:prstGeom prst="roundRect">
+            <a:avLst>
+              <a:gd name="adj" fmla="val 3940"/>
+            </a:avLst>
+          </a:prstGeom>
+          <a:solidFill>
+            <a:srgbClr val="231F20">
+              <a:alpha val="50000"/>
+            </a:srgbClr>
+          </a:solidFill>
+          <a:ln>
+            <a:noFill/>
+          </a:ln>
+        </p:spPr>
+      </p:pic>
+      <p:sp>
+        <p:nvSpPr>
+          <p:cNvPr id="4" name="Slide Number">
+            <a:extLst>
+              <a:ext uri="{FF2B5EF4-FFF2-40B4-BE49-F238E27FC236}">
+                <a16:creationId xmlns:a16="http://schemas.microsoft.com/office/drawing/2014/main" id="{BA3821F0-D30D-6948-E9CA-5DCB258623D5}"/>
               </a:ext>
             </a:extLst>
           </p:cNvPr>
@@ -21002,7 +19785,7 @@
     </p:spTree>
     <p:extLst>
       <p:ext uri="{BB962C8B-B14F-4D97-AF65-F5344CB8AC3E}">
-        <p14:creationId xmlns:p14="http://schemas.microsoft.com/office/powerpoint/2010/main" val="919300254"/>
+        <p14:creationId xmlns:p14="http://schemas.microsoft.com/office/powerpoint/2010/main" val="2023565893"/>
       </p:ext>
     </p:extLst>
   </p:cSld>
@@ -21037,69 +19820,6 @@
           <a:chExt cx="0" cy="0"/>
         </a:xfrm>
       </p:grpSpPr>
-      <p:sp>
-        <p:nvSpPr>
-          <p:cNvPr id="3" name="Subtitle 2">
-            <a:extLst>
-              <a:ext uri="{FF2B5EF4-FFF2-40B4-BE49-F238E27FC236}">
-                <a16:creationId xmlns:a16="http://schemas.microsoft.com/office/drawing/2014/main" id="{99D148BC-8EFE-F46E-D102-2E5A3BC4CA68}"/>
-              </a:ext>
-            </a:extLst>
-          </p:cNvPr>
-          <p:cNvSpPr>
-            <a:spLocks noGrp="1"/>
-          </p:cNvSpPr>
-          <p:nvPr>
-            <p:ph type="subTitle" sz="quarter" idx="11"/>
-          </p:nvPr>
-        </p:nvSpPr>
-        <p:spPr/>
-        <p:txBody>
-          <a:bodyPr/>
-          <a:lstStyle/>
-          <a:p>
-            <a:r>
-              <a:rPr lang="bg-BG" dirty="0"/>
-              <a:t>Капсулация на данните – ООП принцип</a:t>
-            </a:r>
-            <a:endParaRPr lang="en-US" dirty="0"/>
-          </a:p>
-        </p:txBody>
-      </p:sp>
-      <p:sp>
-        <p:nvSpPr>
-          <p:cNvPr id="5" name="Title 4">
-            <a:extLst>
-              <a:ext uri="{FF2B5EF4-FFF2-40B4-BE49-F238E27FC236}">
-                <a16:creationId xmlns:a16="http://schemas.microsoft.com/office/drawing/2014/main" id="{D0486905-80AF-4B7E-BC5B-2EBA1C26D4B9}"/>
-              </a:ext>
-            </a:extLst>
-          </p:cNvPr>
-          <p:cNvSpPr>
-            <a:spLocks noGrp="1"/>
-          </p:cNvSpPr>
-          <p:nvPr>
-            <p:ph type="title" sz="quarter" idx="10"/>
-          </p:nvPr>
-        </p:nvSpPr>
-        <p:spPr>
-          <a:xfrm>
-            <a:off x="615109" y="4704825"/>
-            <a:ext cx="10961783" cy="768084"/>
-          </a:xfrm>
-        </p:spPr>
-        <p:txBody>
-          <a:bodyPr/>
-          <a:lstStyle/>
-          <a:p>
-            <a:r>
-              <a:rPr lang="bg-BG" dirty="0"/>
-              <a:t>Скриване на имплементацията</a:t>
-            </a:r>
-            <a:endParaRPr lang="en-US" dirty="0"/>
-          </a:p>
-        </p:txBody>
-      </p:sp>
       <p:pic>
         <p:nvPicPr>
           <p:cNvPr id="6" name="Picture 5" descr="Object-Oriented Programming in Java"/>
@@ -21139,10 +19859,67 @@
           </a:extLst>
         </p:spPr>
       </p:pic>
+      <p:sp>
+        <p:nvSpPr>
+          <p:cNvPr id="4" name="Подзаглавие 3">
+            <a:extLst>
+              <a:ext uri="{FF2B5EF4-FFF2-40B4-BE49-F238E27FC236}">
+                <a16:creationId xmlns:a16="http://schemas.microsoft.com/office/drawing/2014/main" id="{AD6E92B6-6C9A-335F-4115-6D7652077DF7}"/>
+              </a:ext>
+            </a:extLst>
+          </p:cNvPr>
+          <p:cNvSpPr>
+            <a:spLocks noGrp="1"/>
+          </p:cNvSpPr>
+          <p:nvPr>
+            <p:ph type="subTitle" sz="quarter" idx="11"/>
+          </p:nvPr>
+        </p:nvSpPr>
+        <p:spPr/>
+        <p:txBody>
+          <a:bodyPr/>
+          <a:lstStyle/>
+          <a:p>
+            <a:r>
+              <a:rPr lang="bg-BG"/>
+              <a:t>Скриване на имплементацията</a:t>
+            </a:r>
+          </a:p>
+        </p:txBody>
+      </p:sp>
+      <p:sp>
+        <p:nvSpPr>
+          <p:cNvPr id="8" name="Заглавие 7">
+            <a:extLst>
+              <a:ext uri="{FF2B5EF4-FFF2-40B4-BE49-F238E27FC236}">
+                <a16:creationId xmlns:a16="http://schemas.microsoft.com/office/drawing/2014/main" id="{CFCB4B0F-C1BC-5D89-8B35-0C34A6CC44F1}"/>
+              </a:ext>
+            </a:extLst>
+          </p:cNvPr>
+          <p:cNvSpPr>
+            <a:spLocks noGrp="1"/>
+          </p:cNvSpPr>
+          <p:nvPr>
+            <p:ph type="title" sz="quarter" idx="10"/>
+          </p:nvPr>
+        </p:nvSpPr>
+        <p:spPr/>
+        <p:txBody>
+          <a:bodyPr/>
+          <a:lstStyle/>
+          <a:p>
+            <a:r>
+              <a:rPr lang="ru-RU" dirty="0"/>
+              <a:t>Капсулация на данните</a:t>
+            </a:r>
+            <a:endParaRPr lang="bg-BG" dirty="0"/>
+          </a:p>
+        </p:txBody>
+      </p:sp>
     </p:spTree>
     <p:extLst>
       <p:ext uri="{BB962C8B-B14F-4D97-AF65-F5344CB8AC3E}">
-        <p14:creationId xmlns:p14="http://schemas.microsoft.com/office/powerpoint/2010/main" val="3712073252"/>
+        <p14:creationId xmlns:p14="http://schemas.microsoft.com/office/powerpoint/2010/main" val="932305944"/>
       </p:ext>
     </p:extLst>
   </p:cSld>
@@ -21247,6 +20024,9 @@
               <a:spcAft>
                 <a:spcPts val="400"/>
               </a:spcAft>
+              <a:buClr>
+                <a:schemeClr val="tx1"/>
+              </a:buClr>
             </a:pPr>
             <a:r>
               <a:rPr lang="bg-BG" sz="3000" b="1" dirty="0">
@@ -21822,13 +20602,24 @@
             <a:r>
               <a:rPr lang="bg-BG" sz="2400" b="1" noProof="1">
                 <a:solidFill>
+                  <a:schemeClr val="accent1">
+                    <a:lumMod val="60000"/>
+                    <a:lumOff val="40000"/>
+                  </a:schemeClr>
+                </a:solidFill>
+              </a:rPr>
+              <a:t>методи</a:t>
+            </a:r>
+            <a:r>
+              <a:rPr lang="bg-BG" sz="2400" b="1" noProof="1">
+                <a:solidFill>
                   <a:schemeClr val="bg1">
                     <a:lumMod val="60000"/>
                     <a:lumOff val="40000"/>
                   </a:schemeClr>
                 </a:solidFill>
               </a:rPr>
-              <a:t>методи </a:t>
+              <a:t> </a:t>
             </a:r>
             <a:r>
               <a:rPr lang="bg-BG" sz="2400" b="1" noProof="1">
@@ -21950,7 +20741,7 @@
             <a:r>
               <a:rPr lang="bg-BG" sz="2400" b="1" noProof="1">
                 <a:solidFill>
-                  <a:schemeClr val="bg1">
+                  <a:schemeClr val="accent1">
                     <a:lumMod val="60000"/>
                     <a:lumOff val="40000"/>
                   </a:schemeClr>
@@ -21969,7 +20760,7 @@
             <a:r>
               <a:rPr lang="bg-BG" sz="2400" b="1" noProof="1">
                 <a:solidFill>
-                  <a:schemeClr val="bg1">
+                  <a:schemeClr val="accent1">
                     <a:lumMod val="60000"/>
                     <a:lumOff val="40000"/>
                   </a:schemeClr>
@@ -21995,10 +20786,10 @@
       </p:sp>
       <p:sp>
         <p:nvSpPr>
-          <p:cNvPr id="8" name="Slide Number">
+          <p:cNvPr id="2" name="Slide Number">
             <a:extLst>
               <a:ext uri="{FF2B5EF4-FFF2-40B4-BE49-F238E27FC236}">
-                <a16:creationId xmlns:a16="http://schemas.microsoft.com/office/drawing/2014/main" id="{21BFA7E6-FAEA-4DA2-ABC1-185C8CC771E8}"/>
+                <a16:creationId xmlns:a16="http://schemas.microsoft.com/office/drawing/2014/main" id="{DA05C620-40B6-4241-A38B-21B18F084FBC}"/>
               </a:ext>
             </a:extLst>
           </p:cNvPr>
@@ -22038,7 +20829,7 @@
     </p:spTree>
     <p:extLst>
       <p:ext uri="{BB962C8B-B14F-4D97-AF65-F5344CB8AC3E}">
-        <p14:creationId xmlns:p14="http://schemas.microsoft.com/office/powerpoint/2010/main" val="1049524438"/>
+        <p14:creationId xmlns:p14="http://schemas.microsoft.com/office/powerpoint/2010/main" val="2435614246"/>
       </p:ext>
     </p:extLst>
   </p:cSld>
@@ -22153,33 +20944,15 @@
                                   </p:childTnLst>
                                 </p:cTn>
                               </p:par>
-                            </p:childTnLst>
-                          </p:cTn>
-                        </p:par>
-                      </p:childTnLst>
-                    </p:cTn>
-                  </p:par>
-                  <p:par>
-                    <p:cTn id="11" fill="hold">
-                      <p:stCondLst>
-                        <p:cond delay="indefinite"/>
-                      </p:stCondLst>
-                      <p:childTnLst>
-                        <p:par>
-                          <p:cTn id="12" fill="hold">
-                            <p:stCondLst>
-                              <p:cond delay="0"/>
-                            </p:stCondLst>
-                            <p:childTnLst>
                               <p:par>
-                                <p:cTn id="13" presetID="1" presetClass="entr" presetSubtype="0" fill="hold" nodeType="clickEffect">
+                                <p:cTn id="11" presetID="1" presetClass="entr" presetSubtype="0" fill="hold" nodeType="withEffect">
                                   <p:stCondLst>
                                     <p:cond delay="0"/>
                                   </p:stCondLst>
                                   <p:childTnLst>
                                     <p:set>
                                       <p:cBhvr>
-                                        <p:cTn id="14" dur="1" fill="hold">
+                                        <p:cTn id="12" dur="1" fill="hold">
                                           <p:stCondLst>
                                             <p:cond delay="0"/>
                                           </p:stCondLst>
@@ -22209,26 +20982,26 @@
                     </p:cTn>
                   </p:par>
                   <p:par>
-                    <p:cTn id="15" fill="hold">
+                    <p:cTn id="13" fill="hold">
                       <p:stCondLst>
                         <p:cond delay="indefinite"/>
                       </p:stCondLst>
                       <p:childTnLst>
                         <p:par>
-                          <p:cTn id="16" fill="hold">
+                          <p:cTn id="14" fill="hold">
                             <p:stCondLst>
                               <p:cond delay="0"/>
                             </p:stCondLst>
                             <p:childTnLst>
                               <p:par>
-                                <p:cTn id="17" presetID="1" presetClass="entr" presetSubtype="0" fill="hold" nodeType="clickEffect">
+                                <p:cTn id="15" presetID="1" presetClass="entr" presetSubtype="0" fill="hold" nodeType="clickEffect">
                                   <p:stCondLst>
                                     <p:cond delay="0"/>
                                   </p:stCondLst>
                                   <p:childTnLst>
                                     <p:set>
                                       <p:cBhvr>
-                                        <p:cTn id="18" dur="1" fill="hold">
+                                        <p:cTn id="16" dur="1" fill="hold">
                                           <p:stCondLst>
                                             <p:cond delay="0"/>
                                           </p:stCondLst>
@@ -22258,26 +21031,26 @@
                     </p:cTn>
                   </p:par>
                   <p:par>
-                    <p:cTn id="19" fill="hold">
+                    <p:cTn id="17" fill="hold">
                       <p:stCondLst>
                         <p:cond delay="indefinite"/>
                       </p:stCondLst>
                       <p:childTnLst>
                         <p:par>
-                          <p:cTn id="20" fill="hold">
+                          <p:cTn id="18" fill="hold">
                             <p:stCondLst>
                               <p:cond delay="0"/>
                             </p:stCondLst>
                             <p:childTnLst>
                               <p:par>
-                                <p:cTn id="21" presetID="1" presetClass="entr" presetSubtype="0" fill="hold" grpId="0" nodeType="clickEffect">
+                                <p:cTn id="19" presetID="1" presetClass="entr" presetSubtype="0" fill="hold" grpId="0" nodeType="clickEffect">
                                   <p:stCondLst>
                                     <p:cond delay="0"/>
                                   </p:stCondLst>
                                   <p:childTnLst>
                                     <p:set>
                                       <p:cBhvr>
-                                        <p:cTn id="22" dur="1" fill="hold">
+                                        <p:cTn id="20" dur="1" fill="hold">
                                           <p:stCondLst>
                                             <p:cond delay="0"/>
                                           </p:stCondLst>
@@ -22303,26 +21076,26 @@
                     </p:cTn>
                   </p:par>
                   <p:par>
-                    <p:cTn id="23" fill="hold">
+                    <p:cTn id="21" fill="hold">
                       <p:stCondLst>
                         <p:cond delay="indefinite"/>
                       </p:stCondLst>
                       <p:childTnLst>
                         <p:par>
-                          <p:cTn id="24" fill="hold">
+                          <p:cTn id="22" fill="hold">
                             <p:stCondLst>
                               <p:cond delay="0"/>
                             </p:stCondLst>
                             <p:childTnLst>
                               <p:par>
-                                <p:cTn id="25" presetID="1" presetClass="entr" presetSubtype="0" fill="hold" grpId="0" nodeType="clickEffect">
+                                <p:cTn id="23" presetID="1" presetClass="entr" presetSubtype="0" fill="hold" grpId="0" nodeType="clickEffect">
                                   <p:stCondLst>
                                     <p:cond delay="0"/>
                                   </p:stCondLst>
                                   <p:childTnLst>
                                     <p:set>
                                       <p:cBhvr>
-                                        <p:cTn id="26" dur="1" fill="hold">
+                                        <p:cTn id="24" dur="1" fill="hold">
                                           <p:stCondLst>
                                             <p:cond delay="0"/>
                                           </p:stCondLst>
@@ -22348,26 +21121,26 @@
                     </p:cTn>
                   </p:par>
                   <p:par>
-                    <p:cTn id="27" fill="hold">
+                    <p:cTn id="25" fill="hold">
                       <p:stCondLst>
                         <p:cond delay="indefinite"/>
                       </p:stCondLst>
                       <p:childTnLst>
                         <p:par>
-                          <p:cTn id="28" fill="hold">
+                          <p:cTn id="26" fill="hold">
                             <p:stCondLst>
                               <p:cond delay="0"/>
                             </p:stCondLst>
                             <p:childTnLst>
                               <p:par>
-                                <p:cTn id="29" presetID="1" presetClass="entr" presetSubtype="0" fill="hold" grpId="0" nodeType="clickEffect">
+                                <p:cTn id="27" presetID="1" presetClass="entr" presetSubtype="0" fill="hold" grpId="0" nodeType="clickEffect">
                                   <p:stCondLst>
                                     <p:cond delay="0"/>
                                   </p:stCondLst>
                                   <p:childTnLst>
                                     <p:set>
                                       <p:cBhvr>
-                                        <p:cTn id="30" dur="1" fill="hold">
+                                        <p:cTn id="28" dur="1" fill="hold">
                                           <p:stCondLst>
                                             <p:cond delay="0"/>
                                           </p:stCondLst>
@@ -23293,10 +22066,10 @@
       </p:sp>
       <p:sp>
         <p:nvSpPr>
-          <p:cNvPr id="12" name="Slide Number">
+          <p:cNvPr id="2" name="Slide Number">
             <a:extLst>
               <a:ext uri="{FF2B5EF4-FFF2-40B4-BE49-F238E27FC236}">
-                <a16:creationId xmlns:a16="http://schemas.microsoft.com/office/drawing/2014/main" id="{5168923A-A98F-44F4-B4A8-233DDC3B0EF1}"/>
+                <a16:creationId xmlns:a16="http://schemas.microsoft.com/office/drawing/2014/main" id="{788BC377-AB0F-0FC0-BB7B-EF5097F12594}"/>
               </a:ext>
             </a:extLst>
           </p:cNvPr>
@@ -23336,7 +22109,7 @@
     </p:spTree>
     <p:extLst>
       <p:ext uri="{BB962C8B-B14F-4D97-AF65-F5344CB8AC3E}">
-        <p14:creationId xmlns:p14="http://schemas.microsoft.com/office/powerpoint/2010/main" val="1861173860"/>
+        <p14:creationId xmlns:p14="http://schemas.microsoft.com/office/powerpoint/2010/main" val="3606033051"/>
       </p:ext>
     </p:extLst>
   </p:cSld>
@@ -23636,10 +22409,10 @@
       </p:pic>
       <p:sp>
         <p:nvSpPr>
-          <p:cNvPr id="3" name="Subtitle 2">
+          <p:cNvPr id="4" name="Подзаглавие 3">
             <a:extLst>
               <a:ext uri="{FF2B5EF4-FFF2-40B4-BE49-F238E27FC236}">
-                <a16:creationId xmlns:a16="http://schemas.microsoft.com/office/drawing/2014/main" id="{A1CD9F55-E363-DDC4-7C53-9386D00DF69C}"/>
+                <a16:creationId xmlns:a16="http://schemas.microsoft.com/office/drawing/2014/main" id="{DBCC883C-50BB-BFFC-5C83-DCF35D5A2427}"/>
               </a:ext>
             </a:extLst>
           </p:cNvPr>
@@ -23656,30 +22429,19 @@
           <a:lstStyle/>
           <a:p>
             <a:r>
-              <a:rPr lang="bg-BG" dirty="0"/>
-              <a:t>Модификатори за достъп: </a:t>
-            </a:r>
-            <a:r>
-              <a:rPr lang="en-US" b="1" dirty="0"/>
-              <a:t>public</a:t>
-            </a:r>
-            <a:r>
-              <a:rPr lang="en-US" dirty="0"/>
-              <a:t>, </a:t>
-            </a:r>
-            <a:r>
-              <a:rPr lang="en-US" b="1" dirty="0"/>
-              <a:t>private</a:t>
-            </a:r>
+              <a:rPr lang="ru-RU" dirty="0"/>
+              <a:t>Видимост на членовете на класа</a:t>
+            </a:r>
+            <a:endParaRPr lang="bg-BG" dirty="0"/>
           </a:p>
         </p:txBody>
       </p:sp>
       <p:sp>
         <p:nvSpPr>
-          <p:cNvPr id="5" name="Title 4">
+          <p:cNvPr id="7" name="Заглавие 6">
             <a:extLst>
               <a:ext uri="{FF2B5EF4-FFF2-40B4-BE49-F238E27FC236}">
-                <a16:creationId xmlns:a16="http://schemas.microsoft.com/office/drawing/2014/main" id="{35C37359-A412-4D0E-9DAA-B5E1934E74D6}"/>
+                <a16:creationId xmlns:a16="http://schemas.microsoft.com/office/drawing/2014/main" id="{178D9147-2D8B-A770-25D1-BB27A499D041}"/>
               </a:ext>
             </a:extLst>
           </p:cNvPr>
@@ -23692,8 +22454,8 @@
         </p:nvSpPr>
         <p:spPr>
           <a:xfrm>
-            <a:off x="615109" y="4704825"/>
-            <a:ext cx="10961783" cy="768084"/>
+            <a:off x="1348500" y="4862024"/>
+            <a:ext cx="9494999" cy="629999"/>
           </a:xfrm>
         </p:spPr>
         <p:txBody>
@@ -23701,17 +22463,17 @@
           <a:lstStyle/>
           <a:p>
             <a:r>
-              <a:rPr lang="bg-BG" dirty="0"/>
-              <a:t>Видимост на членовете на класа</a:t>
-            </a:r>
-            <a:endParaRPr lang="en-US" dirty="0"/>
+              <a:rPr lang="ru-RU" dirty="0"/>
+              <a:t>Модификатори за достъп</a:t>
+            </a:r>
+            <a:endParaRPr lang="bg-BG" dirty="0"/>
           </a:p>
         </p:txBody>
       </p:sp>
     </p:spTree>
     <p:extLst>
       <p:ext uri="{BB962C8B-B14F-4D97-AF65-F5344CB8AC3E}">
-        <p14:creationId xmlns:p14="http://schemas.microsoft.com/office/powerpoint/2010/main" val="1383632128"/>
+        <p14:creationId xmlns:p14="http://schemas.microsoft.com/office/powerpoint/2010/main" val="2479969746"/>
       </p:ext>
     </p:extLst>
   </p:cSld>
@@ -24107,10 +22869,10 @@
       </p:sp>
       <p:sp>
         <p:nvSpPr>
-          <p:cNvPr id="6" name="Slide Number">
+          <p:cNvPr id="2" name="Slide Number">
             <a:extLst>
               <a:ext uri="{FF2B5EF4-FFF2-40B4-BE49-F238E27FC236}">
-                <a16:creationId xmlns:a16="http://schemas.microsoft.com/office/drawing/2014/main" id="{FC3E7E89-C647-4008-8389-C95C03A9C233}"/>
+                <a16:creationId xmlns:a16="http://schemas.microsoft.com/office/drawing/2014/main" id="{B1C15897-4754-B2E7-62A9-EF0FAE3B032E}"/>
               </a:ext>
             </a:extLst>
           </p:cNvPr>
@@ -24150,7 +22912,7 @@
     </p:spTree>
     <p:extLst>
       <p:ext uri="{BB962C8B-B14F-4D97-AF65-F5344CB8AC3E}">
-        <p14:creationId xmlns:p14="http://schemas.microsoft.com/office/powerpoint/2010/main" val="1200293082"/>
+        <p14:creationId xmlns:p14="http://schemas.microsoft.com/office/powerpoint/2010/main" val="375459457"/>
       </p:ext>
     </p:extLst>
   </p:cSld>
@@ -24624,10 +23386,10 @@
       </p:sp>
       <p:sp>
         <p:nvSpPr>
-          <p:cNvPr id="6" name="Slide Number">
+          <p:cNvPr id="2" name="Slide Number">
             <a:extLst>
               <a:ext uri="{FF2B5EF4-FFF2-40B4-BE49-F238E27FC236}">
-                <a16:creationId xmlns:a16="http://schemas.microsoft.com/office/drawing/2014/main" id="{62EF13FE-369C-4C50-94F2-1671893AA4E5}"/>
+                <a16:creationId xmlns:a16="http://schemas.microsoft.com/office/drawing/2014/main" id="{0B521E8A-1CEF-415F-24E7-7D314CDC7C42}"/>
               </a:ext>
             </a:extLst>
           </p:cNvPr>
@@ -24667,7 +23429,7 @@
     </p:spTree>
     <p:extLst>
       <p:ext uri="{BB962C8B-B14F-4D97-AF65-F5344CB8AC3E}">
-        <p14:creationId xmlns:p14="http://schemas.microsoft.com/office/powerpoint/2010/main" val="921549834"/>
+        <p14:creationId xmlns:p14="http://schemas.microsoft.com/office/powerpoint/2010/main" val="3184316930"/>
       </p:ext>
     </p:extLst>
   </p:cSld>
@@ -25204,10 +23966,10 @@
       </p:sp>
       <p:sp>
         <p:nvSpPr>
-          <p:cNvPr id="8" name="Slide Number">
+          <p:cNvPr id="2" name="Slide Number">
             <a:extLst>
               <a:ext uri="{FF2B5EF4-FFF2-40B4-BE49-F238E27FC236}">
-                <a16:creationId xmlns:a16="http://schemas.microsoft.com/office/drawing/2014/main" id="{30EABA04-8187-4380-9709-9CA95E02D0CA}"/>
+                <a16:creationId xmlns:a16="http://schemas.microsoft.com/office/drawing/2014/main" id="{563EE41C-58AA-EF1C-8C41-F58C873304E3}"/>
               </a:ext>
             </a:extLst>
           </p:cNvPr>
@@ -25247,7 +24009,7 @@
     </p:spTree>
     <p:extLst>
       <p:ext uri="{BB962C8B-B14F-4D97-AF65-F5344CB8AC3E}">
-        <p14:creationId xmlns:p14="http://schemas.microsoft.com/office/powerpoint/2010/main" val="3716155694"/>
+        <p14:creationId xmlns:p14="http://schemas.microsoft.com/office/powerpoint/2010/main" val="874722825"/>
       </p:ext>
     </p:extLst>
   </p:cSld>
@@ -25392,12 +24154,12 @@
 <file path=ppt/theme/theme1.xml><?xml version="1.0" encoding="utf-8"?>
 <a:theme xmlns:a="http://schemas.openxmlformats.org/drawingml/2006/main" name="SoftUni">
   <a:themeElements>
-    <a:clrScheme name="Custom 28">
+    <a:clrScheme name="Custom 2">
       <a:dk1>
         <a:srgbClr val="234465"/>
       </a:dk1>
       <a:lt1>
-        <a:srgbClr val="FFA000"/>
+        <a:srgbClr val="BF7800"/>
       </a:lt1>
       <a:dk2>
         <a:srgbClr val="234465"/>
@@ -25406,7 +24168,7 @@
         <a:srgbClr val="FFFFFF"/>
       </a:lt2>
       <a:accent1>
-        <a:srgbClr val="F29600"/>
+        <a:srgbClr val="FFA000"/>
       </a:accent1>
       <a:accent2>
         <a:srgbClr val="00B050"/>
@@ -25424,10 +24186,10 @@
         <a:srgbClr val="F4F5F7"/>
       </a:accent6>
       <a:hlink>
-        <a:srgbClr val="F2AC44"/>
+        <a:srgbClr val="BF7800"/>
       </a:hlink>
       <a:folHlink>
-        <a:srgbClr val="F6C781"/>
+        <a:srgbClr val="EF9511"/>
       </a:folHlink>
     </a:clrScheme>
     <a:fontScheme name="SoftUni">

--- a/Courses/Software-Sciences/Module-1-OOP/08.1-Encapsulation-Basics/08.1-Encapsulation-Basics.pptx
+++ b/Courses/Software-Sciences/Module-1-OOP/08.1-Encapsulation-Basics/08.1-Encapsulation-Basics.pptx
@@ -305,7 +305,7 @@
           <a:p>
             <a:fld id="{4E087215-0C8F-4762-A664-737A353EC9A4}" type="datetimeFigureOut">
               <a:rPr lang="bg-BG" smtClean="0"/>
-              <a:t>2.10.23 г.</a:t>
+              <a:t>25.05.24 г.</a:t>
             </a:fld>
             <a:endParaRPr lang="bg-BG"/>
           </a:p>
@@ -501,7 +501,7 @@
           <a:p>
             <a:fld id="{72D84649-876A-46C9-8472-14CB09C070D8}" type="datetimeFigureOut">
               <a:rPr lang="en-US" smtClean="0"/>
-              <a:t>10/2/23</a:t>
+              <a:t>5/25/24</a:t>
             </a:fld>
             <a:endParaRPr lang="en-US"/>
           </a:p>
@@ -9405,49 +9405,46 @@
               </a:buClr>
             </a:pPr>
             <a:r>
-              <a:rPr lang="en-US" sz="3400" b="1" dirty="0">
-                <a:solidFill>
-                  <a:schemeClr val="bg1"/>
-                </a:solidFill>
+              <a:rPr lang="en-US" sz="3200" b="1" dirty="0">
                 <a:latin typeface="Consolas" panose="020B0609020204030204" pitchFamily="49" charset="0"/>
               </a:rPr>
               <a:t>internal</a:t>
             </a:r>
             <a:r>
-              <a:rPr lang="en-US" sz="3400" dirty="0"/>
+              <a:rPr lang="en-US" sz="3200" dirty="0"/>
               <a:t> </a:t>
             </a:r>
             <a:r>
-              <a:rPr lang="bg-BG" sz="3400" dirty="0"/>
+              <a:rPr lang="bg-BG" sz="3200" dirty="0"/>
               <a:t>е модификаторът </a:t>
             </a:r>
             <a:r>
-              <a:rPr lang="bg-BG" sz="3400" b="1" dirty="0">
+              <a:rPr lang="bg-BG" sz="3200" b="1" dirty="0">
                 <a:solidFill>
                   <a:schemeClr val="bg1"/>
                 </a:solidFill>
               </a:rPr>
               <a:t>по подразбиране на всеки клас</a:t>
             </a:r>
-            <a:endParaRPr lang="en-US" sz="3400" dirty="0"/>
-          </a:p>
-          <a:p>
-            <a:endParaRPr lang="en-US" sz="3400" dirty="0"/>
-          </a:p>
-          <a:p>
-            <a:endParaRPr lang="en-US" sz="2800" dirty="0"/>
+            <a:endParaRPr lang="en-US" sz="3200" dirty="0"/>
+          </a:p>
+          <a:p>
+            <a:endParaRPr lang="en-US" sz="3200" dirty="0"/>
+          </a:p>
+          <a:p>
+            <a:endParaRPr lang="en-US" sz="3200" dirty="0"/>
           </a:p>
           <a:p>
             <a:pPr marL="0" indent="0">
               <a:buNone/>
             </a:pPr>
-            <a:endParaRPr lang="en-US" sz="3400" dirty="0"/>
+            <a:endParaRPr lang="en-US" sz="3200" dirty="0"/>
           </a:p>
           <a:p>
             <a:pPr marL="0" indent="0">
               <a:buNone/>
             </a:pPr>
-            <a:endParaRPr lang="en-US" sz="3600" dirty="0"/>
+            <a:endParaRPr lang="en-US" sz="3200" dirty="0"/>
           </a:p>
           <a:p>
             <a:pPr>
@@ -9456,7 +9453,7 @@
               </a:buClr>
             </a:pPr>
             <a:r>
-              <a:rPr lang="bg-BG" sz="3400" b="1" dirty="0">
+              <a:rPr lang="bg-BG" sz="3200" b="1" dirty="0">
                 <a:solidFill>
                   <a:schemeClr val="bg1"/>
                 </a:solidFill>
@@ -9464,22 +9461,22 @@
               <a:t>Достъпен</a:t>
             </a:r>
             <a:r>
-              <a:rPr lang="en-US" sz="3400" dirty="0"/>
+              <a:rPr lang="en-US" sz="3200" dirty="0"/>
               <a:t> </a:t>
             </a:r>
             <a:r>
-              <a:rPr lang="bg-BG" sz="3400" dirty="0"/>
+              <a:rPr lang="bg-BG" sz="3200" dirty="0"/>
               <a:t>от всеки друг клас </a:t>
             </a:r>
             <a:r>
-              <a:rPr lang="bg-BG" sz="3400" b="1" dirty="0">
+              <a:rPr lang="bg-BG" sz="3200" b="1" dirty="0">
                 <a:solidFill>
                   <a:schemeClr val="bg1"/>
                 </a:solidFill>
               </a:rPr>
               <a:t>в същия проект</a:t>
             </a:r>
-            <a:endParaRPr lang="en-US" sz="3400" b="1" dirty="0">
+            <a:endParaRPr lang="en-US" sz="3200" b="1" dirty="0">
               <a:solidFill>
                 <a:schemeClr val="bg1"/>
               </a:solidFill>
@@ -9519,8 +9516,8 @@
         </p:nvSpPr>
         <p:spPr bwMode="auto">
           <a:xfrm>
-            <a:off x="471000" y="1809000"/>
-            <a:ext cx="7695000" cy="2782858"/>
+            <a:off x="696000" y="1860331"/>
+            <a:ext cx="7695000" cy="2628969"/>
           </a:xfrm>
           <a:prstGeom prst="rect">
             <a:avLst/>
@@ -9556,7 +9553,7 @@
               <a:buNone/>
             </a:pPr>
             <a:r>
-              <a:rPr lang="en-US" sz="2800" b="1" noProof="1">
+              <a:rPr lang="en-US" sz="2600" b="1" noProof="1">
                 <a:latin typeface="Consolas" pitchFamily="49" charset="0"/>
                 <a:cs typeface="Consolas" pitchFamily="49" charset="0"/>
               </a:rPr>
@@ -9575,7 +9572,7 @@
               <a:buNone/>
             </a:pPr>
             <a:r>
-              <a:rPr lang="en-US" sz="2800" b="1" noProof="1">
+              <a:rPr lang="en-US" sz="2600" b="1" noProof="1">
                 <a:latin typeface="Consolas" pitchFamily="49" charset="0"/>
                 <a:cs typeface="Consolas" pitchFamily="49" charset="0"/>
               </a:rPr>
@@ -9594,7 +9591,7 @@
               <a:buNone/>
             </a:pPr>
             <a:r>
-              <a:rPr lang="en-US" sz="2800" b="1" noProof="1">
+              <a:rPr lang="en-US" sz="2600" b="1" noProof="1">
                 <a:latin typeface="Consolas" pitchFamily="49" charset="0"/>
                 <a:cs typeface="Consolas" pitchFamily="49" charset="0"/>
               </a:rPr>
@@ -9613,7 +9610,7 @@
               <a:buNone/>
             </a:pPr>
             <a:r>
-              <a:rPr lang="en-US" sz="2800" b="1" noProof="1">
+              <a:rPr lang="en-US" sz="2600" b="1" noProof="1">
                 <a:latin typeface="Consolas" pitchFamily="49" charset="0"/>
                 <a:cs typeface="Consolas" pitchFamily="49" charset="0"/>
               </a:rPr>
@@ -9632,7 +9629,7 @@
               <a:buNone/>
             </a:pPr>
             <a:r>
-              <a:rPr lang="en-US" sz="2800" b="1" noProof="1">
+              <a:rPr lang="en-US" sz="2600" b="1" noProof="1">
                 <a:latin typeface="Consolas" pitchFamily="49" charset="0"/>
                 <a:cs typeface="Consolas" pitchFamily="49" charset="0"/>
               </a:rPr>
@@ -9651,8 +9648,8 @@
         </p:nvSpPr>
         <p:spPr bwMode="auto">
           <a:xfrm>
-            <a:off x="471000" y="5273285"/>
-            <a:ext cx="6613592" cy="1233715"/>
+            <a:off x="696000" y="5273285"/>
+            <a:ext cx="6613592" cy="1172160"/>
           </a:xfrm>
           <a:prstGeom prst="rect">
             <a:avLst/>
@@ -9688,7 +9685,7 @@
               <a:buNone/>
             </a:pPr>
             <a:r>
-              <a:rPr lang="en-US" sz="2800" b="1" noProof="1">
+              <a:rPr lang="en-US" sz="2600" b="1" noProof="1">
                 <a:latin typeface="Consolas" pitchFamily="49" charset="0"/>
                 <a:cs typeface="Consolas" pitchFamily="49" charset="0"/>
               </a:rPr>
@@ -9707,21 +9704,21 @@
               <a:buNone/>
             </a:pPr>
             <a:r>
-              <a:rPr lang="en-US" sz="2800" b="1" noProof="1">
+              <a:rPr lang="en-US" sz="2600" b="1" noProof="1">
                 <a:latin typeface="Consolas" pitchFamily="49" charset="0"/>
                 <a:cs typeface="Consolas" pitchFamily="49" charset="0"/>
               </a:rPr>
               <a:t>rm.Name</a:t>
             </a:r>
             <a:r>
-              <a:rPr lang="bg-BG" sz="2800" b="1" noProof="1">
+              <a:rPr lang="bg-BG" sz="2600" b="1" noProof="1">
                 <a:latin typeface="Consolas" pitchFamily="49" charset="0"/>
                 <a:cs typeface="Consolas" pitchFamily="49" charset="0"/>
               </a:rPr>
               <a:t> = </a:t>
             </a:r>
             <a:r>
-              <a:rPr lang="en-US" sz="2800" b="1" noProof="1">
+              <a:rPr lang="en-US" sz="2600" b="1" noProof="1">
                 <a:latin typeface="Consolas" pitchFamily="49" charset="0"/>
                 <a:cs typeface="Consolas" pitchFamily="49" charset="0"/>
               </a:rPr>
@@ -9971,7 +9968,7 @@
             <a:pPr lvl="1" algn="just"/>
             <a:r>
               <a:rPr lang="bg-BG" sz="2800" dirty="0"/>
-              <a:t> За тази цел пренаписваме метода </a:t>
+              <a:t> За тази цел презаписваме метода </a:t>
             </a:r>
             <a:r>
               <a:rPr lang="en-US" sz="2800" b="1" dirty="0">
@@ -10637,7 +10634,7 @@
           <a:p>
             <a:r>
               <a:rPr lang="bg-BG" sz="3100" dirty="0"/>
-              <a:t>Разширете класа</a:t>
+              <a:t>Разширете дадения в предишните слайдове клас</a:t>
             </a:r>
             <a:r>
               <a:rPr lang="en-US" sz="3100" dirty="0"/>
@@ -10734,6 +10731,12 @@
           </a:p>
           <a:p>
             <a:pPr marL="0" indent="0">
+              <a:spcBef>
+                <a:spcPts val="0"/>
+              </a:spcBef>
+              <a:spcAft>
+                <a:spcPts val="0"/>
+              </a:spcAft>
               <a:buNone/>
             </a:pPr>
             <a:r>
@@ -10776,6 +10779,12 @@
           </a:p>
           <a:p>
             <a:pPr marL="0" indent="0">
+              <a:spcBef>
+                <a:spcPts val="0"/>
+              </a:spcBef>
+              <a:spcAft>
+                <a:spcPts val="0"/>
+              </a:spcAft>
               <a:buNone/>
             </a:pPr>
             <a:r>
@@ -10834,10 +10843,10 @@
         </p:nvGrpSpPr>
         <p:grpSpPr>
           <a:xfrm>
-            <a:off x="6304471" y="2255652"/>
-            <a:ext cx="5760000" cy="3441356"/>
+            <a:off x="6276000" y="2255652"/>
+            <a:ext cx="5760000" cy="3287467"/>
             <a:chOff x="-306388" y="2128097"/>
-            <a:chExt cx="3137848" cy="3467484"/>
+            <a:chExt cx="3137848" cy="3312427"/>
           </a:xfrm>
         </p:grpSpPr>
         <p:sp>
@@ -10907,7 +10916,7 @@
           <p:spPr bwMode="auto">
             <a:xfrm>
               <a:off x="-306388" y="2739909"/>
-              <a:ext cx="3137848" cy="2855672"/>
+              <a:ext cx="3137848" cy="2700615"/>
             </a:xfrm>
             <a:prstGeom prst="rect">
               <a:avLst/>
@@ -10943,7 +10952,7 @@
                 <a:buNone/>
               </a:pPr>
               <a:r>
-                <a:rPr lang="en-US" sz="2600" b="1" noProof="1">
+                <a:rPr lang="en-US" sz="2400" b="1" noProof="1">
                   <a:latin typeface="Consolas" pitchFamily="49" charset="0"/>
                   <a:cs typeface="Consolas" pitchFamily="49" charset="0"/>
                 </a:rPr>
@@ -10962,7 +10971,7 @@
                 <a:buNone/>
               </a:pPr>
               <a:r>
-                <a:rPr lang="en-US" sz="2600" b="1" noProof="1">
+                <a:rPr lang="en-US" sz="2400" b="1" noProof="1">
                   <a:latin typeface="Consolas" pitchFamily="49" charset="0"/>
                   <a:cs typeface="Consolas" pitchFamily="49" charset="0"/>
                 </a:rPr>
@@ -10981,7 +10990,7 @@
                 <a:buNone/>
               </a:pPr>
               <a:r>
-                <a:rPr lang="en-US" sz="2600" b="1" noProof="1">
+                <a:rPr lang="en-US" sz="2400" b="1" noProof="1">
                   <a:latin typeface="Consolas" pitchFamily="49" charset="0"/>
                   <a:cs typeface="Consolas" pitchFamily="49" charset="0"/>
                 </a:rPr>
@@ -11000,7 +11009,7 @@
                 <a:buNone/>
               </a:pPr>
               <a:r>
-                <a:rPr lang="en-US" sz="2600" b="1" noProof="1">
+                <a:rPr lang="en-US" sz="2400" b="1" noProof="1">
                   <a:latin typeface="Consolas" pitchFamily="49" charset="0"/>
                   <a:cs typeface="Consolas" pitchFamily="49" charset="0"/>
                 </a:rPr>
@@ -11019,7 +11028,7 @@
                 <a:buNone/>
               </a:pPr>
               <a:r>
-                <a:rPr lang="en-US" sz="2600" b="1" noProof="1">
+                <a:rPr lang="en-US" sz="2400" b="1" noProof="1">
                   <a:latin typeface="Consolas" pitchFamily="49" charset="0"/>
                   <a:cs typeface="Consolas" pitchFamily="49" charset="0"/>
                 </a:rPr>
@@ -12074,11 +12083,7 @@
           <a:p>
             <a:r>
               <a:rPr lang="ru-RU" dirty="0"/>
-              <a:t>Хвърляне и хващане на </a:t>
-            </a:r>
-            <a:r>
-              <a:rPr lang="ru-RU" dirty="0" err="1"/>
-              <a:t>изключения</a:t>
+              <a:t>Хвърляне и хващане на изключения</a:t>
             </a:r>
             <a:endParaRPr lang="bg-BG" dirty="0"/>
           </a:p>
@@ -12968,29 +12973,14 @@
             </a:pPr>
             <a:r>
               <a:rPr lang="bg-BG" sz="3399" dirty="0"/>
-              <a:t>Изключението се </a:t>
-            </a:r>
-            <a:r>
-              <a:rPr lang="bg-BG" sz="3399" b="1" dirty="0"/>
-              <a:t>пренася по стека</a:t>
-            </a:r>
-            <a:endParaRPr lang="en-US" sz="3399" b="1" dirty="0"/>
-          </a:p>
-          <a:p>
-            <a:pPr lvl="2">
-              <a:lnSpc>
-                <a:spcPct val="100000"/>
-              </a:lnSpc>
-              <a:spcBef>
-                <a:spcPts val="1200"/>
-              </a:spcBef>
-            </a:pPr>
-            <a:r>
-              <a:rPr lang="bg-BG" sz="3199" dirty="0"/>
-              <a:t>Докато не достигне </a:t>
-            </a:r>
-            <a:r>
-              <a:rPr lang="en-US" sz="3199" b="1" dirty="0">
+              <a:t>Изключението трябва да </a:t>
+            </a:r>
+            <a:r>
+              <a:rPr lang="bg-BG" sz="3400" dirty="0"/>
+              <a:t>достигне </a:t>
+            </a:r>
+            <a:r>
+              <a:rPr lang="en-US" sz="3400" b="1" dirty="0">
                 <a:solidFill>
                   <a:schemeClr val="bg1"/>
                 </a:solidFill>
@@ -13000,7 +12990,7 @@
               <a:t>catch</a:t>
             </a:r>
             <a:r>
-              <a:rPr lang="en-US" sz="3199" dirty="0">
+              <a:rPr lang="en-US" sz="3400" dirty="0">
                 <a:solidFill>
                   <a:schemeClr val="tx2">
                     <a:lumMod val="75000"/>
@@ -13010,10 +13000,10 @@
               <a:t> </a:t>
             </a:r>
             <a:r>
-              <a:rPr lang="bg-BG" sz="3199" dirty="0"/>
+              <a:rPr lang="bg-BG" sz="3400" dirty="0"/>
               <a:t>блок, който да предприеме действие</a:t>
             </a:r>
-            <a:endParaRPr lang="en-US" sz="3199" dirty="0"/>
+            <a:endParaRPr lang="en-US" sz="3400" dirty="0"/>
           </a:p>
         </p:txBody>
       </p:sp>
@@ -13161,15 +13151,33 @@
                                   </p:childTnLst>
                                 </p:cTn>
                               </p:par>
+                            </p:childTnLst>
+                          </p:cTn>
+                        </p:par>
+                      </p:childTnLst>
+                    </p:cTn>
+                  </p:par>
+                  <p:par>
+                    <p:cTn id="7" fill="hold">
+                      <p:stCondLst>
+                        <p:cond delay="indefinite"/>
+                      </p:stCondLst>
+                      <p:childTnLst>
+                        <p:par>
+                          <p:cTn id="8" fill="hold">
+                            <p:stCondLst>
+                              <p:cond delay="0"/>
+                            </p:stCondLst>
+                            <p:childTnLst>
                               <p:par>
-                                <p:cTn id="7" presetID="1" presetClass="entr" presetSubtype="0" fill="hold" nodeType="withEffect">
+                                <p:cTn id="9" presetID="1" presetClass="entr" presetSubtype="0" fill="hold" nodeType="clickEffect">
                                   <p:stCondLst>
                                     <p:cond delay="0"/>
                                   </p:stCondLst>
                                   <p:childTnLst>
                                     <p:set>
                                       <p:cBhvr>
-                                        <p:cTn id="8" dur="1" fill="hold">
+                                        <p:cTn id="10" dur="1" fill="hold">
                                           <p:stCondLst>
                                             <p:cond delay="0"/>
                                           </p:stCondLst>
@@ -13199,50 +13207,19 @@
                     </p:cTn>
                   </p:par>
                   <p:par>
-                    <p:cTn id="9" fill="hold">
+                    <p:cTn id="11" fill="hold">
                       <p:stCondLst>
                         <p:cond delay="indefinite"/>
                       </p:stCondLst>
                       <p:childTnLst>
                         <p:par>
-                          <p:cTn id="10" fill="hold">
+                          <p:cTn id="12" fill="hold">
                             <p:stCondLst>
                               <p:cond delay="0"/>
                             </p:stCondLst>
                             <p:childTnLst>
                               <p:par>
-                                <p:cTn id="11" presetID="1" presetClass="entr" presetSubtype="0" fill="hold" nodeType="clickEffect">
-                                  <p:stCondLst>
-                                    <p:cond delay="0"/>
-                                  </p:stCondLst>
-                                  <p:childTnLst>
-                                    <p:set>
-                                      <p:cBhvr>
-                                        <p:cTn id="12" dur="1" fill="hold">
-                                          <p:stCondLst>
-                                            <p:cond delay="0"/>
-                                          </p:stCondLst>
-                                        </p:cTn>
-                                        <p:tgtEl>
-                                          <p:spTgt spid="562179">
-                                            <p:txEl>
-                                              <p:pRg st="3" end="3"/>
-                                            </p:txEl>
-                                          </p:spTgt>
-                                        </p:tgtEl>
-                                        <p:attrNameLst>
-                                          <p:attrName>style.visibility</p:attrName>
-                                        </p:attrNameLst>
-                                      </p:cBhvr>
-                                      <p:to>
-                                        <p:strVal val="visible"/>
-                                      </p:to>
-                                    </p:set>
-                                  </p:childTnLst>
-                                </p:cTn>
-                              </p:par>
-                              <p:par>
-                                <p:cTn id="13" presetID="1" presetClass="entr" presetSubtype="0" fill="hold" nodeType="withEffect">
+                                <p:cTn id="13" presetID="1" presetClass="entr" presetSubtype="0" fill="hold" nodeType="clickEffect">
                                   <p:stCondLst>
                                     <p:cond delay="0"/>
                                   </p:stCondLst>
@@ -13257,7 +13234,7 @@
                                         <p:tgtEl>
                                           <p:spTgt spid="562179">
                                             <p:txEl>
-                                              <p:pRg st="4" end="4"/>
+                                              <p:pRg st="3" end="3"/>
                                             </p:txEl>
                                           </p:spTgt>
                                         </p:tgtEl>
@@ -16732,6 +16709,14 @@
           </a:bodyPr>
           <a:lstStyle/>
           <a:p>
+            <a:pPr>
+              <a:spcBef>
+                <a:spcPts val="0"/>
+              </a:spcBef>
+              <a:spcAft>
+                <a:spcPts val="0"/>
+              </a:spcAft>
+            </a:pPr>
             <a:r>
               <a:rPr lang="bg-BG" sz="3400" dirty="0"/>
               <a:t>Разширете класа</a:t>
@@ -16760,62 +16745,138 @@
           </a:p>
           <a:p>
             <a:pPr marL="0" indent="0">
+              <a:spcBef>
+                <a:spcPts val="0"/>
+              </a:spcBef>
+              <a:spcAft>
+                <a:spcPts val="1000"/>
+              </a:spcAft>
               <a:buNone/>
             </a:pPr>
             <a:r>
               <a:rPr lang="bg-BG" sz="3400" dirty="0"/>
-              <a:t>валидация за всяко поле</a:t>
+              <a:t>валидация за всяко поле:</a:t>
             </a:r>
             <a:endParaRPr lang="en-US" sz="3400" dirty="0"/>
           </a:p>
           <a:p>
-            <a:r>
-              <a:rPr lang="bg-BG" sz="3400" dirty="0"/>
-              <a:t>Имената трябва да имат поне 3 </a:t>
-            </a:r>
-          </a:p>
-          <a:p>
-            <a:pPr marL="0" indent="0">
+            <a:pPr lvl="1">
+              <a:spcBef>
+                <a:spcPts val="0"/>
+              </a:spcBef>
+              <a:spcAft>
+                <a:spcPts val="0"/>
+              </a:spcAft>
+            </a:pPr>
+            <a:r>
+              <a:rPr lang="bg-BG" sz="3200" dirty="0"/>
+              <a:t>Имената трябва да имат </a:t>
+            </a:r>
+            <a:r>
+              <a:rPr lang="bg-BG" sz="3200" b="1" dirty="0"/>
+              <a:t>поне 3 </a:t>
+            </a:r>
+          </a:p>
+          <a:p>
+            <a:pPr marL="442912" lvl="1" indent="0">
+              <a:spcBef>
+                <a:spcPts val="0"/>
+              </a:spcBef>
+              <a:spcAft>
+                <a:spcPts val="1000"/>
+              </a:spcAft>
               <a:buNone/>
             </a:pPr>
             <a:r>
-              <a:rPr lang="bg-BG" sz="3400" dirty="0"/>
+              <a:rPr lang="bg-BG" sz="3200" b="1" dirty="0"/>
               <a:t>символа</a:t>
             </a:r>
-            <a:endParaRPr lang="en-US" sz="3400" dirty="0"/>
-          </a:p>
-          <a:p>
-            <a:r>
-              <a:rPr lang="bg-BG" sz="3400" dirty="0"/>
-              <a:t>Възрастта не може да бъде 0</a:t>
-            </a:r>
-          </a:p>
-          <a:p>
-            <a:pPr marL="0" indent="0">
+            <a:endParaRPr lang="en-US" sz="3200" b="1" dirty="0"/>
+          </a:p>
+          <a:p>
+            <a:pPr lvl="1">
+              <a:spcBef>
+                <a:spcPts val="0"/>
+              </a:spcBef>
+              <a:spcAft>
+                <a:spcPts val="0"/>
+              </a:spcAft>
+            </a:pPr>
+            <a:r>
+              <a:rPr lang="bg-BG" sz="3200" dirty="0"/>
+              <a:t>Възрастта </a:t>
+            </a:r>
+            <a:r>
+              <a:rPr lang="bg-BG" sz="3200" b="1" dirty="0"/>
+              <a:t>не може </a:t>
+            </a:r>
+            <a:r>
+              <a:rPr lang="bg-BG" sz="3200" dirty="0"/>
+              <a:t>да бъде </a:t>
+            </a:r>
+            <a:r>
+              <a:rPr lang="bg-BG" sz="3200" b="1" dirty="0"/>
+              <a:t>0</a:t>
+            </a:r>
+          </a:p>
+          <a:p>
+            <a:pPr marL="442912" lvl="1" indent="0">
+              <a:spcBef>
+                <a:spcPts val="0"/>
+              </a:spcBef>
+              <a:spcAft>
+                <a:spcPts val="1000"/>
+              </a:spcAft>
               <a:buNone/>
             </a:pPr>
             <a:r>
-              <a:rPr lang="bg-BG" sz="3400" dirty="0"/>
-              <a:t>или отрицателна</a:t>
-            </a:r>
-            <a:endParaRPr lang="en-US" sz="3400" dirty="0"/>
-          </a:p>
-          <a:p>
-            <a:r>
-              <a:rPr lang="bg-BG" sz="3400" dirty="0"/>
-              <a:t>Заплатата не може да бъде</a:t>
-            </a:r>
-          </a:p>
-          <a:p>
-            <a:pPr marL="0" indent="0">
+              <a:rPr lang="bg-BG" sz="3200" dirty="0"/>
+              <a:t>или</a:t>
+            </a:r>
+            <a:r>
+              <a:rPr lang="bg-BG" sz="3200" b="1" dirty="0"/>
+              <a:t> отрицателна</a:t>
+            </a:r>
+            <a:endParaRPr lang="en-US" sz="3200" b="1" dirty="0"/>
+          </a:p>
+          <a:p>
+            <a:pPr lvl="1">
+              <a:spcBef>
+                <a:spcPts val="0"/>
+              </a:spcBef>
+              <a:spcAft>
+                <a:spcPts val="0"/>
+              </a:spcAft>
+            </a:pPr>
+            <a:r>
+              <a:rPr lang="bg-BG" sz="3200" dirty="0"/>
+              <a:t>Заплатата </a:t>
+            </a:r>
+            <a:r>
+              <a:rPr lang="bg-BG" sz="3200" b="1" dirty="0"/>
+              <a:t>не може </a:t>
+            </a:r>
+            <a:r>
+              <a:rPr lang="bg-BG" sz="3200" dirty="0"/>
+              <a:t>да бъде</a:t>
+            </a:r>
+          </a:p>
+          <a:p>
+            <a:pPr marL="442912" lvl="1" indent="0">
+              <a:spcBef>
+                <a:spcPts val="0"/>
+              </a:spcBef>
+              <a:spcAft>
+                <a:spcPts val="0"/>
+              </a:spcAft>
               <a:buNone/>
             </a:pPr>
             <a:r>
-              <a:rPr lang="bg-BG" sz="3400" dirty="0"/>
+              <a:rPr lang="bg-BG" sz="3200" b="1" dirty="0"/>
               <a:t>по-малко от </a:t>
             </a:r>
             <a:r>
-              <a:rPr lang="en-US" sz="3400" dirty="0"/>
+              <a:rPr lang="en-US" sz="3200" b="1" dirty="0"/>
               <a:t>460</a:t>
             </a:r>
           </a:p>
@@ -18247,6 +18308,44 @@
       </p:grpSpPr>
       <p:sp>
         <p:nvSpPr>
+          <p:cNvPr id="2" name="Slide Number">
+            <a:extLst>
+              <a:ext uri="{FF2B5EF4-FFF2-40B4-BE49-F238E27FC236}">
+                <a16:creationId xmlns:a16="http://schemas.microsoft.com/office/drawing/2014/main" id="{73C01D77-8375-95F7-EF15-18B6348A1157}"/>
+              </a:ext>
+            </a:extLst>
+          </p:cNvPr>
+          <p:cNvSpPr>
+            <a:spLocks noGrp="1"/>
+          </p:cNvSpPr>
+          <p:nvPr>
+            <p:ph type="sldNum" sz="quarter" idx="4"/>
+          </p:nvPr>
+        </p:nvSpPr>
+        <p:spPr>
+          <a:prstGeom prst="rect">
+            <a:avLst/>
+          </a:prstGeom>
+        </p:spPr>
+        <p:txBody>
+          <a:bodyPr vert="horz" lIns="91440" tIns="45720" rIns="91440" bIns="45720" rtlCol="0" anchor="b"/>
+          <a:lstStyle>
+            <a:lvl1pPr algn="r">
+              <a:defRPr sz="1000"/>
+            </a:lvl1pPr>
+          </a:lstStyle>
+          <a:p>
+            <a:fld id="{2BF067CD-8E6B-4360-9AA8-C5DF2A48A6D1}" type="slidenum">
+              <a:rPr lang="en-US" noProof="0" smtClean="0"/>
+              <a:pPr/>
+              <a:t>24</a:t>
+            </a:fld>
+            <a:endParaRPr lang="en-US" noProof="0" dirty="0"/>
+          </a:p>
+        </p:txBody>
+      </p:sp>
+      <p:sp>
+        <p:nvSpPr>
           <p:cNvPr id="14" name="Text Placeholder 4">
             <a:extLst>
               <a:ext uri="{FF2B5EF4-FFF2-40B4-BE49-F238E27FC236}">
@@ -18258,15 +18357,10 @@
             <a:spLocks noGrp="1"/>
           </p:cNvSpPr>
           <p:nvPr>
-            <p:ph type="body" sz="quarter" idx="10"/>
+            <p:ph type="body" sz="quarter" idx="13"/>
           </p:nvPr>
         </p:nvSpPr>
-        <p:spPr>
-          <a:xfrm>
-            <a:off x="869725" y="1656226"/>
-            <a:ext cx="7581212" cy="4772369"/>
-          </a:xfrm>
-        </p:spPr>
+        <p:spPr/>
         <p:txBody>
           <a:bodyPr/>
           <a:lstStyle>
@@ -18990,48 +19084,6 @@
           </a:p>
         </p:txBody>
       </p:sp>
-      <p:sp>
-        <p:nvSpPr>
-          <p:cNvPr id="2" name="Slide Number">
-            <a:extLst>
-              <a:ext uri="{FF2B5EF4-FFF2-40B4-BE49-F238E27FC236}">
-                <a16:creationId xmlns:a16="http://schemas.microsoft.com/office/drawing/2014/main" id="{73C01D77-8375-95F7-EF15-18B6348A1157}"/>
-              </a:ext>
-            </a:extLst>
-          </p:cNvPr>
-          <p:cNvSpPr>
-            <a:spLocks noGrp="1"/>
-          </p:cNvSpPr>
-          <p:nvPr>
-            <p:ph type="sldNum" sz="quarter" idx="5"/>
-          </p:nvPr>
-        </p:nvSpPr>
-        <p:spPr>
-          <a:xfrm>
-            <a:off x="11753030" y="6507000"/>
-            <a:ext cx="367414" cy="297000"/>
-          </a:xfrm>
-          <a:prstGeom prst="rect">
-            <a:avLst/>
-          </a:prstGeom>
-        </p:spPr>
-        <p:txBody>
-          <a:bodyPr vert="horz" lIns="91440" tIns="45720" rIns="91440" bIns="45720" rtlCol="0" anchor="b"/>
-          <a:lstStyle>
-            <a:lvl1pPr algn="r">
-              <a:defRPr sz="1000"/>
-            </a:lvl1pPr>
-          </a:lstStyle>
-          <a:p>
-            <a:fld id="{2BF067CD-8E6B-4360-9AA8-C5DF2A48A6D1}" type="slidenum">
-              <a:rPr lang="en-US" noProof="0" smtClean="0"/>
-              <a:pPr/>
-              <a:t>24</a:t>
-            </a:fld>
-            <a:endParaRPr lang="en-US" noProof="0" dirty="0"/>
-          </a:p>
-        </p:txBody>
-      </p:sp>
     </p:spTree>
     <p:extLst>
       <p:ext uri="{BB962C8B-B14F-4D97-AF65-F5344CB8AC3E}">
@@ -19421,7 +19473,7 @@
 </file>
 
 <file path=ppt/slides/slide26.xml><?xml version="1.0" encoding="utf-8"?>
-<p:sld xmlns:a="http://schemas.openxmlformats.org/drawingml/2006/main" xmlns:r="http://schemas.openxmlformats.org/officeDocument/2006/relationships" xmlns:p="http://schemas.openxmlformats.org/presentationml/2006/main">
+<p:sld xmlns:a="http://schemas.openxmlformats.org/drawingml/2006/main" xmlns:r="http://schemas.openxmlformats.org/officeDocument/2006/relationships" xmlns:p="http://schemas.openxmlformats.org/presentationml/2006/main" show="0">
   <p:cSld>
     <p:spTree>
       <p:nvGrpSpPr>
@@ -19792,11 +19844,11 @@
   <p:clrMapOvr>
     <a:masterClrMapping/>
   </p:clrMapOvr>
-  <mc:AlternateContent xmlns:mc="http://schemas.openxmlformats.org/markup-compatibility/2006" xmlns:p14="http://schemas.microsoft.com/office/powerpoint/2010/main">
-    <mc:Choice Requires="p14">
+  <mc:AlternateContent xmlns:mc="http://schemas.openxmlformats.org/markup-compatibility/2006">
+    <mc:Choice xmlns:p14="http://schemas.microsoft.com/office/powerpoint/2010/main" Requires="p14">
       <p:transition spd="slow" p14:dur="2000" advClick="0" advTm="5000"/>
     </mc:Choice>
-    <mc:Fallback xmlns="">
+    <mc:Fallback>
       <p:transition spd="slow" advClick="0" advTm="5000"/>
     </mc:Fallback>
   </mc:AlternateContent>
@@ -19964,7 +20016,12 @@
             <p:ph type="body" sz="quarter" idx="10"/>
           </p:nvPr>
         </p:nvSpPr>
-        <p:spPr/>
+        <p:spPr>
+          <a:xfrm>
+            <a:off x="190402" y="1134000"/>
+            <a:ext cx="11818096" cy="5528766"/>
+          </a:xfrm>
+        </p:spPr>
         <p:txBody>
           <a:bodyPr/>
           <a:lstStyle/>
@@ -19981,19 +20038,23 @@
               </a:spcAft>
             </a:pPr>
             <a:r>
-              <a:rPr lang="bg-BG" sz="3200" dirty="0"/>
-              <a:t>Процесът на </a:t>
-            </a:r>
-            <a:r>
-              <a:rPr lang="bg-BG" sz="3200" b="1" dirty="0"/>
+              <a:rPr lang="bg-BG" sz="3000" b="1" dirty="0"/>
+              <a:t>Капсулация</a:t>
+            </a:r>
+            <a:r>
+              <a:rPr lang="bg-BG" sz="3000" dirty="0"/>
+              <a:t> == процесът на </a:t>
+            </a:r>
+            <a:r>
+              <a:rPr lang="bg-BG" sz="3000" b="1" dirty="0"/>
               <a:t>обединяване на кода и данните </a:t>
             </a:r>
             <a:r>
-              <a:rPr lang="bg-BG" sz="3200" dirty="0"/>
+              <a:rPr lang="bg-BG" sz="3000" dirty="0"/>
               <a:t>в </a:t>
             </a:r>
             <a:r>
-              <a:rPr lang="bg-BG" sz="3200" b="1" dirty="0">
+              <a:rPr lang="bg-BG" sz="3000" b="1" dirty="0">
                 <a:solidFill>
                   <a:schemeClr val="bg1"/>
                 </a:solidFill>
@@ -20001,11 +20062,11 @@
               <a:t>едно</a:t>
             </a:r>
             <a:r>
-              <a:rPr lang="bg-BG" sz="3200" dirty="0"/>
+              <a:rPr lang="bg-BG" sz="3000" dirty="0"/>
               <a:t> </a:t>
             </a:r>
             <a:r>
-              <a:rPr lang="bg-BG" sz="3200" b="1" dirty="0">
+              <a:rPr lang="bg-BG" sz="3000" b="1" dirty="0">
                 <a:solidFill>
                   <a:schemeClr val="bg1"/>
                 </a:solidFill>
@@ -20029,19 +20090,19 @@
               </a:buClr>
             </a:pPr>
             <a:r>
-              <a:rPr lang="bg-BG" sz="3000" b="1" dirty="0">
+              <a:rPr lang="bg-BG" sz="2800" b="1" dirty="0">
                 <a:solidFill>
                   <a:schemeClr val="bg1"/>
                 </a:solidFill>
               </a:rPr>
-              <a:t>Скриване на детайлите </a:t>
-            </a:r>
-            <a:r>
-              <a:rPr lang="bg-BG" sz="3000" dirty="0"/>
+              <a:t>Скрива на детайлите </a:t>
+            </a:r>
+            <a:r>
+              <a:rPr lang="bg-BG" sz="2800" dirty="0"/>
               <a:t>и показване на </a:t>
             </a:r>
             <a:r>
-              <a:rPr lang="bg-BG" sz="3000" b="1" dirty="0"/>
+              <a:rPr lang="bg-BG" sz="2800" b="1" dirty="0"/>
               <a:t>публичен интерфейс</a:t>
             </a:r>
           </a:p>
@@ -20058,11 +20119,11 @@
               </a:spcAft>
             </a:pPr>
             <a:r>
-              <a:rPr lang="bg-BG" sz="3000" dirty="0"/>
+              <a:rPr lang="bg-BG" sz="2800" dirty="0"/>
               <a:t>Позволява</a:t>
             </a:r>
             <a:r>
-              <a:rPr lang="en-US" sz="3000" dirty="0">
+              <a:rPr lang="en-US" sz="2800" dirty="0">
                 <a:solidFill>
                   <a:schemeClr val="tx1">
                     <a:lumMod val="40000"/>
@@ -20073,7 +20134,7 @@
               <a:t> </a:t>
             </a:r>
             <a:r>
-              <a:rPr lang="bg-BG" sz="3000" b="1" dirty="0">
+              <a:rPr lang="bg-BG" sz="2800" b="1" dirty="0">
                 <a:solidFill>
                   <a:schemeClr val="bg1"/>
                 </a:solidFill>
@@ -20081,7 +20142,7 @@
               <a:t>валидация</a:t>
             </a:r>
             <a:r>
-              <a:rPr lang="en-US" sz="3000" dirty="0">
+              <a:rPr lang="en-US" sz="2800" dirty="0">
                 <a:solidFill>
                   <a:schemeClr val="tx2">
                     <a:lumMod val="75000"/>
@@ -20091,7 +20152,7 @@
               <a:t> </a:t>
             </a:r>
             <a:r>
-              <a:rPr lang="bg-BG" sz="3000" b="1" dirty="0">
+              <a:rPr lang="bg-BG" sz="2800" b="1" dirty="0">
                 <a:solidFill>
                   <a:schemeClr val="bg1"/>
                 </a:solidFill>
@@ -20099,14 +20160,29 @@
               <a:t>на данните </a:t>
             </a:r>
             <a:r>
-              <a:rPr lang="bg-BG" sz="3000" dirty="0"/>
+              <a:rPr lang="bg-BG" sz="2800" dirty="0"/>
               <a:t>и контрол над достъпа</a:t>
             </a:r>
-            <a:endParaRPr lang="en-US" sz="3000" b="1" dirty="0">
+            <a:endParaRPr lang="en-US" sz="2800" b="1" dirty="0">
               <a:solidFill>
                 <a:schemeClr val="bg1"/>
               </a:solidFill>
             </a:endParaRPr>
+          </a:p>
+          <a:p>
+            <a:pPr marL="0" indent="0">
+              <a:lnSpc>
+                <a:spcPct val="100000"/>
+              </a:lnSpc>
+              <a:spcBef>
+                <a:spcPts val="400"/>
+              </a:spcBef>
+              <a:spcAft>
+                <a:spcPts val="400"/>
+              </a:spcAft>
+              <a:buNone/>
+            </a:pPr>
+            <a:endParaRPr lang="bg-BG" sz="3200" dirty="0"/>
           </a:p>
           <a:p>
             <a:pPr>
@@ -20120,22 +20196,8 @@
                 <a:spcPts val="400"/>
               </a:spcAft>
             </a:pPr>
-            <a:endParaRPr lang="bg-BG" sz="3200" dirty="0"/>
-          </a:p>
-          <a:p>
-            <a:pPr>
-              <a:lnSpc>
-                <a:spcPct val="100000"/>
-              </a:lnSpc>
-              <a:spcBef>
-                <a:spcPts val="400"/>
-              </a:spcBef>
-              <a:spcAft>
-                <a:spcPts val="400"/>
-              </a:spcAft>
-            </a:pPr>
-            <a:r>
-              <a:rPr lang="bg-BG" sz="3200" dirty="0"/>
+            <a:r>
+              <a:rPr lang="bg-BG" sz="3000" dirty="0"/>
               <a:t>Ползи:</a:t>
             </a:r>
           </a:p>
@@ -20152,29 +20214,29 @@
               </a:spcAft>
             </a:pPr>
             <a:r>
-              <a:rPr lang="bg-BG" sz="3000" dirty="0"/>
+              <a:rPr lang="bg-BG" sz="2800" dirty="0"/>
               <a:t>Структурните промени</a:t>
             </a:r>
             <a:br>
-              <a:rPr lang="bg-BG" sz="3000" dirty="0"/>
+              <a:rPr lang="bg-BG" sz="2800" dirty="0"/>
             </a:br>
             <a:r>
-              <a:rPr lang="bg-BG" sz="3000" dirty="0"/>
+              <a:rPr lang="bg-BG" sz="2800" dirty="0"/>
               <a:t>остават</a:t>
             </a:r>
             <a:r>
-              <a:rPr lang="en-US" sz="3000" dirty="0"/>
+              <a:rPr lang="en-US" sz="2800" dirty="0"/>
               <a:t> </a:t>
             </a:r>
             <a:r>
-              <a:rPr lang="bg-BG" sz="3000" b="1" dirty="0">
+              <a:rPr lang="bg-BG" sz="2800" b="1" dirty="0">
                 <a:solidFill>
                   <a:schemeClr val="bg1"/>
                 </a:solidFill>
               </a:rPr>
               <a:t>локални</a:t>
             </a:r>
-            <a:endParaRPr lang="en-US" sz="3000" dirty="0"/>
+            <a:endParaRPr lang="en-US" sz="2800" dirty="0"/>
           </a:p>
           <a:p>
             <a:pPr lvl="1">
@@ -20189,22 +20251,22 @@
               </a:spcAft>
             </a:pPr>
             <a:r>
-              <a:rPr lang="bg-BG" sz="3000" dirty="0"/>
+              <a:rPr lang="bg-BG" sz="2800" dirty="0"/>
               <a:t>Намалява</a:t>
             </a:r>
             <a:r>
-              <a:rPr lang="en-US" sz="3000" dirty="0"/>
+              <a:rPr lang="en-US" sz="2800" dirty="0"/>
               <a:t> </a:t>
             </a:r>
             <a:r>
-              <a:rPr lang="bg-BG" sz="3000" b="1" dirty="0">
+              <a:rPr lang="bg-BG" sz="2800" b="1" dirty="0">
                 <a:solidFill>
                   <a:schemeClr val="bg1"/>
                 </a:solidFill>
               </a:rPr>
               <a:t>комплексността</a:t>
             </a:r>
-            <a:endParaRPr lang="en-US" dirty="0"/>
+            <a:endParaRPr lang="en-US" sz="2800" dirty="0"/>
           </a:p>
         </p:txBody>
       </p:sp>
@@ -20246,8 +20308,8 @@
         </p:nvSpPr>
         <p:spPr bwMode="auto">
           <a:xfrm>
-            <a:off x="6015029" y="3068602"/>
-            <a:ext cx="5876708" cy="3611289"/>
+            <a:off x="6044543" y="3339000"/>
+            <a:ext cx="5876708" cy="3265041"/>
           </a:xfrm>
           <a:prstGeom prst="rect">
             <a:avLst/>
@@ -20280,7 +20342,7 @@
               <a:buNone/>
             </a:pPr>
             <a:r>
-              <a:rPr lang="en-US" sz="2600" b="1" noProof="1">
+              <a:rPr lang="en-US" sz="2200" b="1" noProof="1">
                 <a:latin typeface="Consolas" pitchFamily="49" charset="0"/>
                 <a:cs typeface="Consolas" pitchFamily="49" charset="0"/>
               </a:rPr>
@@ -20296,7 +20358,7 @@
               <a:buNone/>
             </a:pPr>
             <a:r>
-              <a:rPr lang="en-US" sz="2600" b="1" noProof="1">
+              <a:rPr lang="en-US" sz="2200" b="1" noProof="1">
                 <a:latin typeface="Consolas" pitchFamily="49" charset="0"/>
                 <a:cs typeface="Consolas" pitchFamily="49" charset="0"/>
               </a:rPr>
@@ -20312,7 +20374,7 @@
               <a:buNone/>
             </a:pPr>
             <a:r>
-              <a:rPr lang="en-US" sz="2600" b="1" noProof="1">
+              <a:rPr lang="en-US" sz="2200" b="1" noProof="1">
                 <a:latin typeface="Consolas" pitchFamily="49" charset="0"/>
                 <a:cs typeface="Consolas" pitchFamily="49" charset="0"/>
               </a:rPr>
@@ -20327,7 +20389,7 @@
               <a:buFont typeface="Wingdings" panose="05000000000000000000" pitchFamily="2" charset="2"/>
               <a:buNone/>
             </a:pPr>
-            <a:endParaRPr lang="en-US" sz="1100" b="1" noProof="1">
+            <a:endParaRPr lang="en-US" sz="2200" b="1" noProof="1">
               <a:latin typeface="Consolas" pitchFamily="49" charset="0"/>
               <a:cs typeface="Consolas" pitchFamily="49" charset="0"/>
             </a:endParaRPr>
@@ -20341,7 +20403,7 @@
               <a:buNone/>
             </a:pPr>
             <a:r>
-              <a:rPr lang="en-US" sz="2600" b="1" noProof="1">
+              <a:rPr lang="en-US" sz="2200" b="1" noProof="1">
                 <a:latin typeface="Consolas" pitchFamily="49" charset="0"/>
                 <a:cs typeface="Consolas" pitchFamily="49" charset="0"/>
               </a:rPr>
@@ -20357,7 +20419,7 @@
               <a:buNone/>
             </a:pPr>
             <a:r>
-              <a:rPr lang="en-US" sz="2600" b="1" noProof="1">
+              <a:rPr lang="en-US" sz="2200" b="1" noProof="1">
                 <a:latin typeface="Consolas" pitchFamily="49" charset="0"/>
                 <a:cs typeface="Consolas" pitchFamily="49" charset="0"/>
               </a:rPr>
@@ -20373,53 +20435,11 @@
               <a:buNone/>
             </a:pPr>
             <a:r>
-              <a:rPr lang="en-US" sz="2600" b="1" noProof="1">
+              <a:rPr lang="en-US" sz="2200" b="1" noProof="1">
                 <a:latin typeface="Consolas" pitchFamily="49" charset="0"/>
                 <a:cs typeface="Consolas" pitchFamily="49" charset="0"/>
               </a:rPr>
-              <a:t>    get</a:t>
-            </a:r>
-            <a:r>
-              <a:rPr lang="en-US" b="1" noProof="1">
-                <a:latin typeface="Consolas" pitchFamily="49" charset="0"/>
-                <a:cs typeface="Consolas" pitchFamily="49" charset="0"/>
-              </a:rPr>
-              <a:t> </a:t>
-            </a:r>
-            <a:r>
-              <a:rPr lang="en-US" sz="2600" b="1" noProof="1">
-                <a:latin typeface="Consolas" pitchFamily="49" charset="0"/>
-                <a:cs typeface="Consolas" pitchFamily="49" charset="0"/>
-              </a:rPr>
-              <a:t>{</a:t>
-            </a:r>
-            <a:r>
-              <a:rPr lang="en-US" sz="1400" b="1" noProof="1">
-                <a:latin typeface="Consolas" pitchFamily="49" charset="0"/>
-                <a:cs typeface="Consolas" pitchFamily="49" charset="0"/>
-              </a:rPr>
-              <a:t> </a:t>
-            </a:r>
-            <a:r>
-              <a:rPr lang="en-US" sz="2600" b="1" noProof="1">
-                <a:latin typeface="Consolas" pitchFamily="49" charset="0"/>
-                <a:cs typeface="Consolas" pitchFamily="49" charset="0"/>
-              </a:rPr>
-              <a:t>return studentName;</a:t>
-            </a:r>
-            <a:r>
-              <a:rPr lang="en-US" sz="1400" b="1" noProof="1">
-                <a:latin typeface="Consolas" pitchFamily="49" charset="0"/>
-                <a:cs typeface="Consolas" pitchFamily="49" charset="0"/>
-              </a:rPr>
-              <a:t> </a:t>
-            </a:r>
-            <a:r>
-              <a:rPr lang="en-US" sz="2600" b="1" noProof="1">
-                <a:latin typeface="Consolas" pitchFamily="49" charset="0"/>
-                <a:cs typeface="Consolas" pitchFamily="49" charset="0"/>
-              </a:rPr>
-              <a:t>}</a:t>
+              <a:t>    get { return studentName; }</a:t>
             </a:r>
           </a:p>
           <a:p>
@@ -20431,53 +20451,11 @@
               <a:buNone/>
             </a:pPr>
             <a:r>
-              <a:rPr lang="en-US" sz="2600" b="1" noProof="1">
+              <a:rPr lang="en-US" sz="2200" b="1" noProof="1">
                 <a:latin typeface="Consolas" pitchFamily="49" charset="0"/>
                 <a:cs typeface="Consolas" pitchFamily="49" charset="0"/>
               </a:rPr>
-              <a:t>    set</a:t>
-            </a:r>
-            <a:r>
-              <a:rPr lang="en-US" b="1" noProof="1">
-                <a:latin typeface="Consolas" pitchFamily="49" charset="0"/>
-                <a:cs typeface="Consolas" pitchFamily="49" charset="0"/>
-              </a:rPr>
-              <a:t> </a:t>
-            </a:r>
-            <a:r>
-              <a:rPr lang="en-US" sz="2600" b="1" noProof="1">
-                <a:latin typeface="Consolas" pitchFamily="49" charset="0"/>
-                <a:cs typeface="Consolas" pitchFamily="49" charset="0"/>
-              </a:rPr>
-              <a:t>{</a:t>
-            </a:r>
-            <a:r>
-              <a:rPr lang="en-US" sz="1400" b="1" noProof="1">
-                <a:latin typeface="Consolas" pitchFamily="49" charset="0"/>
-                <a:cs typeface="Consolas" pitchFamily="49" charset="0"/>
-              </a:rPr>
-              <a:t> </a:t>
-            </a:r>
-            <a:r>
-              <a:rPr lang="en-US" sz="2600" b="1" noProof="1">
-                <a:latin typeface="Consolas" pitchFamily="49" charset="0"/>
-                <a:cs typeface="Consolas" pitchFamily="49" charset="0"/>
-              </a:rPr>
-              <a:t>studentName = value;</a:t>
-            </a:r>
-            <a:r>
-              <a:rPr lang="en-US" sz="1400" b="1" noProof="1">
-                <a:latin typeface="Consolas" pitchFamily="49" charset="0"/>
-                <a:cs typeface="Consolas" pitchFamily="49" charset="0"/>
-              </a:rPr>
-              <a:t> </a:t>
-            </a:r>
-            <a:r>
-              <a:rPr lang="en-US" sz="2600" b="1" noProof="1">
-                <a:latin typeface="Consolas" pitchFamily="49" charset="0"/>
-                <a:cs typeface="Consolas" pitchFamily="49" charset="0"/>
-              </a:rPr>
-              <a:t>}  </a:t>
+              <a:t>    set { studentName = value; }  </a:t>
             </a:r>
           </a:p>
           <a:p>
@@ -20489,7 +20467,7 @@
               <a:buNone/>
             </a:pPr>
             <a:r>
-              <a:rPr lang="en-US" sz="2600" b="1" noProof="1">
+              <a:rPr lang="en-US" sz="2200" b="1" noProof="1">
                 <a:latin typeface="Consolas" pitchFamily="49" charset="0"/>
                 <a:cs typeface="Consolas" pitchFamily="49" charset="0"/>
               </a:rPr>
@@ -20505,7 +20483,7 @@
               <a:buNone/>
             </a:pPr>
             <a:r>
-              <a:rPr lang="en-US" sz="2600" b="1" noProof="1">
+              <a:rPr lang="en-US" sz="2200" b="1" noProof="1">
                 <a:latin typeface="Consolas" pitchFamily="49" charset="0"/>
                 <a:cs typeface="Consolas" pitchFamily="49" charset="0"/>
               </a:rPr>
@@ -20524,13 +20502,13 @@
         </p:nvSpPr>
         <p:spPr bwMode="auto">
           <a:xfrm>
-            <a:off x="2811000" y="3013179"/>
+            <a:off x="2811000" y="3384000"/>
             <a:ext cx="2770183" cy="1054611"/>
           </a:xfrm>
           <a:prstGeom prst="wedgeRoundRectCallout">
             <a:avLst>
-              <a:gd name="adj1" fmla="val 74029"/>
-              <a:gd name="adj2" fmla="val 48348"/>
+              <a:gd name="adj1" fmla="val 80274"/>
+              <a:gd name="adj2" fmla="val 33116"/>
               <a:gd name="adj3" fmla="val 16667"/>
             </a:avLst>
           </a:prstGeom>
@@ -20647,7 +20625,7 @@
         </p:nvSpPr>
         <p:spPr bwMode="auto">
           <a:xfrm>
-            <a:off x="8556000" y="5949000"/>
+            <a:off x="7491000" y="5949000"/>
             <a:ext cx="3445598" cy="810000"/>
           </a:xfrm>
           <a:prstGeom prst="wedgeRoundRectCallout">
@@ -20880,7 +20858,7 @@
                                         <p:tgtEl>
                                           <p:spTgt spid="804867">
                                             <p:txEl>
-                                              <p:pRg st="2" end="2"/>
+                                              <p:pRg st="1" end="1"/>
                                             </p:txEl>
                                           </p:spTgt>
                                         </p:tgtEl>
@@ -20929,38 +20907,7 @@
                                         <p:tgtEl>
                                           <p:spTgt spid="804867">
                                             <p:txEl>
-                                              <p:pRg st="4" end="4"/>
-                                            </p:txEl>
-                                          </p:spTgt>
-                                        </p:tgtEl>
-                                        <p:attrNameLst>
-                                          <p:attrName>style.visibility</p:attrName>
-                                        </p:attrNameLst>
-                                      </p:cBhvr>
-                                      <p:to>
-                                        <p:strVal val="visible"/>
-                                      </p:to>
-                                    </p:set>
-                                  </p:childTnLst>
-                                </p:cTn>
-                              </p:par>
-                              <p:par>
-                                <p:cTn id="11" presetID="1" presetClass="entr" presetSubtype="0" fill="hold" nodeType="withEffect">
-                                  <p:stCondLst>
-                                    <p:cond delay="0"/>
-                                  </p:stCondLst>
-                                  <p:childTnLst>
-                                    <p:set>
-                                      <p:cBhvr>
-                                        <p:cTn id="12" dur="1" fill="hold">
-                                          <p:stCondLst>
-                                            <p:cond delay="0"/>
-                                          </p:stCondLst>
-                                        </p:cTn>
-                                        <p:tgtEl>
-                                          <p:spTgt spid="804867">
-                                            <p:txEl>
-                                              <p:pRg st="5" end="5"/>
+                                              <p:pRg st="2" end="2"/>
                                             </p:txEl>
                                           </p:spTgt>
                                         </p:tgtEl>
@@ -20982,19 +20929,50 @@
                     </p:cTn>
                   </p:par>
                   <p:par>
-                    <p:cTn id="13" fill="hold">
+                    <p:cTn id="11" fill="hold">
                       <p:stCondLst>
                         <p:cond delay="indefinite"/>
                       </p:stCondLst>
                       <p:childTnLst>
                         <p:par>
-                          <p:cTn id="14" fill="hold">
+                          <p:cTn id="12" fill="hold">
                             <p:stCondLst>
                               <p:cond delay="0"/>
                             </p:stCondLst>
                             <p:childTnLst>
                               <p:par>
-                                <p:cTn id="15" presetID="1" presetClass="entr" presetSubtype="0" fill="hold" nodeType="clickEffect">
+                                <p:cTn id="13" presetID="1" presetClass="entr" presetSubtype="0" fill="hold" nodeType="clickEffect">
+                                  <p:stCondLst>
+                                    <p:cond delay="0"/>
+                                  </p:stCondLst>
+                                  <p:childTnLst>
+                                    <p:set>
+                                      <p:cBhvr>
+                                        <p:cTn id="14" dur="1" fill="hold">
+                                          <p:stCondLst>
+                                            <p:cond delay="0"/>
+                                          </p:stCondLst>
+                                        </p:cTn>
+                                        <p:tgtEl>
+                                          <p:spTgt spid="804867">
+                                            <p:txEl>
+                                              <p:pRg st="4" end="4"/>
+                                            </p:txEl>
+                                          </p:spTgt>
+                                        </p:tgtEl>
+                                        <p:attrNameLst>
+                                          <p:attrName>style.visibility</p:attrName>
+                                        </p:attrNameLst>
+                                      </p:cBhvr>
+                                      <p:to>
+                                        <p:strVal val="visible"/>
+                                      </p:to>
+                                    </p:set>
+                                  </p:childTnLst>
+                                </p:cTn>
+                              </p:par>
+                              <p:par>
+                                <p:cTn id="15" presetID="1" presetClass="entr" presetSubtype="0" fill="hold" nodeType="withEffect">
                                   <p:stCondLst>
                                     <p:cond delay="0"/>
                                   </p:stCondLst>
@@ -21009,7 +20987,7 @@
                                         <p:tgtEl>
                                           <p:spTgt spid="804867">
                                             <p:txEl>
-                                              <p:pRg st="6" end="6"/>
+                                              <p:pRg st="5" end="5"/>
                                             </p:txEl>
                                           </p:spTgt>
                                         </p:tgtEl>
@@ -21043,7 +21021,7 @@
                             </p:stCondLst>
                             <p:childTnLst>
                               <p:par>
-                                <p:cTn id="19" presetID="1" presetClass="entr" presetSubtype="0" fill="hold" grpId="0" nodeType="clickEffect">
+                                <p:cTn id="19" presetID="1" presetClass="entr" presetSubtype="0" fill="hold" nodeType="clickEffect">
                                   <p:stCondLst>
                                     <p:cond delay="0"/>
                                   </p:stCondLst>
@@ -21056,7 +21034,11 @@
                                           </p:stCondLst>
                                         </p:cTn>
                                         <p:tgtEl>
-                                          <p:spTgt spid="9"/>
+                                          <p:spTgt spid="804867">
+                                            <p:txEl>
+                                              <p:pRg st="6" end="6"/>
+                                            </p:txEl>
+                                          </p:spTgt>
                                         </p:tgtEl>
                                         <p:attrNameLst>
                                           <p:attrName>style.visibility</p:attrName>
@@ -21101,7 +21083,7 @@
                                           </p:stCondLst>
                                         </p:cTn>
                                         <p:tgtEl>
-                                          <p:spTgt spid="12"/>
+                                          <p:spTgt spid="9"/>
                                         </p:tgtEl>
                                         <p:attrNameLst>
                                           <p:attrName>style.visibility</p:attrName>
@@ -21141,6 +21123,51 @@
                                     <p:set>
                                       <p:cBhvr>
                                         <p:cTn id="28" dur="1" fill="hold">
+                                          <p:stCondLst>
+                                            <p:cond delay="0"/>
+                                          </p:stCondLst>
+                                        </p:cTn>
+                                        <p:tgtEl>
+                                          <p:spTgt spid="12"/>
+                                        </p:tgtEl>
+                                        <p:attrNameLst>
+                                          <p:attrName>style.visibility</p:attrName>
+                                        </p:attrNameLst>
+                                      </p:cBhvr>
+                                      <p:to>
+                                        <p:strVal val="visible"/>
+                                      </p:to>
+                                    </p:set>
+                                  </p:childTnLst>
+                                </p:cTn>
+                              </p:par>
+                            </p:childTnLst>
+                          </p:cTn>
+                        </p:par>
+                      </p:childTnLst>
+                    </p:cTn>
+                  </p:par>
+                  <p:par>
+                    <p:cTn id="29" fill="hold">
+                      <p:stCondLst>
+                        <p:cond delay="indefinite"/>
+                      </p:stCondLst>
+                      <p:childTnLst>
+                        <p:par>
+                          <p:cTn id="30" fill="hold">
+                            <p:stCondLst>
+                              <p:cond delay="0"/>
+                            </p:stCondLst>
+                            <p:childTnLst>
+                              <p:par>
+                                <p:cTn id="31" presetID="1" presetClass="entr" presetSubtype="0" fill="hold" grpId="0" nodeType="clickEffect">
+                                  <p:stCondLst>
+                                    <p:cond delay="0"/>
+                                  </p:stCondLst>
+                                  <p:childTnLst>
+                                    <p:set>
+                                      <p:cBhvr>
+                                        <p:cTn id="32" dur="1" fill="hold">
                                           <p:stCondLst>
                                             <p:cond delay="0"/>
                                           </p:stCondLst>
@@ -21222,9 +21249,16 @@
             <p:ph type="body" sz="quarter" idx="10"/>
           </p:nvPr>
         </p:nvSpPr>
-        <p:spPr/>
+        <p:spPr>
+          <a:xfrm>
+            <a:off x="190402" y="1196125"/>
+            <a:ext cx="11818096" cy="1364067"/>
+          </a:xfrm>
+        </p:spPr>
         <p:txBody>
-          <a:bodyPr/>
+          <a:bodyPr>
+            <a:normAutofit lnSpcReduction="10000"/>
+          </a:bodyPr>
           <a:lstStyle/>
           <a:p>
             <a:r>
@@ -21335,7 +21369,7 @@
         </p:nvGrpSpPr>
         <p:grpSpPr>
           <a:xfrm>
-            <a:off x="841604" y="2768868"/>
+            <a:off x="2855659" y="2772913"/>
             <a:ext cx="6480682" cy="3516300"/>
             <a:chOff x="2478562" y="1839196"/>
             <a:chExt cx="6036284" cy="3516300"/>
@@ -21577,13 +21611,13 @@
         </p:nvSpPr>
         <p:spPr bwMode="auto">
           <a:xfrm>
-            <a:off x="4070814" y="3564000"/>
+            <a:off x="6759290" y="3519000"/>
             <a:ext cx="3116710" cy="882024"/>
           </a:xfrm>
           <a:prstGeom prst="wedgeRoundRectCallout">
             <a:avLst>
-              <a:gd name="adj1" fmla="val -70184"/>
-              <a:gd name="adj2" fmla="val -31518"/>
+              <a:gd name="adj1" fmla="val -70580"/>
+              <a:gd name="adj2" fmla="val -21711"/>
               <a:gd name="adj3" fmla="val 16667"/>
             </a:avLst>
           </a:prstGeom>
@@ -21645,7 +21679,7 @@
                   <a:srgbClr val="FFFFFF"/>
                 </a:solidFill>
               </a:rPr>
-              <a:t> </a:t>
+              <a:t> o</a:t>
             </a:r>
             <a:r>
               <a:rPr lang="bg-BG" sz="2600" b="1" noProof="1">
@@ -21653,7 +21687,7 @@
                   <a:srgbClr val="FFFFFF"/>
                 </a:solidFill>
               </a:rPr>
-              <a:t>Означава </a:t>
+              <a:t>значава </a:t>
             </a:r>
             <a:br>
               <a:rPr lang="en-US" sz="2600" b="1" noProof="1">
@@ -21696,7 +21730,7 @@
         </p:nvSpPr>
         <p:spPr bwMode="auto">
           <a:xfrm>
-            <a:off x="4070814" y="5159515"/>
+            <a:off x="6759290" y="5175090"/>
             <a:ext cx="3116710" cy="916977"/>
           </a:xfrm>
           <a:prstGeom prst="wedgeRoundRectCallout">
@@ -21764,7 +21798,7 @@
                   <a:srgbClr val="FFFFFF"/>
                 </a:solidFill>
               </a:rPr>
-              <a:t> </a:t>
+              <a:t> o</a:t>
             </a:r>
             <a:r>
               <a:rPr lang="bg-BG" sz="2600" b="1" noProof="1">
@@ -21772,7 +21806,7 @@
                   <a:srgbClr val="FFFFFF"/>
                 </a:solidFill>
               </a:rPr>
-              <a:t>Означава</a:t>
+              <a:t>значава</a:t>
             </a:r>
             <a:r>
               <a:rPr lang="en-US" sz="2600" b="1" noProof="1">
@@ -22531,8 +22565,27 @@
               </a:buClr>
             </a:pPr>
             <a:r>
+              <a:rPr lang="en-US" sz="2800" b="1" dirty="0">
+                <a:latin typeface="Consolas" panose="020B0609020204030204" pitchFamily="49" charset="0"/>
+                <a:cs typeface="Consolas" panose="020B0609020204030204" pitchFamily="49" charset="0"/>
+              </a:rPr>
+              <a:t>private</a:t>
+            </a:r>
+            <a:r>
+              <a:rPr lang="en-US" sz="2800" dirty="0"/>
+              <a:t> </a:t>
+            </a:r>
+            <a:r>
               <a:rPr lang="bg-BG" sz="2800" dirty="0"/>
-              <a:t>Основният начин да осъществим </a:t>
+              <a:t>–</a:t>
+            </a:r>
+            <a:r>
+              <a:rPr lang="en-US" sz="2800" dirty="0"/>
+              <a:t> </a:t>
+            </a:r>
+            <a:r>
+              <a:rPr lang="bg-BG" sz="2800" dirty="0"/>
+              <a:t>основният начин да осъществим </a:t>
             </a:r>
             <a:r>
               <a:rPr lang="bg-BG" sz="2800" b="1" dirty="0">
@@ -23129,8 +23182,19 @@
               </a:lnSpc>
             </a:pPr>
             <a:r>
+              <a:rPr lang="en-US" sz="3400" b="1" dirty="0">
+                <a:latin typeface="Consolas" panose="020B0609020204030204" pitchFamily="49" charset="0"/>
+                <a:cs typeface="Consolas" panose="020B0609020204030204" pitchFamily="49" charset="0"/>
+              </a:rPr>
+              <a:t>public</a:t>
+            </a:r>
+            <a:r>
+              <a:rPr lang="en-US" sz="3400" dirty="0"/>
+              <a:t> – </a:t>
+            </a:r>
+            <a:r>
               <a:rPr lang="bg-BG" sz="3400" dirty="0"/>
-              <a:t>Модификаторът, който дава </a:t>
+              <a:t>модификаторът, който дава </a:t>
             </a:r>
             <a:r>
               <a:rPr lang="bg-BG" sz="3400" b="1" dirty="0">
@@ -23248,7 +23312,7 @@
         </p:nvSpPr>
         <p:spPr bwMode="auto">
           <a:xfrm>
-            <a:off x="606000" y="3069000"/>
+            <a:off x="2473500" y="3429000"/>
             <a:ext cx="7245000" cy="2782858"/>
           </a:xfrm>
           <a:prstGeom prst="rect">
@@ -23341,7 +23405,24 @@
                 <a:latin typeface="Consolas" pitchFamily="49" charset="0"/>
                 <a:cs typeface="Consolas" pitchFamily="49" charset="0"/>
               </a:rPr>
-              <a:t>  public string Name { get; set; }</a:t>
+              <a:t>  </a:t>
+            </a:r>
+            <a:r>
+              <a:rPr lang="en-US" sz="2800" b="1" noProof="1">
+                <a:solidFill>
+                  <a:schemeClr val="bg1"/>
+                </a:solidFill>
+                <a:latin typeface="Consolas" pitchFamily="49" charset="0"/>
+                <a:cs typeface="Consolas" pitchFamily="49" charset="0"/>
+              </a:rPr>
+              <a:t>public</a:t>
+            </a:r>
+            <a:r>
+              <a:rPr lang="en-US" sz="2800" b="1" noProof="1">
+                <a:latin typeface="Consolas" pitchFamily="49" charset="0"/>
+                <a:cs typeface="Consolas" pitchFamily="49" charset="0"/>
+              </a:rPr>
+              <a:t> string Name { get; set; }</a:t>
             </a:r>
           </a:p>
           <a:p>
@@ -23354,13 +23435,33 @@
               </a:spcAft>
               <a:buFont typeface="Wingdings" panose="05000000000000000000" pitchFamily="2" charset="2"/>
               <a:buNone/>
+              <a:tabLst>
+                <a:tab pos="1231900" algn="l"/>
+              </a:tabLst>
             </a:pPr>
             <a:r>
               <a:rPr lang="en-US" sz="2800" b="1" noProof="1">
                 <a:latin typeface="Consolas" pitchFamily="49" charset="0"/>
                 <a:cs typeface="Consolas" pitchFamily="49" charset="0"/>
               </a:rPr>
-              <a:t>  public int Age { get; set; }</a:t>
+              <a:t>  </a:t>
+            </a:r>
+            <a:r>
+              <a:rPr lang="en-US" sz="2800" b="1" noProof="1">
+                <a:solidFill>
+                  <a:schemeClr val="bg1"/>
+                </a:solidFill>
+                <a:latin typeface="Consolas" pitchFamily="49" charset="0"/>
+                <a:cs typeface="Consolas" pitchFamily="49" charset="0"/>
+              </a:rPr>
+              <a:t>public</a:t>
+            </a:r>
+            <a:r>
+              <a:rPr lang="en-US" sz="2800" b="1" noProof="1">
+                <a:latin typeface="Consolas" pitchFamily="49" charset="0"/>
+                <a:cs typeface="Consolas" pitchFamily="49" charset="0"/>
+              </a:rPr>
+              <a:t> int Age { get; set; }</a:t>
             </a:r>
           </a:p>
           <a:p>
@@ -23858,7 +23959,24 @@
                 <a:latin typeface="Consolas" pitchFamily="49" charset="0"/>
                 <a:cs typeface="Consolas" pitchFamily="49" charset="0"/>
               </a:rPr>
-              <a:t> Mathematical;</a:t>
+              <a:t> </a:t>
+            </a:r>
+            <a:r>
+              <a:rPr lang="en-US" sz="2600" b="1" noProof="1">
+                <a:solidFill>
+                  <a:schemeClr val="bg1"/>
+                </a:solidFill>
+                <a:latin typeface="Consolas" pitchFamily="49" charset="0"/>
+                <a:cs typeface="Consolas" pitchFamily="49" charset="0"/>
+              </a:rPr>
+              <a:t>Mathematical</a:t>
+            </a:r>
+            <a:r>
+              <a:rPr lang="en-US" sz="2600" b="1" noProof="1">
+                <a:latin typeface="Consolas" pitchFamily="49" charset="0"/>
+                <a:cs typeface="Consolas" pitchFamily="49" charset="0"/>
+              </a:rPr>
+              <a:t>;</a:t>
             </a:r>
           </a:p>
           <a:p>

--- a/Courses/Software-Sciences/Module-1-OOP/08.1-Encapsulation-Basics/08.1-Encapsulation-Basics.pptx
+++ b/Courses/Software-Sciences/Module-1-OOP/08.1-Encapsulation-Basics/08.1-Encapsulation-Basics.pptx
@@ -5,10 +5,10 @@
     <p:sldMasterId id="2147483675" r:id="rId1"/>
   </p:sldMasterIdLst>
   <p:notesMasterIdLst>
-    <p:notesMasterId r:id="rId28"/>
+    <p:notesMasterId r:id="rId31"/>
   </p:notesMasterIdLst>
   <p:handoutMasterIdLst>
-    <p:handoutMasterId r:id="rId29"/>
+    <p:handoutMasterId r:id="rId32"/>
   </p:handoutMasterIdLst>
   <p:sldIdLst>
     <p:sldId id="627" r:id="rId2"/>
@@ -24,19 +24,22 @@
     <p:sldId id="496" r:id="rId12"/>
     <p:sldId id="306" r:id="rId13"/>
     <p:sldId id="307" r:id="rId14"/>
-    <p:sldId id="499" r:id="rId15"/>
-    <p:sldId id="498" r:id="rId16"/>
-    <p:sldId id="501" r:id="rId17"/>
-    <p:sldId id="503" r:id="rId18"/>
-    <p:sldId id="502" r:id="rId19"/>
-    <p:sldId id="308" r:id="rId20"/>
-    <p:sldId id="309" r:id="rId21"/>
-    <p:sldId id="310" r:id="rId22"/>
-    <p:sldId id="311" r:id="rId23"/>
-    <p:sldId id="312" r:id="rId24"/>
-    <p:sldId id="319" r:id="rId25"/>
-    <p:sldId id="504" r:id="rId26"/>
-    <p:sldId id="505" r:id="rId27"/>
+    <p:sldId id="628" r:id="rId15"/>
+    <p:sldId id="630" r:id="rId16"/>
+    <p:sldId id="629" r:id="rId17"/>
+    <p:sldId id="499" r:id="rId18"/>
+    <p:sldId id="498" r:id="rId19"/>
+    <p:sldId id="501" r:id="rId20"/>
+    <p:sldId id="503" r:id="rId21"/>
+    <p:sldId id="502" r:id="rId22"/>
+    <p:sldId id="308" r:id="rId23"/>
+    <p:sldId id="309" r:id="rId24"/>
+    <p:sldId id="310" r:id="rId25"/>
+    <p:sldId id="311" r:id="rId26"/>
+    <p:sldId id="312" r:id="rId27"/>
+    <p:sldId id="319" r:id="rId28"/>
+    <p:sldId id="504" r:id="rId29"/>
+    <p:sldId id="505" r:id="rId30"/>
   </p:sldIdLst>
   <p:sldSz cx="12192000" cy="6858000"/>
   <p:notesSz cx="6858000" cy="9144000"/>
@@ -161,6 +164,9 @@
             <p14:sldId id="496"/>
             <p14:sldId id="306"/>
             <p14:sldId id="307"/>
+            <p14:sldId id="628"/>
+            <p14:sldId id="630"/>
+            <p14:sldId id="629"/>
           </p14:sldIdLst>
         </p14:section>
         <p14:section name="Изключения" id="{5485EFD2-1174-4EB7-AF54-0763EFEFC371}">
@@ -305,7 +311,7 @@
           <a:p>
             <a:fld id="{4E087215-0C8F-4762-A664-737A353EC9A4}" type="datetimeFigureOut">
               <a:rPr lang="bg-BG" smtClean="0"/>
-              <a:t>25.05.24 г.</a:t>
+              <a:t>15.06.24 г.</a:t>
             </a:fld>
             <a:endParaRPr lang="bg-BG"/>
           </a:p>
@@ -501,7 +507,7 @@
           <a:p>
             <a:fld id="{72D84649-876A-46C9-8472-14CB09C070D8}" type="datetimeFigureOut">
               <a:rPr lang="en-US" smtClean="0"/>
-              <a:t>5/25/24</a:t>
+              <a:t>6/15/24</a:t>
             </a:fld>
             <a:endParaRPr lang="en-US"/>
           </a:p>
@@ -1137,7 +1143,7 @@
           <a:p>
             <a:fld id="{2BF067CD-8E6B-4360-9AA8-C5DF2A48A6D1}" type="slidenum">
               <a:rPr lang="en-US" smtClean="0"/>
-              <a:t>15</a:t>
+              <a:t>14</a:t>
             </a:fld>
             <a:endParaRPr lang="en-US" dirty="0"/>
           </a:p>
@@ -1148,7 +1154,7 @@
           <p:cNvPr id="6" name="Footer Placeholder 7">
             <a:extLst>
               <a:ext uri="{FF2B5EF4-FFF2-40B4-BE49-F238E27FC236}">
-                <a16:creationId xmlns:a16="http://schemas.microsoft.com/office/drawing/2014/main" id="{96ED8339-05C9-54D5-2EBE-7C1F14F2547D}"/>
+                <a16:creationId xmlns:a16="http://schemas.microsoft.com/office/drawing/2014/main" id="{AA0CFFAA-6BCD-3C46-363A-47852FBFB084}"/>
               </a:ext>
             </a:extLst>
           </p:cNvPr>
@@ -1201,7 +1207,7 @@
     </p:spTree>
     <p:extLst>
       <p:ext uri="{BB962C8B-B14F-4D97-AF65-F5344CB8AC3E}">
-        <p14:creationId xmlns:p14="http://schemas.microsoft.com/office/powerpoint/2010/main" val="613394818"/>
+        <p14:creationId xmlns:p14="http://schemas.microsoft.com/office/powerpoint/2010/main" val="2606803511"/>
       </p:ext>
     </p:extLst>
   </p:cSld>
@@ -1230,100 +1236,64 @@
       </p:grpSpPr>
       <p:sp>
         <p:nvSpPr>
-          <p:cNvPr id="4" name="Rectangle 2"/>
+          <p:cNvPr id="2" name="Slide Image Placeholder 1"/>
           <p:cNvSpPr>
-            <a:spLocks noGrp="1" noChangeArrowheads="1"/>
+            <a:spLocks noGrp="1" noRot="1" noChangeAspect="1"/>
           </p:cNvSpPr>
           <p:nvPr>
-            <p:ph type="hdr" sz="quarter"/>
+            <p:ph type="sldImg"/>
           </p:nvPr>
         </p:nvSpPr>
-        <p:spPr>
-          <a:ln/>
-        </p:spPr>
+        <p:spPr/>
+      </p:sp>
+      <p:sp>
+        <p:nvSpPr>
+          <p:cNvPr id="3" name="Notes Placeholder 2"/>
+          <p:cNvSpPr>
+            <a:spLocks noGrp="1"/>
+          </p:cNvSpPr>
+          <p:nvPr>
+            <p:ph type="body" idx="1"/>
+          </p:nvPr>
+        </p:nvSpPr>
+        <p:spPr/>
         <p:txBody>
           <a:bodyPr/>
           <a:lstStyle/>
           <a:p>
-            <a:r>
-              <a:rPr lang="en-US" dirty="0"/>
-              <a:t>*</a:t>
-            </a:r>
+            <a:endParaRPr lang="en-BG"/>
           </a:p>
         </p:txBody>
       </p:sp>
       <p:sp>
         <p:nvSpPr>
-          <p:cNvPr id="6" name="Rectangle 7"/>
+          <p:cNvPr id="4" name="Slide Number Placeholder 3"/>
           <p:cNvSpPr>
-            <a:spLocks noGrp="1" noChangeArrowheads="1"/>
+            <a:spLocks noGrp="1"/>
           </p:cNvSpPr>
           <p:nvPr>
             <p:ph type="sldNum" sz="quarter" idx="5"/>
           </p:nvPr>
         </p:nvSpPr>
-        <p:spPr>
-          <a:ln/>
-        </p:spPr>
-        <p:txBody>
-          <a:bodyPr/>
-          <a:lstStyle/>
-          <a:p>
-            <a:fld id="{4DE8AFCF-28C4-49D0-B044-E430F0C2F2EB}" type="slidenum">
-              <a:rPr lang="en-US"/>
-              <a:pPr/>
-              <a:t>16</a:t>
-            </a:fld>
-            <a:r>
-              <a:rPr lang="en-US" dirty="0"/>
-              <a:t>##</a:t>
-            </a:r>
-          </a:p>
-        </p:txBody>
-      </p:sp>
-      <p:sp>
-        <p:nvSpPr>
-          <p:cNvPr id="563202" name="Rectangle 2"/>
-          <p:cNvSpPr>
-            <a:spLocks noGrp="1" noRot="1" noChangeAspect="1" noChangeArrowheads="1" noTextEdit="1"/>
-          </p:cNvSpPr>
-          <p:nvPr>
-            <p:ph type="sldImg"/>
-          </p:nvPr>
-        </p:nvSpPr>
-        <p:spPr>
-          <a:xfrm>
-            <a:off x="381000" y="685800"/>
-            <a:ext cx="6096000" cy="3429000"/>
-          </a:xfrm>
-          <a:ln/>
-        </p:spPr>
-      </p:sp>
-      <p:sp>
-        <p:nvSpPr>
-          <p:cNvPr id="563203" name="Rectangle 3"/>
-          <p:cNvSpPr>
-            <a:spLocks noGrp="1" noChangeArrowheads="1"/>
-          </p:cNvSpPr>
-          <p:nvPr>
-            <p:ph type="body" idx="1"/>
-          </p:nvPr>
-        </p:nvSpPr>
         <p:spPr/>
         <p:txBody>
           <a:bodyPr/>
           <a:lstStyle/>
           <a:p>
-            <a:endParaRPr lang="bg-BG" dirty="0"/>
+            <a:fld id="{2BF067CD-8E6B-4360-9AA8-C5DF2A48A6D1}" type="slidenum">
+              <a:rPr lang="en-US" smtClean="0"/>
+              <a:t>15</a:t>
+            </a:fld>
+            <a:endParaRPr lang="en-US" dirty="0"/>
           </a:p>
         </p:txBody>
       </p:sp>
       <p:sp>
         <p:nvSpPr>
-          <p:cNvPr id="2" name="Footer Placeholder 7">
+          <p:cNvPr id="6" name="Footer Placeholder 7">
             <a:extLst>
               <a:ext uri="{FF2B5EF4-FFF2-40B4-BE49-F238E27FC236}">
-                <a16:creationId xmlns:a16="http://schemas.microsoft.com/office/drawing/2014/main" id="{3B73605B-708F-53D9-694F-39EDB26B1307}"/>
+                <a16:creationId xmlns:a16="http://schemas.microsoft.com/office/drawing/2014/main" id="{AA0CFFAA-6BCD-3C46-363A-47852FBFB084}"/>
               </a:ext>
             </a:extLst>
           </p:cNvPr>
@@ -1376,7 +1346,7 @@
     </p:spTree>
     <p:extLst>
       <p:ext uri="{BB962C8B-B14F-4D97-AF65-F5344CB8AC3E}">
-        <p14:creationId xmlns:p14="http://schemas.microsoft.com/office/powerpoint/2010/main" val="3268046885"/>
+        <p14:creationId xmlns:p14="http://schemas.microsoft.com/office/powerpoint/2010/main" val="2474941335"/>
       </p:ext>
     </p:extLst>
   </p:cSld>
@@ -1451,7 +1421,7 @@
           <a:p>
             <a:fld id="{2BF067CD-8E6B-4360-9AA8-C5DF2A48A6D1}" type="slidenum">
               <a:rPr lang="en-US" smtClean="0"/>
-              <a:t>17</a:t>
+              <a:t>18</a:t>
             </a:fld>
             <a:endParaRPr lang="en-US" dirty="0"/>
           </a:p>
@@ -1462,7 +1432,7 @@
           <p:cNvPr id="6" name="Footer Placeholder 7">
             <a:extLst>
               <a:ext uri="{FF2B5EF4-FFF2-40B4-BE49-F238E27FC236}">
-                <a16:creationId xmlns:a16="http://schemas.microsoft.com/office/drawing/2014/main" id="{18855048-0D48-FD37-027D-4BF354CDA2A5}"/>
+                <a16:creationId xmlns:a16="http://schemas.microsoft.com/office/drawing/2014/main" id="{96ED8339-05C9-54D5-2EBE-7C1F14F2547D}"/>
               </a:ext>
             </a:extLst>
           </p:cNvPr>
@@ -1515,7 +1485,7 @@
     </p:spTree>
     <p:extLst>
       <p:ext uri="{BB962C8B-B14F-4D97-AF65-F5344CB8AC3E}">
-        <p14:creationId xmlns:p14="http://schemas.microsoft.com/office/powerpoint/2010/main" val="1030335577"/>
+        <p14:creationId xmlns:p14="http://schemas.microsoft.com/office/powerpoint/2010/main" val="613394818"/>
       </p:ext>
     </p:extLst>
   </p:cSld>
@@ -1583,10 +1553,10 @@
           <a:bodyPr/>
           <a:lstStyle/>
           <a:p>
-            <a:fld id="{9C149E57-0798-442F-9EDF-19F617E03DDC}" type="slidenum">
+            <a:fld id="{4DE8AFCF-28C4-49D0-B044-E430F0C2F2EB}" type="slidenum">
               <a:rPr lang="en-US"/>
               <a:pPr/>
-              <a:t>18</a:t>
+              <a:t>19</a:t>
             </a:fld>
             <a:r>
               <a:rPr lang="en-US" dirty="0"/>
@@ -1597,7 +1567,7 @@
       </p:sp>
       <p:sp>
         <p:nvSpPr>
-          <p:cNvPr id="567298" name="Rectangle 2"/>
+          <p:cNvPr id="563202" name="Rectangle 2"/>
           <p:cNvSpPr>
             <a:spLocks noGrp="1" noRot="1" noChangeAspect="1" noChangeArrowheads="1" noTextEdit="1"/>
           </p:cNvSpPr>
@@ -1615,7 +1585,7 @@
       </p:sp>
       <p:sp>
         <p:nvSpPr>
-          <p:cNvPr id="567299" name="Rectangle 3"/>
+          <p:cNvPr id="563203" name="Rectangle 3"/>
           <p:cNvSpPr>
             <a:spLocks noGrp="1" noChangeArrowheads="1"/>
           </p:cNvSpPr>
@@ -1637,7 +1607,7 @@
           <p:cNvPr id="2" name="Footer Placeholder 7">
             <a:extLst>
               <a:ext uri="{FF2B5EF4-FFF2-40B4-BE49-F238E27FC236}">
-                <a16:creationId xmlns:a16="http://schemas.microsoft.com/office/drawing/2014/main" id="{F6953B67-1868-51F9-AB67-04E1EE3CD48D}"/>
+                <a16:creationId xmlns:a16="http://schemas.microsoft.com/office/drawing/2014/main" id="{3B73605B-708F-53D9-694F-39EDB26B1307}"/>
               </a:ext>
             </a:extLst>
           </p:cNvPr>
@@ -1690,7 +1660,7 @@
     </p:spTree>
     <p:extLst>
       <p:ext uri="{BB962C8B-B14F-4D97-AF65-F5344CB8AC3E}">
-        <p14:creationId xmlns:p14="http://schemas.microsoft.com/office/powerpoint/2010/main" val="3407505158"/>
+        <p14:creationId xmlns:p14="http://schemas.microsoft.com/office/powerpoint/2010/main" val="3268046885"/>
       </p:ext>
     </p:extLst>
   </p:cSld>
@@ -1744,18 +1714,18 @@
           <a:bodyPr/>
           <a:lstStyle/>
           <a:p>
-            <a:endParaRPr lang="en-US" dirty="0"/>
+            <a:endParaRPr lang="en-BG"/>
           </a:p>
         </p:txBody>
       </p:sp>
       <p:sp>
         <p:nvSpPr>
-          <p:cNvPr id="5" name="Slide Number Placeholder 4"/>
+          <p:cNvPr id="4" name="Slide Number Placeholder 3"/>
           <p:cNvSpPr>
             <a:spLocks noGrp="1"/>
           </p:cNvSpPr>
           <p:nvPr>
-            <p:ph type="sldNum" sz="quarter" idx="11"/>
+            <p:ph type="sldNum" sz="quarter" idx="5"/>
           </p:nvPr>
         </p:nvSpPr>
         <p:spPr/>
@@ -1763,10 +1733,9 @@
           <a:bodyPr/>
           <a:lstStyle/>
           <a:p>
-            <a:fld id="{3EBA5BD7-F043-4D1B-AA17-CD412FC534DE}" type="slidenum">
+            <a:fld id="{2BF067CD-8E6B-4360-9AA8-C5DF2A48A6D1}" type="slidenum">
               <a:rPr lang="en-US" smtClean="0"/>
-              <a:pPr/>
-              <a:t>19</a:t>
+              <a:t>20</a:t>
             </a:fld>
             <a:endParaRPr lang="en-US" dirty="0"/>
           </a:p>
@@ -1774,10 +1743,10 @@
       </p:sp>
       <p:sp>
         <p:nvSpPr>
-          <p:cNvPr id="4" name="Footer Placeholder 7">
+          <p:cNvPr id="6" name="Footer Placeholder 7">
             <a:extLst>
               <a:ext uri="{FF2B5EF4-FFF2-40B4-BE49-F238E27FC236}">
-                <a16:creationId xmlns:a16="http://schemas.microsoft.com/office/drawing/2014/main" id="{6F93B9E9-BB49-7E82-4718-A90103F9A8DC}"/>
+                <a16:creationId xmlns:a16="http://schemas.microsoft.com/office/drawing/2014/main" id="{18855048-0D48-FD37-027D-4BF354CDA2A5}"/>
               </a:ext>
             </a:extLst>
           </p:cNvPr>
@@ -1830,7 +1799,7 @@
     </p:spTree>
     <p:extLst>
       <p:ext uri="{BB962C8B-B14F-4D97-AF65-F5344CB8AC3E}">
-        <p14:creationId xmlns:p14="http://schemas.microsoft.com/office/powerpoint/2010/main" val="725464174"/>
+        <p14:creationId xmlns:p14="http://schemas.microsoft.com/office/powerpoint/2010/main" val="1030335577"/>
       </p:ext>
     </p:extLst>
   </p:cSld>
@@ -1859,21 +1828,80 @@
       </p:grpSpPr>
       <p:sp>
         <p:nvSpPr>
-          <p:cNvPr id="2" name="Slide Image Placeholder 1"/>
+          <p:cNvPr id="4" name="Rectangle 2"/>
           <p:cNvSpPr>
-            <a:spLocks noGrp="1" noRot="1" noChangeAspect="1"/>
+            <a:spLocks noGrp="1" noChangeArrowheads="1"/>
+          </p:cNvSpPr>
+          <p:nvPr>
+            <p:ph type="hdr" sz="quarter"/>
+          </p:nvPr>
+        </p:nvSpPr>
+        <p:spPr>
+          <a:ln/>
+        </p:spPr>
+        <p:txBody>
+          <a:bodyPr/>
+          <a:lstStyle/>
+          <a:p>
+            <a:r>
+              <a:rPr lang="en-US" dirty="0"/>
+              <a:t>*</a:t>
+            </a:r>
+          </a:p>
+        </p:txBody>
+      </p:sp>
+      <p:sp>
+        <p:nvSpPr>
+          <p:cNvPr id="6" name="Rectangle 7"/>
+          <p:cNvSpPr>
+            <a:spLocks noGrp="1" noChangeArrowheads="1"/>
+          </p:cNvSpPr>
+          <p:nvPr>
+            <p:ph type="sldNum" sz="quarter" idx="5"/>
+          </p:nvPr>
+        </p:nvSpPr>
+        <p:spPr>
+          <a:ln/>
+        </p:spPr>
+        <p:txBody>
+          <a:bodyPr/>
+          <a:lstStyle/>
+          <a:p>
+            <a:fld id="{9C149E57-0798-442F-9EDF-19F617E03DDC}" type="slidenum">
+              <a:rPr lang="en-US"/>
+              <a:pPr/>
+              <a:t>21</a:t>
+            </a:fld>
+            <a:r>
+              <a:rPr lang="en-US" dirty="0"/>
+              <a:t>##</a:t>
+            </a:r>
+          </a:p>
+        </p:txBody>
+      </p:sp>
+      <p:sp>
+        <p:nvSpPr>
+          <p:cNvPr id="567298" name="Rectangle 2"/>
+          <p:cNvSpPr>
+            <a:spLocks noGrp="1" noRot="1" noChangeAspect="1" noChangeArrowheads="1" noTextEdit="1"/>
           </p:cNvSpPr>
           <p:nvPr>
             <p:ph type="sldImg"/>
           </p:nvPr>
         </p:nvSpPr>
-        <p:spPr/>
-      </p:sp>
-      <p:sp>
-        <p:nvSpPr>
-          <p:cNvPr id="3" name="Notes Placeholder 2"/>
+        <p:spPr>
+          <a:xfrm>
+            <a:off x="381000" y="685800"/>
+            <a:ext cx="6096000" cy="3429000"/>
+          </a:xfrm>
+          <a:ln/>
+        </p:spPr>
+      </p:sp>
+      <p:sp>
+        <p:nvSpPr>
+          <p:cNvPr id="567299" name="Rectangle 3"/>
           <p:cNvSpPr>
-            <a:spLocks noGrp="1"/>
+            <a:spLocks noGrp="1" noChangeArrowheads="1"/>
           </p:cNvSpPr>
           <p:nvPr>
             <p:ph type="body" idx="1"/>
@@ -1884,40 +1912,16 @@
           <a:bodyPr/>
           <a:lstStyle/>
           <a:p>
-            <a:endParaRPr lang="en-GB" dirty="0"/>
+            <a:endParaRPr lang="bg-BG" dirty="0"/>
           </a:p>
         </p:txBody>
       </p:sp>
       <p:sp>
         <p:nvSpPr>
-          <p:cNvPr id="5" name="Slide Number Placeholder 4"/>
-          <p:cNvSpPr>
-            <a:spLocks noGrp="1"/>
-          </p:cNvSpPr>
-          <p:nvPr>
-            <p:ph type="sldNum" sz="quarter" idx="11"/>
-          </p:nvPr>
-        </p:nvSpPr>
-        <p:spPr/>
-        <p:txBody>
-          <a:bodyPr/>
-          <a:lstStyle/>
-          <a:p>
-            <a:fld id="{3EBA5BD7-F043-4D1B-AA17-CD412FC534DE}" type="slidenum">
-              <a:rPr lang="en-US" smtClean="0"/>
-              <a:pPr/>
-              <a:t>20</a:t>
-            </a:fld>
-            <a:endParaRPr lang="en-US" dirty="0"/>
-          </a:p>
-        </p:txBody>
-      </p:sp>
-      <p:sp>
-        <p:nvSpPr>
-          <p:cNvPr id="4" name="Footer Placeholder 7">
+          <p:cNvPr id="2" name="Footer Placeholder 7">
             <a:extLst>
               <a:ext uri="{FF2B5EF4-FFF2-40B4-BE49-F238E27FC236}">
-                <a16:creationId xmlns:a16="http://schemas.microsoft.com/office/drawing/2014/main" id="{CBF85623-8722-B2AB-EA97-9A71ED70CCE1}"/>
+                <a16:creationId xmlns:a16="http://schemas.microsoft.com/office/drawing/2014/main" id="{F6953B67-1868-51F9-AB67-04E1EE3CD48D}"/>
               </a:ext>
             </a:extLst>
           </p:cNvPr>
@@ -1970,7 +1974,7 @@
     </p:spTree>
     <p:extLst>
       <p:ext uri="{BB962C8B-B14F-4D97-AF65-F5344CB8AC3E}">
-        <p14:creationId xmlns:p14="http://schemas.microsoft.com/office/powerpoint/2010/main" val="2764354960"/>
+        <p14:creationId xmlns:p14="http://schemas.microsoft.com/office/powerpoint/2010/main" val="3407505158"/>
       </p:ext>
     </p:extLst>
   </p:cSld>
@@ -2024,7 +2028,7 @@
           <a:bodyPr/>
           <a:lstStyle/>
           <a:p>
-            <a:endParaRPr lang="en-GB" dirty="0"/>
+            <a:endParaRPr lang="en-US" dirty="0"/>
           </a:p>
         </p:txBody>
       </p:sp>
@@ -2046,7 +2050,7 @@
             <a:fld id="{3EBA5BD7-F043-4D1B-AA17-CD412FC534DE}" type="slidenum">
               <a:rPr lang="en-US" smtClean="0"/>
               <a:pPr/>
-              <a:t>21</a:t>
+              <a:t>22</a:t>
             </a:fld>
             <a:endParaRPr lang="en-US" dirty="0"/>
           </a:p>
@@ -2057,7 +2061,7 @@
           <p:cNvPr id="4" name="Footer Placeholder 7">
             <a:extLst>
               <a:ext uri="{FF2B5EF4-FFF2-40B4-BE49-F238E27FC236}">
-                <a16:creationId xmlns:a16="http://schemas.microsoft.com/office/drawing/2014/main" id="{E01F2EFB-F494-D6B9-9166-06F33C896D49}"/>
+                <a16:creationId xmlns:a16="http://schemas.microsoft.com/office/drawing/2014/main" id="{6F93B9E9-BB49-7E82-4718-A90103F9A8DC}"/>
               </a:ext>
             </a:extLst>
           </p:cNvPr>
@@ -2110,7 +2114,7 @@
     </p:spTree>
     <p:extLst>
       <p:ext uri="{BB962C8B-B14F-4D97-AF65-F5344CB8AC3E}">
-        <p14:creationId xmlns:p14="http://schemas.microsoft.com/office/powerpoint/2010/main" val="1495477872"/>
+        <p14:creationId xmlns:p14="http://schemas.microsoft.com/office/powerpoint/2010/main" val="725464174"/>
       </p:ext>
     </p:extLst>
   </p:cSld>
@@ -2164,18 +2168,18 @@
           <a:bodyPr/>
           <a:lstStyle/>
           <a:p>
-            <a:endParaRPr lang="en-BG"/>
+            <a:endParaRPr lang="en-GB" dirty="0"/>
           </a:p>
         </p:txBody>
       </p:sp>
       <p:sp>
         <p:nvSpPr>
-          <p:cNvPr id="4" name="Slide Number Placeholder 3"/>
+          <p:cNvPr id="5" name="Slide Number Placeholder 4"/>
           <p:cNvSpPr>
             <a:spLocks noGrp="1"/>
           </p:cNvSpPr>
           <p:nvPr>
-            <p:ph type="sldNum" sz="quarter" idx="5"/>
+            <p:ph type="sldNum" sz="quarter" idx="11"/>
           </p:nvPr>
         </p:nvSpPr>
         <p:spPr/>
@@ -2183,9 +2187,10 @@
           <a:bodyPr/>
           <a:lstStyle/>
           <a:p>
-            <a:fld id="{2BF067CD-8E6B-4360-9AA8-C5DF2A48A6D1}" type="slidenum">
+            <a:fld id="{3EBA5BD7-F043-4D1B-AA17-CD412FC534DE}" type="slidenum">
               <a:rPr lang="en-US" smtClean="0"/>
-              <a:t>22</a:t>
+              <a:pPr/>
+              <a:t>23</a:t>
             </a:fld>
             <a:endParaRPr lang="en-US" dirty="0"/>
           </a:p>
@@ -2193,10 +2198,10 @@
       </p:sp>
       <p:sp>
         <p:nvSpPr>
-          <p:cNvPr id="6" name="Footer Placeholder 7">
+          <p:cNvPr id="4" name="Footer Placeholder 7">
             <a:extLst>
               <a:ext uri="{FF2B5EF4-FFF2-40B4-BE49-F238E27FC236}">
-                <a16:creationId xmlns:a16="http://schemas.microsoft.com/office/drawing/2014/main" id="{0F8D3B75-A3E0-F3DE-98F8-D31E40579145}"/>
+                <a16:creationId xmlns:a16="http://schemas.microsoft.com/office/drawing/2014/main" id="{CBF85623-8722-B2AB-EA97-9A71ED70CCE1}"/>
               </a:ext>
             </a:extLst>
           </p:cNvPr>
@@ -2249,7 +2254,7 @@
     </p:spTree>
     <p:extLst>
       <p:ext uri="{BB962C8B-B14F-4D97-AF65-F5344CB8AC3E}">
-        <p14:creationId xmlns:p14="http://schemas.microsoft.com/office/powerpoint/2010/main" val="1282792442"/>
+        <p14:creationId xmlns:p14="http://schemas.microsoft.com/office/powerpoint/2010/main" val="2764354960"/>
       </p:ext>
     </p:extLst>
   </p:cSld>
@@ -2303,7 +2308,7 @@
           <a:bodyPr/>
           <a:lstStyle/>
           <a:p>
-            <a:endParaRPr lang="en-US" dirty="0"/>
+            <a:endParaRPr lang="en-GB" dirty="0"/>
           </a:p>
         </p:txBody>
       </p:sp>
@@ -2336,7 +2341,7 @@
           <p:cNvPr id="4" name="Footer Placeholder 7">
             <a:extLst>
               <a:ext uri="{FF2B5EF4-FFF2-40B4-BE49-F238E27FC236}">
-                <a16:creationId xmlns:a16="http://schemas.microsoft.com/office/drawing/2014/main" id="{E5A8737F-AA70-3B54-EE3B-67D3781212E5}"/>
+                <a16:creationId xmlns:a16="http://schemas.microsoft.com/office/drawing/2014/main" id="{E01F2EFB-F494-D6B9-9166-06F33C896D49}"/>
               </a:ext>
             </a:extLst>
           </p:cNvPr>
@@ -2389,7 +2394,7 @@
     </p:spTree>
     <p:extLst>
       <p:ext uri="{BB962C8B-B14F-4D97-AF65-F5344CB8AC3E}">
-        <p14:creationId xmlns:p14="http://schemas.microsoft.com/office/powerpoint/2010/main" val="729065709"/>
+        <p14:creationId xmlns:p14="http://schemas.microsoft.com/office/powerpoint/2010/main" val="1495477872"/>
       </p:ext>
     </p:extLst>
   </p:cSld>
@@ -2571,6 +2576,285 @@
 </file>
 
 <file path=ppt/notesSlides/notesSlide20.xml><?xml version="1.0" encoding="utf-8"?>
+<p:notes xmlns:a="http://schemas.openxmlformats.org/drawingml/2006/main" xmlns:r="http://schemas.openxmlformats.org/officeDocument/2006/relationships" xmlns:p="http://schemas.openxmlformats.org/presentationml/2006/main">
+  <p:cSld>
+    <p:spTree>
+      <p:nvGrpSpPr>
+        <p:cNvPr id="1" name=""/>
+        <p:cNvGrpSpPr/>
+        <p:nvPr/>
+      </p:nvGrpSpPr>
+      <p:grpSpPr>
+        <a:xfrm>
+          <a:off x="0" y="0"/>
+          <a:ext cx="0" cy="0"/>
+          <a:chOff x="0" y="0"/>
+          <a:chExt cx="0" cy="0"/>
+        </a:xfrm>
+      </p:grpSpPr>
+      <p:sp>
+        <p:nvSpPr>
+          <p:cNvPr id="2" name="Slide Image Placeholder 1"/>
+          <p:cNvSpPr>
+            <a:spLocks noGrp="1" noRot="1" noChangeAspect="1"/>
+          </p:cNvSpPr>
+          <p:nvPr>
+            <p:ph type="sldImg"/>
+          </p:nvPr>
+        </p:nvSpPr>
+        <p:spPr/>
+      </p:sp>
+      <p:sp>
+        <p:nvSpPr>
+          <p:cNvPr id="3" name="Notes Placeholder 2"/>
+          <p:cNvSpPr>
+            <a:spLocks noGrp="1"/>
+          </p:cNvSpPr>
+          <p:nvPr>
+            <p:ph type="body" idx="1"/>
+          </p:nvPr>
+        </p:nvSpPr>
+        <p:spPr/>
+        <p:txBody>
+          <a:bodyPr/>
+          <a:lstStyle/>
+          <a:p>
+            <a:endParaRPr lang="en-BG"/>
+          </a:p>
+        </p:txBody>
+      </p:sp>
+      <p:sp>
+        <p:nvSpPr>
+          <p:cNvPr id="4" name="Slide Number Placeholder 3"/>
+          <p:cNvSpPr>
+            <a:spLocks noGrp="1"/>
+          </p:cNvSpPr>
+          <p:nvPr>
+            <p:ph type="sldNum" sz="quarter" idx="5"/>
+          </p:nvPr>
+        </p:nvSpPr>
+        <p:spPr/>
+        <p:txBody>
+          <a:bodyPr/>
+          <a:lstStyle/>
+          <a:p>
+            <a:fld id="{2BF067CD-8E6B-4360-9AA8-C5DF2A48A6D1}" type="slidenum">
+              <a:rPr lang="en-US" smtClean="0"/>
+              <a:t>25</a:t>
+            </a:fld>
+            <a:endParaRPr lang="en-US" dirty="0"/>
+          </a:p>
+        </p:txBody>
+      </p:sp>
+      <p:sp>
+        <p:nvSpPr>
+          <p:cNvPr id="6" name="Footer Placeholder 7">
+            <a:extLst>
+              <a:ext uri="{FF2B5EF4-FFF2-40B4-BE49-F238E27FC236}">
+                <a16:creationId xmlns:a16="http://schemas.microsoft.com/office/drawing/2014/main" id="{0F8D3B75-A3E0-F3DE-98F8-D31E40579145}"/>
+              </a:ext>
+            </a:extLst>
+          </p:cNvPr>
+          <p:cNvSpPr>
+            <a:spLocks noGrp="1"/>
+          </p:cNvSpPr>
+          <p:nvPr>
+            <p:ph type="ftr" sz="quarter" idx="4"/>
+          </p:nvPr>
+        </p:nvSpPr>
+        <p:spPr>
+          <a:xfrm>
+            <a:off x="-1" y="8892000"/>
+            <a:ext cx="6488999" cy="252000"/>
+          </a:xfrm>
+          <a:prstGeom prst="rect">
+            <a:avLst/>
+          </a:prstGeom>
+        </p:spPr>
+        <p:txBody>
+          <a:bodyPr vert="horz" lIns="91440" tIns="45720" rIns="91440" bIns="45720" rtlCol="0" anchor="b"/>
+          <a:lstStyle>
+            <a:lvl1pPr algn="l">
+              <a:defRPr sz="1100"/>
+            </a:lvl1pPr>
+          </a:lstStyle>
+          <a:p>
+            <a:r>
+              <a:rPr lang="bg-BG" sz="1100" dirty="0"/>
+              <a:t>Работна група </a:t>
+            </a:r>
+            <a:r>
+              <a:rPr lang="bg-BG" dirty="0"/>
+              <a:t>"Образование по програмиране и ИТ"</a:t>
+            </a:r>
+            <a:r>
+              <a:rPr lang="bg-BG" sz="1100" dirty="0"/>
+              <a:t>, с подкрепата на </a:t>
+            </a:r>
+            <a:r>
+              <a:rPr lang="en-US" sz="1100" dirty="0">
+                <a:hlinkClick r:id="rId3"/>
+              </a:rPr>
+              <a:t>SoftUni</a:t>
+            </a:r>
+            <a:endParaRPr lang="en-US" sz="1100" dirty="0"/>
+          </a:p>
+        </p:txBody>
+      </p:sp>
+    </p:spTree>
+    <p:extLst>
+      <p:ext uri="{BB962C8B-B14F-4D97-AF65-F5344CB8AC3E}">
+        <p14:creationId xmlns:p14="http://schemas.microsoft.com/office/powerpoint/2010/main" val="1282792442"/>
+      </p:ext>
+    </p:extLst>
+  </p:cSld>
+  <p:clrMapOvr>
+    <a:masterClrMapping/>
+  </p:clrMapOvr>
+</p:notes>
+</file>
+
+<file path=ppt/notesSlides/notesSlide21.xml><?xml version="1.0" encoding="utf-8"?>
+<p:notes xmlns:a="http://schemas.openxmlformats.org/drawingml/2006/main" xmlns:r="http://schemas.openxmlformats.org/officeDocument/2006/relationships" xmlns:p="http://schemas.openxmlformats.org/presentationml/2006/main">
+  <p:cSld>
+    <p:spTree>
+      <p:nvGrpSpPr>
+        <p:cNvPr id="1" name=""/>
+        <p:cNvGrpSpPr/>
+        <p:nvPr/>
+      </p:nvGrpSpPr>
+      <p:grpSpPr>
+        <a:xfrm>
+          <a:off x="0" y="0"/>
+          <a:ext cx="0" cy="0"/>
+          <a:chOff x="0" y="0"/>
+          <a:chExt cx="0" cy="0"/>
+        </a:xfrm>
+      </p:grpSpPr>
+      <p:sp>
+        <p:nvSpPr>
+          <p:cNvPr id="2" name="Slide Image Placeholder 1"/>
+          <p:cNvSpPr>
+            <a:spLocks noGrp="1" noRot="1" noChangeAspect="1"/>
+          </p:cNvSpPr>
+          <p:nvPr>
+            <p:ph type="sldImg"/>
+          </p:nvPr>
+        </p:nvSpPr>
+        <p:spPr/>
+      </p:sp>
+      <p:sp>
+        <p:nvSpPr>
+          <p:cNvPr id="3" name="Notes Placeholder 2"/>
+          <p:cNvSpPr>
+            <a:spLocks noGrp="1"/>
+          </p:cNvSpPr>
+          <p:nvPr>
+            <p:ph type="body" idx="1"/>
+          </p:nvPr>
+        </p:nvSpPr>
+        <p:spPr/>
+        <p:txBody>
+          <a:bodyPr/>
+          <a:lstStyle/>
+          <a:p>
+            <a:endParaRPr lang="en-US" dirty="0"/>
+          </a:p>
+        </p:txBody>
+      </p:sp>
+      <p:sp>
+        <p:nvSpPr>
+          <p:cNvPr id="5" name="Slide Number Placeholder 4"/>
+          <p:cNvSpPr>
+            <a:spLocks noGrp="1"/>
+          </p:cNvSpPr>
+          <p:nvPr>
+            <p:ph type="sldNum" sz="quarter" idx="11"/>
+          </p:nvPr>
+        </p:nvSpPr>
+        <p:spPr/>
+        <p:txBody>
+          <a:bodyPr/>
+          <a:lstStyle/>
+          <a:p>
+            <a:fld id="{3EBA5BD7-F043-4D1B-AA17-CD412FC534DE}" type="slidenum">
+              <a:rPr lang="en-US" smtClean="0"/>
+              <a:pPr/>
+              <a:t>27</a:t>
+            </a:fld>
+            <a:endParaRPr lang="en-US" dirty="0"/>
+          </a:p>
+        </p:txBody>
+      </p:sp>
+      <p:sp>
+        <p:nvSpPr>
+          <p:cNvPr id="4" name="Footer Placeholder 7">
+            <a:extLst>
+              <a:ext uri="{FF2B5EF4-FFF2-40B4-BE49-F238E27FC236}">
+                <a16:creationId xmlns:a16="http://schemas.microsoft.com/office/drawing/2014/main" id="{E5A8737F-AA70-3B54-EE3B-67D3781212E5}"/>
+              </a:ext>
+            </a:extLst>
+          </p:cNvPr>
+          <p:cNvSpPr>
+            <a:spLocks noGrp="1"/>
+          </p:cNvSpPr>
+          <p:nvPr>
+            <p:ph type="ftr" sz="quarter" idx="4"/>
+          </p:nvPr>
+        </p:nvSpPr>
+        <p:spPr>
+          <a:xfrm>
+            <a:off x="-1" y="8892000"/>
+            <a:ext cx="6488999" cy="252000"/>
+          </a:xfrm>
+          <a:prstGeom prst="rect">
+            <a:avLst/>
+          </a:prstGeom>
+        </p:spPr>
+        <p:txBody>
+          <a:bodyPr vert="horz" lIns="91440" tIns="45720" rIns="91440" bIns="45720" rtlCol="0" anchor="b"/>
+          <a:lstStyle>
+            <a:lvl1pPr algn="l">
+              <a:defRPr sz="1100"/>
+            </a:lvl1pPr>
+          </a:lstStyle>
+          <a:p>
+            <a:r>
+              <a:rPr lang="bg-BG" sz="1100" dirty="0"/>
+              <a:t>Работна група </a:t>
+            </a:r>
+            <a:r>
+              <a:rPr lang="bg-BG" dirty="0"/>
+              <a:t>"Образование по програмиране и ИТ"</a:t>
+            </a:r>
+            <a:r>
+              <a:rPr lang="bg-BG" sz="1100" dirty="0"/>
+              <a:t>, с подкрепата на </a:t>
+            </a:r>
+            <a:r>
+              <a:rPr lang="en-US" sz="1100" dirty="0">
+                <a:hlinkClick r:id="rId3"/>
+              </a:rPr>
+              <a:t>SoftUni</a:t>
+            </a:r>
+            <a:endParaRPr lang="en-US" sz="1100" dirty="0"/>
+          </a:p>
+        </p:txBody>
+      </p:sp>
+    </p:spTree>
+    <p:extLst>
+      <p:ext uri="{BB962C8B-B14F-4D97-AF65-F5344CB8AC3E}">
+        <p14:creationId xmlns:p14="http://schemas.microsoft.com/office/powerpoint/2010/main" val="729065709"/>
+      </p:ext>
+    </p:extLst>
+  </p:cSld>
+  <p:clrMapOvr>
+    <a:masterClrMapping/>
+  </p:clrMapOvr>
+</p:notes>
+</file>
+
+<file path=ppt/notesSlides/notesSlide22.xml><?xml version="1.0" encoding="utf-8"?>
 <p:notes xmlns:a="http://schemas.openxmlformats.org/drawingml/2006/main" xmlns:r="http://schemas.openxmlformats.org/officeDocument/2006/relationships" xmlns:p="http://schemas.openxmlformats.org/presentationml/2006/main">
   <p:cSld>
     <p:spTree>
@@ -2742,7 +3026,7 @@
             <a:fld id="{3EBA5BD7-F043-4D1B-AA17-CD412FC534DE}" type="slidenum">
               <a:rPr lang="en-US" smtClean="0"/>
               <a:pPr/>
-              <a:t>25</a:t>
+              <a:t>28</a:t>
             </a:fld>
             <a:endParaRPr lang="en-US" dirty="0"/>
           </a:p>
@@ -2816,7 +3100,7 @@
 </p:notes>
 </file>
 
-<file path=ppt/notesSlides/notesSlide21.xml><?xml version="1.0" encoding="utf-8"?>
+<file path=ppt/notesSlides/notesSlide23.xml><?xml version="1.0" encoding="utf-8"?>
 <p:notes xmlns:a="http://schemas.openxmlformats.org/drawingml/2006/main" xmlns:r="http://schemas.openxmlformats.org/officeDocument/2006/relationships" xmlns:p="http://schemas.openxmlformats.org/presentationml/2006/main">
   <p:cSld>
     <p:spTree>
@@ -2988,7 +3272,7 @@
             <a:fld id="{3EBA5BD7-F043-4D1B-AA17-CD412FC534DE}" type="slidenum">
               <a:rPr lang="en-US" smtClean="0"/>
               <a:pPr/>
-              <a:t>26</a:t>
+              <a:t>29</a:t>
             </a:fld>
             <a:endParaRPr lang="en-US" dirty="0"/>
           </a:p>
@@ -9557,7 +9841,7 @@
                 <a:latin typeface="Consolas" pitchFamily="49" charset="0"/>
                 <a:cs typeface="Consolas" pitchFamily="49" charset="0"/>
               </a:rPr>
-              <a:t>class Person </a:t>
+              <a:t>internal class Person </a:t>
             </a:r>
           </a:p>
           <a:p>
@@ -9595,7 +9879,7 @@
                 <a:latin typeface="Consolas" pitchFamily="49" charset="0"/>
                 <a:cs typeface="Consolas" pitchFamily="49" charset="0"/>
               </a:rPr>
-              <a:t>   internal string Name { get; set; }</a:t>
+              <a:t>   public string Name { get; set; }</a:t>
             </a:r>
           </a:p>
           <a:p>
@@ -9614,7 +9898,7 @@
                 <a:latin typeface="Consolas" pitchFamily="49" charset="0"/>
                 <a:cs typeface="Consolas" pitchFamily="49" charset="0"/>
               </a:rPr>
-              <a:t>   internal int Age { get; set; }</a:t>
+              <a:t>   public int Age { get; set; }</a:t>
             </a:r>
           </a:p>
           <a:p>
@@ -9648,7 +9932,7 @@
         </p:nvSpPr>
         <p:spPr bwMode="auto">
           <a:xfrm>
-            <a:off x="696000" y="5273285"/>
+            <a:off x="696000" y="5229000"/>
             <a:ext cx="6613592" cy="1172160"/>
           </a:xfrm>
           <a:prstGeom prst="rect">
@@ -10139,7 +10423,7 @@
             </a:pPr>
             <a:r>
               <a:rPr lang="en-US" sz="2400" dirty="0"/>
-              <a:t>  public string FirstName { get; private set; }</a:t>
+              <a:t>  public string FirstName { get; set; }</a:t>
             </a:r>
           </a:p>
           <a:p>
@@ -10153,7 +10437,7 @@
             </a:pPr>
             <a:r>
               <a:rPr lang="en-US" sz="2400" dirty="0"/>
-              <a:t>  public string LastName { get; private set; }</a:t>
+              <a:t>  public string LastName { get; set; }</a:t>
             </a:r>
           </a:p>
           <a:p>
@@ -10336,9 +10620,9 @@
                                           </p:stCondLst>
                                         </p:cTn>
                                         <p:tgtEl>
-                                          <p:spTgt spid="6">
+                                          <p:spTgt spid="3">
                                             <p:txEl>
-                                              <p:pRg st="2" end="2"/>
+                                              <p:pRg st="1" end="1"/>
                                             </p:txEl>
                                           </p:spTgt>
                                         </p:tgtEl>
@@ -10372,7 +10656,7 @@
                             </p:stCondLst>
                             <p:childTnLst>
                               <p:par>
-                                <p:cTn id="9" presetID="1" presetClass="entr" presetSubtype="0" fill="hold" nodeType="clickEffect">
+                                <p:cTn id="9" presetID="1" presetClass="entr" presetSubtype="0" fill="hold" grpId="0" nodeType="clickEffect">
                                   <p:stCondLst>
                                     <p:cond delay="0"/>
                                   </p:stCondLst>
@@ -10380,6 +10664,177 @@
                                     <p:set>
                                       <p:cBhvr>
                                         <p:cTn id="10" dur="1" fill="hold">
+                                          <p:stCondLst>
+                                            <p:cond delay="0"/>
+                                          </p:stCondLst>
+                                        </p:cTn>
+                                        <p:tgtEl>
+                                          <p:spTgt spid="6">
+                                            <p:bg/>
+                                          </p:spTgt>
+                                        </p:tgtEl>
+                                        <p:attrNameLst>
+                                          <p:attrName>style.visibility</p:attrName>
+                                        </p:attrNameLst>
+                                      </p:cBhvr>
+                                      <p:to>
+                                        <p:strVal val="visible"/>
+                                      </p:to>
+                                    </p:set>
+                                  </p:childTnLst>
+                                </p:cTn>
+                              </p:par>
+                              <p:par>
+                                <p:cTn id="11" presetID="1" presetClass="entr" presetSubtype="0" fill="hold" nodeType="withEffect">
+                                  <p:stCondLst>
+                                    <p:cond delay="0"/>
+                                  </p:stCondLst>
+                                  <p:childTnLst>
+                                    <p:set>
+                                      <p:cBhvr>
+                                        <p:cTn id="12" dur="1" fill="hold">
+                                          <p:stCondLst>
+                                            <p:cond delay="0"/>
+                                          </p:stCondLst>
+                                        </p:cTn>
+                                        <p:tgtEl>
+                                          <p:spTgt spid="6">
+                                            <p:txEl>
+                                              <p:pRg st="0" end="0"/>
+                                            </p:txEl>
+                                          </p:spTgt>
+                                        </p:tgtEl>
+                                        <p:attrNameLst>
+                                          <p:attrName>style.visibility</p:attrName>
+                                        </p:attrNameLst>
+                                      </p:cBhvr>
+                                      <p:to>
+                                        <p:strVal val="visible"/>
+                                      </p:to>
+                                    </p:set>
+                                  </p:childTnLst>
+                                </p:cTn>
+                              </p:par>
+                              <p:par>
+                                <p:cTn id="13" presetID="1" presetClass="entr" presetSubtype="0" fill="hold" nodeType="withEffect">
+                                  <p:stCondLst>
+                                    <p:cond delay="0"/>
+                                  </p:stCondLst>
+                                  <p:childTnLst>
+                                    <p:set>
+                                      <p:cBhvr>
+                                        <p:cTn id="14" dur="1" fill="hold">
+                                          <p:stCondLst>
+                                            <p:cond delay="0"/>
+                                          </p:stCondLst>
+                                        </p:cTn>
+                                        <p:tgtEl>
+                                          <p:spTgt spid="6">
+                                            <p:txEl>
+                                              <p:pRg st="1" end="1"/>
+                                            </p:txEl>
+                                          </p:spTgt>
+                                        </p:tgtEl>
+                                        <p:attrNameLst>
+                                          <p:attrName>style.visibility</p:attrName>
+                                        </p:attrNameLst>
+                                      </p:cBhvr>
+                                      <p:to>
+                                        <p:strVal val="visible"/>
+                                      </p:to>
+                                    </p:set>
+                                  </p:childTnLst>
+                                </p:cTn>
+                              </p:par>
+                              <p:par>
+                                <p:cTn id="15" presetID="1" presetClass="entr" presetSubtype="0" fill="hold" nodeType="withEffect">
+                                  <p:stCondLst>
+                                    <p:cond delay="0"/>
+                                  </p:stCondLst>
+                                  <p:childTnLst>
+                                    <p:set>
+                                      <p:cBhvr>
+                                        <p:cTn id="16" dur="1" fill="hold">
+                                          <p:stCondLst>
+                                            <p:cond delay="0"/>
+                                          </p:stCondLst>
+                                        </p:cTn>
+                                        <p:tgtEl>
+                                          <p:spTgt spid="6">
+                                            <p:txEl>
+                                              <p:pRg st="8" end="8"/>
+                                            </p:txEl>
+                                          </p:spTgt>
+                                        </p:tgtEl>
+                                        <p:attrNameLst>
+                                          <p:attrName>style.visibility</p:attrName>
+                                        </p:attrNameLst>
+                                      </p:cBhvr>
+                                      <p:to>
+                                        <p:strVal val="visible"/>
+                                      </p:to>
+                                    </p:set>
+                                  </p:childTnLst>
+                                </p:cTn>
+                              </p:par>
+                            </p:childTnLst>
+                          </p:cTn>
+                        </p:par>
+                      </p:childTnLst>
+                    </p:cTn>
+                  </p:par>
+                  <p:par>
+                    <p:cTn id="17" fill="hold">
+                      <p:stCondLst>
+                        <p:cond delay="indefinite"/>
+                      </p:stCondLst>
+                      <p:childTnLst>
+                        <p:par>
+                          <p:cTn id="18" fill="hold">
+                            <p:stCondLst>
+                              <p:cond delay="0"/>
+                            </p:stCondLst>
+                            <p:childTnLst>
+                              <p:par>
+                                <p:cTn id="19" presetID="1" presetClass="entr" presetSubtype="0" fill="hold" nodeType="clickEffect">
+                                  <p:stCondLst>
+                                    <p:cond delay="0"/>
+                                  </p:stCondLst>
+                                  <p:childTnLst>
+                                    <p:set>
+                                      <p:cBhvr>
+                                        <p:cTn id="20" dur="1" fill="hold">
+                                          <p:stCondLst>
+                                            <p:cond delay="0"/>
+                                          </p:stCondLst>
+                                        </p:cTn>
+                                        <p:tgtEl>
+                                          <p:spTgt spid="6">
+                                            <p:txEl>
+                                              <p:pRg st="2" end="2"/>
+                                            </p:txEl>
+                                          </p:spTgt>
+                                        </p:tgtEl>
+                                        <p:attrNameLst>
+                                          <p:attrName>style.visibility</p:attrName>
+                                        </p:attrNameLst>
+                                      </p:cBhvr>
+                                      <p:to>
+                                        <p:strVal val="visible"/>
+                                      </p:to>
+                                    </p:set>
+                                  </p:childTnLst>
+                                </p:cTn>
+                              </p:par>
+                              <p:par>
+                                <p:cTn id="21" presetID="1" presetClass="entr" presetSubtype="0" fill="hold" nodeType="withEffect">
+                                  <p:stCondLst>
+                                    <p:cond delay="0"/>
+                                  </p:stCondLst>
+                                  <p:childTnLst>
+                                    <p:set>
+                                      <p:cBhvr>
+                                        <p:cTn id="22" dur="1" fill="hold">
                                           <p:stCondLst>
                                             <p:cond delay="0"/>
                                           </p:stCondLst>
@@ -10409,26 +10864,26 @@
                     </p:cTn>
                   </p:par>
                   <p:par>
-                    <p:cTn id="11" fill="hold">
+                    <p:cTn id="23" fill="hold">
                       <p:stCondLst>
                         <p:cond delay="indefinite"/>
                       </p:stCondLst>
                       <p:childTnLst>
                         <p:par>
-                          <p:cTn id="12" fill="hold">
+                          <p:cTn id="24" fill="hold">
                             <p:stCondLst>
                               <p:cond delay="0"/>
                             </p:stCondLst>
                             <p:childTnLst>
                               <p:par>
-                                <p:cTn id="13" presetID="1" presetClass="entr" presetSubtype="0" fill="hold" nodeType="clickEffect">
+                                <p:cTn id="25" presetID="1" presetClass="entr" presetSubtype="0" fill="hold" nodeType="clickEffect">
                                   <p:stCondLst>
                                     <p:cond delay="0"/>
                                   </p:stCondLst>
                                   <p:childTnLst>
                                     <p:set>
                                       <p:cBhvr>
-                                        <p:cTn id="14" dur="1" fill="hold">
+                                        <p:cTn id="26" dur="1" fill="hold">
                                           <p:stCondLst>
                                             <p:cond delay="0"/>
                                           </p:stCondLst>
@@ -10451,33 +10906,15 @@
                                   </p:childTnLst>
                                 </p:cTn>
                               </p:par>
-                            </p:childTnLst>
-                          </p:cTn>
-                        </p:par>
-                      </p:childTnLst>
-                    </p:cTn>
-                  </p:par>
-                  <p:par>
-                    <p:cTn id="15" fill="hold">
-                      <p:stCondLst>
-                        <p:cond delay="indefinite"/>
-                      </p:stCondLst>
-                      <p:childTnLst>
-                        <p:par>
-                          <p:cTn id="16" fill="hold">
-                            <p:stCondLst>
-                              <p:cond delay="0"/>
-                            </p:stCondLst>
-                            <p:childTnLst>
                               <p:par>
-                                <p:cTn id="17" presetID="1" presetClass="entr" presetSubtype="0" fill="hold" nodeType="clickEffect">
+                                <p:cTn id="27" presetID="1" presetClass="entr" presetSubtype="0" fill="hold" nodeType="withEffect">
                                   <p:stCondLst>
                                     <p:cond delay="0"/>
                                   </p:stCondLst>
                                   <p:childTnLst>
                                     <p:set>
                                       <p:cBhvr>
-                                        <p:cTn id="18" dur="1" fill="hold">
+                                        <p:cTn id="28" dur="1" fill="hold">
                                           <p:stCondLst>
                                             <p:cond delay="0"/>
                                           </p:stCondLst>
@@ -10501,14 +10938,14 @@
                                 </p:cTn>
                               </p:par>
                               <p:par>
-                                <p:cTn id="19" presetID="1" presetClass="entr" presetSubtype="0" fill="hold" nodeType="withEffect">
+                                <p:cTn id="29" presetID="1" presetClass="entr" presetSubtype="0" fill="hold" nodeType="withEffect">
                                   <p:stCondLst>
                                     <p:cond delay="0"/>
                                   </p:stCondLst>
                                   <p:childTnLst>
                                     <p:set>
                                       <p:cBhvr>
-                                        <p:cTn id="20" dur="1" fill="hold">
+                                        <p:cTn id="30" dur="1" fill="hold">
                                           <p:stCondLst>
                                             <p:cond delay="0"/>
                                           </p:stCondLst>
@@ -10532,14 +10969,14 @@
                                 </p:cTn>
                               </p:par>
                               <p:par>
-                                <p:cTn id="21" presetID="1" presetClass="entr" presetSubtype="0" fill="hold" nodeType="withEffect">
+                                <p:cTn id="31" presetID="1" presetClass="entr" presetSubtype="0" fill="hold" nodeType="withEffect">
                                   <p:stCondLst>
                                     <p:cond delay="0"/>
                                   </p:stCondLst>
                                   <p:childTnLst>
                                     <p:set>
                                       <p:cBhvr>
-                                        <p:cTn id="22" dur="1" fill="hold">
+                                        <p:cTn id="32" dur="1" fill="hold">
                                           <p:stCondLst>
                                             <p:cond delay="0"/>
                                           </p:stCondLst>
@@ -10589,6 +11026,9 @@
         </p:cTn>
       </p:par>
     </p:tnLst>
+    <p:bldLst>
+      <p:bldP spid="6" grpId="0" uiExpand="1" build="allAtOnce" animBg="1"/>
+    </p:bldLst>
   </p:timing>
 </p:sld>
 </file>
@@ -10622,6 +11062,909 @@
         </p:nvSpPr>
         <p:spPr>
           <a:xfrm>
+            <a:off x="111000" y="1196125"/>
+            <a:ext cx="12001598" cy="5427875"/>
+          </a:xfrm>
+        </p:spPr>
+        <p:txBody>
+          <a:bodyPr>
+            <a:normAutofit/>
+          </a:bodyPr>
+          <a:lstStyle/>
+          <a:p>
+            <a:r>
+              <a:rPr lang="bg-BG" sz="3000" dirty="0"/>
+              <a:t>Използвайте класа </a:t>
+            </a:r>
+            <a:r>
+              <a:rPr lang="en-US" sz="3000" b="1" dirty="0">
+                <a:solidFill>
+                  <a:schemeClr val="bg1"/>
+                </a:solidFill>
+                <a:latin typeface="Consolas" panose="020B0609020204030204" pitchFamily="49" charset="0"/>
+                <a:cs typeface="Consolas" panose="020B0609020204030204" pitchFamily="49" charset="0"/>
+              </a:rPr>
+              <a:t>Person</a:t>
+            </a:r>
+            <a:r>
+              <a:rPr lang="en-US" sz="3000" b="1" dirty="0"/>
+              <a:t> </a:t>
+            </a:r>
+            <a:r>
+              <a:rPr lang="bg-BG" sz="3000" dirty="0"/>
+              <a:t>от предишните слайдове</a:t>
+            </a:r>
+            <a:endParaRPr lang="en-US" sz="3000" b="1" dirty="0">
+              <a:solidFill>
+                <a:schemeClr val="bg1"/>
+              </a:solidFill>
+              <a:latin typeface="Calibri" panose="020F0502020204030204" pitchFamily="34" charset="0"/>
+              <a:cs typeface="Calibri" panose="020F0502020204030204" pitchFamily="34" charset="0"/>
+            </a:endParaRPr>
+          </a:p>
+          <a:p>
+            <a:r>
+              <a:rPr lang="bg-BG" sz="3000" dirty="0"/>
+              <a:t>Презапишете метода </a:t>
+            </a:r>
+            <a:r>
+              <a:rPr lang="en-US" sz="3000" b="1" dirty="0">
+                <a:latin typeface="Consolas" panose="020B0609020204030204" pitchFamily="49" charset="0"/>
+                <a:cs typeface="Consolas" panose="020B0609020204030204" pitchFamily="49" charset="0"/>
+              </a:rPr>
+              <a:t>ToString()</a:t>
+            </a:r>
+          </a:p>
+          <a:p>
+            <a:r>
+              <a:rPr lang="bg-BG" sz="3000" dirty="0">
+                <a:latin typeface="Calibri" panose="020F0502020204030204" pitchFamily="34" charset="0"/>
+                <a:cs typeface="Calibri" panose="020F0502020204030204" pitchFamily="34" charset="0"/>
+              </a:rPr>
+              <a:t>Методът трябва да връща информацията за човека в следния формат:</a:t>
+            </a:r>
+          </a:p>
+          <a:p>
+            <a:pPr lvl="1"/>
+            <a:r>
+              <a:rPr lang="en-US" sz="2800" b="1" dirty="0"/>
+              <a:t>"{</a:t>
+            </a:r>
+            <a:r>
+              <a:rPr lang="bg-BG" sz="2800" b="1" dirty="0"/>
+              <a:t>първо име</a:t>
+            </a:r>
+            <a:r>
+              <a:rPr lang="en-US" sz="2800" b="1" dirty="0"/>
+              <a:t>} {</a:t>
+            </a:r>
+            <a:r>
+              <a:rPr lang="bg-BG" sz="2800" b="1" dirty="0"/>
+              <a:t>фамилно име</a:t>
+            </a:r>
+            <a:r>
+              <a:rPr lang="en-US" sz="2800" b="1" dirty="0"/>
+              <a:t>} is {</a:t>
+            </a:r>
+            <a:r>
+              <a:rPr lang="bg-BG" sz="2800" b="1" dirty="0"/>
+              <a:t>възраст</a:t>
+            </a:r>
+            <a:r>
+              <a:rPr lang="en-US" sz="2800" b="1" dirty="0"/>
+              <a:t>} years old."</a:t>
+            </a:r>
+            <a:endParaRPr lang="en-BG" sz="2800" b="1" dirty="0"/>
+          </a:p>
+          <a:p>
+            <a:pPr marL="442912" lvl="1" indent="0">
+              <a:buNone/>
+            </a:pPr>
+            <a:endParaRPr lang="en-US" sz="2900" dirty="0">
+              <a:latin typeface="Calibri" panose="020F0502020204030204" pitchFamily="34" charset="0"/>
+              <a:cs typeface="Calibri" panose="020F0502020204030204" pitchFamily="34" charset="0"/>
+            </a:endParaRPr>
+          </a:p>
+        </p:txBody>
+      </p:sp>
+      <p:sp>
+        <p:nvSpPr>
+          <p:cNvPr id="4" name="Title 3"/>
+          <p:cNvSpPr>
+            <a:spLocks noGrp="1"/>
+          </p:cNvSpPr>
+          <p:nvPr>
+            <p:ph type="title"/>
+          </p:nvPr>
+        </p:nvSpPr>
+        <p:spPr/>
+        <p:txBody>
+          <a:bodyPr>
+            <a:normAutofit fontScale="90000"/>
+          </a:bodyPr>
+          <a:lstStyle/>
+          <a:p>
+            <a:r>
+              <a:rPr lang="bg-BG" dirty="0"/>
+              <a:t>Задача</a:t>
+            </a:r>
+            <a:r>
+              <a:rPr lang="en-US" dirty="0"/>
+              <a:t>:</a:t>
+            </a:r>
+            <a:r>
+              <a:rPr lang="bg-BG" dirty="0"/>
+              <a:t> Отпечатване на информация за човек</a:t>
+            </a:r>
+            <a:endParaRPr lang="en-US" dirty="0"/>
+          </a:p>
+        </p:txBody>
+      </p:sp>
+      <p:sp>
+        <p:nvSpPr>
+          <p:cNvPr id="25" name="Rectangle 3"/>
+          <p:cNvSpPr>
+            <a:spLocks noChangeArrowheads="1"/>
+          </p:cNvSpPr>
+          <p:nvPr/>
+        </p:nvSpPr>
+        <p:spPr bwMode="auto">
+          <a:xfrm>
+            <a:off x="2963819" y="3910062"/>
+            <a:ext cx="6295960" cy="602774"/>
+          </a:xfrm>
+          <a:prstGeom prst="rect">
+            <a:avLst/>
+          </a:prstGeom>
+          <a:solidFill>
+            <a:schemeClr val="accent6">
+              <a:lumMod val="75000"/>
+              <a:alpha val="15000"/>
+            </a:schemeClr>
+          </a:solidFill>
+          <a:ln w="12700">
+            <a:solidFill>
+              <a:schemeClr val="tx1">
+                <a:lumMod val="50000"/>
+              </a:schemeClr>
+            </a:solidFill>
+          </a:ln>
+        </p:spPr>
+        <p:txBody>
+          <a:bodyPr vert="horz" wrap="square" lIns="143963" tIns="107972" rIns="143963" bIns="107972" rtlCol="0" anchor="ctr">
+            <a:spAutoFit/>
+          </a:bodyPr>
+          <a:lstStyle/>
+          <a:p>
+            <a:pPr defTabSz="1218438" latinLnBrk="1">
+              <a:spcBef>
+                <a:spcPts val="600"/>
+              </a:spcBef>
+              <a:spcAft>
+                <a:spcPts val="600"/>
+              </a:spcAft>
+              <a:buFont typeface="Wingdings" panose="05000000000000000000" pitchFamily="2" charset="2"/>
+              <a:buNone/>
+            </a:pPr>
+            <a:r>
+              <a:rPr lang="en-US" sz="2500" b="1" noProof="1">
+                <a:latin typeface="Consolas" pitchFamily="49" charset="0"/>
+                <a:cs typeface="Consolas" pitchFamily="49" charset="0"/>
+              </a:rPr>
+              <a:t>Person</a:t>
+            </a:r>
+          </a:p>
+        </p:txBody>
+      </p:sp>
+      <p:sp>
+        <p:nvSpPr>
+          <p:cNvPr id="27" name="Rectangle 4"/>
+          <p:cNvSpPr>
+            <a:spLocks noChangeArrowheads="1"/>
+          </p:cNvSpPr>
+          <p:nvPr/>
+        </p:nvSpPr>
+        <p:spPr bwMode="auto">
+          <a:xfrm>
+            <a:off x="2963819" y="4538111"/>
+            <a:ext cx="6295960" cy="1916338"/>
+          </a:xfrm>
+          <a:prstGeom prst="rect">
+            <a:avLst/>
+          </a:prstGeom>
+          <a:solidFill>
+            <a:schemeClr val="accent6">
+              <a:lumMod val="75000"/>
+              <a:alpha val="15000"/>
+            </a:schemeClr>
+          </a:solidFill>
+          <a:ln w="12700">
+            <a:solidFill>
+              <a:schemeClr val="tx1">
+                <a:lumMod val="50000"/>
+              </a:schemeClr>
+            </a:solidFill>
+          </a:ln>
+        </p:spPr>
+        <p:txBody>
+          <a:bodyPr vert="horz" wrap="square" lIns="143963" tIns="107972" rIns="143963" bIns="107972" rtlCol="0">
+            <a:spAutoFit/>
+          </a:bodyPr>
+          <a:lstStyle/>
+          <a:p>
+            <a:pPr defTabSz="1218438" latinLnBrk="1">
+              <a:lnSpc>
+                <a:spcPct val="80000"/>
+              </a:lnSpc>
+              <a:spcBef>
+                <a:spcPts val="600"/>
+              </a:spcBef>
+              <a:spcAft>
+                <a:spcPts val="600"/>
+              </a:spcAft>
+              <a:buFont typeface="Wingdings" panose="05000000000000000000" pitchFamily="2" charset="2"/>
+              <a:buNone/>
+            </a:pPr>
+            <a:r>
+              <a:rPr lang="en-US" sz="2500" b="1" noProof="1">
+                <a:latin typeface="Consolas" pitchFamily="49" charset="0"/>
+                <a:cs typeface="Consolas" pitchFamily="49" charset="0"/>
+              </a:rPr>
+              <a:t>+FirstName: string</a:t>
+            </a:r>
+          </a:p>
+          <a:p>
+            <a:pPr defTabSz="1218438" latinLnBrk="1">
+              <a:lnSpc>
+                <a:spcPct val="80000"/>
+              </a:lnSpc>
+              <a:spcBef>
+                <a:spcPts val="600"/>
+              </a:spcBef>
+              <a:spcAft>
+                <a:spcPts val="600"/>
+              </a:spcAft>
+            </a:pPr>
+            <a:r>
+              <a:rPr lang="en-US" sz="2500" b="1" noProof="1">
+                <a:latin typeface="Consolas" pitchFamily="49" charset="0"/>
+                <a:cs typeface="Consolas" pitchFamily="49" charset="0"/>
+              </a:rPr>
+              <a:t>+LasName: string</a:t>
+            </a:r>
+          </a:p>
+          <a:p>
+            <a:pPr defTabSz="1218438" latinLnBrk="1">
+              <a:lnSpc>
+                <a:spcPct val="80000"/>
+              </a:lnSpc>
+              <a:spcBef>
+                <a:spcPts val="600"/>
+              </a:spcBef>
+              <a:spcAft>
+                <a:spcPts val="600"/>
+              </a:spcAft>
+              <a:buFont typeface="Wingdings" panose="05000000000000000000" pitchFamily="2" charset="2"/>
+              <a:buNone/>
+            </a:pPr>
+            <a:r>
+              <a:rPr lang="en-US" sz="2500" b="1" noProof="1">
+                <a:latin typeface="Consolas" pitchFamily="49" charset="0"/>
+                <a:cs typeface="Consolas" pitchFamily="49" charset="0"/>
+              </a:rPr>
+              <a:t>+Age: int</a:t>
+            </a:r>
+          </a:p>
+          <a:p>
+            <a:pPr defTabSz="1218438" latinLnBrk="1">
+              <a:lnSpc>
+                <a:spcPct val="80000"/>
+              </a:lnSpc>
+              <a:spcBef>
+                <a:spcPts val="600"/>
+              </a:spcBef>
+              <a:spcAft>
+                <a:spcPts val="600"/>
+              </a:spcAft>
+              <a:buFont typeface="Wingdings" panose="05000000000000000000" pitchFamily="2" charset="2"/>
+              <a:buNone/>
+            </a:pPr>
+            <a:r>
+              <a:rPr lang="en-US" sz="2500" b="1" noProof="1">
+                <a:latin typeface="Consolas" pitchFamily="49" charset="0"/>
+                <a:cs typeface="Consolas" pitchFamily="49" charset="0"/>
+              </a:rPr>
+              <a:t>+ToString(): string</a:t>
+            </a:r>
+          </a:p>
+        </p:txBody>
+      </p:sp>
+      <p:sp>
+        <p:nvSpPr>
+          <p:cNvPr id="6" name="TextBox 5"/>
+          <p:cNvSpPr txBox="1"/>
+          <p:nvPr/>
+        </p:nvSpPr>
+        <p:spPr>
+          <a:xfrm>
+            <a:off x="3106464" y="3453110"/>
+            <a:ext cx="184731" cy="523220"/>
+          </a:xfrm>
+          <a:prstGeom prst="rect">
+            <a:avLst/>
+          </a:prstGeom>
+          <a:noFill/>
+        </p:spPr>
+        <p:txBody>
+          <a:bodyPr wrap="none" rtlCol="0">
+            <a:spAutoFit/>
+          </a:bodyPr>
+          <a:lstStyle/>
+          <a:p>
+            <a:endParaRPr lang="bg-BG" sz="2800" dirty="0"/>
+          </a:p>
+        </p:txBody>
+      </p:sp>
+      <p:sp>
+        <p:nvSpPr>
+          <p:cNvPr id="2" name="Slide Number">
+            <a:extLst>
+              <a:ext uri="{FF2B5EF4-FFF2-40B4-BE49-F238E27FC236}">
+                <a16:creationId xmlns:a16="http://schemas.microsoft.com/office/drawing/2014/main" id="{D6ED52E5-C452-B1E6-C497-3DA9868BA547}"/>
+              </a:ext>
+            </a:extLst>
+          </p:cNvPr>
+          <p:cNvSpPr>
+            <a:spLocks noGrp="1"/>
+          </p:cNvSpPr>
+          <p:nvPr>
+            <p:ph type="sldNum" sz="quarter" idx="5"/>
+          </p:nvPr>
+        </p:nvSpPr>
+        <p:spPr>
+          <a:xfrm>
+            <a:off x="11753030" y="6507000"/>
+            <a:ext cx="367414" cy="297000"/>
+          </a:xfrm>
+          <a:prstGeom prst="rect">
+            <a:avLst/>
+          </a:prstGeom>
+        </p:spPr>
+        <p:txBody>
+          <a:bodyPr vert="horz" lIns="91440" tIns="45720" rIns="91440" bIns="45720" rtlCol="0" anchor="b"/>
+          <a:lstStyle>
+            <a:lvl1pPr algn="r">
+              <a:defRPr sz="1000"/>
+            </a:lvl1pPr>
+          </a:lstStyle>
+          <a:p>
+            <a:fld id="{2BF067CD-8E6B-4360-9AA8-C5DF2A48A6D1}" type="slidenum">
+              <a:rPr lang="en-US" noProof="0" smtClean="0"/>
+              <a:pPr/>
+              <a:t>12</a:t>
+            </a:fld>
+            <a:endParaRPr lang="en-US" noProof="0" dirty="0"/>
+          </a:p>
+        </p:txBody>
+      </p:sp>
+    </p:spTree>
+    <p:extLst>
+      <p:ext uri="{BB962C8B-B14F-4D97-AF65-F5344CB8AC3E}">
+        <p14:creationId xmlns:p14="http://schemas.microsoft.com/office/powerpoint/2010/main" val="2394450349"/>
+      </p:ext>
+    </p:extLst>
+  </p:cSld>
+  <p:clrMapOvr>
+    <a:masterClrMapping/>
+  </p:clrMapOvr>
+  <mc:AlternateContent xmlns:mc="http://schemas.openxmlformats.org/markup-compatibility/2006" xmlns:p14="http://schemas.microsoft.com/office/powerpoint/2010/main">
+    <mc:Choice Requires="p14">
+      <p:transition p14:dur="0" advClick="0" advTm="5000"/>
+    </mc:Choice>
+    <mc:Fallback xmlns="">
+      <p:transition advClick="0" advTm="5000"/>
+    </mc:Fallback>
+  </mc:AlternateContent>
+  <p:timing>
+    <p:tnLst>
+      <p:par>
+        <p:cTn id="1" dur="indefinite" restart="never" nodeType="tmRoot">
+          <p:childTnLst>
+            <p:seq concurrent="1" nextAc="seek">
+              <p:cTn id="2" dur="indefinite" nodeType="mainSeq">
+                <p:childTnLst>
+                  <p:par>
+                    <p:cTn id="3" fill="hold">
+                      <p:stCondLst>
+                        <p:cond delay="indefinite"/>
+                      </p:stCondLst>
+                      <p:childTnLst>
+                        <p:par>
+                          <p:cTn id="4" fill="hold">
+                            <p:stCondLst>
+                              <p:cond delay="0"/>
+                            </p:stCondLst>
+                            <p:childTnLst>
+                              <p:par>
+                                <p:cTn id="5" presetID="1" presetClass="entr" presetSubtype="0" fill="hold" nodeType="clickEffect">
+                                  <p:stCondLst>
+                                    <p:cond delay="0"/>
+                                  </p:stCondLst>
+                                  <p:childTnLst>
+                                    <p:set>
+                                      <p:cBhvr>
+                                        <p:cTn id="6" dur="1" fill="hold">
+                                          <p:stCondLst>
+                                            <p:cond delay="0"/>
+                                          </p:stCondLst>
+                                        </p:cTn>
+                                        <p:tgtEl>
+                                          <p:spTgt spid="3">
+                                            <p:txEl>
+                                              <p:pRg st="1" end="1"/>
+                                            </p:txEl>
+                                          </p:spTgt>
+                                        </p:tgtEl>
+                                        <p:attrNameLst>
+                                          <p:attrName>style.visibility</p:attrName>
+                                        </p:attrNameLst>
+                                      </p:cBhvr>
+                                      <p:to>
+                                        <p:strVal val="visible"/>
+                                      </p:to>
+                                    </p:set>
+                                  </p:childTnLst>
+                                </p:cTn>
+                              </p:par>
+                            </p:childTnLst>
+                          </p:cTn>
+                        </p:par>
+                      </p:childTnLst>
+                    </p:cTn>
+                  </p:par>
+                  <p:par>
+                    <p:cTn id="7" fill="hold">
+                      <p:stCondLst>
+                        <p:cond delay="indefinite"/>
+                      </p:stCondLst>
+                      <p:childTnLst>
+                        <p:par>
+                          <p:cTn id="8" fill="hold">
+                            <p:stCondLst>
+                              <p:cond delay="0"/>
+                            </p:stCondLst>
+                            <p:childTnLst>
+                              <p:par>
+                                <p:cTn id="9" presetID="1" presetClass="entr" presetSubtype="0" fill="hold" nodeType="clickEffect">
+                                  <p:stCondLst>
+                                    <p:cond delay="0"/>
+                                  </p:stCondLst>
+                                  <p:childTnLst>
+                                    <p:set>
+                                      <p:cBhvr>
+                                        <p:cTn id="10" dur="1" fill="hold">
+                                          <p:stCondLst>
+                                            <p:cond delay="0"/>
+                                          </p:stCondLst>
+                                        </p:cTn>
+                                        <p:tgtEl>
+                                          <p:spTgt spid="27">
+                                            <p:txEl>
+                                              <p:pRg st="3" end="3"/>
+                                            </p:txEl>
+                                          </p:spTgt>
+                                        </p:tgtEl>
+                                        <p:attrNameLst>
+                                          <p:attrName>style.visibility</p:attrName>
+                                        </p:attrNameLst>
+                                      </p:cBhvr>
+                                      <p:to>
+                                        <p:strVal val="visible"/>
+                                      </p:to>
+                                    </p:set>
+                                  </p:childTnLst>
+                                </p:cTn>
+                              </p:par>
+                            </p:childTnLst>
+                          </p:cTn>
+                        </p:par>
+                      </p:childTnLst>
+                    </p:cTn>
+                  </p:par>
+                  <p:par>
+                    <p:cTn id="11" fill="hold">
+                      <p:stCondLst>
+                        <p:cond delay="indefinite"/>
+                      </p:stCondLst>
+                      <p:childTnLst>
+                        <p:par>
+                          <p:cTn id="12" fill="hold">
+                            <p:stCondLst>
+                              <p:cond delay="0"/>
+                            </p:stCondLst>
+                            <p:childTnLst>
+                              <p:par>
+                                <p:cTn id="13" presetID="1" presetClass="entr" presetSubtype="0" fill="hold" nodeType="clickEffect">
+                                  <p:stCondLst>
+                                    <p:cond delay="0"/>
+                                  </p:stCondLst>
+                                  <p:childTnLst>
+                                    <p:set>
+                                      <p:cBhvr>
+                                        <p:cTn id="14" dur="1" fill="hold">
+                                          <p:stCondLst>
+                                            <p:cond delay="0"/>
+                                          </p:stCondLst>
+                                        </p:cTn>
+                                        <p:tgtEl>
+                                          <p:spTgt spid="3">
+                                            <p:txEl>
+                                              <p:pRg st="2" end="2"/>
+                                            </p:txEl>
+                                          </p:spTgt>
+                                        </p:tgtEl>
+                                        <p:attrNameLst>
+                                          <p:attrName>style.visibility</p:attrName>
+                                        </p:attrNameLst>
+                                      </p:cBhvr>
+                                      <p:to>
+                                        <p:strVal val="visible"/>
+                                      </p:to>
+                                    </p:set>
+                                  </p:childTnLst>
+                                </p:cTn>
+                              </p:par>
+                              <p:par>
+                                <p:cTn id="15" presetID="1" presetClass="entr" presetSubtype="0" fill="hold" nodeType="withEffect">
+                                  <p:stCondLst>
+                                    <p:cond delay="0"/>
+                                  </p:stCondLst>
+                                  <p:childTnLst>
+                                    <p:set>
+                                      <p:cBhvr>
+                                        <p:cTn id="16" dur="1" fill="hold">
+                                          <p:stCondLst>
+                                            <p:cond delay="0"/>
+                                          </p:stCondLst>
+                                        </p:cTn>
+                                        <p:tgtEl>
+                                          <p:spTgt spid="3">
+                                            <p:txEl>
+                                              <p:pRg st="3" end="3"/>
+                                            </p:txEl>
+                                          </p:spTgt>
+                                        </p:tgtEl>
+                                        <p:attrNameLst>
+                                          <p:attrName>style.visibility</p:attrName>
+                                        </p:attrNameLst>
+                                      </p:cBhvr>
+                                      <p:to>
+                                        <p:strVal val="visible"/>
+                                      </p:to>
+                                    </p:set>
+                                  </p:childTnLst>
+                                </p:cTn>
+                              </p:par>
+                            </p:childTnLst>
+                          </p:cTn>
+                        </p:par>
+                      </p:childTnLst>
+                    </p:cTn>
+                  </p:par>
+                </p:childTnLst>
+              </p:cTn>
+              <p:prevCondLst>
+                <p:cond evt="onPrev" delay="0">
+                  <p:tgtEl>
+                    <p:sldTgt/>
+                  </p:tgtEl>
+                </p:cond>
+              </p:prevCondLst>
+              <p:nextCondLst>
+                <p:cond evt="onNext" delay="0">
+                  <p:tgtEl>
+                    <p:sldTgt/>
+                  </p:tgtEl>
+                </p:cond>
+              </p:nextCondLst>
+            </p:seq>
+          </p:childTnLst>
+        </p:cTn>
+      </p:par>
+    </p:tnLst>
+  </p:timing>
+</p:sld>
+</file>
+
+<file path=ppt/slides/slide13.xml><?xml version="1.0" encoding="utf-8"?>
+<p:sld xmlns:a="http://schemas.openxmlformats.org/drawingml/2006/main" xmlns:r="http://schemas.openxmlformats.org/officeDocument/2006/relationships" xmlns:p="http://schemas.openxmlformats.org/presentationml/2006/main">
+  <p:cSld>
+    <p:spTree>
+      <p:nvGrpSpPr>
+        <p:cNvPr id="1" name=""/>
+        <p:cNvGrpSpPr/>
+        <p:nvPr/>
+      </p:nvGrpSpPr>
+      <p:grpSpPr>
+        <a:xfrm>
+          <a:off x="0" y="0"/>
+          <a:ext cx="0" cy="0"/>
+          <a:chOff x="0" y="0"/>
+          <a:chExt cx="0" cy="0"/>
+        </a:xfrm>
+      </p:grpSpPr>
+      <p:sp>
+        <p:nvSpPr>
+          <p:cNvPr id="4" name="Title 3"/>
+          <p:cNvSpPr>
+            <a:spLocks noGrp="1"/>
+          </p:cNvSpPr>
+          <p:nvPr>
+            <p:ph type="title"/>
+          </p:nvPr>
+        </p:nvSpPr>
+        <p:spPr/>
+        <p:txBody>
+          <a:bodyPr>
+            <a:normAutofit fontScale="90000"/>
+          </a:bodyPr>
+          <a:lstStyle/>
+          <a:p>
+            <a:r>
+              <a:rPr lang="bg-BG" dirty="0"/>
+              <a:t>Решение</a:t>
+            </a:r>
+            <a:r>
+              <a:rPr lang="en-US" dirty="0"/>
+              <a:t>:</a:t>
+            </a:r>
+            <a:r>
+              <a:rPr lang="bg-BG" dirty="0"/>
+              <a:t> Отпечатване на информация за човек</a:t>
+            </a:r>
+            <a:endParaRPr lang="en-US" dirty="0"/>
+          </a:p>
+        </p:txBody>
+      </p:sp>
+      <p:sp>
+        <p:nvSpPr>
+          <p:cNvPr id="5" name="Text Placeholder 5"/>
+          <p:cNvSpPr txBox="1">
+            <a:spLocks/>
+          </p:cNvSpPr>
+          <p:nvPr/>
+        </p:nvSpPr>
+        <p:spPr>
+          <a:xfrm>
+            <a:off x="873670" y="2447895"/>
+            <a:ext cx="10365284" cy="2403266"/>
+          </a:xfrm>
+          <a:prstGeom prst="rect">
+            <a:avLst/>
+          </a:prstGeom>
+          <a:solidFill>
+            <a:schemeClr val="accent6">
+              <a:lumMod val="75000"/>
+              <a:alpha val="15000"/>
+            </a:schemeClr>
+          </a:solidFill>
+          <a:ln w="12700">
+            <a:solidFill>
+              <a:schemeClr val="tx1">
+                <a:lumMod val="50000"/>
+              </a:schemeClr>
+            </a:solidFill>
+          </a:ln>
+        </p:spPr>
+        <p:txBody>
+          <a:bodyPr vert="horz" wrap="square" lIns="143963" tIns="107972" rIns="143963" bIns="107972" rtlCol="0">
+            <a:spAutoFit/>
+          </a:bodyPr>
+          <a:lstStyle>
+            <a:defPPr>
+              <a:defRPr lang="en-US"/>
+            </a:defPPr>
+            <a:lvl1pPr defTabSz="1218438" latinLnBrk="1">
+              <a:spcBef>
+                <a:spcPts val="600"/>
+              </a:spcBef>
+              <a:spcAft>
+                <a:spcPts val="600"/>
+              </a:spcAft>
+              <a:buFont typeface="Wingdings" panose="05000000000000000000" pitchFamily="2" charset="2"/>
+              <a:buNone/>
+              <a:defRPr sz="2397" b="1">
+                <a:latin typeface="Consolas" pitchFamily="49" charset="0"/>
+                <a:cs typeface="Consolas" pitchFamily="49" charset="0"/>
+              </a:defRPr>
+            </a:lvl1pPr>
+          </a:lstStyle>
+          <a:p>
+            <a:r>
+              <a:rPr lang="en-US" sz="2800" dirty="0"/>
+              <a:t>public override string </a:t>
+            </a:r>
+            <a:r>
+              <a:rPr lang="en-US" sz="2800" noProof="1">
+                <a:solidFill>
+                  <a:schemeClr val="bg1"/>
+                </a:solidFill>
+              </a:rPr>
+              <a:t>ToString</a:t>
+            </a:r>
+            <a:r>
+              <a:rPr lang="en-US" sz="2800" noProof="1"/>
+              <a:t>(</a:t>
+            </a:r>
+            <a:r>
+              <a:rPr lang="en-US" sz="2800" dirty="0"/>
+              <a:t>)</a:t>
+            </a:r>
+          </a:p>
+          <a:p>
+            <a:r>
+              <a:rPr lang="en-US" sz="2800" dirty="0"/>
+              <a:t>{</a:t>
+            </a:r>
+          </a:p>
+          <a:p>
+            <a:r>
+              <a:rPr lang="en-US" sz="2800" dirty="0"/>
+              <a:t>    return </a:t>
+            </a:r>
+            <a:r>
+              <a:rPr lang="en-GB" dirty="0"/>
+              <a:t>$"{FirstName} {LastName} is {Age} years old."</a:t>
+            </a:r>
+            <a:endParaRPr lang="en-US" sz="2800" dirty="0"/>
+          </a:p>
+          <a:p>
+            <a:r>
+              <a:rPr lang="en-GB" sz="2800" dirty="0"/>
+              <a:t>}</a:t>
+            </a:r>
+          </a:p>
+        </p:txBody>
+      </p:sp>
+      <p:sp>
+        <p:nvSpPr>
+          <p:cNvPr id="12" name="TextBox 11">
+            <a:extLst>
+              <a:ext uri="{FF2B5EF4-FFF2-40B4-BE49-F238E27FC236}">
+                <a16:creationId xmlns:a16="http://schemas.microsoft.com/office/drawing/2014/main" id="{4AB8A266-C711-4ACA-9506-1AE3009F7CDD}"/>
+              </a:ext>
+            </a:extLst>
+          </p:cNvPr>
+          <p:cNvSpPr txBox="1"/>
+          <p:nvPr/>
+        </p:nvSpPr>
+        <p:spPr>
+          <a:xfrm>
+            <a:off x="760412" y="6315652"/>
+            <a:ext cx="10591800" cy="369332"/>
+          </a:xfrm>
+          <a:prstGeom prst="rect">
+            <a:avLst/>
+          </a:prstGeom>
+          <a:noFill/>
+        </p:spPr>
+        <p:txBody>
+          <a:bodyPr wrap="square" rtlCol="0">
+            <a:spAutoFit/>
+          </a:bodyPr>
+          <a:lstStyle/>
+          <a:p>
+            <a:pPr algn="ctr"/>
+            <a:r>
+              <a:rPr lang="bg-BG" dirty="0"/>
+              <a:t>Проверете решението си тук</a:t>
+            </a:r>
+            <a:r>
+              <a:rPr lang="en-US" dirty="0"/>
+              <a:t>: </a:t>
+            </a:r>
+            <a:r>
+              <a:rPr lang="en-US" dirty="0">
+                <a:hlinkClick r:id="rId2"/>
+              </a:rPr>
+              <a:t>https://judge.softuni.org/Contests/Practice/Index/4062#1</a:t>
+            </a:r>
+            <a:endParaRPr lang="en-US" dirty="0"/>
+          </a:p>
+        </p:txBody>
+      </p:sp>
+      <p:sp>
+        <p:nvSpPr>
+          <p:cNvPr id="2" name="Slide Number">
+            <a:extLst>
+              <a:ext uri="{FF2B5EF4-FFF2-40B4-BE49-F238E27FC236}">
+                <a16:creationId xmlns:a16="http://schemas.microsoft.com/office/drawing/2014/main" id="{7132B9AF-3ACF-18B2-5577-72D617CCE8A1}"/>
+              </a:ext>
+            </a:extLst>
+          </p:cNvPr>
+          <p:cNvSpPr>
+            <a:spLocks noGrp="1"/>
+          </p:cNvSpPr>
+          <p:nvPr>
+            <p:ph type="sldNum" sz="quarter" idx="5"/>
+          </p:nvPr>
+        </p:nvSpPr>
+        <p:spPr>
+          <a:xfrm>
+            <a:off x="11753030" y="6507000"/>
+            <a:ext cx="367414" cy="297000"/>
+          </a:xfrm>
+          <a:prstGeom prst="rect">
+            <a:avLst/>
+          </a:prstGeom>
+        </p:spPr>
+        <p:txBody>
+          <a:bodyPr vert="horz" lIns="91440" tIns="45720" rIns="91440" bIns="45720" rtlCol="0" anchor="b"/>
+          <a:lstStyle>
+            <a:lvl1pPr algn="r">
+              <a:defRPr sz="1000"/>
+            </a:lvl1pPr>
+          </a:lstStyle>
+          <a:p>
+            <a:fld id="{2BF067CD-8E6B-4360-9AA8-C5DF2A48A6D1}" type="slidenum">
+              <a:rPr lang="en-US" noProof="0" smtClean="0"/>
+              <a:pPr/>
+              <a:t>13</a:t>
+            </a:fld>
+            <a:endParaRPr lang="en-US" noProof="0" dirty="0"/>
+          </a:p>
+        </p:txBody>
+      </p:sp>
+    </p:spTree>
+    <p:extLst>
+      <p:ext uri="{BB962C8B-B14F-4D97-AF65-F5344CB8AC3E}">
+        <p14:creationId xmlns:p14="http://schemas.microsoft.com/office/powerpoint/2010/main" val="2145017359"/>
+      </p:ext>
+    </p:extLst>
+  </p:cSld>
+  <p:clrMapOvr>
+    <a:masterClrMapping/>
+  </p:clrMapOvr>
+  <mc:AlternateContent xmlns:mc="http://schemas.openxmlformats.org/markup-compatibility/2006" xmlns:p14="http://schemas.microsoft.com/office/powerpoint/2010/main">
+    <mc:Choice Requires="p14">
+      <p:transition p14:dur="0" advClick="0" advTm="5000"/>
+    </mc:Choice>
+    <mc:Fallback xmlns="">
+      <p:transition advClick="0" advTm="5000"/>
+    </mc:Fallback>
+  </mc:AlternateContent>
+</p:sld>
+</file>
+
+<file path=ppt/slides/slide14.xml><?xml version="1.0" encoding="utf-8"?>
+<p:sld xmlns:a="http://schemas.openxmlformats.org/drawingml/2006/main" xmlns:r="http://schemas.openxmlformats.org/officeDocument/2006/relationships" xmlns:p="http://schemas.openxmlformats.org/presentationml/2006/main">
+  <p:cSld>
+    <p:spTree>
+      <p:nvGrpSpPr>
+        <p:cNvPr id="1" name=""/>
+        <p:cNvGrpSpPr/>
+        <p:nvPr/>
+      </p:nvGrpSpPr>
+      <p:grpSpPr>
+        <a:xfrm>
+          <a:off x="0" y="0"/>
+          <a:ext cx="0" cy="0"/>
+          <a:chOff x="0" y="0"/>
+          <a:chExt cx="0" cy="0"/>
+        </a:xfrm>
+      </p:grpSpPr>
+      <p:sp>
+        <p:nvSpPr>
+          <p:cNvPr id="3" name="Content Placeholder 2"/>
+          <p:cNvSpPr>
+            <a:spLocks noGrp="1"/>
+          </p:cNvSpPr>
+          <p:nvPr>
+            <p:ph type="body" sz="quarter" idx="10"/>
+          </p:nvPr>
+        </p:nvSpPr>
+        <p:spPr>
+          <a:xfrm>
             <a:off x="190402" y="1196125"/>
             <a:ext cx="11818096" cy="5427875"/>
           </a:xfrm>
@@ -10634,11 +11977,7 @@
           <a:p>
             <a:r>
               <a:rPr lang="bg-BG" sz="3100" dirty="0"/>
-              <a:t>Разширете дадения в предишните слайдове клас</a:t>
-            </a:r>
-            <a:r>
-              <a:rPr lang="en-US" sz="3100" dirty="0"/>
-              <a:t> </a:t>
+              <a:t>Разширете класа </a:t>
             </a:r>
             <a:r>
               <a:rPr lang="en-US" sz="3100" b="1" dirty="0">
@@ -10650,12 +11989,8 @@
               <a:t>Person</a:t>
             </a:r>
             <a:r>
-              <a:rPr lang="en-US" sz="3100" dirty="0"/>
-              <a:t> </a:t>
-            </a:r>
-            <a:r>
               <a:rPr lang="bg-BG" sz="3100" dirty="0"/>
-              <a:t>със</a:t>
+              <a:t>, като добавите</a:t>
             </a:r>
             <a:r>
               <a:rPr lang="en-US" sz="3100" dirty="0"/>
@@ -10695,7 +12030,23 @@
             </a:r>
             <a:r>
               <a:rPr lang="en-US" sz="3100" dirty="0"/>
-              <a:t> getter </a:t>
+              <a:t> </a:t>
+            </a:r>
+            <a:r>
+              <a:rPr lang="en-US" sz="3100" b="1" dirty="0"/>
+              <a:t>getter</a:t>
+            </a:r>
+            <a:r>
+              <a:rPr lang="bg-BG" sz="3100" dirty="0"/>
+              <a:t> и </a:t>
+            </a:r>
+            <a:r>
+              <a:rPr lang="bg-BG" sz="3100" b="1" dirty="0"/>
+              <a:t>частен </a:t>
+            </a:r>
+            <a:r>
+              <a:rPr lang="en-US" sz="3100" b="1" dirty="0"/>
+              <a:t>setter </a:t>
             </a:r>
             <a:r>
               <a:rPr lang="bg-BG" sz="3100" dirty="0"/>
@@ -10772,34 +12123,47 @@
             <a:endParaRPr lang="en-US" sz="3100" dirty="0"/>
           </a:p>
           <a:p>
-            <a:r>
-              <a:rPr lang="bg-BG" sz="3100" dirty="0"/>
-              <a:t>Хора, по-млади от 30, получават </a:t>
-            </a:r>
-          </a:p>
-          <a:p>
-            <a:pPr marL="0" indent="0">
-              <a:spcBef>
-                <a:spcPts val="0"/>
-              </a:spcBef>
-              <a:spcAft>
-                <a:spcPts val="0"/>
-              </a:spcAft>
-              <a:buNone/>
-            </a:pPr>
-            <a:r>
-              <a:rPr lang="bg-BG" sz="3100" dirty="0"/>
-              <a:t>половината от стандартното </a:t>
-            </a:r>
+            <a:pPr lvl="1"/>
+            <a:r>
+              <a:rPr lang="bg-BG" sz="2900" dirty="0"/>
+              <a:t>Хора, </a:t>
+            </a:r>
+            <a:r>
+              <a:rPr lang="bg-BG" sz="2900" b="1" dirty="0"/>
+              <a:t>по-млади от 30</a:t>
+            </a:r>
+            <a:r>
+              <a:rPr lang="bg-BG" sz="2900" dirty="0"/>
+              <a:t>, </a:t>
+            </a:r>
+            <a:br>
+              <a:rPr lang="en-US" sz="2900" dirty="0"/>
+            </a:br>
+            <a:r>
+              <a:rPr lang="bg-BG" sz="2900" dirty="0"/>
+              <a:t>получават </a:t>
+            </a:r>
+            <a:r>
+              <a:rPr lang="bg-BG" sz="2900" b="1" dirty="0"/>
+              <a:t>половината</a:t>
+            </a:r>
+            <a:r>
+              <a:rPr lang="bg-BG" sz="2900" dirty="0"/>
+              <a:t> от </a:t>
+            </a:r>
+            <a:br>
+              <a:rPr lang="en-US" sz="2900" dirty="0"/>
+            </a:br>
+            <a:r>
+              <a:rPr lang="bg-BG" sz="2900" dirty="0"/>
+              <a:t>стандартното увеличение.</a:t>
+            </a:r>
+            <a:endParaRPr lang="en-US" sz="2900" dirty="0"/>
           </a:p>
           <a:p>
             <a:pPr marL="0" indent="0">
               <a:buNone/>
             </a:pPr>
-            <a:r>
-              <a:rPr lang="bg-BG" sz="3100" dirty="0"/>
-              <a:t>увеличение.</a:t>
-            </a:r>
             <a:endParaRPr lang="en-US" sz="3100" dirty="0"/>
           </a:p>
         </p:txBody>
@@ -10831,7 +12195,10 @@
               <a:rPr lang="bg-BG" dirty="0"/>
               <a:t>Увеличение на заплатата</a:t>
             </a:r>
-            <a:endParaRPr lang="en-US" dirty="0"/>
+            <a:r>
+              <a:rPr lang="en-US" dirty="0"/>
+              <a:t> (1)</a:t>
+            </a:r>
           </a:p>
         </p:txBody>
       </p:sp>
@@ -10843,10 +12210,10 @@
         </p:nvGrpSpPr>
         <p:grpSpPr>
           <a:xfrm>
-            <a:off x="6276000" y="2255652"/>
-            <a:ext cx="5760000" cy="3287467"/>
+            <a:off x="6207257" y="2709000"/>
+            <a:ext cx="5760000" cy="3810687"/>
             <a:chOff x="-306388" y="2128097"/>
-            <a:chExt cx="3137848" cy="3312427"/>
+            <a:chExt cx="3137848" cy="3839620"/>
           </a:xfrm>
         </p:grpSpPr>
         <p:sp>
@@ -10916,7 +12283,7 @@
           <p:spPr bwMode="auto">
             <a:xfrm>
               <a:off x="-306388" y="2739909"/>
-              <a:ext cx="3137848" cy="2700615"/>
+              <a:ext cx="3137848" cy="3227808"/>
             </a:xfrm>
             <a:prstGeom prst="rect">
               <a:avLst/>
@@ -10967,6 +12334,23 @@
                 <a:spcAft>
                   <a:spcPts val="600"/>
                 </a:spcAft>
+              </a:pPr>
+              <a:r>
+                <a:rPr lang="en-US" sz="2400" b="1" noProof="1">
+                  <a:latin typeface="Consolas" pitchFamily="49" charset="0"/>
+                  <a:cs typeface="Consolas" pitchFamily="49" charset="0"/>
+                </a:rPr>
+                <a:t>+LastName: string</a:t>
+              </a:r>
+            </a:p>
+            <a:p>
+              <a:pPr defTabSz="1218438" latinLnBrk="1">
+                <a:spcBef>
+                  <a:spcPts val="600"/>
+                </a:spcBef>
+                <a:spcAft>
+                  <a:spcPts val="600"/>
+                </a:spcAft>
                 <a:buFont typeface="Wingdings" panose="05000000000000000000" pitchFamily="2" charset="2"/>
                 <a:buNone/>
               </a:pPr>
@@ -10994,7 +12378,7 @@
                   <a:latin typeface="Consolas" pitchFamily="49" charset="0"/>
                   <a:cs typeface="Consolas" pitchFamily="49" charset="0"/>
                 </a:rPr>
-                <a:t>+Salary: decimal</a:t>
+                <a:t>+Salary: double</a:t>
               </a:r>
             </a:p>
             <a:p>
@@ -11013,7 +12397,7 @@
                   <a:latin typeface="Consolas" pitchFamily="49" charset="0"/>
                   <a:cs typeface="Consolas" pitchFamily="49" charset="0"/>
                 </a:rPr>
-                <a:t>+IncreaseSalary(decimal): void</a:t>
+                <a:t>+IncreaseSalary(double): void</a:t>
               </a:r>
             </a:p>
             <a:p>
@@ -11100,7 +12484,7 @@
             <a:fld id="{2BF067CD-8E6B-4360-9AA8-C5DF2A48A6D1}" type="slidenum">
               <a:rPr lang="en-US" noProof="0" smtClean="0"/>
               <a:pPr/>
-              <a:t>12</a:t>
+              <a:t>14</a:t>
             </a:fld>
             <a:endParaRPr lang="en-US" noProof="0" dirty="0"/>
           </a:p>
@@ -11109,7 +12493,7 @@
     </p:spTree>
     <p:extLst>
       <p:ext uri="{BB962C8B-B14F-4D97-AF65-F5344CB8AC3E}">
-        <p14:creationId xmlns:p14="http://schemas.microsoft.com/office/powerpoint/2010/main" val="2394450349"/>
+        <p14:creationId xmlns:p14="http://schemas.microsoft.com/office/powerpoint/2010/main" val="1891560320"/>
       </p:ext>
     </p:extLst>
   </p:cSld>
@@ -11335,15 +12719,522 @@
                                   </p:childTnLst>
                                 </p:cTn>
                               </p:par>
+                            </p:childTnLst>
+                          </p:cTn>
+                        </p:par>
+                      </p:childTnLst>
+                    </p:cTn>
+                  </p:par>
+                </p:childTnLst>
+              </p:cTn>
+              <p:prevCondLst>
+                <p:cond evt="onPrev" delay="0">
+                  <p:tgtEl>
+                    <p:sldTgt/>
+                  </p:tgtEl>
+                </p:cond>
+              </p:prevCondLst>
+              <p:nextCondLst>
+                <p:cond evt="onNext" delay="0">
+                  <p:tgtEl>
+                    <p:sldTgt/>
+                  </p:tgtEl>
+                </p:cond>
+              </p:nextCondLst>
+            </p:seq>
+          </p:childTnLst>
+        </p:cTn>
+      </p:par>
+    </p:tnLst>
+  </p:timing>
+</p:sld>
+</file>
+
+<file path=ppt/slides/slide15.xml><?xml version="1.0" encoding="utf-8"?>
+<p:sld xmlns:a="http://schemas.openxmlformats.org/drawingml/2006/main" xmlns:r="http://schemas.openxmlformats.org/officeDocument/2006/relationships" xmlns:p="http://schemas.openxmlformats.org/presentationml/2006/main">
+  <p:cSld>
+    <p:spTree>
+      <p:nvGrpSpPr>
+        <p:cNvPr id="1" name=""/>
+        <p:cNvGrpSpPr/>
+        <p:nvPr/>
+      </p:nvGrpSpPr>
+      <p:grpSpPr>
+        <a:xfrm>
+          <a:off x="0" y="0"/>
+          <a:ext cx="0" cy="0"/>
+          <a:chOff x="0" y="0"/>
+          <a:chExt cx="0" cy="0"/>
+        </a:xfrm>
+      </p:grpSpPr>
+      <p:sp>
+        <p:nvSpPr>
+          <p:cNvPr id="3" name="Content Placeholder 2"/>
+          <p:cNvSpPr>
+            <a:spLocks noGrp="1"/>
+          </p:cNvSpPr>
+          <p:nvPr>
+            <p:ph type="body" sz="quarter" idx="10"/>
+          </p:nvPr>
+        </p:nvSpPr>
+        <p:spPr>
+          <a:xfrm>
+            <a:off x="190402" y="1196125"/>
+            <a:ext cx="11818096" cy="5427875"/>
+          </a:xfrm>
+        </p:spPr>
+        <p:txBody>
+          <a:bodyPr>
+            <a:normAutofit/>
+          </a:bodyPr>
+          <a:lstStyle/>
+          <a:p>
+            <a:r>
+              <a:rPr lang="bg-BG" sz="3100" dirty="0"/>
+              <a:t>Променете метода </a:t>
+            </a:r>
+            <a:r>
+              <a:rPr lang="en-US" sz="3100" b="1" dirty="0">
+                <a:latin typeface="Consolas" panose="020B0609020204030204" pitchFamily="49" charset="0"/>
+                <a:cs typeface="Consolas" panose="020B0609020204030204" pitchFamily="49" charset="0"/>
+              </a:rPr>
+              <a:t>ToString()</a:t>
+            </a:r>
+            <a:r>
+              <a:rPr lang="bg-BG" sz="3100" dirty="0"/>
+              <a:t>, така че да връща информацията в следния формат:</a:t>
+            </a:r>
+          </a:p>
+          <a:p>
+            <a:pPr lvl="1"/>
+            <a:r>
+              <a:rPr lang="en-US" b="1" dirty="0"/>
+              <a:t>"{</a:t>
+            </a:r>
+            <a:r>
+              <a:rPr lang="bg-BG" b="1" dirty="0"/>
+              <a:t>първо име</a:t>
+            </a:r>
+            <a:r>
+              <a:rPr lang="en-US" b="1" dirty="0"/>
+              <a:t>} {</a:t>
+            </a:r>
+            <a:r>
+              <a:rPr lang="bg-BG" b="1" dirty="0"/>
+              <a:t>фамилно име</a:t>
+            </a:r>
+            <a:r>
+              <a:rPr lang="en-US" b="1" dirty="0"/>
+              <a:t>} receives {</a:t>
+            </a:r>
+            <a:r>
+              <a:rPr lang="bg-BG" b="1" dirty="0"/>
+              <a:t>повишена заплата</a:t>
+            </a:r>
+            <a:r>
+              <a:rPr lang="en-US" b="1" dirty="0"/>
+              <a:t>} leva."</a:t>
+            </a:r>
+            <a:endParaRPr lang="en-US" sz="2700" dirty="0"/>
+          </a:p>
+          <a:p>
+            <a:pPr marL="0" indent="0">
+              <a:buNone/>
+            </a:pPr>
+            <a:endParaRPr lang="en-US" sz="3100" dirty="0"/>
+          </a:p>
+        </p:txBody>
+      </p:sp>
+      <p:sp>
+        <p:nvSpPr>
+          <p:cNvPr id="4" name="Title 3"/>
+          <p:cNvSpPr>
+            <a:spLocks noGrp="1"/>
+          </p:cNvSpPr>
+          <p:nvPr>
+            <p:ph type="title"/>
+          </p:nvPr>
+        </p:nvSpPr>
+        <p:spPr/>
+        <p:txBody>
+          <a:bodyPr/>
+          <a:lstStyle/>
+          <a:p>
+            <a:r>
+              <a:rPr lang="bg-BG" dirty="0"/>
+              <a:t>Задача</a:t>
+            </a:r>
+            <a:r>
+              <a:rPr lang="en-US" dirty="0"/>
+              <a:t>: </a:t>
+            </a:r>
+            <a:r>
+              <a:rPr lang="bg-BG" dirty="0"/>
+              <a:t>Увеличение на заплатата</a:t>
+            </a:r>
+            <a:r>
+              <a:rPr lang="en-US" dirty="0"/>
+              <a:t> (2)</a:t>
+            </a:r>
+          </a:p>
+        </p:txBody>
+      </p:sp>
+      <p:sp>
+        <p:nvSpPr>
+          <p:cNvPr id="6" name="TextBox 5"/>
+          <p:cNvSpPr txBox="1"/>
+          <p:nvPr/>
+        </p:nvSpPr>
+        <p:spPr>
+          <a:xfrm>
+            <a:off x="3106464" y="3453110"/>
+            <a:ext cx="184731" cy="523220"/>
+          </a:xfrm>
+          <a:prstGeom prst="rect">
+            <a:avLst/>
+          </a:prstGeom>
+          <a:noFill/>
+        </p:spPr>
+        <p:txBody>
+          <a:bodyPr wrap="none" rtlCol="0">
+            <a:spAutoFit/>
+          </a:bodyPr>
+          <a:lstStyle/>
+          <a:p>
+            <a:endParaRPr lang="bg-BG" sz="2800" dirty="0"/>
+          </a:p>
+        </p:txBody>
+      </p:sp>
+      <p:sp>
+        <p:nvSpPr>
+          <p:cNvPr id="2" name="Slide Number">
+            <a:extLst>
+              <a:ext uri="{FF2B5EF4-FFF2-40B4-BE49-F238E27FC236}">
+                <a16:creationId xmlns:a16="http://schemas.microsoft.com/office/drawing/2014/main" id="{D6ED52E5-C452-B1E6-C497-3DA9868BA547}"/>
+              </a:ext>
+            </a:extLst>
+          </p:cNvPr>
+          <p:cNvSpPr>
+            <a:spLocks noGrp="1"/>
+          </p:cNvSpPr>
+          <p:nvPr>
+            <p:ph type="sldNum" sz="quarter" idx="5"/>
+          </p:nvPr>
+        </p:nvSpPr>
+        <p:spPr>
+          <a:xfrm>
+            <a:off x="11753030" y="6507000"/>
+            <a:ext cx="367414" cy="297000"/>
+          </a:xfrm>
+          <a:prstGeom prst="rect">
+            <a:avLst/>
+          </a:prstGeom>
+        </p:spPr>
+        <p:txBody>
+          <a:bodyPr vert="horz" lIns="91440" tIns="45720" rIns="91440" bIns="45720" rtlCol="0" anchor="b"/>
+          <a:lstStyle>
+            <a:lvl1pPr algn="r">
+              <a:defRPr sz="1000"/>
+            </a:lvl1pPr>
+          </a:lstStyle>
+          <a:p>
+            <a:fld id="{2BF067CD-8E6B-4360-9AA8-C5DF2A48A6D1}" type="slidenum">
+              <a:rPr lang="en-US" noProof="0" smtClean="0"/>
+              <a:pPr/>
+              <a:t>15</a:t>
+            </a:fld>
+            <a:endParaRPr lang="en-US" noProof="0" dirty="0"/>
+          </a:p>
+        </p:txBody>
+      </p:sp>
+      <p:sp>
+        <p:nvSpPr>
+          <p:cNvPr id="5" name="Rectangle 4">
+            <a:extLst>
+              <a:ext uri="{FF2B5EF4-FFF2-40B4-BE49-F238E27FC236}">
+                <a16:creationId xmlns:a16="http://schemas.microsoft.com/office/drawing/2014/main" id="{0FAC2C8E-3831-E358-D0FC-CD446E5093E0}"/>
+              </a:ext>
+            </a:extLst>
+          </p:cNvPr>
+          <p:cNvSpPr>
+            <a:spLocks noChangeArrowheads="1"/>
+          </p:cNvSpPr>
+          <p:nvPr/>
+        </p:nvSpPr>
+        <p:spPr bwMode="auto">
+          <a:xfrm>
+            <a:off x="426000" y="4041515"/>
+            <a:ext cx="3889536" cy="1815369"/>
+          </a:xfrm>
+          <a:prstGeom prst="rect">
+            <a:avLst/>
+          </a:prstGeom>
+          <a:solidFill>
+            <a:schemeClr val="accent5">
+              <a:lumMod val="40000"/>
+              <a:lumOff val="60000"/>
+              <a:alpha val="20000"/>
+            </a:schemeClr>
+          </a:solidFill>
+          <a:ln w="12700">
+            <a:solidFill>
+              <a:schemeClr val="accent5">
+                <a:lumMod val="60000"/>
+                <a:lumOff val="40000"/>
+              </a:schemeClr>
+            </a:solidFill>
+          </a:ln>
+        </p:spPr>
+        <p:txBody>
+          <a:bodyPr wrap="square" anchor="ctr" anchorCtr="0">
+            <a:spAutoFit/>
+          </a:bodyPr>
+          <a:lstStyle/>
+          <a:p>
+            <a:pPr eaLnBrk="0" hangingPunct="0">
+              <a:buClr>
+                <a:schemeClr val="accent5">
+                  <a:lumMod val="40000"/>
+                  <a:lumOff val="60000"/>
+                </a:schemeClr>
+              </a:buClr>
+              <a:buSzPct val="70000"/>
+            </a:pPr>
+            <a:r>
+              <a:rPr lang="bg-BG" sz="2799" b="1" noProof="1">
+                <a:latin typeface="Consolas" panose="020B0609020204030204" pitchFamily="49" charset="0"/>
+              </a:rPr>
+              <a:t>2</a:t>
+            </a:r>
+          </a:p>
+          <a:p>
+            <a:pPr eaLnBrk="0" hangingPunct="0">
+              <a:buClr>
+                <a:schemeClr val="accent5">
+                  <a:lumMod val="40000"/>
+                  <a:lumOff val="60000"/>
+                </a:schemeClr>
+              </a:buClr>
+              <a:buSzPct val="70000"/>
+            </a:pPr>
+            <a:r>
+              <a:rPr lang="it-IT" sz="2799" b="1" noProof="1">
+                <a:latin typeface="Consolas" panose="020B0609020204030204" pitchFamily="49" charset="0"/>
+              </a:rPr>
+              <a:t>John Green 34 2000</a:t>
+            </a:r>
+          </a:p>
+          <a:p>
+            <a:pPr eaLnBrk="0" hangingPunct="0">
+              <a:buClr>
+                <a:schemeClr val="accent5">
+                  <a:lumMod val="40000"/>
+                  <a:lumOff val="60000"/>
+                </a:schemeClr>
+              </a:buClr>
+              <a:buSzPct val="70000"/>
+            </a:pPr>
+            <a:r>
+              <a:rPr lang="it-IT" sz="2799" b="1" noProof="1">
+                <a:latin typeface="Consolas" panose="020B0609020204030204" pitchFamily="49" charset="0"/>
+              </a:rPr>
+              <a:t>Mike Adams 20 1560</a:t>
+            </a:r>
+          </a:p>
+          <a:p>
+            <a:pPr eaLnBrk="0" hangingPunct="0">
+              <a:buClr>
+                <a:schemeClr val="accent5">
+                  <a:lumMod val="40000"/>
+                  <a:lumOff val="60000"/>
+                </a:schemeClr>
+              </a:buClr>
+              <a:buSzPct val="70000"/>
+            </a:pPr>
+            <a:r>
+              <a:rPr lang="it-IT" sz="2799" b="1" noProof="1">
+                <a:latin typeface="Consolas" panose="020B0609020204030204" pitchFamily="49" charset="0"/>
+              </a:rPr>
+              <a:t>10</a:t>
+            </a:r>
+          </a:p>
+        </p:txBody>
+      </p:sp>
+      <p:sp>
+        <p:nvSpPr>
+          <p:cNvPr id="7" name="Right Arrow 11">
+            <a:extLst>
+              <a:ext uri="{FF2B5EF4-FFF2-40B4-BE49-F238E27FC236}">
+                <a16:creationId xmlns:a16="http://schemas.microsoft.com/office/drawing/2014/main" id="{7F4DDAEB-4E03-1C94-BD86-F3D474913479}"/>
+              </a:ext>
+            </a:extLst>
+          </p:cNvPr>
+          <p:cNvSpPr/>
+          <p:nvPr/>
+        </p:nvSpPr>
+        <p:spPr>
+          <a:xfrm>
+            <a:off x="4554230" y="4692320"/>
+            <a:ext cx="883209" cy="606091"/>
+          </a:xfrm>
+          <a:prstGeom prst="rightArrow">
+            <a:avLst/>
+          </a:prstGeom>
+        </p:spPr>
+        <p:style>
+          <a:lnRef idx="2">
+            <a:schemeClr val="accent1">
+              <a:shade val="50000"/>
+            </a:schemeClr>
+          </a:lnRef>
+          <a:fillRef idx="1">
+            <a:schemeClr val="accent1"/>
+          </a:fillRef>
+          <a:effectRef idx="0">
+            <a:schemeClr val="accent1"/>
+          </a:effectRef>
+          <a:fontRef idx="minor">
+            <a:schemeClr val="lt1"/>
+          </a:fontRef>
+        </p:style>
+        <p:txBody>
+          <a:bodyPr rtlCol="0" anchor="ctr"/>
+          <a:lstStyle/>
+          <a:p>
+            <a:pPr algn="ctr"/>
+            <a:endParaRPr lang="en-US" sz="2799" dirty="0"/>
+          </a:p>
+        </p:txBody>
+      </p:sp>
+      <p:sp>
+        <p:nvSpPr>
+          <p:cNvPr id="8" name="Rectangle 7">
+            <a:extLst>
+              <a:ext uri="{FF2B5EF4-FFF2-40B4-BE49-F238E27FC236}">
+                <a16:creationId xmlns:a16="http://schemas.microsoft.com/office/drawing/2014/main" id="{06F416F5-AE57-F761-6A16-BCD9AAEF3B0D}"/>
+              </a:ext>
+            </a:extLst>
+          </p:cNvPr>
+          <p:cNvSpPr>
+            <a:spLocks noChangeArrowheads="1"/>
+          </p:cNvSpPr>
+          <p:nvPr/>
+        </p:nvSpPr>
+        <p:spPr bwMode="auto">
+          <a:xfrm>
+            <a:off x="5671897" y="4518439"/>
+            <a:ext cx="6255001" cy="953851"/>
+          </a:xfrm>
+          <a:prstGeom prst="rect">
+            <a:avLst/>
+          </a:prstGeom>
+          <a:solidFill>
+            <a:schemeClr val="accent5">
+              <a:lumMod val="40000"/>
+              <a:lumOff val="60000"/>
+              <a:alpha val="20000"/>
+            </a:schemeClr>
+          </a:solidFill>
+          <a:ln w="12700">
+            <a:solidFill>
+              <a:schemeClr val="accent5">
+                <a:lumMod val="60000"/>
+                <a:lumOff val="40000"/>
+              </a:schemeClr>
+            </a:solidFill>
+          </a:ln>
+        </p:spPr>
+        <p:txBody>
+          <a:bodyPr wrap="square" anchor="ctr" anchorCtr="0">
+            <a:spAutoFit/>
+          </a:bodyPr>
+          <a:lstStyle/>
+          <a:p>
+            <a:pPr algn="ctr" eaLnBrk="0" hangingPunct="0">
+              <a:buClr>
+                <a:schemeClr val="accent5">
+                  <a:lumMod val="40000"/>
+                  <a:lumOff val="60000"/>
+                </a:schemeClr>
+              </a:buClr>
+              <a:buSzPct val="70000"/>
+            </a:pPr>
+            <a:r>
+              <a:rPr lang="en-US" sz="2799" b="1" noProof="1">
+                <a:latin typeface="Consolas" panose="020B0609020204030204" pitchFamily="49" charset="0"/>
+              </a:rPr>
+              <a:t>John Green receives 2200 leva. </a:t>
+            </a:r>
+          </a:p>
+          <a:p>
+            <a:pPr algn="ctr" eaLnBrk="0" hangingPunct="0">
+              <a:buClr>
+                <a:schemeClr val="accent5">
+                  <a:lumMod val="40000"/>
+                  <a:lumOff val="60000"/>
+                </a:schemeClr>
+              </a:buClr>
+              <a:buSzPct val="70000"/>
+            </a:pPr>
+            <a:r>
+              <a:rPr lang="en-US" sz="2799" b="1" noProof="1">
+                <a:latin typeface="Consolas" panose="020B0609020204030204" pitchFamily="49" charset="0"/>
+              </a:rPr>
+              <a:t>Mike Adams receives 1638 leva.</a:t>
+            </a:r>
+            <a:endParaRPr lang="it-IT" sz="2799" b="1" noProof="1">
+              <a:latin typeface="Consolas" panose="020B0609020204030204" pitchFamily="49" charset="0"/>
+            </a:endParaRPr>
+          </a:p>
+        </p:txBody>
+      </p:sp>
+    </p:spTree>
+    <p:extLst>
+      <p:ext uri="{BB962C8B-B14F-4D97-AF65-F5344CB8AC3E}">
+        <p14:creationId xmlns:p14="http://schemas.microsoft.com/office/powerpoint/2010/main" val="4150861107"/>
+      </p:ext>
+    </p:extLst>
+  </p:cSld>
+  <p:clrMapOvr>
+    <a:masterClrMapping/>
+  </p:clrMapOvr>
+  <mc:AlternateContent xmlns:mc="http://schemas.openxmlformats.org/markup-compatibility/2006" xmlns:p14="http://schemas.microsoft.com/office/powerpoint/2010/main">
+    <mc:Choice Requires="p14">
+      <p:transition p14:dur="0" advClick="0" advTm="5000"/>
+    </mc:Choice>
+    <mc:Fallback xmlns="">
+      <p:transition advClick="0" advTm="5000"/>
+    </mc:Fallback>
+  </mc:AlternateContent>
+  <p:timing>
+    <p:tnLst>
+      <p:par>
+        <p:cTn id="1" dur="indefinite" restart="never" nodeType="tmRoot">
+          <p:childTnLst>
+            <p:seq concurrent="1" nextAc="seek">
+              <p:cTn id="2" dur="indefinite" nodeType="mainSeq">
+                <p:childTnLst>
+                  <p:par>
+                    <p:cTn id="3" fill="hold">
+                      <p:stCondLst>
+                        <p:cond delay="indefinite"/>
+                      </p:stCondLst>
+                      <p:childTnLst>
+                        <p:par>
+                          <p:cTn id="4" fill="hold">
+                            <p:stCondLst>
+                              <p:cond delay="0"/>
+                            </p:stCondLst>
+                            <p:childTnLst>
                               <p:par>
-                                <p:cTn id="19" presetID="1" presetClass="entr" presetSubtype="0" fill="hold" nodeType="withEffect">
+                                <p:cTn id="5" presetID="1" presetClass="entr" presetSubtype="0" fill="hold" nodeType="clickEffect">
                                   <p:stCondLst>
                                     <p:cond delay="0"/>
                                   </p:stCondLst>
                                   <p:childTnLst>
                                     <p:set>
                                       <p:cBhvr>
-                                        <p:cTn id="20" dur="1" fill="hold">
+                                        <p:cTn id="6" dur="1" fill="hold">
                                           <p:stCondLst>
                                             <p:cond delay="0"/>
                                           </p:stCondLst>
@@ -11351,7 +13242,7 @@
                                         <p:tgtEl>
                                           <p:spTgt spid="3">
                                             <p:txEl>
-                                              <p:pRg st="6" end="6"/>
+                                              <p:pRg st="1" end="1"/>
                                             </p:txEl>
                                           </p:spTgt>
                                         </p:tgtEl>
@@ -11366,25 +13257,111 @@
                                   </p:childTnLst>
                                 </p:cTn>
                               </p:par>
+                            </p:childTnLst>
+                          </p:cTn>
+                        </p:par>
+                      </p:childTnLst>
+                    </p:cTn>
+                  </p:par>
+                  <p:par>
+                    <p:cTn id="7" fill="hold">
+                      <p:stCondLst>
+                        <p:cond delay="indefinite"/>
+                      </p:stCondLst>
+                      <p:childTnLst>
+                        <p:par>
+                          <p:cTn id="8" fill="hold">
+                            <p:stCondLst>
+                              <p:cond delay="0"/>
+                            </p:stCondLst>
+                            <p:childTnLst>
                               <p:par>
-                                <p:cTn id="21" presetID="1" presetClass="entr" presetSubtype="0" fill="hold" nodeType="withEffect">
+                                <p:cTn id="9" presetID="1" presetClass="entr" presetSubtype="0" fill="hold" grpId="0" nodeType="clickEffect">
                                   <p:stCondLst>
                                     <p:cond delay="0"/>
                                   </p:stCondLst>
                                   <p:childTnLst>
                                     <p:set>
                                       <p:cBhvr>
-                                        <p:cTn id="22" dur="1" fill="hold">
+                                        <p:cTn id="10" dur="1" fill="hold">
                                           <p:stCondLst>
                                             <p:cond delay="0"/>
                                           </p:stCondLst>
                                         </p:cTn>
                                         <p:tgtEl>
-                                          <p:spTgt spid="3">
-                                            <p:txEl>
-                                              <p:pRg st="7" end="7"/>
-                                            </p:txEl>
-                                          </p:spTgt>
+                                          <p:spTgt spid="5"/>
+                                        </p:tgtEl>
+                                        <p:attrNameLst>
+                                          <p:attrName>style.visibility</p:attrName>
+                                        </p:attrNameLst>
+                                      </p:cBhvr>
+                                      <p:to>
+                                        <p:strVal val="visible"/>
+                                      </p:to>
+                                    </p:set>
+                                  </p:childTnLst>
+                                </p:cTn>
+                              </p:par>
+                            </p:childTnLst>
+                          </p:cTn>
+                        </p:par>
+                      </p:childTnLst>
+                    </p:cTn>
+                  </p:par>
+                  <p:par>
+                    <p:cTn id="11" fill="hold">
+                      <p:stCondLst>
+                        <p:cond delay="indefinite"/>
+                      </p:stCondLst>
+                      <p:childTnLst>
+                        <p:par>
+                          <p:cTn id="12" fill="hold">
+                            <p:stCondLst>
+                              <p:cond delay="0"/>
+                            </p:stCondLst>
+                            <p:childTnLst>
+                              <p:par>
+                                <p:cTn id="13" presetID="1" presetClass="entr" presetSubtype="0" fill="hold" grpId="0" nodeType="clickEffect">
+                                  <p:stCondLst>
+                                    <p:cond delay="0"/>
+                                  </p:stCondLst>
+                                  <p:childTnLst>
+                                    <p:set>
+                                      <p:cBhvr>
+                                        <p:cTn id="14" dur="1" fill="hold">
+                                          <p:stCondLst>
+                                            <p:cond delay="0"/>
+                                          </p:stCondLst>
+                                        </p:cTn>
+                                        <p:tgtEl>
+                                          <p:spTgt spid="7"/>
+                                        </p:tgtEl>
+                                        <p:attrNameLst>
+                                          <p:attrName>style.visibility</p:attrName>
+                                        </p:attrNameLst>
+                                      </p:cBhvr>
+                                      <p:to>
+                                        <p:strVal val="visible"/>
+                                      </p:to>
+                                    </p:set>
+                                  </p:childTnLst>
+                                </p:cTn>
+                              </p:par>
+                              <p:par>
+                                <p:cTn id="15" presetID="1" presetClass="entr" presetSubtype="0" fill="hold" grpId="0" nodeType="withEffect">
+                                  <p:stCondLst>
+                                    <p:cond delay="0"/>
+                                  </p:stCondLst>
+                                  <p:childTnLst>
+                                    <p:set>
+                                      <p:cBhvr>
+                                        <p:cTn id="16" dur="1" fill="hold">
+                                          <p:stCondLst>
+                                            <p:cond delay="0"/>
+                                          </p:stCondLst>
+                                        </p:cTn>
+                                        <p:tgtEl>
+                                          <p:spTgt spid="8"/>
                                         </p:tgtEl>
                                         <p:attrNameLst>
                                           <p:attrName>style.visibility</p:attrName>
@@ -11424,11 +13401,16 @@
         </p:cTn>
       </p:par>
     </p:tnLst>
+    <p:bldLst>
+      <p:bldP spid="5" grpId="0" animBg="1"/>
+      <p:bldP spid="7" grpId="0" animBg="1"/>
+      <p:bldP spid="8" grpId="0" animBg="1"/>
+    </p:bldLst>
   </p:timing>
 </p:sld>
 </file>
 
-<file path=ppt/slides/slide13.xml><?xml version="1.0" encoding="utf-8"?>
+<file path=ppt/slides/slide16.xml><?xml version="1.0" encoding="utf-8"?>
 <p:sld xmlns:a="http://schemas.openxmlformats.org/drawingml/2006/main" xmlns:r="http://schemas.openxmlformats.org/officeDocument/2006/relationships" xmlns:p="http://schemas.openxmlformats.org/presentationml/2006/main">
   <p:cSld>
     <p:spTree>
@@ -11487,7 +13469,7 @@
         <p:spPr>
           <a:xfrm>
             <a:off x="986928" y="1314000"/>
-            <a:ext cx="10365284" cy="4742368"/>
+            <a:ext cx="10365284" cy="4588480"/>
           </a:xfrm>
           <a:prstGeom prst="rect">
             <a:avLst/>
@@ -11536,7 +13518,7 @@
             </a:r>
             <a:r>
               <a:rPr lang="en-US" sz="2800" dirty="0"/>
-              <a:t>decimal</a:t>
+              <a:t>double</a:t>
             </a:r>
             <a:r>
               <a:rPr lang="en-GB" sz="2800" dirty="0"/>
@@ -11567,7 +13549,7 @@
                   <a:schemeClr val="bg1"/>
                 </a:solidFill>
               </a:rPr>
-              <a:t>decimal</a:t>
+              <a:t>double</a:t>
             </a:r>
             <a:r>
               <a:rPr lang="en-US" sz="2800" dirty="0"/>
@@ -11583,33 +13565,35 @@
           <a:p>
             <a:r>
               <a:rPr lang="en-US" sz="2800" dirty="0"/>
-              <a:t>  if (this.Age &gt; 30)</a:t>
+              <a:t>  if (this.Age &lt; 30)</a:t>
             </a:r>
           </a:p>
           <a:p>
             <a:r>
               <a:rPr lang="en-US" sz="2800" dirty="0"/>
-              <a:t>    this.Salary += this.Salary * percentage / 100;</a:t>
-            </a:r>
-          </a:p>
-          <a:p>
-            <a:r>
+              <a:t>	percentage /= 2;</a:t>
+            </a:r>
+            <a:br>
               <a:rPr lang="en-US" sz="2800" dirty="0"/>
-              <a:t>  else</a:t>
-            </a:r>
-          </a:p>
-          <a:p>
+            </a:br>
+            <a:endParaRPr lang="en-US" sz="2800" dirty="0"/>
+          </a:p>
+          <a:p>
+            <a:r>
+              <a:rPr lang="en-US" sz="2800" noProof="1"/>
+              <a:t>  this.Salary += (</a:t>
+            </a:r>
             <a:r>
               <a:rPr lang="en-US" sz="2800" dirty="0"/>
-              <a:t>    </a:t>
+              <a:t>percentage / 100) * </a:t>
             </a:r>
             <a:r>
               <a:rPr lang="en-US" sz="2800" noProof="1"/>
-              <a:t>this.Salary += this.Salary </a:t>
+              <a:t>this.Salary</a:t>
             </a:r>
             <a:r>
               <a:rPr lang="en-US" sz="2800" dirty="0"/>
-              <a:t>* percentage / 200;</a:t>
+              <a:t>;</a:t>
             </a:r>
           </a:p>
           <a:p>
@@ -11703,7 +13687,7 @@
             <a:fld id="{2BF067CD-8E6B-4360-9AA8-C5DF2A48A6D1}" type="slidenum">
               <a:rPr lang="en-US" noProof="0" smtClean="0"/>
               <a:pPr/>
-              <a:t>13</a:t>
+              <a:t>16</a:t>
             </a:fld>
             <a:endParaRPr lang="en-US" noProof="0" dirty="0"/>
           </a:p>
@@ -11712,7 +13696,7 @@
     </p:spTree>
     <p:extLst>
       <p:ext uri="{BB962C8B-B14F-4D97-AF65-F5344CB8AC3E}">
-        <p14:creationId xmlns:p14="http://schemas.microsoft.com/office/powerpoint/2010/main" val="2145017359"/>
+        <p14:creationId xmlns:p14="http://schemas.microsoft.com/office/powerpoint/2010/main" val="4253844158"/>
       </p:ext>
     </p:extLst>
   </p:cSld>
@@ -11825,7 +13809,7 @@
                                         <p:tgtEl>
                                           <p:spTgt spid="5">
                                             <p:txEl>
-                                              <p:pRg st="7" end="7"/>
+                                              <p:pRg st="6" end="6"/>
                                             </p:txEl>
                                           </p:spTgt>
                                         </p:tgtEl>
@@ -11951,37 +13935,6 @@
                                   </p:childTnLst>
                                 </p:cTn>
                               </p:par>
-                              <p:par>
-                                <p:cTn id="19" presetID="1" presetClass="entr" presetSubtype="0" fill="hold" nodeType="withEffect">
-                                  <p:stCondLst>
-                                    <p:cond delay="0"/>
-                                  </p:stCondLst>
-                                  <p:childTnLst>
-                                    <p:set>
-                                      <p:cBhvr>
-                                        <p:cTn id="20" dur="1" fill="hold">
-                                          <p:stCondLst>
-                                            <p:cond delay="0"/>
-                                          </p:stCondLst>
-                                        </p:cTn>
-                                        <p:tgtEl>
-                                          <p:spTgt spid="5">
-                                            <p:txEl>
-                                              <p:pRg st="6" end="6"/>
-                                            </p:txEl>
-                                          </p:spTgt>
-                                        </p:tgtEl>
-                                        <p:attrNameLst>
-                                          <p:attrName>style.visibility</p:attrName>
-                                        </p:attrNameLst>
-                                      </p:cBhvr>
-                                      <p:to>
-                                        <p:strVal val="visible"/>
-                                      </p:to>
-                                    </p:set>
-                                  </p:childTnLst>
-                                </p:cTn>
-                              </p:par>
                             </p:childTnLst>
                           </p:cTn>
                         </p:par>
@@ -12013,7 +13966,7 @@
 </p:sld>
 </file>
 
-<file path=ppt/slides/slide14.xml><?xml version="1.0" encoding="utf-8"?>
+<file path=ppt/slides/slide17.xml><?xml version="1.0" encoding="utf-8"?>
 <p:sld xmlns:a="http://schemas.openxmlformats.org/drawingml/2006/main" xmlns:r="http://schemas.openxmlformats.org/officeDocument/2006/relationships" xmlns:p="http://schemas.openxmlformats.org/presentationml/2006/main">
   <p:cSld>
     <p:spTree>
@@ -12138,7 +14091,7 @@
 </p:sld>
 </file>
 
-<file path=ppt/slides/slide15.xml><?xml version="1.0" encoding="utf-8"?>
+<file path=ppt/slides/slide18.xml><?xml version="1.0" encoding="utf-8"?>
 <p:sld xmlns:a="http://schemas.openxmlformats.org/drawingml/2006/main" xmlns:r="http://schemas.openxmlformats.org/officeDocument/2006/relationships" xmlns:p="http://schemas.openxmlformats.org/presentationml/2006/main">
   <p:cSld>
     <p:spTree>
@@ -12709,7 +14662,7 @@
             <a:fld id="{2BF067CD-8E6B-4360-9AA8-C5DF2A48A6D1}" type="slidenum">
               <a:rPr lang="en-US" smtClean="0"/>
               <a:pPr/>
-              <a:t>15</a:t>
+              <a:t>18</a:t>
             </a:fld>
             <a:endParaRPr lang="en-US" dirty="0"/>
           </a:p>
@@ -12845,7 +14798,7 @@
 </p:sld>
 </file>
 
-<file path=ppt/slides/slide16.xml><?xml version="1.0" encoding="utf-8"?>
+<file path=ppt/slides/slide19.xml><?xml version="1.0" encoding="utf-8"?>
 <p:sld xmlns:a="http://schemas.openxmlformats.org/drawingml/2006/main" xmlns:r="http://schemas.openxmlformats.org/officeDocument/2006/relationships" xmlns:p="http://schemas.openxmlformats.org/presentationml/2006/main">
   <p:cSld>
     <p:spTree>
@@ -13076,7 +15029,7 @@
             <a:fld id="{2BF067CD-8E6B-4360-9AA8-C5DF2A48A6D1}" type="slidenum">
               <a:rPr lang="en-US" noProof="0" smtClean="0"/>
               <a:pPr/>
-              <a:t>16</a:t>
+              <a:t>19</a:t>
             </a:fld>
             <a:endParaRPr lang="en-US" noProof="0" dirty="0"/>
           </a:p>
@@ -13280,7 +15233,7 @@
 </p:sld>
 </file>
 
-<file path=ppt/slides/slide17.xml><?xml version="1.0" encoding="utf-8"?>
+<file path=ppt/slides/slide2.xml><?xml version="1.0" encoding="utf-8"?>
 <p:sld xmlns:a="http://schemas.openxmlformats.org/drawingml/2006/main" xmlns:r="http://schemas.openxmlformats.org/officeDocument/2006/relationships" xmlns:p="http://schemas.openxmlformats.org/presentationml/2006/main">
   <p:cSld>
     <p:spTree>
@@ -13299,6 +15252,402 @@
       </p:grpSpPr>
       <p:sp>
         <p:nvSpPr>
+          <p:cNvPr id="423939" name="Rectangle 3"/>
+          <p:cNvSpPr>
+            <a:spLocks noGrp="1" noChangeArrowheads="1"/>
+          </p:cNvSpPr>
+          <p:nvPr>
+            <p:ph type="body" sz="quarter" idx="10"/>
+          </p:nvPr>
+        </p:nvSpPr>
+        <p:spPr>
+          <a:xfrm>
+            <a:off x="190406" y="1359000"/>
+            <a:ext cx="11818096" cy="5310000"/>
+          </a:xfrm>
+        </p:spPr>
+        <p:txBody>
+          <a:bodyPr/>
+          <a:lstStyle/>
+          <a:p>
+            <a:pPr marL="742950" indent="-742950">
+              <a:buFont typeface="+mj-lt"/>
+              <a:buAutoNum type="arabicPeriod"/>
+            </a:pPr>
+            <a:r>
+              <a:rPr lang="bg-BG" sz="4000" dirty="0"/>
+              <a:t>Какво е </a:t>
+            </a:r>
+            <a:r>
+              <a:rPr lang="bg-BG" sz="4000" b="1" dirty="0"/>
+              <a:t>капсулация</a:t>
+            </a:r>
+            <a:r>
+              <a:rPr lang="bg-BG" sz="4000" dirty="0"/>
+              <a:t> в ООП</a:t>
+            </a:r>
+            <a:r>
+              <a:rPr lang="en-US" sz="4000" dirty="0"/>
+              <a:t>?</a:t>
+            </a:r>
+          </a:p>
+          <a:p>
+            <a:pPr marL="742950" indent="-742950">
+              <a:buFont typeface="+mj-lt"/>
+              <a:buAutoNum type="arabicPeriod"/>
+            </a:pPr>
+            <a:r>
+              <a:rPr lang="bg-BG" sz="4000" dirty="0"/>
+              <a:t>Модификатори</a:t>
+            </a:r>
+            <a:r>
+              <a:rPr lang="en-US" sz="4000" dirty="0"/>
+              <a:t> </a:t>
+            </a:r>
+            <a:r>
+              <a:rPr lang="bg-BG" sz="4000" dirty="0"/>
+              <a:t>за достъп: </a:t>
+            </a:r>
+            <a:r>
+              <a:rPr lang="en-US" sz="4000" b="1" dirty="0"/>
+              <a:t>public</a:t>
+            </a:r>
+            <a:r>
+              <a:rPr lang="en-US" sz="4000" dirty="0"/>
+              <a:t> </a:t>
+            </a:r>
+            <a:r>
+              <a:rPr lang="bg-BG" sz="4000" dirty="0"/>
+              <a:t>и </a:t>
+            </a:r>
+            <a:r>
+              <a:rPr lang="en-US" sz="4000" b="1" dirty="0"/>
+              <a:t>private</a:t>
+            </a:r>
+          </a:p>
+          <a:p>
+            <a:pPr marL="742950" indent="-742950">
+              <a:buFont typeface="+mj-lt"/>
+              <a:buAutoNum type="arabicPeriod"/>
+            </a:pPr>
+            <a:r>
+              <a:rPr lang="bg-BG" sz="4000" dirty="0"/>
+              <a:t>͏͏</a:t>
+            </a:r>
+            <a:r>
+              <a:rPr lang="bg-BG" sz="4000" b="1" dirty="0"/>
+              <a:t>Изключения</a:t>
+            </a:r>
+            <a:r>
+              <a:rPr lang="en-US" sz="4000" dirty="0"/>
+              <a:t>, </a:t>
+            </a:r>
+            <a:r>
+              <a:rPr lang="bg-BG" sz="4000" dirty="0"/>
+              <a:t>хвърляне на изключения</a:t>
+            </a:r>
+          </a:p>
+          <a:p>
+            <a:pPr marL="742950" indent="-742950">
+              <a:buFont typeface="+mj-lt"/>
+              <a:buAutoNum type="arabicPeriod"/>
+            </a:pPr>
+            <a:r>
+              <a:rPr lang="bg-BG" sz="4000" dirty="0"/>
+              <a:t>͏</a:t>
+            </a:r>
+            <a:r>
+              <a:rPr lang="bg-BG" sz="4000" b="1" dirty="0"/>
+              <a:t>Валидация</a:t>
+            </a:r>
+            <a:r>
+              <a:rPr lang="bg-BG" sz="4000" dirty="0"/>
+              <a:t> на данни в ООП</a:t>
+            </a:r>
+          </a:p>
+        </p:txBody>
+      </p:sp>
+      <p:sp>
+        <p:nvSpPr>
+          <p:cNvPr id="423938" name="Rectangle 2"/>
+          <p:cNvSpPr>
+            <a:spLocks noGrp="1" noChangeArrowheads="1"/>
+          </p:cNvSpPr>
+          <p:nvPr>
+            <p:ph type="title"/>
+          </p:nvPr>
+        </p:nvSpPr>
+        <p:spPr/>
+        <p:txBody>
+          <a:bodyPr/>
+          <a:lstStyle/>
+          <a:p>
+            <a:r>
+              <a:rPr lang="bg-BG" dirty="0"/>
+              <a:t>Съдържание</a:t>
+            </a:r>
+          </a:p>
+        </p:txBody>
+      </p:sp>
+      <p:sp>
+        <p:nvSpPr>
+          <p:cNvPr id="2" name="Slide Number">
+            <a:extLst>
+              <a:ext uri="{FF2B5EF4-FFF2-40B4-BE49-F238E27FC236}">
+                <a16:creationId xmlns:a16="http://schemas.microsoft.com/office/drawing/2014/main" id="{81D146AD-B7C2-E9F0-5603-596ADD194D43}"/>
+              </a:ext>
+            </a:extLst>
+          </p:cNvPr>
+          <p:cNvSpPr>
+            <a:spLocks noGrp="1"/>
+          </p:cNvSpPr>
+          <p:nvPr>
+            <p:ph type="sldNum" sz="quarter" idx="5"/>
+          </p:nvPr>
+        </p:nvSpPr>
+        <p:spPr>
+          <a:xfrm>
+            <a:off x="11753030" y="6507000"/>
+            <a:ext cx="367414" cy="297000"/>
+          </a:xfrm>
+          <a:prstGeom prst="rect">
+            <a:avLst/>
+          </a:prstGeom>
+        </p:spPr>
+        <p:txBody>
+          <a:bodyPr vert="horz" lIns="91440" tIns="45720" rIns="91440" bIns="45720" rtlCol="0" anchor="b"/>
+          <a:lstStyle>
+            <a:lvl1pPr algn="r">
+              <a:defRPr sz="1000"/>
+            </a:lvl1pPr>
+          </a:lstStyle>
+          <a:p>
+            <a:fld id="{2BF067CD-8E6B-4360-9AA8-C5DF2A48A6D1}" type="slidenum">
+              <a:rPr lang="en-US" noProof="0" smtClean="0"/>
+              <a:pPr/>
+              <a:t>2</a:t>
+            </a:fld>
+            <a:endParaRPr lang="en-US" noProof="0" dirty="0"/>
+          </a:p>
+        </p:txBody>
+      </p:sp>
+    </p:spTree>
+    <p:extLst>
+      <p:ext uri="{BB962C8B-B14F-4D97-AF65-F5344CB8AC3E}">
+        <p14:creationId xmlns:p14="http://schemas.microsoft.com/office/powerpoint/2010/main" val="1481693176"/>
+      </p:ext>
+    </p:extLst>
+  </p:cSld>
+  <p:clrMapOvr>
+    <a:masterClrMapping/>
+  </p:clrMapOvr>
+  <mc:AlternateContent xmlns:mc="http://schemas.openxmlformats.org/markup-compatibility/2006" xmlns:p14="http://schemas.microsoft.com/office/powerpoint/2010/main">
+    <mc:Choice Requires="p14">
+      <p:transition p14:dur="0"/>
+    </mc:Choice>
+    <mc:Fallback xmlns="">
+      <p:transition/>
+    </mc:Fallback>
+  </mc:AlternateContent>
+  <p:timing>
+    <p:tnLst>
+      <p:par>
+        <p:cTn id="1" dur="indefinite" restart="never" nodeType="tmRoot">
+          <p:childTnLst>
+            <p:seq concurrent="1" nextAc="seek">
+              <p:cTn id="2" dur="indefinite" nodeType="mainSeq">
+                <p:childTnLst>
+                  <p:par>
+                    <p:cTn id="3" fill="hold">
+                      <p:stCondLst>
+                        <p:cond delay="indefinite"/>
+                      </p:stCondLst>
+                      <p:childTnLst>
+                        <p:par>
+                          <p:cTn id="4" fill="hold">
+                            <p:stCondLst>
+                              <p:cond delay="0"/>
+                            </p:stCondLst>
+                            <p:childTnLst>
+                              <p:par>
+                                <p:cTn id="5" presetID="1" presetClass="entr" presetSubtype="0" fill="hold" nodeType="clickEffect">
+                                  <p:stCondLst>
+                                    <p:cond delay="0"/>
+                                  </p:stCondLst>
+                                  <p:childTnLst>
+                                    <p:set>
+                                      <p:cBhvr>
+                                        <p:cTn id="6" dur="1" fill="hold">
+                                          <p:stCondLst>
+                                            <p:cond delay="0"/>
+                                          </p:stCondLst>
+                                        </p:cTn>
+                                        <p:tgtEl>
+                                          <p:spTgt spid="423939">
+                                            <p:txEl>
+                                              <p:pRg st="1" end="1"/>
+                                            </p:txEl>
+                                          </p:spTgt>
+                                        </p:tgtEl>
+                                        <p:attrNameLst>
+                                          <p:attrName>style.visibility</p:attrName>
+                                        </p:attrNameLst>
+                                      </p:cBhvr>
+                                      <p:to>
+                                        <p:strVal val="visible"/>
+                                      </p:to>
+                                    </p:set>
+                                  </p:childTnLst>
+                                </p:cTn>
+                              </p:par>
+                            </p:childTnLst>
+                          </p:cTn>
+                        </p:par>
+                      </p:childTnLst>
+                    </p:cTn>
+                  </p:par>
+                  <p:par>
+                    <p:cTn id="7" fill="hold">
+                      <p:stCondLst>
+                        <p:cond delay="indefinite"/>
+                      </p:stCondLst>
+                      <p:childTnLst>
+                        <p:par>
+                          <p:cTn id="8" fill="hold">
+                            <p:stCondLst>
+                              <p:cond delay="0"/>
+                            </p:stCondLst>
+                            <p:childTnLst>
+                              <p:par>
+                                <p:cTn id="9" presetID="1" presetClass="entr" presetSubtype="0" fill="hold" nodeType="clickEffect">
+                                  <p:stCondLst>
+                                    <p:cond delay="0"/>
+                                  </p:stCondLst>
+                                  <p:childTnLst>
+                                    <p:set>
+                                      <p:cBhvr>
+                                        <p:cTn id="10" dur="1" fill="hold">
+                                          <p:stCondLst>
+                                            <p:cond delay="0"/>
+                                          </p:stCondLst>
+                                        </p:cTn>
+                                        <p:tgtEl>
+                                          <p:spTgt spid="423939">
+                                            <p:txEl>
+                                              <p:pRg st="2" end="2"/>
+                                            </p:txEl>
+                                          </p:spTgt>
+                                        </p:tgtEl>
+                                        <p:attrNameLst>
+                                          <p:attrName>style.visibility</p:attrName>
+                                        </p:attrNameLst>
+                                      </p:cBhvr>
+                                      <p:to>
+                                        <p:strVal val="visible"/>
+                                      </p:to>
+                                    </p:set>
+                                  </p:childTnLst>
+                                </p:cTn>
+                              </p:par>
+                            </p:childTnLst>
+                          </p:cTn>
+                        </p:par>
+                      </p:childTnLst>
+                    </p:cTn>
+                  </p:par>
+                  <p:par>
+                    <p:cTn id="11" fill="hold">
+                      <p:stCondLst>
+                        <p:cond delay="indefinite"/>
+                      </p:stCondLst>
+                      <p:childTnLst>
+                        <p:par>
+                          <p:cTn id="12" fill="hold">
+                            <p:stCondLst>
+                              <p:cond delay="0"/>
+                            </p:stCondLst>
+                            <p:childTnLst>
+                              <p:par>
+                                <p:cTn id="13" presetID="1" presetClass="entr" presetSubtype="0" fill="hold" nodeType="clickEffect">
+                                  <p:stCondLst>
+                                    <p:cond delay="0"/>
+                                  </p:stCondLst>
+                                  <p:childTnLst>
+                                    <p:set>
+                                      <p:cBhvr>
+                                        <p:cTn id="14" dur="1" fill="hold">
+                                          <p:stCondLst>
+                                            <p:cond delay="0"/>
+                                          </p:stCondLst>
+                                        </p:cTn>
+                                        <p:tgtEl>
+                                          <p:spTgt spid="423939">
+                                            <p:txEl>
+                                              <p:pRg st="3" end="3"/>
+                                            </p:txEl>
+                                          </p:spTgt>
+                                        </p:tgtEl>
+                                        <p:attrNameLst>
+                                          <p:attrName>style.visibility</p:attrName>
+                                        </p:attrNameLst>
+                                      </p:cBhvr>
+                                      <p:to>
+                                        <p:strVal val="visible"/>
+                                      </p:to>
+                                    </p:set>
+                                  </p:childTnLst>
+                                </p:cTn>
+                              </p:par>
+                            </p:childTnLst>
+                          </p:cTn>
+                        </p:par>
+                      </p:childTnLst>
+                    </p:cTn>
+                  </p:par>
+                </p:childTnLst>
+              </p:cTn>
+              <p:prevCondLst>
+                <p:cond evt="onPrev" delay="0">
+                  <p:tgtEl>
+                    <p:sldTgt/>
+                  </p:tgtEl>
+                </p:cond>
+              </p:prevCondLst>
+              <p:nextCondLst>
+                <p:cond evt="onNext" delay="0">
+                  <p:tgtEl>
+                    <p:sldTgt/>
+                  </p:tgtEl>
+                </p:cond>
+              </p:nextCondLst>
+            </p:seq>
+          </p:childTnLst>
+        </p:cTn>
+      </p:par>
+    </p:tnLst>
+  </p:timing>
+</p:sld>
+</file>
+
+<file path=ppt/slides/slide20.xml><?xml version="1.0" encoding="utf-8"?>
+<p:sld xmlns:a="http://schemas.openxmlformats.org/drawingml/2006/main" xmlns:r="http://schemas.openxmlformats.org/officeDocument/2006/relationships" xmlns:p="http://schemas.openxmlformats.org/presentationml/2006/main">
+  <p:cSld>
+    <p:spTree>
+      <p:nvGrpSpPr>
+        <p:cNvPr id="1" name=""/>
+        <p:cNvGrpSpPr/>
+        <p:nvPr/>
+      </p:nvGrpSpPr>
+      <p:grpSpPr>
+        <a:xfrm>
+          <a:off x="0" y="0"/>
+          <a:ext cx="0" cy="0"/>
+          <a:chOff x="0" y="0"/>
+          <a:chExt cx="0" cy="0"/>
+        </a:xfrm>
+      </p:grpSpPr>
+      <p:sp>
+        <p:nvSpPr>
           <p:cNvPr id="2" name="Text Placeholder 1">
             <a:extLst>
               <a:ext uri="{FF2B5EF4-FFF2-40B4-BE49-F238E27FC236}">
@@ -13315,19 +15664,19 @@
         </p:nvSpPr>
         <p:spPr>
           <a:xfrm>
-            <a:off x="190406" y="1363951"/>
-            <a:ext cx="11818096" cy="5528766"/>
+            <a:off x="190406" y="1218973"/>
+            <a:ext cx="11818096" cy="2740049"/>
           </a:xfrm>
         </p:spPr>
         <p:txBody>
           <a:bodyPr>
-            <a:normAutofit/>
+            <a:noAutofit/>
           </a:bodyPr>
           <a:lstStyle/>
           <a:p>
             <a:pPr>
               <a:lnSpc>
-                <a:spcPct val="100000"/>
+                <a:spcPct val="120000"/>
               </a:lnSpc>
               <a:spcBef>
                 <a:spcPts val="2800"/>
@@ -13340,11 +15689,31 @@
               </a:buClr>
             </a:pPr>
             <a:r>
-              <a:rPr lang="bg-BG" sz="3400" dirty="0"/>
+              <a:rPr lang="bg-BG" sz="3000" dirty="0"/>
               <a:t>Можем да "</a:t>
             </a:r>
             <a:r>
-              <a:rPr lang="bg-BG" sz="3400" b="1" dirty="0">
+              <a:rPr lang="bg-BG" sz="3000" b="1" dirty="0">
+                <a:solidFill>
+                  <a:schemeClr val="bg1"/>
+                </a:solidFill>
+              </a:rPr>
+              <a:t>опитаме</a:t>
+            </a:r>
+            <a:r>
+              <a:rPr lang="bg-BG" sz="3000" dirty="0"/>
+              <a:t>" да изпълним даден код, а ако получим </a:t>
+            </a:r>
+            <a:r>
+              <a:rPr lang="bg-BG" sz="3000" b="1" dirty="0"/>
+              <a:t>изключение</a:t>
+            </a:r>
+            <a:r>
+              <a:rPr lang="bg-BG" sz="3000" dirty="0"/>
+              <a:t>, да я "</a:t>
+            </a:r>
+            <a:r>
+              <a:rPr lang="bg-BG" sz="3000" b="1" dirty="0">
                 <a:solidFill>
                   <a:schemeClr val="bg1"/>
                 </a:solidFill>
@@ -13352,46 +15721,50 @@
               <a:t>хванем</a:t>
             </a:r>
             <a:r>
-              <a:rPr lang="bg-BG" sz="3400" dirty="0"/>
+              <a:rPr lang="bg-BG" sz="3000" dirty="0"/>
               <a:t>"</a:t>
             </a:r>
-            <a:r>
-              <a:rPr lang="en-US" sz="3400" dirty="0"/>
-              <a:t> </a:t>
-            </a:r>
-            <a:r>
-              <a:rPr lang="bg-BG" sz="3400" dirty="0"/>
-              <a:t>изключението с оператора </a:t>
-            </a:r>
-            <a:r>
-              <a:rPr lang="en-US" sz="3400" b="1" dirty="0">
+            <a:endParaRPr lang="en-US" sz="3000" dirty="0"/>
+          </a:p>
+          <a:p>
+            <a:pPr lvl="1">
+              <a:lnSpc>
+                <a:spcPct val="120000"/>
+              </a:lnSpc>
+              <a:buClr>
+                <a:schemeClr val="tx1"/>
+              </a:buClr>
+            </a:pPr>
+            <a:r>
+              <a:rPr lang="bg-BG" sz="2800" dirty="0"/>
+              <a:t>Това се извършва чрез конструкцията </a:t>
+            </a:r>
+            <a:r>
+              <a:rPr lang="en-US" sz="2800" b="1" dirty="0">
                 <a:solidFill>
                   <a:schemeClr val="bg1"/>
                 </a:solidFill>
                 <a:latin typeface="Consolas" panose="020B0609020204030204" pitchFamily="49" charset="0"/>
                 <a:cs typeface="Consolas" panose="020B0609020204030204" pitchFamily="49" charset="0"/>
               </a:rPr>
-              <a:t>catch</a:t>
+              <a:t>try-catch</a:t>
             </a:r>
           </a:p>
           <a:p>
             <a:pPr>
               <a:lnSpc>
-                <a:spcPct val="100000"/>
+                <a:spcPct val="120000"/>
               </a:lnSpc>
-              <a:spcBef>
-                <a:spcPts val="2500"/>
-              </a:spcBef>
               <a:buClr>
                 <a:schemeClr val="tx1"/>
               </a:buClr>
             </a:pPr>
             <a:r>
-              <a:rPr lang="bg-BG" sz="3400" dirty="0"/>
+              <a:rPr lang="bg-BG" sz="3000" dirty="0"/>
               <a:t>По този начин можем да </a:t>
             </a:r>
             <a:r>
-              <a:rPr lang="bg-BG" sz="3400" b="1" dirty="0">
+              <a:rPr lang="bg-BG" sz="3000" b="1" dirty="0">
                 <a:solidFill>
                   <a:schemeClr val="bg1"/>
                 </a:solidFill>
@@ -13399,18 +15772,18 @@
               <a:t>реагираме</a:t>
             </a:r>
             <a:r>
-              <a:rPr lang="bg-BG" sz="3400" dirty="0"/>
+              <a:rPr lang="bg-BG" sz="3000" dirty="0"/>
               <a:t> на грешката и да известим потребителя</a:t>
             </a:r>
             <a:r>
-              <a:rPr lang="en-US" sz="3400" dirty="0"/>
+              <a:rPr lang="en-US" sz="3000" dirty="0"/>
               <a:t> </a:t>
             </a:r>
             <a:r>
-              <a:rPr lang="bg-BG" sz="3400" dirty="0"/>
+              <a:rPr lang="bg-BG" sz="3000" dirty="0"/>
               <a:t>за нея</a:t>
             </a:r>
-            <a:endParaRPr lang="en-US" sz="3400" dirty="0">
+            <a:endParaRPr lang="en-US" sz="3000" dirty="0">
               <a:solidFill>
                 <a:schemeClr val="bg1"/>
               </a:solidFill>
@@ -13442,15 +15815,18 @@
           <a:lstStyle/>
           <a:p>
             <a:r>
-              <a:rPr lang="bg-BG" dirty="0"/>
-              <a:t>Ключовата дума </a:t>
+              <a:rPr lang="bg-BG" dirty="0">
+                <a:latin typeface="Calibri" panose="020F0502020204030204" pitchFamily="34" charset="0"/>
+                <a:cs typeface="Calibri" panose="020F0502020204030204" pitchFamily="34" charset="0"/>
+              </a:rPr>
+              <a:t>Конструкцията </a:t>
             </a:r>
             <a:r>
               <a:rPr lang="en-US" dirty="0">
                 <a:latin typeface="Calibri" panose="020F0502020204030204" pitchFamily="34" charset="0"/>
                 <a:cs typeface="Calibri" panose="020F0502020204030204" pitchFamily="34" charset="0"/>
               </a:rPr>
-              <a:t>Catch</a:t>
+              <a:t>Try-Catch</a:t>
             </a:r>
             <a:endParaRPr lang="en-US" dirty="0"/>
           </a:p>
@@ -13472,7 +15848,7 @@
         </p:nvSpPr>
         <p:spPr bwMode="auto">
           <a:xfrm>
-            <a:off x="1960832" y="4014000"/>
+            <a:off x="1960832" y="4356806"/>
             <a:ext cx="8270336" cy="2298694"/>
           </a:xfrm>
           <a:prstGeom prst="rect">
@@ -13826,7 +16202,7 @@
             <a:fld id="{2BF067CD-8E6B-4360-9AA8-C5DF2A48A6D1}" type="slidenum">
               <a:rPr lang="en-US" noProof="0" smtClean="0"/>
               <a:pPr/>
-              <a:t>17</a:t>
+              <a:t>20</a:t>
             </a:fld>
             <a:endParaRPr lang="en-US" noProof="0" dirty="0"/>
           </a:p>
@@ -13901,15 +16277,64 @@
                                   </p:childTnLst>
                                 </p:cTn>
                               </p:par>
+                            </p:childTnLst>
+                          </p:cTn>
+                        </p:par>
+                      </p:childTnLst>
+                    </p:cTn>
+                  </p:par>
+                  <p:par>
+                    <p:cTn id="7" fill="hold">
+                      <p:stCondLst>
+                        <p:cond delay="indefinite"/>
+                      </p:stCondLst>
+                      <p:childTnLst>
+                        <p:par>
+                          <p:cTn id="8" fill="hold">
+                            <p:stCondLst>
+                              <p:cond delay="0"/>
+                            </p:stCondLst>
+                            <p:childTnLst>
                               <p:par>
-                                <p:cTn id="7" presetID="1" presetClass="entr" presetSubtype="0" fill="hold" grpId="0" nodeType="withEffect">
+                                <p:cTn id="9" presetID="1" presetClass="entr" presetSubtype="0" fill="hold" nodeType="clickEffect">
                                   <p:stCondLst>
                                     <p:cond delay="0"/>
                                   </p:stCondLst>
                                   <p:childTnLst>
                                     <p:set>
                                       <p:cBhvr>
-                                        <p:cTn id="8" dur="1" fill="hold">
+                                        <p:cTn id="10" dur="1" fill="hold">
+                                          <p:stCondLst>
+                                            <p:cond delay="0"/>
+                                          </p:stCondLst>
+                                        </p:cTn>
+                                        <p:tgtEl>
+                                          <p:spTgt spid="2">
+                                            <p:txEl>
+                                              <p:pRg st="2" end="2"/>
+                                            </p:txEl>
+                                          </p:spTgt>
+                                        </p:tgtEl>
+                                        <p:attrNameLst>
+                                          <p:attrName>style.visibility</p:attrName>
+                                        </p:attrNameLst>
+                                      </p:cBhvr>
+                                      <p:to>
+                                        <p:strVal val="visible"/>
+                                      </p:to>
+                                    </p:set>
+                                  </p:childTnLst>
+                                </p:cTn>
+                              </p:par>
+                              <p:par>
+                                <p:cTn id="11" presetID="1" presetClass="entr" presetSubtype="0" fill="hold" grpId="0" nodeType="withEffect">
+                                  <p:stCondLst>
+                                    <p:cond delay="0"/>
+                                  </p:stCondLst>
+                                  <p:childTnLst>
+                                    <p:set>
+                                      <p:cBhvr>
+                                        <p:cTn id="12" dur="1" fill="hold">
                                           <p:stCondLst>
                                             <p:cond delay="0"/>
                                           </p:stCondLst>
@@ -13962,7 +16387,7 @@
 </p:sld>
 </file>
 
-<file path=ppt/slides/slide18.xml><?xml version="1.0" encoding="utf-8"?>
+<file path=ppt/slides/slide21.xml><?xml version="1.0" encoding="utf-8"?>
 <p:sld xmlns:a="http://schemas.openxmlformats.org/drawingml/2006/main" xmlns:r="http://schemas.openxmlformats.org/officeDocument/2006/relationships" xmlns:p="http://schemas.openxmlformats.org/presentationml/2006/main">
   <p:cSld>
     <p:spTree>
@@ -14421,7 +16846,7 @@
             <a:fld id="{2BF067CD-8E6B-4360-9AA8-C5DF2A48A6D1}" type="slidenum">
               <a:rPr lang="en-US" noProof="0" smtClean="0"/>
               <a:pPr/>
-              <a:t>18</a:t>
+              <a:t>21</a:t>
             </a:fld>
             <a:endParaRPr lang="en-US" noProof="0" dirty="0"/>
           </a:p>
@@ -14829,7 +17254,7 @@
 </p:sld>
 </file>
 
-<file path=ppt/slides/slide19.xml><?xml version="1.0" encoding="utf-8"?>
+<file path=ppt/slides/slide22.xml><?xml version="1.0" encoding="utf-8"?>
 <p:sld xmlns:a="http://schemas.openxmlformats.org/drawingml/2006/main" xmlns:r="http://schemas.openxmlformats.org/officeDocument/2006/relationships" xmlns:p="http://schemas.openxmlformats.org/presentationml/2006/main">
   <p:cSld>
     <p:spTree>
@@ -14983,403 +17408,7 @@
 </p:sld>
 </file>
 
-<file path=ppt/slides/slide2.xml><?xml version="1.0" encoding="utf-8"?>
-<p:sld xmlns:a="http://schemas.openxmlformats.org/drawingml/2006/main" xmlns:r="http://schemas.openxmlformats.org/officeDocument/2006/relationships" xmlns:p="http://schemas.openxmlformats.org/presentationml/2006/main">
-  <p:cSld>
-    <p:spTree>
-      <p:nvGrpSpPr>
-        <p:cNvPr id="1" name=""/>
-        <p:cNvGrpSpPr/>
-        <p:nvPr/>
-      </p:nvGrpSpPr>
-      <p:grpSpPr>
-        <a:xfrm>
-          <a:off x="0" y="0"/>
-          <a:ext cx="0" cy="0"/>
-          <a:chOff x="0" y="0"/>
-          <a:chExt cx="0" cy="0"/>
-        </a:xfrm>
-      </p:grpSpPr>
-      <p:sp>
-        <p:nvSpPr>
-          <p:cNvPr id="423939" name="Rectangle 3"/>
-          <p:cNvSpPr>
-            <a:spLocks noGrp="1" noChangeArrowheads="1"/>
-          </p:cNvSpPr>
-          <p:nvPr>
-            <p:ph type="body" sz="quarter" idx="10"/>
-          </p:nvPr>
-        </p:nvSpPr>
-        <p:spPr>
-          <a:xfrm>
-            <a:off x="190406" y="1359000"/>
-            <a:ext cx="11818096" cy="5310000"/>
-          </a:xfrm>
-        </p:spPr>
-        <p:txBody>
-          <a:bodyPr/>
-          <a:lstStyle/>
-          <a:p>
-            <a:pPr marL="742950" indent="-742950">
-              <a:buFont typeface="+mj-lt"/>
-              <a:buAutoNum type="arabicPeriod"/>
-            </a:pPr>
-            <a:r>
-              <a:rPr lang="bg-BG" sz="4000" dirty="0"/>
-              <a:t>Какво е </a:t>
-            </a:r>
-            <a:r>
-              <a:rPr lang="bg-BG" sz="4000" b="1" dirty="0"/>
-              <a:t>капсулация</a:t>
-            </a:r>
-            <a:r>
-              <a:rPr lang="bg-BG" sz="4000" dirty="0"/>
-              <a:t> в ООП</a:t>
-            </a:r>
-            <a:r>
-              <a:rPr lang="en-US" sz="4000" dirty="0"/>
-              <a:t>?</a:t>
-            </a:r>
-          </a:p>
-          <a:p>
-            <a:pPr marL="742950" indent="-742950">
-              <a:buFont typeface="+mj-lt"/>
-              <a:buAutoNum type="arabicPeriod"/>
-            </a:pPr>
-            <a:r>
-              <a:rPr lang="bg-BG" sz="4000" dirty="0"/>
-              <a:t>Модификатори</a:t>
-            </a:r>
-            <a:r>
-              <a:rPr lang="en-US" sz="4000" dirty="0"/>
-              <a:t> </a:t>
-            </a:r>
-            <a:r>
-              <a:rPr lang="bg-BG" sz="4000" dirty="0"/>
-              <a:t>за достъп: </a:t>
-            </a:r>
-            <a:r>
-              <a:rPr lang="en-US" sz="4000" b="1" dirty="0"/>
-              <a:t>public</a:t>
-            </a:r>
-            <a:r>
-              <a:rPr lang="en-US" sz="4000" dirty="0"/>
-              <a:t> </a:t>
-            </a:r>
-            <a:r>
-              <a:rPr lang="bg-BG" sz="4000" dirty="0"/>
-              <a:t>и </a:t>
-            </a:r>
-            <a:r>
-              <a:rPr lang="en-US" sz="4000" b="1" dirty="0"/>
-              <a:t>private</a:t>
-            </a:r>
-          </a:p>
-          <a:p>
-            <a:pPr marL="742950" indent="-742950">
-              <a:buFont typeface="+mj-lt"/>
-              <a:buAutoNum type="arabicPeriod"/>
-            </a:pPr>
-            <a:r>
-              <a:rPr lang="bg-BG" sz="4000" dirty="0"/>
-              <a:t>͏͏</a:t>
-            </a:r>
-            <a:r>
-              <a:rPr lang="bg-BG" sz="4000" b="1" dirty="0"/>
-              <a:t>Изключения</a:t>
-            </a:r>
-            <a:r>
-              <a:rPr lang="en-US" sz="4000" dirty="0"/>
-              <a:t>, </a:t>
-            </a:r>
-            <a:r>
-              <a:rPr lang="bg-BG" sz="4000" dirty="0"/>
-              <a:t>хвърляне на изключения</a:t>
-            </a:r>
-          </a:p>
-          <a:p>
-            <a:pPr marL="742950" indent="-742950">
-              <a:buFont typeface="+mj-lt"/>
-              <a:buAutoNum type="arabicPeriod"/>
-            </a:pPr>
-            <a:r>
-              <a:rPr lang="bg-BG" sz="4000" dirty="0"/>
-              <a:t>͏</a:t>
-            </a:r>
-            <a:r>
-              <a:rPr lang="bg-BG" sz="4000" b="1" dirty="0"/>
-              <a:t>Валидация</a:t>
-            </a:r>
-            <a:r>
-              <a:rPr lang="bg-BG" sz="4000" dirty="0"/>
-              <a:t> на данни в ООП</a:t>
-            </a:r>
-          </a:p>
-        </p:txBody>
-      </p:sp>
-      <p:sp>
-        <p:nvSpPr>
-          <p:cNvPr id="423938" name="Rectangle 2"/>
-          <p:cNvSpPr>
-            <a:spLocks noGrp="1" noChangeArrowheads="1"/>
-          </p:cNvSpPr>
-          <p:nvPr>
-            <p:ph type="title"/>
-          </p:nvPr>
-        </p:nvSpPr>
-        <p:spPr/>
-        <p:txBody>
-          <a:bodyPr/>
-          <a:lstStyle/>
-          <a:p>
-            <a:r>
-              <a:rPr lang="bg-BG" dirty="0"/>
-              <a:t>Съдържание</a:t>
-            </a:r>
-          </a:p>
-        </p:txBody>
-      </p:sp>
-      <p:sp>
-        <p:nvSpPr>
-          <p:cNvPr id="2" name="Slide Number">
-            <a:extLst>
-              <a:ext uri="{FF2B5EF4-FFF2-40B4-BE49-F238E27FC236}">
-                <a16:creationId xmlns:a16="http://schemas.microsoft.com/office/drawing/2014/main" id="{81D146AD-B7C2-E9F0-5603-596ADD194D43}"/>
-              </a:ext>
-            </a:extLst>
-          </p:cNvPr>
-          <p:cNvSpPr>
-            <a:spLocks noGrp="1"/>
-          </p:cNvSpPr>
-          <p:nvPr>
-            <p:ph type="sldNum" sz="quarter" idx="5"/>
-          </p:nvPr>
-        </p:nvSpPr>
-        <p:spPr>
-          <a:xfrm>
-            <a:off x="11753030" y="6507000"/>
-            <a:ext cx="367414" cy="297000"/>
-          </a:xfrm>
-          <a:prstGeom prst="rect">
-            <a:avLst/>
-          </a:prstGeom>
-        </p:spPr>
-        <p:txBody>
-          <a:bodyPr vert="horz" lIns="91440" tIns="45720" rIns="91440" bIns="45720" rtlCol="0" anchor="b"/>
-          <a:lstStyle>
-            <a:lvl1pPr algn="r">
-              <a:defRPr sz="1000"/>
-            </a:lvl1pPr>
-          </a:lstStyle>
-          <a:p>
-            <a:fld id="{2BF067CD-8E6B-4360-9AA8-C5DF2A48A6D1}" type="slidenum">
-              <a:rPr lang="en-US" noProof="0" smtClean="0"/>
-              <a:pPr/>
-              <a:t>2</a:t>
-            </a:fld>
-            <a:endParaRPr lang="en-US" noProof="0" dirty="0"/>
-          </a:p>
-        </p:txBody>
-      </p:sp>
-    </p:spTree>
-    <p:extLst>
-      <p:ext uri="{BB962C8B-B14F-4D97-AF65-F5344CB8AC3E}">
-        <p14:creationId xmlns:p14="http://schemas.microsoft.com/office/powerpoint/2010/main" val="1481693176"/>
-      </p:ext>
-    </p:extLst>
-  </p:cSld>
-  <p:clrMapOvr>
-    <a:masterClrMapping/>
-  </p:clrMapOvr>
-  <mc:AlternateContent xmlns:mc="http://schemas.openxmlformats.org/markup-compatibility/2006" xmlns:p14="http://schemas.microsoft.com/office/powerpoint/2010/main">
-    <mc:Choice Requires="p14">
-      <p:transition p14:dur="0"/>
-    </mc:Choice>
-    <mc:Fallback xmlns="">
-      <p:transition/>
-    </mc:Fallback>
-  </mc:AlternateContent>
-  <p:timing>
-    <p:tnLst>
-      <p:par>
-        <p:cTn id="1" dur="indefinite" restart="never" nodeType="tmRoot">
-          <p:childTnLst>
-            <p:seq concurrent="1" nextAc="seek">
-              <p:cTn id="2" dur="indefinite" nodeType="mainSeq">
-                <p:childTnLst>
-                  <p:par>
-                    <p:cTn id="3" fill="hold">
-                      <p:stCondLst>
-                        <p:cond delay="indefinite"/>
-                      </p:stCondLst>
-                      <p:childTnLst>
-                        <p:par>
-                          <p:cTn id="4" fill="hold">
-                            <p:stCondLst>
-                              <p:cond delay="0"/>
-                            </p:stCondLst>
-                            <p:childTnLst>
-                              <p:par>
-                                <p:cTn id="5" presetID="1" presetClass="entr" presetSubtype="0" fill="hold" nodeType="clickEffect">
-                                  <p:stCondLst>
-                                    <p:cond delay="0"/>
-                                  </p:stCondLst>
-                                  <p:childTnLst>
-                                    <p:set>
-                                      <p:cBhvr>
-                                        <p:cTn id="6" dur="1" fill="hold">
-                                          <p:stCondLst>
-                                            <p:cond delay="0"/>
-                                          </p:stCondLst>
-                                        </p:cTn>
-                                        <p:tgtEl>
-                                          <p:spTgt spid="423939">
-                                            <p:txEl>
-                                              <p:pRg st="1" end="1"/>
-                                            </p:txEl>
-                                          </p:spTgt>
-                                        </p:tgtEl>
-                                        <p:attrNameLst>
-                                          <p:attrName>style.visibility</p:attrName>
-                                        </p:attrNameLst>
-                                      </p:cBhvr>
-                                      <p:to>
-                                        <p:strVal val="visible"/>
-                                      </p:to>
-                                    </p:set>
-                                  </p:childTnLst>
-                                </p:cTn>
-                              </p:par>
-                            </p:childTnLst>
-                          </p:cTn>
-                        </p:par>
-                      </p:childTnLst>
-                    </p:cTn>
-                  </p:par>
-                  <p:par>
-                    <p:cTn id="7" fill="hold">
-                      <p:stCondLst>
-                        <p:cond delay="indefinite"/>
-                      </p:stCondLst>
-                      <p:childTnLst>
-                        <p:par>
-                          <p:cTn id="8" fill="hold">
-                            <p:stCondLst>
-                              <p:cond delay="0"/>
-                            </p:stCondLst>
-                            <p:childTnLst>
-                              <p:par>
-                                <p:cTn id="9" presetID="1" presetClass="entr" presetSubtype="0" fill="hold" nodeType="clickEffect">
-                                  <p:stCondLst>
-                                    <p:cond delay="0"/>
-                                  </p:stCondLst>
-                                  <p:childTnLst>
-                                    <p:set>
-                                      <p:cBhvr>
-                                        <p:cTn id="10" dur="1" fill="hold">
-                                          <p:stCondLst>
-                                            <p:cond delay="0"/>
-                                          </p:stCondLst>
-                                        </p:cTn>
-                                        <p:tgtEl>
-                                          <p:spTgt spid="423939">
-                                            <p:txEl>
-                                              <p:pRg st="2" end="2"/>
-                                            </p:txEl>
-                                          </p:spTgt>
-                                        </p:tgtEl>
-                                        <p:attrNameLst>
-                                          <p:attrName>style.visibility</p:attrName>
-                                        </p:attrNameLst>
-                                      </p:cBhvr>
-                                      <p:to>
-                                        <p:strVal val="visible"/>
-                                      </p:to>
-                                    </p:set>
-                                  </p:childTnLst>
-                                </p:cTn>
-                              </p:par>
-                            </p:childTnLst>
-                          </p:cTn>
-                        </p:par>
-                      </p:childTnLst>
-                    </p:cTn>
-                  </p:par>
-                  <p:par>
-                    <p:cTn id="11" fill="hold">
-                      <p:stCondLst>
-                        <p:cond delay="indefinite"/>
-                      </p:stCondLst>
-                      <p:childTnLst>
-                        <p:par>
-                          <p:cTn id="12" fill="hold">
-                            <p:stCondLst>
-                              <p:cond delay="0"/>
-                            </p:stCondLst>
-                            <p:childTnLst>
-                              <p:par>
-                                <p:cTn id="13" presetID="1" presetClass="entr" presetSubtype="0" fill="hold" nodeType="clickEffect">
-                                  <p:stCondLst>
-                                    <p:cond delay="0"/>
-                                  </p:stCondLst>
-                                  <p:childTnLst>
-                                    <p:set>
-                                      <p:cBhvr>
-                                        <p:cTn id="14" dur="1" fill="hold">
-                                          <p:stCondLst>
-                                            <p:cond delay="0"/>
-                                          </p:stCondLst>
-                                        </p:cTn>
-                                        <p:tgtEl>
-                                          <p:spTgt spid="423939">
-                                            <p:txEl>
-                                              <p:pRg st="3" end="3"/>
-                                            </p:txEl>
-                                          </p:spTgt>
-                                        </p:tgtEl>
-                                        <p:attrNameLst>
-                                          <p:attrName>style.visibility</p:attrName>
-                                        </p:attrNameLst>
-                                      </p:cBhvr>
-                                      <p:to>
-                                        <p:strVal val="visible"/>
-                                      </p:to>
-                                    </p:set>
-                                  </p:childTnLst>
-                                </p:cTn>
-                              </p:par>
-                            </p:childTnLst>
-                          </p:cTn>
-                        </p:par>
-                      </p:childTnLst>
-                    </p:cTn>
-                  </p:par>
-                </p:childTnLst>
-              </p:cTn>
-              <p:prevCondLst>
-                <p:cond evt="onPrev" delay="0">
-                  <p:tgtEl>
-                    <p:sldTgt/>
-                  </p:tgtEl>
-                </p:cond>
-              </p:prevCondLst>
-              <p:nextCondLst>
-                <p:cond evt="onNext" delay="0">
-                  <p:tgtEl>
-                    <p:sldTgt/>
-                  </p:tgtEl>
-                </p:cond>
-              </p:nextCondLst>
-            </p:seq>
-          </p:childTnLst>
-        </p:cTn>
-      </p:par>
-    </p:tnLst>
-  </p:timing>
-</p:sld>
-</file>
-
-<file path=ppt/slides/slide20.xml><?xml version="1.0" encoding="utf-8"?>
+<file path=ppt/slides/slide23.xml><?xml version="1.0" encoding="utf-8"?>
 <p:sld xmlns:a="http://schemas.openxmlformats.org/drawingml/2006/main" xmlns:r="http://schemas.openxmlformats.org/officeDocument/2006/relationships" xmlns:p="http://schemas.openxmlformats.org/presentationml/2006/main">
   <p:cSld>
     <p:spTree>
@@ -15890,7 +17919,7 @@
             <a:fld id="{2BF067CD-8E6B-4360-9AA8-C5DF2A48A6D1}" type="slidenum">
               <a:rPr lang="en-US" noProof="0" smtClean="0"/>
               <a:pPr/>
-              <a:t>20</a:t>
+              <a:t>23</a:t>
             </a:fld>
             <a:endParaRPr lang="en-US" noProof="0" dirty="0"/>
           </a:p>
@@ -16106,7 +18135,7 @@
 </p:sld>
 </file>
 
-<file path=ppt/slides/slide21.xml><?xml version="1.0" encoding="utf-8"?>
+<file path=ppt/slides/slide24.xml><?xml version="1.0" encoding="utf-8"?>
 <p:sld xmlns:a="http://schemas.openxmlformats.org/drawingml/2006/main" xmlns:r="http://schemas.openxmlformats.org/officeDocument/2006/relationships" xmlns:p="http://schemas.openxmlformats.org/presentationml/2006/main">
   <p:cSld>
     <p:spTree>
@@ -16162,28 +18191,20 @@
               <a:t> </a:t>
             </a:r>
             <a:r>
+              <a:rPr lang="en-US" sz="3000" b="1" dirty="0">
+                <a:solidFill>
+                  <a:schemeClr val="bg1"/>
+                </a:solidFill>
+              </a:rPr>
+              <a:t>setter</a:t>
+            </a:r>
+            <a:r>
               <a:rPr lang="bg-BG" sz="3000" b="1" dirty="0">
                 <a:solidFill>
                   <a:schemeClr val="bg1"/>
                 </a:solidFill>
               </a:rPr>
-              <a:t>частни</a:t>
-            </a:r>
-            <a:r>
-              <a:rPr lang="en-US" sz="3000" b="1" dirty="0">
-                <a:solidFill>
-                  <a:schemeClr val="bg1"/>
-                </a:solidFill>
-              </a:rPr>
-              <a:t> setter</a:t>
-            </a:r>
-            <a:r>
-              <a:rPr lang="bg-BG" sz="3000" b="1" dirty="0">
-                <a:solidFill>
-                  <a:schemeClr val="bg1"/>
-                </a:solidFill>
-              </a:rPr>
-              <a:t>-и</a:t>
+              <a:t>-ите</a:t>
             </a:r>
             <a:r>
               <a:rPr lang="en-US" sz="3000" dirty="0"/>
@@ -16404,7 +18425,7 @@
         <p:spPr bwMode="auto">
           <a:xfrm>
             <a:off x="5466000" y="4014000"/>
-            <a:ext cx="3420000" cy="990000"/>
+            <a:ext cx="3825000" cy="990000"/>
           </a:xfrm>
           <a:prstGeom prst="wedgeRoundRectCallout">
             <a:avLst>
@@ -16475,7 +18496,7 @@
                   <a:srgbClr val="FFFFFF"/>
                 </a:solidFill>
               </a:rPr>
-              <a:t>и</a:t>
+              <a:t>ите</a:t>
             </a:r>
             <a:endParaRPr lang="en-US" sz="2400" b="1" noProof="1">
               <a:solidFill>
@@ -16521,7 +18542,7 @@
             <a:fld id="{2BF067CD-8E6B-4360-9AA8-C5DF2A48A6D1}" type="slidenum">
               <a:rPr lang="en-US" noProof="0" smtClean="0"/>
               <a:pPr/>
-              <a:t>21</a:t>
+              <a:t>24</a:t>
             </a:fld>
             <a:endParaRPr lang="en-US" noProof="0" dirty="0"/>
           </a:p>
@@ -16675,7 +18696,7 @@
 </p:sld>
 </file>
 
-<file path=ppt/slides/slide22.xml><?xml version="1.0" encoding="utf-8"?>
+<file path=ppt/slides/slide25.xml><?xml version="1.0" encoding="utf-8"?>
 <p:sld xmlns:a="http://schemas.openxmlformats.org/drawingml/2006/main" xmlns:r="http://schemas.openxmlformats.org/officeDocument/2006/relationships" xmlns:p="http://schemas.openxmlformats.org/presentationml/2006/main">
   <p:cSld>
     <p:spTree>
@@ -16879,6 +18900,11 @@
               <a:rPr lang="en-US" sz="3200" b="1" dirty="0"/>
               <a:t>460</a:t>
             </a:r>
+            <a:r>
+              <a:rPr lang="bg-BG" sz="3200" b="1" dirty="0"/>
+              <a:t> лв.</a:t>
+            </a:r>
+            <a:endParaRPr lang="en-US" sz="3200" b="1" dirty="0"/>
           </a:p>
         </p:txBody>
       </p:sp>
@@ -17249,7 +19275,7 @@
             <a:fld id="{2BF067CD-8E6B-4360-9AA8-C5DF2A48A6D1}" type="slidenum">
               <a:rPr lang="en-US" noProof="0" smtClean="0"/>
               <a:pPr/>
-              <a:t>22</a:t>
+              <a:t>25</a:t>
             </a:fld>
             <a:endParaRPr lang="en-US" noProof="0" dirty="0"/>
           </a:p>
@@ -17546,7 +19572,7 @@
 </p:sld>
 </file>
 
-<file path=ppt/slides/slide23.xml><?xml version="1.0" encoding="utf-8"?>
+<file path=ppt/slides/slide26.xml><?xml version="1.0" encoding="utf-8"?>
 <p:sld xmlns:a="http://schemas.openxmlformats.org/drawingml/2006/main" xmlns:r="http://schemas.openxmlformats.org/officeDocument/2006/relationships" xmlns:p="http://schemas.openxmlformats.org/presentationml/2006/main">
   <p:cSld>
     <p:spTree>
@@ -17694,7 +19720,7 @@
             </a:pPr>
             <a:r>
               <a:rPr lang="en-US" sz="2600" dirty="0"/>
-              <a:t>  get =&gt; </a:t>
+              <a:t>  get { return </a:t>
             </a:r>
             <a:r>
               <a:rPr lang="en-US" sz="2600" noProof="1"/>
@@ -17702,7 +19728,7 @@
             </a:r>
             <a:r>
               <a:rPr lang="en-US" sz="2600" dirty="0"/>
-              <a:t>;</a:t>
+              <a:t>; }</a:t>
             </a:r>
           </a:p>
           <a:p>
@@ -17961,7 +19987,7 @@
             <a:fld id="{2BF067CD-8E6B-4360-9AA8-C5DF2A48A6D1}" type="slidenum">
               <a:rPr lang="en-US" noProof="0" smtClean="0"/>
               <a:pPr/>
-              <a:t>23</a:t>
+              <a:t>26</a:t>
             </a:fld>
             <a:endParaRPr lang="en-US" noProof="0" dirty="0"/>
           </a:p>
@@ -18289,7 +20315,7 @@
 </p:sld>
 </file>
 
-<file path=ppt/slides/slide24.xml><?xml version="1.0" encoding="utf-8"?>
+<file path=ppt/slides/slide27.xml><?xml version="1.0" encoding="utf-8"?>
 <p:sld xmlns:a="http://schemas.openxmlformats.org/drawingml/2006/main" xmlns:r="http://schemas.openxmlformats.org/officeDocument/2006/relationships" xmlns:p="http://schemas.openxmlformats.org/presentationml/2006/main">
   <p:cSld>
     <p:spTree>
@@ -18338,7 +20364,7 @@
             <a:fld id="{2BF067CD-8E6B-4360-9AA8-C5DF2A48A6D1}" type="slidenum">
               <a:rPr lang="en-US" noProof="0" smtClean="0"/>
               <a:pPr/>
-              <a:t>24</a:t>
+              <a:t>27</a:t>
             </a:fld>
             <a:endParaRPr lang="en-US" noProof="0" dirty="0"/>
           </a:p>
@@ -19282,7 +21308,7 @@
 </p:sld>
 </file>
 
-<file path=ppt/slides/slide25.xml><?xml version="1.0" encoding="utf-8"?>
+<file path=ppt/slides/slide28.xml><?xml version="1.0" encoding="utf-8"?>
 <p:sld xmlns:a="http://schemas.openxmlformats.org/drawingml/2006/main" xmlns:r="http://schemas.openxmlformats.org/officeDocument/2006/relationships" xmlns:p="http://schemas.openxmlformats.org/presentationml/2006/main">
   <p:cSld>
     <p:spTree>
@@ -19472,7 +21498,7 @@
 </p:sld>
 </file>
 
-<file path=ppt/slides/slide26.xml><?xml version="1.0" encoding="utf-8"?>
+<file path=ppt/slides/slide29.xml><?xml version="1.0" encoding="utf-8"?>
 <p:sld xmlns:a="http://schemas.openxmlformats.org/drawingml/2006/main" xmlns:r="http://schemas.openxmlformats.org/officeDocument/2006/relationships" xmlns:p="http://schemas.openxmlformats.org/presentationml/2006/main" show="0">
   <p:cSld>
     <p:spTree>
@@ -19828,7 +21854,7 @@
             <a:fld id="{2BF067CD-8E6B-4360-9AA8-C5DF2A48A6D1}" type="slidenum">
               <a:rPr lang="en-US" noProof="0" smtClean="0"/>
               <a:pPr/>
-              <a:t>26</a:t>
+              <a:t>29</a:t>
             </a:fld>
             <a:endParaRPr lang="en-US" noProof="0" dirty="0"/>
           </a:p>
@@ -19844,11 +21870,11 @@
   <p:clrMapOvr>
     <a:masterClrMapping/>
   </p:clrMapOvr>
-  <mc:AlternateContent xmlns:mc="http://schemas.openxmlformats.org/markup-compatibility/2006">
-    <mc:Choice xmlns:p14="http://schemas.microsoft.com/office/powerpoint/2010/main" Requires="p14">
+  <mc:AlternateContent xmlns:mc="http://schemas.openxmlformats.org/markup-compatibility/2006" xmlns:p14="http://schemas.microsoft.com/office/powerpoint/2010/main">
+    <mc:Choice Requires="p14">
       <p:transition spd="slow" p14:dur="2000" advClick="0" advTm="5000"/>
     </mc:Choice>
-    <mc:Fallback>
+    <mc:Fallback xmlns="">
       <p:transition spd="slow" advClick="0" advTm="5000"/>
     </mc:Fallback>
   </mc:AlternateContent>
@@ -21251,19 +23277,23 @@
         </p:nvSpPr>
         <p:spPr>
           <a:xfrm>
-            <a:off x="190402" y="1196125"/>
-            <a:ext cx="11818096" cy="1364067"/>
+            <a:off x="190402" y="1196126"/>
+            <a:ext cx="11818096" cy="1243748"/>
           </a:xfrm>
         </p:spPr>
         <p:txBody>
           <a:bodyPr>
-            <a:normAutofit lnSpcReduction="10000"/>
+            <a:normAutofit fontScale="92500" lnSpcReduction="10000"/>
           </a:bodyPr>
           <a:lstStyle/>
           <a:p>
             <a:r>
+              <a:rPr lang="bg-BG" b="1" dirty="0"/>
+              <a:t>Полетата</a:t>
+            </a:r>
+            <a:r>
               <a:rPr lang="bg-BG" dirty="0"/>
-              <a:t>Полетата трябва да бъдат </a:t>
+              <a:t> трябва да бъдат </a:t>
             </a:r>
             <a:r>
               <a:rPr lang="bg-BG" b="1" dirty="0">
@@ -21278,8 +23308,20 @@
           </a:p>
           <a:p>
             <a:r>
+              <a:rPr lang="bg-BG" b="1" dirty="0"/>
+              <a:t>Свойствата</a:t>
+            </a:r>
+            <a:r>
               <a:rPr lang="bg-BG" dirty="0"/>
-              <a:t>Свойствата трябва да бъдат </a:t>
+              <a:t> и </a:t>
+            </a:r>
+            <a:r>
+              <a:rPr lang="bg-BG" b="1" dirty="0"/>
+              <a:t>конструкторите</a:t>
+            </a:r>
+            <a:r>
+              <a:rPr lang="bg-BG" dirty="0"/>
+              <a:t> трябва да бъдат </a:t>
             </a:r>
             <a:r>
               <a:rPr lang="bg-BG" b="1" dirty="0">
@@ -21357,10 +23399,10 @@
       </p:sp>
       <p:grpSp>
         <p:nvGrpSpPr>
-          <p:cNvPr id="13" name="Group 12">
+          <p:cNvPr id="4" name="Group 3">
             <a:extLst>
               <a:ext uri="{FF2B5EF4-FFF2-40B4-BE49-F238E27FC236}">
-                <a16:creationId xmlns:a16="http://schemas.microsoft.com/office/drawing/2014/main" id="{12809DB7-0C99-48BB-81BC-AA20BF94CAE4}"/>
+                <a16:creationId xmlns:a16="http://schemas.microsoft.com/office/drawing/2014/main" id="{91616A20-C0EC-A4B1-743C-45DEB052D137}"/>
               </a:ext>
             </a:extLst>
           </p:cNvPr>
@@ -21369,10 +23411,10 @@
         </p:nvGrpSpPr>
         <p:grpSpPr>
           <a:xfrm>
-            <a:off x="2855659" y="2772913"/>
-            <a:ext cx="6480682" cy="3516300"/>
-            <a:chOff x="2478562" y="1839196"/>
-            <a:chExt cx="6036284" cy="3516300"/>
+            <a:off x="1460914" y="2445020"/>
+            <a:ext cx="9270171" cy="3997919"/>
+            <a:chOff x="1460914" y="2381241"/>
+            <a:chExt cx="9270171" cy="3997919"/>
           </a:xfrm>
         </p:grpSpPr>
         <p:sp>
@@ -21385,8 +23427,8 @@
           </p:nvSpPr>
           <p:spPr bwMode="auto">
             <a:xfrm>
-              <a:off x="2478562" y="1839196"/>
-              <a:ext cx="6036284" cy="618162"/>
+              <a:off x="1460914" y="2381241"/>
+              <a:ext cx="9270171" cy="708661"/>
             </a:xfrm>
             <a:prstGeom prst="rect">
               <a:avLst/>
@@ -21441,8 +23483,8 @@
           </p:nvSpPr>
           <p:spPr bwMode="auto">
             <a:xfrm>
-              <a:off x="2478562" y="2457178"/>
-              <a:ext cx="6036284" cy="1172160"/>
+              <a:off x="1460914" y="3089695"/>
+              <a:ext cx="9270171" cy="1417548"/>
             </a:xfrm>
             <a:prstGeom prst="rect">
               <a:avLst/>
@@ -21468,6 +23510,9 @@
             <a:lstStyle/>
             <a:p>
               <a:pPr defTabSz="1218438" latinLnBrk="1">
+                <a:lnSpc>
+                  <a:spcPct val="80000"/>
+                </a:lnSpc>
                 <a:spcBef>
                   <a:spcPts val="600"/>
                 </a:spcBef>
@@ -21478,15 +23523,18 @@
                 <a:buNone/>
               </a:pPr>
               <a:r>
-                <a:rPr lang="en-US" sz="2600" b="1" noProof="1">
+                <a:rPr lang="en-US" sz="2400" b="1" noProof="1">
                   <a:latin typeface="Consolas" pitchFamily="49" charset="0"/>
                   <a:cs typeface="Consolas" pitchFamily="49" charset="0"/>
                 </a:rPr>
-                <a:t>-name: string</a:t>
+                <a:t>-firstName: string</a:t>
               </a:r>
             </a:p>
             <a:p>
               <a:pPr defTabSz="1218438" latinLnBrk="1">
+                <a:lnSpc>
+                  <a:spcPct val="80000"/>
+                </a:lnSpc>
                 <a:spcBef>
                   <a:spcPts val="600"/>
                 </a:spcBef>
@@ -21497,7 +23545,29 @@
                 <a:buNone/>
               </a:pPr>
               <a:r>
-                <a:rPr lang="en-US" sz="2600" b="1" noProof="1">
+                <a:rPr lang="en-US" sz="2400" b="1" noProof="1">
+                  <a:latin typeface="Consolas" pitchFamily="49" charset="0"/>
+                  <a:cs typeface="Consolas" pitchFamily="49" charset="0"/>
+                </a:rPr>
+                <a:t>-lastName: string</a:t>
+              </a:r>
+            </a:p>
+            <a:p>
+              <a:pPr defTabSz="1218438" latinLnBrk="1">
+                <a:lnSpc>
+                  <a:spcPct val="80000"/>
+                </a:lnSpc>
+                <a:spcBef>
+                  <a:spcPts val="600"/>
+                </a:spcBef>
+                <a:spcAft>
+                  <a:spcPts val="600"/>
+                </a:spcAft>
+                <a:buFont typeface="Wingdings" panose="05000000000000000000" pitchFamily="2" charset="2"/>
+                <a:buNone/>
+              </a:pPr>
+              <a:r>
+                <a:rPr lang="en-US" sz="2400" b="1" noProof="1">
                   <a:latin typeface="Consolas" pitchFamily="49" charset="0"/>
                   <a:cs typeface="Consolas" pitchFamily="49" charset="0"/>
                 </a:rPr>
@@ -21516,8 +23586,8 @@
           </p:nvSpPr>
           <p:spPr bwMode="auto">
             <a:xfrm>
-              <a:off x="2478562" y="3629338"/>
-              <a:ext cx="6036284" cy="1726158"/>
+              <a:off x="1460914" y="4512258"/>
+              <a:ext cx="9270171" cy="1866902"/>
             </a:xfrm>
             <a:prstGeom prst="rect">
               <a:avLst/>
@@ -21543,6 +23613,9 @@
             <a:lstStyle/>
             <a:p>
               <a:pPr defTabSz="1218438" latinLnBrk="1">
+                <a:lnSpc>
+                  <a:spcPct val="80000"/>
+                </a:lnSpc>
                 <a:spcBef>
                   <a:spcPts val="600"/>
                 </a:spcBef>
@@ -21553,15 +23626,38 @@
                 <a:buNone/>
               </a:pPr>
               <a:r>
-                <a:rPr lang="en-US" sz="2600" b="1" noProof="1">
+                <a:rPr lang="en-US" sz="2400" b="1" noProof="1">
                   <a:latin typeface="Consolas" pitchFamily="49" charset="0"/>
                   <a:cs typeface="Consolas" pitchFamily="49" charset="0"/>
                 </a:rPr>
-                <a:t>+Person(string name, int age)</a:t>
+                <a:t>+FirstName: string</a:t>
               </a:r>
             </a:p>
             <a:p>
               <a:pPr defTabSz="1218438" latinLnBrk="1">
+                <a:lnSpc>
+                  <a:spcPct val="80000"/>
+                </a:lnSpc>
+                <a:spcBef>
+                  <a:spcPts val="600"/>
+                </a:spcBef>
+                <a:spcAft>
+                  <a:spcPts val="600"/>
+                </a:spcAft>
+              </a:pPr>
+              <a:r>
+                <a:rPr lang="en-US" sz="2400" b="1" noProof="1">
+                  <a:latin typeface="Consolas" pitchFamily="49" charset="0"/>
+                  <a:cs typeface="Consolas" pitchFamily="49" charset="0"/>
+                </a:rPr>
+                <a:t>+LastName: string</a:t>
+              </a:r>
+            </a:p>
+            <a:p>
+              <a:pPr defTabSz="1218438" latinLnBrk="1">
+                <a:lnSpc>
+                  <a:spcPct val="80000"/>
+                </a:lnSpc>
                 <a:spcBef>
                   <a:spcPts val="600"/>
                 </a:spcBef>
@@ -21572,30 +23668,35 @@
                 <a:buNone/>
               </a:pPr>
               <a:r>
-                <a:rPr lang="en-US" sz="2600" b="1" noProof="1">
+                <a:rPr lang="en-US" sz="2400" b="1" noProof="1">
                   <a:latin typeface="Consolas" pitchFamily="49" charset="0"/>
                   <a:cs typeface="Consolas" pitchFamily="49" charset="0"/>
                 </a:rPr>
-                <a:t>+Name: string</a:t>
+                <a:t>+Age: int</a:t>
               </a:r>
+              <a:endParaRPr lang="bg-BG" sz="2400" b="1" noProof="1">
+                <a:latin typeface="Consolas" pitchFamily="49" charset="0"/>
+                <a:cs typeface="Consolas" pitchFamily="49" charset="0"/>
+              </a:endParaRPr>
             </a:p>
             <a:p>
               <a:pPr defTabSz="1218438" latinLnBrk="1">
+                <a:lnSpc>
+                  <a:spcPct val="80000"/>
+                </a:lnSpc>
                 <a:spcBef>
                   <a:spcPts val="600"/>
                 </a:spcBef>
                 <a:spcAft>
                   <a:spcPts val="600"/>
                 </a:spcAft>
-                <a:buFont typeface="Wingdings" panose="05000000000000000000" pitchFamily="2" charset="2"/>
-                <a:buNone/>
               </a:pPr>
               <a:r>
-                <a:rPr lang="en-US" sz="2600" b="1" noProof="1">
+                <a:rPr lang="en-US" sz="2400" b="1" noProof="1">
                   <a:latin typeface="Consolas" pitchFamily="49" charset="0"/>
                   <a:cs typeface="Consolas" pitchFamily="49" charset="0"/>
                 </a:rPr>
-                <a:t>+Age: int</a:t>
+                <a:t>+Person(string firstName, string lastName, int age)</a:t>
               </a:r>
             </a:p>
           </p:txBody>
@@ -21611,7 +23712,7 @@
         </p:nvSpPr>
         <p:spPr bwMode="auto">
           <a:xfrm>
-            <a:off x="6759290" y="3519000"/>
+            <a:off x="5329310" y="3547110"/>
             <a:ext cx="3116710" cy="882024"/>
           </a:xfrm>
           <a:prstGeom prst="wedgeRoundRectCallout">
@@ -21730,13 +23831,13 @@
         </p:nvSpPr>
         <p:spPr bwMode="auto">
           <a:xfrm>
-            <a:off x="6759290" y="5175090"/>
+            <a:off x="5642547" y="4851330"/>
             <a:ext cx="3116710" cy="916977"/>
           </a:xfrm>
           <a:prstGeom prst="wedgeRoundRectCallout">
             <a:avLst>
-              <a:gd name="adj1" fmla="val -71996"/>
-              <a:gd name="adj2" fmla="val -20158"/>
+              <a:gd name="adj1" fmla="val -77651"/>
+              <a:gd name="adj2" fmla="val -8144"/>
               <a:gd name="adj3" fmla="val 16667"/>
             </a:avLst>
           </a:prstGeom>
@@ -22241,7 +24342,7 @@
                                           </p:stCondLst>
                                         </p:cTn>
                                         <p:tgtEl>
-                                          <p:spTgt spid="13"/>
+                                          <p:spTgt spid="4"/>
                                         </p:tgtEl>
                                         <p:attrNameLst>
                                           <p:attrName>style.visibility</p:attrName>
@@ -23080,15 +25181,33 @@
                                   </p:childTnLst>
                                 </p:cTn>
                               </p:par>
+                            </p:childTnLst>
+                          </p:cTn>
+                        </p:par>
+                      </p:childTnLst>
+                    </p:cTn>
+                  </p:par>
+                  <p:par>
+                    <p:cTn id="11" fill="hold">
+                      <p:stCondLst>
+                        <p:cond delay="indefinite"/>
+                      </p:stCondLst>
+                      <p:childTnLst>
+                        <p:par>
+                          <p:cTn id="12" fill="hold">
+                            <p:stCondLst>
+                              <p:cond delay="0"/>
+                            </p:stCondLst>
+                            <p:childTnLst>
                               <p:par>
-                                <p:cTn id="11" presetID="1" presetClass="entr" presetSubtype="0" fill="hold" nodeType="withEffect">
+                                <p:cTn id="13" presetID="1" presetClass="entr" presetSubtype="0" fill="hold" nodeType="clickEffect">
                                   <p:stCondLst>
                                     <p:cond delay="0"/>
                                   </p:stCondLst>
                                   <p:childTnLst>
                                     <p:set>
                                       <p:cBhvr>
-                                        <p:cTn id="12" dur="1" fill="hold">
+                                        <p:cTn id="14" dur="1" fill="hold">
                                           <p:stCondLst>
                                             <p:cond delay="0"/>
                                           </p:stCondLst>
@@ -23312,8 +25431,8 @@
         </p:nvSpPr>
         <p:spPr bwMode="auto">
           <a:xfrm>
-            <a:off x="2473500" y="3429000"/>
-            <a:ext cx="7245000" cy="2782858"/>
+            <a:off x="2012250" y="3215451"/>
+            <a:ext cx="8167500" cy="3316337"/>
           </a:xfrm>
           <a:prstGeom prst="rect">
             <a:avLst/>
@@ -23422,7 +25541,43 @@
                 <a:latin typeface="Consolas" pitchFamily="49" charset="0"/>
                 <a:cs typeface="Consolas" pitchFamily="49" charset="0"/>
               </a:rPr>
-              <a:t> string Name { get; set; }</a:t>
+              <a:t> string FirstName { get; set; }</a:t>
+            </a:r>
+          </a:p>
+          <a:p>
+            <a:pPr defTabSz="1218438" latinLnBrk="1">
+              <a:spcBef>
+                <a:spcPts val="400"/>
+              </a:spcBef>
+              <a:spcAft>
+                <a:spcPts val="400"/>
+              </a:spcAft>
+              <a:buFont typeface="Wingdings" panose="05000000000000000000" pitchFamily="2" charset="2"/>
+              <a:buNone/>
+            </a:pPr>
+            <a:r>
+              <a:rPr lang="en-US" sz="2800" b="1" noProof="1">
+                <a:latin typeface="Consolas" pitchFamily="49" charset="0"/>
+                <a:cs typeface="Consolas" pitchFamily="49" charset="0"/>
+              </a:rPr>
+              <a:t>  </a:t>
+            </a:r>
+            <a:r>
+              <a:rPr lang="en-US" sz="2800" b="1" noProof="1">
+                <a:solidFill>
+                  <a:schemeClr val="bg1"/>
+                </a:solidFill>
+                <a:latin typeface="Consolas" pitchFamily="49" charset="0"/>
+                <a:cs typeface="Consolas" pitchFamily="49" charset="0"/>
+              </a:rPr>
+              <a:t>public</a:t>
+            </a:r>
+            <a:r>
+              <a:rPr lang="en-US" sz="2800" b="1" noProof="1">
+                <a:latin typeface="Consolas" pitchFamily="49" charset="0"/>
+                <a:cs typeface="Consolas" pitchFamily="49" charset="0"/>
+              </a:rPr>
+              <a:t> string LastName { get; set; }</a:t>
             </a:r>
           </a:p>
           <a:p>
@@ -23774,7 +25929,7 @@
         <p:spPr bwMode="auto">
           <a:xfrm>
             <a:off x="277454" y="2499518"/>
-            <a:ext cx="5458546" cy="3018820"/>
+            <a:ext cx="5433652" cy="3018820"/>
           </a:xfrm>
           <a:prstGeom prst="rect">
             <a:avLst/>
@@ -23901,8 +26056,8 @@
         </p:nvSpPr>
         <p:spPr bwMode="auto">
           <a:xfrm>
-            <a:off x="5756903" y="2499518"/>
-            <a:ext cx="6189097" cy="4034482"/>
+            <a:off x="5823052" y="2499518"/>
+            <a:ext cx="6122948" cy="4034482"/>
           </a:xfrm>
           <a:prstGeom prst="rect">
             <a:avLst/>

--- a/Courses/Software-Sciences/Module-1-OOP/08.1-Encapsulation-Basics/08.1-Encapsulation-Basics.pptx
+++ b/Courses/Software-Sciences/Module-1-OOP/08.1-Encapsulation-Basics/08.1-Encapsulation-Basics.pptx
@@ -311,7 +311,7 @@
           <a:p>
             <a:fld id="{4E087215-0C8F-4762-A664-737A353EC9A4}" type="datetimeFigureOut">
               <a:rPr lang="bg-BG" smtClean="0"/>
-              <a:t>15.06.24 г.</a:t>
+              <a:t>17.06.24 г.</a:t>
             </a:fld>
             <a:endParaRPr lang="bg-BG"/>
           </a:p>
@@ -507,7 +507,7 @@
           <a:p>
             <a:fld id="{72D84649-876A-46C9-8472-14CB09C070D8}" type="datetimeFigureOut">
               <a:rPr lang="en-US" smtClean="0"/>
-              <a:t>6/15/24</a:t>
+              <a:t>6/17/24</a:t>
             </a:fld>
             <a:endParaRPr lang="en-US"/>
           </a:p>
@@ -9732,6 +9732,9 @@
           </a:p>
           <a:p>
             <a:pPr>
+              <a:spcBef>
+                <a:spcPts val="0"/>
+              </a:spcBef>
               <a:buClr>
                 <a:schemeClr val="tx1"/>
               </a:buClr>
@@ -9800,8 +9803,8 @@
         </p:nvSpPr>
         <p:spPr bwMode="auto">
           <a:xfrm>
-            <a:off x="696000" y="1860331"/>
-            <a:ext cx="7695000" cy="2628969"/>
+            <a:off x="696000" y="1932732"/>
+            <a:ext cx="7695000" cy="2126268"/>
           </a:xfrm>
           <a:prstGeom prst="rect">
             <a:avLst/>
@@ -9841,7 +9844,7 @@
                 <a:latin typeface="Consolas" pitchFamily="49" charset="0"/>
                 <a:cs typeface="Consolas" pitchFamily="49" charset="0"/>
               </a:rPr>
-              <a:t>internal class Person </a:t>
+              <a:t>internal class Team </a:t>
             </a:r>
           </a:p>
           <a:p>
@@ -9898,25 +9901,6 @@
                 <a:latin typeface="Consolas" pitchFamily="49" charset="0"/>
                 <a:cs typeface="Consolas" pitchFamily="49" charset="0"/>
               </a:rPr>
-              <a:t>   public int Age { get; set; }</a:t>
-            </a:r>
-          </a:p>
-          <a:p>
-            <a:pPr defTabSz="1218438" latinLnBrk="1">
-              <a:spcBef>
-                <a:spcPts val="400"/>
-              </a:spcBef>
-              <a:spcAft>
-                <a:spcPts val="400"/>
-              </a:spcAft>
-              <a:buFont typeface="Wingdings" panose="05000000000000000000" pitchFamily="2" charset="2"/>
-              <a:buNone/>
-            </a:pPr>
-            <a:r>
-              <a:rPr lang="en-US" sz="2600" b="1" noProof="1">
-                <a:latin typeface="Consolas" pitchFamily="49" charset="0"/>
-                <a:cs typeface="Consolas" pitchFamily="49" charset="0"/>
-              </a:rPr>
               <a:t>}</a:t>
             </a:r>
           </a:p>
@@ -9932,7 +9916,7 @@
         </p:nvSpPr>
         <p:spPr bwMode="auto">
           <a:xfrm>
-            <a:off x="696000" y="5229000"/>
+            <a:off x="696000" y="5184000"/>
             <a:ext cx="6613592" cy="1172160"/>
           </a:xfrm>
           <a:prstGeom prst="rect">
@@ -9973,7 +9957,7 @@
                 <a:latin typeface="Consolas" pitchFamily="49" charset="0"/>
                 <a:cs typeface="Consolas" pitchFamily="49" charset="0"/>
               </a:rPr>
-              <a:t>Team rm = new Team("Real");</a:t>
+              <a:t>Team rm = new Team();</a:t>
             </a:r>
           </a:p>
           <a:p>
@@ -16437,7 +16421,7 @@
         <p:spPr bwMode="auto">
           <a:xfrm>
             <a:off x="1102301" y="1328182"/>
-            <a:ext cx="9987398" cy="5294987"/>
+            <a:ext cx="9987398" cy="4955960"/>
           </a:xfrm>
           <a:prstGeom prst="rect">
             <a:avLst/>
@@ -16762,23 +16746,6 @@
                 <a:cs typeface="Consolas" pitchFamily="49" charset="0"/>
               </a:rPr>
               <a:t>Console.Error.WriteLine("Error: " + ex.Message);</a:t>
-            </a:r>
-          </a:p>
-          <a:p>
-            <a:pPr indent="-456641" defTabSz="1218072" latinLnBrk="1"/>
-            <a:r>
-              <a:rPr lang="en-US" sz="2199" b="1" noProof="1">
-                <a:latin typeface="Consolas" pitchFamily="49" charset="0"/>
-                <a:cs typeface="Consolas" pitchFamily="49" charset="0"/>
-              </a:rPr>
-              <a:t>    </a:t>
-            </a:r>
-            <a:r>
-              <a:rPr lang="bg-BG" sz="2199" b="1" noProof="1">
-                <a:latin typeface="Consolas" pitchFamily="49" charset="0"/>
-                <a:cs typeface="Consolas" pitchFamily="49" charset="0"/>
-              </a:rPr>
-              <a:t>throw;</a:t>
             </a:r>
           </a:p>
           <a:p>
@@ -16937,7 +16904,7 @@
                                         <p:tgtEl>
                                           <p:spTgt spid="566275">
                                             <p:txEl>
-                                              <p:pRg st="14" end="14"/>
+                                              <p:pRg st="13" end="13"/>
                                             </p:txEl>
                                           </p:spTgt>
                                         </p:tgtEl>
@@ -17079,7 +17046,7 @@
                                         <p:tgtEl>
                                           <p:spTgt spid="566275">
                                             <p:txEl>
-                                              <p:pRg st="13" end="13"/>
+                                              <p:pRg st="12" end="12"/>
                                             </p:txEl>
                                           </p:spTgt>
                                         </p:tgtEl>
@@ -17178,37 +17145,6 @@
                                           <p:spTgt spid="566275">
                                             <p:txEl>
                                               <p:pRg st="11" end="11"/>
-                                            </p:txEl>
-                                          </p:spTgt>
-                                        </p:tgtEl>
-                                        <p:attrNameLst>
-                                          <p:attrName>style.visibility</p:attrName>
-                                        </p:attrNameLst>
-                                      </p:cBhvr>
-                                      <p:to>
-                                        <p:strVal val="visible"/>
-                                      </p:to>
-                                    </p:set>
-                                  </p:childTnLst>
-                                </p:cTn>
-                              </p:par>
-                              <p:par>
-                                <p:cTn id="27" presetID="1" presetClass="entr" presetSubtype="0" fill="hold" nodeType="withEffect">
-                                  <p:stCondLst>
-                                    <p:cond delay="0"/>
-                                  </p:stCondLst>
-                                  <p:childTnLst>
-                                    <p:set>
-                                      <p:cBhvr>
-                                        <p:cTn id="28" dur="1" fill="hold">
-                                          <p:stCondLst>
-                                            <p:cond delay="0"/>
-                                          </p:stCondLst>
-                                        </p:cTn>
-                                        <p:tgtEl>
-                                          <p:spTgt spid="566275">
-                                            <p:txEl>
-                                              <p:pRg st="12" end="12"/>
                                             </p:txEl>
                                           </p:spTgt>
                                         </p:tgtEl>
@@ -22073,7 +22009,23 @@
             </a:r>
             <a:r>
               <a:rPr lang="bg-BG" sz="3000" b="1" dirty="0"/>
-              <a:t>обединяване на кода и данните </a:t>
+              <a:t>обединяване </a:t>
+            </a:r>
+            <a:r>
+              <a:rPr lang="bg-BG" sz="3000" dirty="0"/>
+              <a:t>на</a:t>
+            </a:r>
+            <a:r>
+              <a:rPr lang="bg-BG" sz="3000" b="1" dirty="0"/>
+              <a:t> данните </a:t>
+            </a:r>
+            <a:r>
+              <a:rPr lang="bg-BG" sz="3000" dirty="0"/>
+              <a:t>и </a:t>
+            </a:r>
+            <a:r>
+              <a:rPr lang="bg-BG" sz="3000" b="1" dirty="0"/>
+              <a:t>методите </a:t>
             </a:r>
             <a:r>
               <a:rPr lang="bg-BG" sz="3000" dirty="0"/>
@@ -22121,7 +22073,7 @@
                   <a:schemeClr val="bg1"/>
                 </a:solidFill>
               </a:rPr>
-              <a:t>Скрива на детайлите </a:t>
+              <a:t>Скриване на детайлите </a:t>
             </a:r>
             <a:r>
               <a:rPr lang="bg-BG" sz="2800" dirty="0"/>

--- a/Courses/Software-Sciences/Module-1-OOP/08.1-Encapsulation-Basics/08.1-Encapsulation-Basics.pptx
+++ b/Courses/Software-Sciences/Module-1-OOP/08.1-Encapsulation-Basics/08.1-Encapsulation-Basics.pptx
@@ -19678,7 +19678,7 @@
             </a:pPr>
             <a:r>
               <a:rPr lang="en-US" sz="2600" dirty="0"/>
-              <a:t>  private set </a:t>
+              <a:t>  set </a:t>
             </a:r>
             <a:endParaRPr lang="bg-BG" sz="2600" dirty="0"/>
           </a:p>
